--- a/Data Analysis II - Mediation and Moderation.pptx
+++ b/Data Analysis II - Mediation and Moderation.pptx
@@ -5,7 +5,7 @@
     <p:sldMasterId id="2147483648" r:id="rId1"/>
   </p:sldMasterIdLst>
   <p:notesMasterIdLst>
-    <p:notesMasterId r:id="rId16"/>
+    <p:notesMasterId r:id="rId19"/>
   </p:notesMasterIdLst>
   <p:sldIdLst>
     <p:sldId id="256" r:id="rId2"/>
@@ -16,12 +16,15 @@
     <p:sldId id="260" r:id="rId7"/>
     <p:sldId id="263" r:id="rId8"/>
     <p:sldId id="265" r:id="rId9"/>
-    <p:sldId id="259" r:id="rId10"/>
-    <p:sldId id="261" r:id="rId11"/>
-    <p:sldId id="262" r:id="rId12"/>
-    <p:sldId id="264" r:id="rId13"/>
-    <p:sldId id="266" r:id="rId14"/>
-    <p:sldId id="267" r:id="rId15"/>
+    <p:sldId id="271" r:id="rId10"/>
+    <p:sldId id="272" r:id="rId11"/>
+    <p:sldId id="259" r:id="rId12"/>
+    <p:sldId id="270" r:id="rId13"/>
+    <p:sldId id="261" r:id="rId14"/>
+    <p:sldId id="262" r:id="rId15"/>
+    <p:sldId id="264" r:id="rId16"/>
+    <p:sldId id="266" r:id="rId17"/>
+    <p:sldId id="267" r:id="rId18"/>
   </p:sldIdLst>
   <p:sldSz cx="12192000" cy="6858000"/>
   <p:notesSz cx="6858000" cy="9144000"/>
@@ -137,11 +140,14 @@
             <p14:sldId id="260"/>
             <p14:sldId id="263"/>
             <p14:sldId id="265"/>
+            <p14:sldId id="271"/>
+            <p14:sldId id="272"/>
           </p14:sldIdLst>
         </p14:section>
         <p14:section name="Mediation" id="{0B0743C2-F348-48AF-BF7C-D4E3D16BBBBC}">
           <p14:sldIdLst>
             <p14:sldId id="259"/>
+            <p14:sldId id="270"/>
             <p14:sldId id="261"/>
             <p14:sldId id="262"/>
             <p14:sldId id="264"/>
@@ -158,6 +164,9 @@
           </p14:sldIdLst>
         </p14:section>
       </p14:sectionLst>
+    </p:ext>
+    <p:ext uri="{EFAFB233-063F-42B5-8137-9DF3F51BA10A}">
+      <p15:sldGuideLst xmlns:p15="http://schemas.microsoft.com/office/powerpoint/2012/main"/>
     </p:ext>
   </p:extLst>
 </p:presentation>
@@ -7049,7 +7058,7 @@
           <a:p>
             <a:fld id="{28CC861E-B6D9-488A-A2BB-167EDD0112EE}" type="datetimeFigureOut">
               <a:rPr lang="en-US" smtClean="0"/>
-              <a:t>3/17/2025</a:t>
+              <a:t>3/18/2025</a:t>
             </a:fld>
             <a:endParaRPr lang="en-US"/>
           </a:p>
@@ -7477,7 +7486,13 @@
   <p:cSld>
     <p:spTree>
       <p:nvGrpSpPr>
-        <p:cNvPr id="1" name=""/>
+        <p:cNvPr id="1" name="">
+          <a:extLst>
+            <a:ext uri="{FF2B5EF4-FFF2-40B4-BE49-F238E27FC236}">
+              <a16:creationId xmlns:a16="http://schemas.microsoft.com/office/drawing/2014/main" id="{5488C619-0F9D-FD62-91C3-4517DB5BB071}"/>
+            </a:ext>
+          </a:extLst>
+        </p:cNvPr>
         <p:cNvGrpSpPr/>
         <p:nvPr/>
       </p:nvGrpSpPr>
@@ -7491,7 +7506,13 @@
       </p:grpSpPr>
       <p:sp>
         <p:nvSpPr>
-          <p:cNvPr id="2" name="Slide Image Placeholder 1"/>
+          <p:cNvPr id="2" name="Slide Image Placeholder 1">
+            <a:extLst>
+              <a:ext uri="{FF2B5EF4-FFF2-40B4-BE49-F238E27FC236}">
+                <a16:creationId xmlns:a16="http://schemas.microsoft.com/office/drawing/2014/main" id="{06E2E0AA-56D1-4FB6-AEDB-E8BD2D139A59}"/>
+              </a:ext>
+            </a:extLst>
+          </p:cNvPr>
           <p:cNvSpPr>
             <a:spLocks noGrp="1" noRot="1" noChangeAspect="1"/>
           </p:cNvSpPr>
@@ -7503,7 +7524,13 @@
       </p:sp>
       <p:sp>
         <p:nvSpPr>
-          <p:cNvPr id="3" name="Notes Placeholder 2"/>
+          <p:cNvPr id="3" name="Notes Placeholder 2">
+            <a:extLst>
+              <a:ext uri="{FF2B5EF4-FFF2-40B4-BE49-F238E27FC236}">
+                <a16:creationId xmlns:a16="http://schemas.microsoft.com/office/drawing/2014/main" id="{D4F8050E-1262-7204-EE07-51EFE7AF83D2}"/>
+              </a:ext>
+            </a:extLst>
+          </p:cNvPr>
           <p:cNvSpPr>
             <a:spLocks noGrp="1"/>
           </p:cNvSpPr>
@@ -7517,45 +7544,57 @@
           <a:lstStyle/>
           <a:p>
             <a:r>
+              <a:rPr lang="en-US" b="1" dirty="0"/>
+              <a:t>Full Mediation:</a:t>
+            </a:r>
+            <a:r>
               <a:rPr lang="en-US" dirty="0"/>
-              <a:t>For mediation, the traditional approach was Baron and Kenny's causal steps. However, modern approaches focus on testing the significance of the indirect effect.</a:t>
+              <a:t> The indirect effect (</a:t>
+            </a:r>
+            <a:r>
+              <a:rPr lang="en-US" dirty="0" err="1"/>
+              <a:t>a×b</a:t>
+            </a:r>
+            <a:r>
+              <a:rPr lang="en-US" dirty="0"/>
+              <a:t>) is significant, and the direct effect c′ (the effect of X on Y after controlling for M) is no longer significant when the mediator is included. This suggests that the relationship between X and Y is entirely explained by M.</a:t>
             </a:r>
           </a:p>
           <a:p>
             <a:endParaRPr lang="en-US" dirty="0"/>
           </a:p>
           <a:p>
+            <a:endParaRPr lang="en-US" dirty="0"/>
+          </a:p>
+          <a:p>
+            <a:r>
+              <a:rPr lang="en-US" b="1" dirty="0"/>
+              <a:t>Partial Mediation:</a:t>
+            </a:r>
             <a:r>
               <a:rPr lang="en-US" dirty="0"/>
-              <a:t>The indirect effect is the product of path a (X to M) and path b (M to Y). We typically use bootstrapping methods to test this effect, as implemented in Hayes' PROCESS macro or similar tools.</a:t>
-            </a:r>
-          </a:p>
-          <a:p>
-            <a:endParaRPr lang="en-US" dirty="0"/>
-          </a:p>
-          <a:p>
+              <a:t> The indirect effect (</a:t>
+            </a:r>
+            <a:r>
+              <a:rPr lang="en-US" dirty="0" err="1"/>
+              <a:t>a×b</a:t>
+            </a:r>
             <a:r>
               <a:rPr lang="en-US" dirty="0"/>
-              <a:t>Another powerful approach is Structural Equation Modeling or SEM, which allows for more complex models with multiple mediators and control variables.</a:t>
-            </a:r>
-          </a:p>
-          <a:p>
-            <a:endParaRPr lang="en-US" dirty="0"/>
-          </a:p>
-          <a:p>
-            <a:r>
-              <a:rPr lang="en-US" dirty="0"/>
-              <a:t>We also distinguish between partial mediation (where the direct effect remains significant) and complete mediation (where the direct effect becomes non-significant when the mediator is included).</a:t>
-            </a:r>
-          </a:p>
-          <a:p>
-            <a:endParaRPr lang="en-US" dirty="0"/>
+              <a:t>) is significant, but the direct effect c′ remains significant even after M is included. This indicates that M explains part of the relationship between X and Y, but there is still a direct effect of X on Y that is not fully accounted for by M.</a:t>
+            </a:r>
           </a:p>
         </p:txBody>
       </p:sp>
       <p:sp>
         <p:nvSpPr>
-          <p:cNvPr id="4" name="Slide Number Placeholder 3"/>
+          <p:cNvPr id="4" name="Slide Number Placeholder 3">
+            <a:extLst>
+              <a:ext uri="{FF2B5EF4-FFF2-40B4-BE49-F238E27FC236}">
+                <a16:creationId xmlns:a16="http://schemas.microsoft.com/office/drawing/2014/main" id="{E59110B8-A215-0B58-9EA4-780A6BFC0019}"/>
+              </a:ext>
+            </a:extLst>
+          </p:cNvPr>
           <p:cNvSpPr>
             <a:spLocks noGrp="1"/>
           </p:cNvSpPr>
@@ -7570,7 +7609,7 @@
           <a:p>
             <a:fld id="{4A677F31-8E3C-4ED2-97DF-DE6C71117425}" type="slidenum">
               <a:rPr lang="en-US" smtClean="0"/>
-              <a:t>10</a:t>
+              <a:t>12</a:t>
             </a:fld>
             <a:endParaRPr lang="en-US"/>
           </a:p>
@@ -7579,7 +7618,7 @@
     </p:spTree>
     <p:extLst>
       <p:ext uri="{BB962C8B-B14F-4D97-AF65-F5344CB8AC3E}">
-        <p14:creationId xmlns:p14="http://schemas.microsoft.com/office/powerpoint/2010/main" val="1365249733"/>
+        <p14:creationId xmlns:p14="http://schemas.microsoft.com/office/powerpoint/2010/main" val="2929250356"/>
       </p:ext>
     </p:extLst>
   </p:cSld>
@@ -7635,7 +7674,7 @@
           <a:p>
             <a:r>
               <a:rPr lang="en-US" dirty="0"/>
-              <a:t>Proper data preparation is crucial for valid mediation analysis. First, temporal precedence is essential - your independent variable must precede your mediator, which must precede your outcome. This is ideally established through research design, such as longitudinal studies.</a:t>
+              <a:t>For mediation, the traditional approach was Baron and Kenny's causal steps. However, modern approaches focus on testing the significance of the indirect effect.</a:t>
             </a:r>
           </a:p>
           <a:p>
@@ -7644,7 +7683,7 @@
           <a:p>
             <a:r>
               <a:rPr lang="en-US" dirty="0"/>
-              <a:t>Multicollinearity between your predictor and mediator can lead to suppression effects, which can bias your results. Check correlations and variance inflation factors.</a:t>
+              <a:t>The indirect effect is the product of path a (X to M) and path b (M to Y). We typically use bootstrapping methods to test this effect, as implemented in Hayes' PROCESS macro or similar tools.</a:t>
             </a:r>
           </a:p>
           <a:p>
@@ -7653,7 +7692,7 @@
           <a:p>
             <a:r>
               <a:rPr lang="en-US" dirty="0"/>
-              <a:t>Sample size is also important - mediation analyses typically require larger samples than direct effect tests. As a rule of thumb, aim for at least 100-150 participants, though more complex models may require more.</a:t>
+              <a:t>Another powerful approach is Structural Equation Modeling or SEM, which allows for more complex models with multiple mediators and control variables.</a:t>
             </a:r>
           </a:p>
           <a:p>
@@ -7662,17 +7701,11 @@
           <a:p>
             <a:r>
               <a:rPr lang="en-US" dirty="0"/>
-              <a:t>The assumption of normal distribution of indirect effects is often violated, which is why bootstrapping methods are preferred.</a:t>
+              <a:t>We also distinguish between partial mediation (where the direct effect remains significant) and complete mediation (where the direct effect becomes non-significant when the mediator is included).</a:t>
             </a:r>
           </a:p>
           <a:p>
             <a:endParaRPr lang="en-US" dirty="0"/>
-          </a:p>
-          <a:p>
-            <a:r>
-              <a:rPr lang="en-US" dirty="0"/>
-              <a:t>Finally, always check for outliers and influential cases that might drive your results.</a:t>
-            </a:r>
           </a:p>
         </p:txBody>
       </p:sp>
@@ -7693,7 +7726,7 @@
           <a:p>
             <a:fld id="{4A677F31-8E3C-4ED2-97DF-DE6C71117425}" type="slidenum">
               <a:rPr lang="en-US" smtClean="0"/>
-              <a:t>11</a:t>
+              <a:t>13</a:t>
             </a:fld>
             <a:endParaRPr lang="en-US"/>
           </a:p>
@@ -7702,7 +7735,7 @@
     </p:spTree>
     <p:extLst>
       <p:ext uri="{BB962C8B-B14F-4D97-AF65-F5344CB8AC3E}">
-        <p14:creationId xmlns:p14="http://schemas.microsoft.com/office/powerpoint/2010/main" val="1992172667"/>
+        <p14:creationId xmlns:p14="http://schemas.microsoft.com/office/powerpoint/2010/main" val="1365249733"/>
       </p:ext>
     </p:extLst>
   </p:cSld>
@@ -7758,7 +7791,7 @@
           <a:p>
             <a:r>
               <a:rPr lang="en-US" dirty="0"/>
-              <a:t>There are several common pitfalls in mediation analysis that researchers should be aware of.</a:t>
+              <a:t>Proper data preparation is crucial for valid mediation analysis. First, temporal precedence is essential - your independent variable must precede your mediator, which must precede your outcome. This is ideally established through research design, such as longitudinal studies.</a:t>
             </a:r>
           </a:p>
           <a:p>
@@ -7767,7 +7800,7 @@
           <a:p>
             <a:r>
               <a:rPr lang="en-US" dirty="0"/>
-              <a:t>First, many researchers mistakenly infer causality from cross-sectional data. Remember that true mediation implies a causal chain, which is best established through experimental or longitudinal designs.</a:t>
+              <a:t>Multicollinearity between your predictor and mediator can lead to suppression effects, which can bias your results. Check correlations and variance inflation factors.</a:t>
             </a:r>
           </a:p>
           <a:p>
@@ -7776,7 +7809,7 @@
           <a:p>
             <a:r>
               <a:rPr lang="en-US" dirty="0"/>
-              <a:t>Omitted variable bias occurs when you fail to include important variables that might explain the relationships you're observing.</a:t>
+              <a:t>Sample size is also important - mediation analyses typically require larger samples than direct effect tests. As a rule of thumb, aim for at least 100-150 participants, though more complex models may require more.</a:t>
             </a:r>
           </a:p>
           <a:p>
@@ -7785,26 +7818,17 @@
           <a:p>
             <a:r>
               <a:rPr lang="en-US" dirty="0"/>
-              <a:t>Reversed causality is another issue - sometimes what you think is Y might actually be causing X.</a:t>
-            </a:r>
+              <a:t>The assumption of normal distribution of indirect effects is often violated, which is why bootstrapping methods are preferred.</a:t>
+            </a:r>
+          </a:p>
+          <a:p>
+            <a:endParaRPr lang="en-US" dirty="0"/>
           </a:p>
           <a:p>
             <a:r>
               <a:rPr lang="en-US" dirty="0"/>
-              <a:t>The mediator-outcome relationship might be confounded by third variables, leading to spurious mediation effects.</a:t>
-            </a:r>
-          </a:p>
-          <a:p>
-            <a:endParaRPr lang="en-US" dirty="0"/>
-          </a:p>
-          <a:p>
-            <a:r>
-              <a:rPr lang="en-US" dirty="0"/>
-              <a:t>Finally, measurement error in your variables can attenuate your observed relationships and lead to biased estimates of mediation effects.</a:t>
-            </a:r>
-          </a:p>
-          <a:p>
-            <a:endParaRPr lang="en-US" dirty="0"/>
+              <a:t>Finally, always check for outliers and influential cases that might drive your results.</a:t>
+            </a:r>
           </a:p>
         </p:txBody>
       </p:sp>
@@ -7825,7 +7849,7 @@
           <a:p>
             <a:fld id="{4A677F31-8E3C-4ED2-97DF-DE6C71117425}" type="slidenum">
               <a:rPr lang="en-US" smtClean="0"/>
-              <a:t>12</a:t>
+              <a:t>14</a:t>
             </a:fld>
             <a:endParaRPr lang="en-US"/>
           </a:p>
@@ -7834,7 +7858,7 @@
     </p:spTree>
     <p:extLst>
       <p:ext uri="{BB962C8B-B14F-4D97-AF65-F5344CB8AC3E}">
-        <p14:creationId xmlns:p14="http://schemas.microsoft.com/office/powerpoint/2010/main" val="1628279487"/>
+        <p14:creationId xmlns:p14="http://schemas.microsoft.com/office/powerpoint/2010/main" val="1992172667"/>
       </p:ext>
     </p:extLst>
   </p:cSld>
@@ -7890,7 +7914,7 @@
           <a:p>
             <a:r>
               <a:rPr lang="en-US" dirty="0"/>
-              <a:t>For those interested in more advanced analyses, moderated mediation combines both concepts we've discussed today. This involves testing whether the strength of an indirect effect depends on the level of a moderator.</a:t>
+              <a:t>There are several common pitfalls in mediation analysis that researchers should be aware of.</a:t>
             </a:r>
           </a:p>
           <a:p>
@@ -7899,7 +7923,7 @@
           <a:p>
             <a:r>
               <a:rPr lang="en-US" dirty="0"/>
-              <a:t>We can calculate conditional indirect effects - the strength of the indirect effect at different levels of the moderator.</a:t>
+              <a:t>First, many researchers mistakenly infer causality from cross-sectional data. Remember that true mediation implies a causal chain, which is best established through experimental or longitudinal designs.</a:t>
             </a:r>
           </a:p>
           <a:p>
@@ -7908,7 +7932,7 @@
           <a:p>
             <a:r>
               <a:rPr lang="en-US" dirty="0"/>
-              <a:t>The index of moderated mediation tells us whether the moderation of the indirect effect is statistically significant.</a:t>
+              <a:t>Omitted variable bias occurs when you fail to include important variables that might explain the relationships you're observing.</a:t>
             </a:r>
           </a:p>
           <a:p>
@@ -7917,7 +7941,13 @@
           <a:p>
             <a:r>
               <a:rPr lang="en-US" dirty="0"/>
-              <a:t>There are several potential models for moderated mediation, depending on which path is moderated. The moderator might affect the X to M path, the M to Y path, or both paths.</a:t>
+              <a:t>Reversed causality is another issue - sometimes what you think is Y might actually be causing X.</a:t>
+            </a:r>
+          </a:p>
+          <a:p>
+            <a:r>
+              <a:rPr lang="en-US" dirty="0"/>
+              <a:t>The mediator-outcome relationship might be confounded by third variables, leading to spurious mediation effects.</a:t>
             </a:r>
           </a:p>
           <a:p>
@@ -7926,7 +7956,7 @@
           <a:p>
             <a:r>
               <a:rPr lang="en-US" dirty="0"/>
-              <a:t>Hayes' PROCESS macro includes templates for testing these different models, making them accessible to researchers without extensive programming knowledge.</a:t>
+              <a:t>Finally, measurement error in your variables can attenuate your observed relationships and lead to biased estimates of mediation effects.</a:t>
             </a:r>
           </a:p>
           <a:p>
@@ -7951,7 +7981,7 @@
           <a:p>
             <a:fld id="{4A677F31-8E3C-4ED2-97DF-DE6C71117425}" type="slidenum">
               <a:rPr lang="en-US" smtClean="0"/>
-              <a:t>13</a:t>
+              <a:t>15</a:t>
             </a:fld>
             <a:endParaRPr lang="en-US"/>
           </a:p>
@@ -7960,7 +7990,7 @@
     </p:spTree>
     <p:extLst>
       <p:ext uri="{BB962C8B-B14F-4D97-AF65-F5344CB8AC3E}">
-        <p14:creationId xmlns:p14="http://schemas.microsoft.com/office/powerpoint/2010/main" val="2937329210"/>
+        <p14:creationId xmlns:p14="http://schemas.microsoft.com/office/powerpoint/2010/main" val="1628279487"/>
       </p:ext>
     </p:extLst>
   </p:cSld>
@@ -8016,7 +8046,7 @@
           <a:p>
             <a:r>
               <a:rPr lang="en-US" dirty="0"/>
-              <a:t>Let's discuss some tools you can use to implement these analyses. For SPSS users, Hayes' PROCESS macro is extremely popular and user-friendly.</a:t>
+              <a:t>For those interested in more advanced analyses, moderated mediation combines both concepts we've discussed today. This involves testing whether the strength of an indirect effect depends on the level of a moderator.</a:t>
             </a:r>
           </a:p>
           <a:p>
@@ -8025,23 +8055,25 @@
           <a:p>
             <a:r>
               <a:rPr lang="en-US" dirty="0"/>
-              <a:t>R users have several options, including the </a:t>
-            </a:r>
-            <a:r>
-              <a:rPr lang="en-US" dirty="0" err="1"/>
-              <a:t>lavaan</a:t>
-            </a:r>
+              <a:t>We can calculate conditional indirect effects - the strength of the indirect effect at different levels of the moderator.</a:t>
+            </a:r>
+          </a:p>
+          <a:p>
+            <a:endParaRPr lang="en-US" dirty="0"/>
+          </a:p>
+          <a:p>
             <a:r>
               <a:rPr lang="en-US" dirty="0"/>
-              <a:t> package for SEM, the mediation package, and </a:t>
-            </a:r>
-            <a:r>
-              <a:rPr lang="en-US" dirty="0" err="1"/>
-              <a:t>semTools</a:t>
-            </a:r>
+              <a:t>The index of moderated mediation tells us whether the moderation of the indirect effect is statistically significant.</a:t>
+            </a:r>
+          </a:p>
+          <a:p>
+            <a:endParaRPr lang="en-US" dirty="0"/>
+          </a:p>
+          <a:p>
             <a:r>
               <a:rPr lang="en-US" dirty="0"/>
-              <a:t>.</a:t>
+              <a:t>There are several potential models for moderated mediation, depending on which path is moderated. The moderator might affect the X to M path, the M to Y path, or both paths.</a:t>
             </a:r>
           </a:p>
           <a:p>
@@ -8050,7 +8082,7 @@
           <a:p>
             <a:r>
               <a:rPr lang="en-US" dirty="0"/>
-              <a:t>Lastly, G*Power can help you conduct power analyses to determine appropriate sample sizes for your studies.</a:t>
+              <a:t>Hayes' PROCESS macro includes templates for testing these different models, making them accessible to researchers without extensive programming knowledge.</a:t>
             </a:r>
           </a:p>
           <a:p>
@@ -8075,7 +8107,131 @@
           <a:p>
             <a:fld id="{4A677F31-8E3C-4ED2-97DF-DE6C71117425}" type="slidenum">
               <a:rPr lang="en-US" smtClean="0"/>
-              <a:t>14</a:t>
+              <a:t>16</a:t>
+            </a:fld>
+            <a:endParaRPr lang="en-US"/>
+          </a:p>
+        </p:txBody>
+      </p:sp>
+    </p:spTree>
+    <p:extLst>
+      <p:ext uri="{BB962C8B-B14F-4D97-AF65-F5344CB8AC3E}">
+        <p14:creationId xmlns:p14="http://schemas.microsoft.com/office/powerpoint/2010/main" val="2937329210"/>
+      </p:ext>
+    </p:extLst>
+  </p:cSld>
+  <p:clrMapOvr>
+    <a:masterClrMapping/>
+  </p:clrMapOvr>
+</p:notes>
+</file>
+
+<file path=ppt/notesSlides/notesSlide15.xml><?xml version="1.0" encoding="utf-8"?>
+<p:notes xmlns:a="http://schemas.openxmlformats.org/drawingml/2006/main" xmlns:r="http://schemas.openxmlformats.org/officeDocument/2006/relationships" xmlns:p="http://schemas.openxmlformats.org/presentationml/2006/main">
+  <p:cSld>
+    <p:spTree>
+      <p:nvGrpSpPr>
+        <p:cNvPr id="1" name=""/>
+        <p:cNvGrpSpPr/>
+        <p:nvPr/>
+      </p:nvGrpSpPr>
+      <p:grpSpPr>
+        <a:xfrm>
+          <a:off x="0" y="0"/>
+          <a:ext cx="0" cy="0"/>
+          <a:chOff x="0" y="0"/>
+          <a:chExt cx="0" cy="0"/>
+        </a:xfrm>
+      </p:grpSpPr>
+      <p:sp>
+        <p:nvSpPr>
+          <p:cNvPr id="2" name="Slide Image Placeholder 1"/>
+          <p:cNvSpPr>
+            <a:spLocks noGrp="1" noRot="1" noChangeAspect="1"/>
+          </p:cNvSpPr>
+          <p:nvPr>
+            <p:ph type="sldImg"/>
+          </p:nvPr>
+        </p:nvSpPr>
+        <p:spPr/>
+      </p:sp>
+      <p:sp>
+        <p:nvSpPr>
+          <p:cNvPr id="3" name="Notes Placeholder 2"/>
+          <p:cNvSpPr>
+            <a:spLocks noGrp="1"/>
+          </p:cNvSpPr>
+          <p:nvPr>
+            <p:ph type="body" idx="1"/>
+          </p:nvPr>
+        </p:nvSpPr>
+        <p:spPr/>
+        <p:txBody>
+          <a:bodyPr/>
+          <a:lstStyle/>
+          <a:p>
+            <a:r>
+              <a:rPr lang="en-US" dirty="0"/>
+              <a:t>Let's discuss some tools you can use to implement these analyses. For SPSS users, Hayes' PROCESS macro is extremely popular and user-friendly.</a:t>
+            </a:r>
+          </a:p>
+          <a:p>
+            <a:endParaRPr lang="en-US" dirty="0"/>
+          </a:p>
+          <a:p>
+            <a:r>
+              <a:rPr lang="en-US" dirty="0"/>
+              <a:t>R users have several options, including the </a:t>
+            </a:r>
+            <a:r>
+              <a:rPr lang="en-US" dirty="0" err="1"/>
+              <a:t>lavaan</a:t>
+            </a:r>
+            <a:r>
+              <a:rPr lang="en-US" dirty="0"/>
+              <a:t> package for SEM, the mediation package, and </a:t>
+            </a:r>
+            <a:r>
+              <a:rPr lang="en-US" dirty="0" err="1"/>
+              <a:t>semTools</a:t>
+            </a:r>
+            <a:r>
+              <a:rPr lang="en-US" dirty="0"/>
+              <a:t>.</a:t>
+            </a:r>
+          </a:p>
+          <a:p>
+            <a:endParaRPr lang="en-US" dirty="0"/>
+          </a:p>
+          <a:p>
+            <a:r>
+              <a:rPr lang="en-US" dirty="0"/>
+              <a:t>Lastly, G*Power can help you conduct power analyses to determine appropriate sample sizes for your studies.</a:t>
+            </a:r>
+          </a:p>
+          <a:p>
+            <a:endParaRPr lang="en-US" dirty="0"/>
+          </a:p>
+        </p:txBody>
+      </p:sp>
+      <p:sp>
+        <p:nvSpPr>
+          <p:cNvPr id="4" name="Slide Number Placeholder 3"/>
+          <p:cNvSpPr>
+            <a:spLocks noGrp="1"/>
+          </p:cNvSpPr>
+          <p:nvPr>
+            <p:ph type="sldNum" sz="quarter" idx="5"/>
+          </p:nvPr>
+        </p:nvSpPr>
+        <p:spPr/>
+        <p:txBody>
+          <a:bodyPr/>
+          <a:lstStyle/>
+          <a:p>
+            <a:fld id="{4A677F31-8E3C-4ED2-97DF-DE6C71117425}" type="slidenum">
+              <a:rPr lang="en-US" smtClean="0"/>
+              <a:t>17</a:t>
             </a:fld>
             <a:endParaRPr lang="en-US"/>
           </a:p>
@@ -9071,21 +9227,6 @@
             <a:endParaRPr lang="en-US" dirty="0"/>
           </a:p>
           <a:p>
-            <a:r>
-              <a:rPr lang="en-US" dirty="0"/>
-              <a:t>For example, exercise might improve cognitive performance through the mediating mechanism of improved mood. Exercise leads to better mood, which in turn leads to better cognitive performance.</a:t>
-            </a:r>
-          </a:p>
-          <a:p>
-            <a:endParaRPr lang="en-US" dirty="0"/>
-          </a:p>
-          <a:p>
-            <a:r>
-              <a:rPr lang="en-US" dirty="0"/>
-              <a:t>In the diagram, you can see that X affects Y both directly and indirectly through M. The indirect effect through M is what we call the mediation effect. This helps us understand the underlying process or mechanism of the relationship.</a:t>
-            </a:r>
-          </a:p>
-          <a:p>
             <a:endParaRPr lang="en-US" dirty="0"/>
           </a:p>
         </p:txBody>
@@ -9107,7 +9248,7 @@
           <a:p>
             <a:fld id="{4A677F31-8E3C-4ED2-97DF-DE6C71117425}" type="slidenum">
               <a:rPr lang="en-US" smtClean="0"/>
-              <a:t>9</a:t>
+              <a:t>11</a:t>
             </a:fld>
             <a:endParaRPr lang="en-US"/>
           </a:p>
@@ -9273,7 +9414,7 @@
           <a:p>
             <a:fld id="{06DC2E43-ADF2-4A74-A59C-D9F5E954D886}" type="datetimeFigureOut">
               <a:rPr lang="en-US" smtClean="0"/>
-              <a:t>3/17/2025</a:t>
+              <a:t>3/18/2025</a:t>
             </a:fld>
             <a:endParaRPr lang="en-US"/>
           </a:p>
@@ -9471,7 +9612,7 @@
           <a:p>
             <a:fld id="{06DC2E43-ADF2-4A74-A59C-D9F5E954D886}" type="datetimeFigureOut">
               <a:rPr lang="en-US" smtClean="0"/>
-              <a:t>3/17/2025</a:t>
+              <a:t>3/18/2025</a:t>
             </a:fld>
             <a:endParaRPr lang="en-US"/>
           </a:p>
@@ -9679,7 +9820,7 @@
           <a:p>
             <a:fld id="{06DC2E43-ADF2-4A74-A59C-D9F5E954D886}" type="datetimeFigureOut">
               <a:rPr lang="en-US" smtClean="0"/>
-              <a:t>3/17/2025</a:t>
+              <a:t>3/18/2025</a:t>
             </a:fld>
             <a:endParaRPr lang="en-US"/>
           </a:p>
@@ -9877,7 +10018,7 @@
           <a:p>
             <a:fld id="{06DC2E43-ADF2-4A74-A59C-D9F5E954D886}" type="datetimeFigureOut">
               <a:rPr lang="en-US" smtClean="0"/>
-              <a:t>3/17/2025</a:t>
+              <a:t>3/18/2025</a:t>
             </a:fld>
             <a:endParaRPr lang="en-US"/>
           </a:p>
@@ -10152,7 +10293,7 @@
           <a:p>
             <a:fld id="{06DC2E43-ADF2-4A74-A59C-D9F5E954D886}" type="datetimeFigureOut">
               <a:rPr lang="en-US" smtClean="0"/>
-              <a:t>3/17/2025</a:t>
+              <a:t>3/18/2025</a:t>
             </a:fld>
             <a:endParaRPr lang="en-US"/>
           </a:p>
@@ -10417,7 +10558,7 @@
           <a:p>
             <a:fld id="{06DC2E43-ADF2-4A74-A59C-D9F5E954D886}" type="datetimeFigureOut">
               <a:rPr lang="en-US" smtClean="0"/>
-              <a:t>3/17/2025</a:t>
+              <a:t>3/18/2025</a:t>
             </a:fld>
             <a:endParaRPr lang="en-US"/>
           </a:p>
@@ -10829,7 +10970,7 @@
           <a:p>
             <a:fld id="{06DC2E43-ADF2-4A74-A59C-D9F5E954D886}" type="datetimeFigureOut">
               <a:rPr lang="en-US" smtClean="0"/>
-              <a:t>3/17/2025</a:t>
+              <a:t>3/18/2025</a:t>
             </a:fld>
             <a:endParaRPr lang="en-US"/>
           </a:p>
@@ -10970,7 +11111,7 @@
           <a:p>
             <a:fld id="{06DC2E43-ADF2-4A74-A59C-D9F5E954D886}" type="datetimeFigureOut">
               <a:rPr lang="en-US" smtClean="0"/>
-              <a:t>3/17/2025</a:t>
+              <a:t>3/18/2025</a:t>
             </a:fld>
             <a:endParaRPr lang="en-US"/>
           </a:p>
@@ -11083,7 +11224,7 @@
           <a:p>
             <a:fld id="{06DC2E43-ADF2-4A74-A59C-D9F5E954D886}" type="datetimeFigureOut">
               <a:rPr lang="en-US" smtClean="0"/>
-              <a:t>3/17/2025</a:t>
+              <a:t>3/18/2025</a:t>
             </a:fld>
             <a:endParaRPr lang="en-US"/>
           </a:p>
@@ -11394,7 +11535,7 @@
           <a:p>
             <a:fld id="{06DC2E43-ADF2-4A74-A59C-D9F5E954D886}" type="datetimeFigureOut">
               <a:rPr lang="en-US" smtClean="0"/>
-              <a:t>3/17/2025</a:t>
+              <a:t>3/18/2025</a:t>
             </a:fld>
             <a:endParaRPr lang="en-US"/>
           </a:p>
@@ -11682,7 +11823,7 @@
           <a:p>
             <a:fld id="{06DC2E43-ADF2-4A74-A59C-D9F5E954D886}" type="datetimeFigureOut">
               <a:rPr lang="en-US" smtClean="0"/>
-              <a:t>3/17/2025</a:t>
+              <a:t>3/18/2025</a:t>
             </a:fld>
             <a:endParaRPr lang="en-US"/>
           </a:p>
@@ -11923,7 +12064,7 @@
           <a:p>
             <a:fld id="{06DC2E43-ADF2-4A74-A59C-D9F5E954D886}" type="datetimeFigureOut">
               <a:rPr lang="en-US" smtClean="0"/>
-              <a:t>3/17/2025</a:t>
+              <a:t>3/18/2025</a:t>
             </a:fld>
             <a:endParaRPr lang="en-US"/>
           </a:p>
@@ -13788,6 +13929,2125 @@
           <p:cNvPr id="2" name="Title 1">
             <a:extLst>
               <a:ext uri="{FF2B5EF4-FFF2-40B4-BE49-F238E27FC236}">
+                <a16:creationId xmlns:a16="http://schemas.microsoft.com/office/drawing/2014/main" id="{070F9F89-C1CD-A992-A484-72BC83C2AB1F}"/>
+              </a:ext>
+            </a:extLst>
+          </p:cNvPr>
+          <p:cNvSpPr>
+            <a:spLocks noGrp="1"/>
+          </p:cNvSpPr>
+          <p:nvPr>
+            <p:ph type="title"/>
+          </p:nvPr>
+        </p:nvSpPr>
+        <p:spPr/>
+        <p:txBody>
+          <a:bodyPr/>
+          <a:lstStyle/>
+          <a:p>
+            <a:r>
+              <a:rPr lang="en-US" dirty="0"/>
+              <a:t>Moderation Example PROCESS Macro (SPSS)</a:t>
+            </a:r>
+          </a:p>
+        </p:txBody>
+      </p:sp>
+      <p:sp>
+        <p:nvSpPr>
+          <p:cNvPr id="3" name="Content Placeholder 2">
+            <a:extLst>
+              <a:ext uri="{FF2B5EF4-FFF2-40B4-BE49-F238E27FC236}">
+                <a16:creationId xmlns:a16="http://schemas.microsoft.com/office/drawing/2014/main" id="{CF214F9C-8478-B3F9-433D-61ADF3D1F40C}"/>
+              </a:ext>
+            </a:extLst>
+          </p:cNvPr>
+          <p:cNvSpPr>
+            <a:spLocks noGrp="1"/>
+          </p:cNvSpPr>
+          <p:nvPr>
+            <p:ph idx="1"/>
+          </p:nvPr>
+        </p:nvSpPr>
+        <p:spPr/>
+        <p:txBody>
+          <a:bodyPr/>
+          <a:lstStyle/>
+          <a:p>
+            <a:r>
+              <a:rPr lang="en-US" dirty="0"/>
+              <a:t>Import </a:t>
+            </a:r>
+            <a:r>
+              <a:rPr lang="en-US"/>
+              <a:t>data_clean.csv into SPSS</a:t>
+            </a:r>
+          </a:p>
+          <a:p>
+            <a:endParaRPr lang="en-US" dirty="0"/>
+          </a:p>
+        </p:txBody>
+      </p:sp>
+    </p:spTree>
+    <p:extLst>
+      <p:ext uri="{BB962C8B-B14F-4D97-AF65-F5344CB8AC3E}">
+        <p14:creationId xmlns:p14="http://schemas.microsoft.com/office/powerpoint/2010/main" val="2243985970"/>
+      </p:ext>
+    </p:extLst>
+  </p:cSld>
+  <p:clrMapOvr>
+    <a:masterClrMapping/>
+  </p:clrMapOvr>
+</p:sld>
+</file>
+
+<file path=ppt/slides/slide11.xml><?xml version="1.0" encoding="utf-8"?>
+<p:sld xmlns:a="http://schemas.openxmlformats.org/drawingml/2006/main" xmlns:r="http://schemas.openxmlformats.org/officeDocument/2006/relationships" xmlns:p="http://schemas.openxmlformats.org/presentationml/2006/main">
+  <p:cSld>
+    <p:spTree>
+      <p:nvGrpSpPr>
+        <p:cNvPr id="1" name=""/>
+        <p:cNvGrpSpPr/>
+        <p:nvPr/>
+      </p:nvGrpSpPr>
+      <p:grpSpPr>
+        <a:xfrm>
+          <a:off x="0" y="0"/>
+          <a:ext cx="0" cy="0"/>
+          <a:chOff x="0" y="0"/>
+          <a:chExt cx="0" cy="0"/>
+        </a:xfrm>
+      </p:grpSpPr>
+      <p:sp>
+        <p:nvSpPr>
+          <p:cNvPr id="2" name="Title 1">
+            <a:extLst>
+              <a:ext uri="{FF2B5EF4-FFF2-40B4-BE49-F238E27FC236}">
+                <a16:creationId xmlns:a16="http://schemas.microsoft.com/office/drawing/2014/main" id="{AB9DE1C6-1007-2C9B-F095-5D8BDCF7029B}"/>
+              </a:ext>
+            </a:extLst>
+          </p:cNvPr>
+          <p:cNvSpPr>
+            <a:spLocks noGrp="1"/>
+          </p:cNvSpPr>
+          <p:nvPr>
+            <p:ph type="title"/>
+          </p:nvPr>
+        </p:nvSpPr>
+        <p:spPr>
+          <a:xfrm>
+            <a:off x="163286" y="-102961"/>
+            <a:ext cx="10515600" cy="1325563"/>
+          </a:xfrm>
+        </p:spPr>
+        <p:txBody>
+          <a:bodyPr/>
+          <a:lstStyle/>
+          <a:p>
+            <a:r>
+              <a:rPr lang="en-US" b="1" dirty="0"/>
+              <a:t>Introduction to Mediation</a:t>
+            </a:r>
+            <a:endParaRPr lang="en-US" dirty="0"/>
+          </a:p>
+        </p:txBody>
+      </p:sp>
+      <p:sp>
+        <p:nvSpPr>
+          <p:cNvPr id="3" name="Content Placeholder 2">
+            <a:extLst>
+              <a:ext uri="{FF2B5EF4-FFF2-40B4-BE49-F238E27FC236}">
+                <a16:creationId xmlns:a16="http://schemas.microsoft.com/office/drawing/2014/main" id="{783CE3D4-3BEE-AFF0-C699-DB79A52F526B}"/>
+              </a:ext>
+            </a:extLst>
+          </p:cNvPr>
+          <p:cNvSpPr>
+            <a:spLocks noGrp="1"/>
+          </p:cNvSpPr>
+          <p:nvPr>
+            <p:ph idx="1"/>
+          </p:nvPr>
+        </p:nvSpPr>
+        <p:spPr>
+          <a:xfrm>
+            <a:off x="163286" y="1357539"/>
+            <a:ext cx="10515600" cy="4351338"/>
+          </a:xfrm>
+        </p:spPr>
+        <p:txBody>
+          <a:bodyPr/>
+          <a:lstStyle/>
+          <a:p>
+            <a:r>
+              <a:rPr lang="en-US" b="1" dirty="0"/>
+              <a:t>Definition: </a:t>
+            </a:r>
+            <a:r>
+              <a:rPr lang="en-US" dirty="0"/>
+              <a:t>When a predictor’s effect on the outcome occurs either fully or partially THROUGH a 3</a:t>
+            </a:r>
+            <a:r>
+              <a:rPr lang="en-US" baseline="30000" dirty="0"/>
+              <a:t>rd</a:t>
+            </a:r>
+            <a:r>
+              <a:rPr lang="en-US" dirty="0"/>
+              <a:t> variable (i.e., the mediator)</a:t>
+            </a:r>
+          </a:p>
+          <a:p>
+            <a:r>
+              <a:rPr lang="en-US" b="1" dirty="0"/>
+              <a:t>Key question: </a:t>
+            </a:r>
+          </a:p>
+          <a:p>
+            <a:pPr lvl="1"/>
+            <a:r>
+              <a:rPr lang="en-US" dirty="0"/>
+              <a:t>How?</a:t>
+            </a:r>
+          </a:p>
+          <a:p>
+            <a:pPr lvl="1"/>
+            <a:r>
+              <a:rPr lang="en-US" dirty="0"/>
+              <a:t>Through what mechanism?</a:t>
+            </a:r>
+            <a:br>
+              <a:rPr lang="en-US" dirty="0"/>
+            </a:br>
+            <a:endParaRPr lang="en-US" dirty="0"/>
+          </a:p>
+          <a:p>
+            <a:r>
+              <a:rPr lang="en-US" b="1" dirty="0"/>
+              <a:t>Direct Effect </a:t>
+            </a:r>
+            <a:r>
+              <a:rPr lang="en-US" dirty="0"/>
+              <a:t>= c’</a:t>
+            </a:r>
+          </a:p>
+          <a:p>
+            <a:r>
+              <a:rPr lang="en-US" b="1" dirty="0"/>
+              <a:t>Indirect Effect </a:t>
+            </a:r>
+            <a:r>
+              <a:rPr lang="en-US" dirty="0"/>
+              <a:t>= a*b</a:t>
+            </a:r>
+          </a:p>
+          <a:p>
+            <a:r>
+              <a:rPr lang="en-US" b="1" dirty="0"/>
+              <a:t>Total Effect </a:t>
+            </a:r>
+            <a:r>
+              <a:rPr lang="en-US" dirty="0"/>
+              <a:t>= c = (a*b) + c’</a:t>
+            </a:r>
+          </a:p>
+        </p:txBody>
+      </p:sp>
+      <p:grpSp>
+        <p:nvGrpSpPr>
+          <p:cNvPr id="20" name="Group 19">
+            <a:extLst>
+              <a:ext uri="{FF2B5EF4-FFF2-40B4-BE49-F238E27FC236}">
+                <a16:creationId xmlns:a16="http://schemas.microsoft.com/office/drawing/2014/main" id="{A4E75BDB-E5D8-847F-D7B1-35D1EB2B381A}"/>
+              </a:ext>
+            </a:extLst>
+          </p:cNvPr>
+          <p:cNvGrpSpPr/>
+          <p:nvPr/>
+        </p:nvGrpSpPr>
+        <p:grpSpPr>
+          <a:xfrm>
+            <a:off x="5947610" y="2612735"/>
+            <a:ext cx="5886054" cy="2935704"/>
+            <a:chOff x="4993105" y="3429000"/>
+            <a:chExt cx="5886054" cy="2935704"/>
+          </a:xfrm>
+        </p:grpSpPr>
+        <p:sp>
+          <p:nvSpPr>
+            <p:cNvPr id="5" name="Rectangle 4">
+              <a:extLst>
+                <a:ext uri="{FF2B5EF4-FFF2-40B4-BE49-F238E27FC236}">
+                  <a16:creationId xmlns:a16="http://schemas.microsoft.com/office/drawing/2014/main" id="{225F19DF-9834-11D7-BF11-90E35616B74F}"/>
+                </a:ext>
+              </a:extLst>
+            </p:cNvPr>
+            <p:cNvSpPr/>
+            <p:nvPr/>
+          </p:nvSpPr>
+          <p:spPr>
+            <a:xfrm>
+              <a:off x="4993105" y="5356887"/>
+              <a:ext cx="1962018" cy="1007817"/>
+            </a:xfrm>
+            <a:prstGeom prst="rect">
+              <a:avLst/>
+            </a:prstGeom>
+          </p:spPr>
+          <p:style>
+            <a:lnRef idx="2">
+              <a:schemeClr val="accent1">
+                <a:shade val="15000"/>
+              </a:schemeClr>
+            </a:lnRef>
+            <a:fillRef idx="1">
+              <a:schemeClr val="accent1"/>
+            </a:fillRef>
+            <a:effectRef idx="0">
+              <a:schemeClr val="accent1"/>
+            </a:effectRef>
+            <a:fontRef idx="minor">
+              <a:schemeClr val="lt1"/>
+            </a:fontRef>
+          </p:style>
+          <p:txBody>
+            <a:bodyPr rtlCol="0" anchor="ctr"/>
+            <a:lstStyle/>
+            <a:p>
+              <a:pPr algn="ctr"/>
+              <a:r>
+                <a:rPr lang="en-US" dirty="0"/>
+                <a:t>Social Media Use (X)</a:t>
+              </a:r>
+            </a:p>
+          </p:txBody>
+        </p:sp>
+        <p:sp>
+          <p:nvSpPr>
+            <p:cNvPr id="6" name="Rectangle 5">
+              <a:extLst>
+                <a:ext uri="{FF2B5EF4-FFF2-40B4-BE49-F238E27FC236}">
+                  <a16:creationId xmlns:a16="http://schemas.microsoft.com/office/drawing/2014/main" id="{8F966976-1A25-378A-F7E3-074285CD40D7}"/>
+                </a:ext>
+              </a:extLst>
+            </p:cNvPr>
+            <p:cNvSpPr/>
+            <p:nvPr/>
+          </p:nvSpPr>
+          <p:spPr>
+            <a:xfrm>
+              <a:off x="8917141" y="5356887"/>
+              <a:ext cx="1962018" cy="1007817"/>
+            </a:xfrm>
+            <a:prstGeom prst="rect">
+              <a:avLst/>
+            </a:prstGeom>
+          </p:spPr>
+          <p:style>
+            <a:lnRef idx="2">
+              <a:schemeClr val="accent1">
+                <a:shade val="15000"/>
+              </a:schemeClr>
+            </a:lnRef>
+            <a:fillRef idx="1">
+              <a:schemeClr val="accent1"/>
+            </a:fillRef>
+            <a:effectRef idx="0">
+              <a:schemeClr val="accent1"/>
+            </a:effectRef>
+            <a:fontRef idx="minor">
+              <a:schemeClr val="lt1"/>
+            </a:fontRef>
+          </p:style>
+          <p:txBody>
+            <a:bodyPr rtlCol="0" anchor="ctr"/>
+            <a:lstStyle/>
+            <a:p>
+              <a:pPr algn="ctr"/>
+              <a:r>
+                <a:rPr lang="en-US" dirty="0"/>
+                <a:t>Academic Performance (Y)</a:t>
+              </a:r>
+            </a:p>
+          </p:txBody>
+        </p:sp>
+        <p:cxnSp>
+          <p:nvCxnSpPr>
+            <p:cNvPr id="8" name="Straight Arrow Connector 7">
+              <a:extLst>
+                <a:ext uri="{FF2B5EF4-FFF2-40B4-BE49-F238E27FC236}">
+                  <a16:creationId xmlns:a16="http://schemas.microsoft.com/office/drawing/2014/main" id="{BA382CB8-0EBE-75A5-F257-33B12091846A}"/>
+                </a:ext>
+              </a:extLst>
+            </p:cNvPr>
+            <p:cNvCxnSpPr>
+              <a:cxnSpLocks/>
+              <a:stCxn id="5" idx="3"/>
+              <a:endCxn id="6" idx="1"/>
+            </p:cNvCxnSpPr>
+            <p:nvPr/>
+          </p:nvCxnSpPr>
+          <p:spPr>
+            <a:xfrm>
+              <a:off x="6955123" y="5860796"/>
+              <a:ext cx="1962018" cy="0"/>
+            </a:xfrm>
+            <a:prstGeom prst="straightConnector1">
+              <a:avLst/>
+            </a:prstGeom>
+            <a:ln w="19050" cap="flat" cmpd="sng" algn="ctr">
+              <a:solidFill>
+                <a:schemeClr val="dk1"/>
+              </a:solidFill>
+              <a:prstDash val="solid"/>
+              <a:round/>
+              <a:headEnd type="none" w="med" len="med"/>
+              <a:tailEnd type="arrow" w="med" len="med"/>
+            </a:ln>
+          </p:spPr>
+          <p:style>
+            <a:lnRef idx="0">
+              <a:scrgbClr r="0" g="0" b="0"/>
+            </a:lnRef>
+            <a:fillRef idx="0">
+              <a:scrgbClr r="0" g="0" b="0"/>
+            </a:fillRef>
+            <a:effectRef idx="0">
+              <a:scrgbClr r="0" g="0" b="0"/>
+            </a:effectRef>
+            <a:fontRef idx="minor">
+              <a:schemeClr val="tx1"/>
+            </a:fontRef>
+          </p:style>
+        </p:cxnSp>
+        <p:sp>
+          <p:nvSpPr>
+            <p:cNvPr id="12" name="Rectangle 11">
+              <a:extLst>
+                <a:ext uri="{FF2B5EF4-FFF2-40B4-BE49-F238E27FC236}">
+                  <a16:creationId xmlns:a16="http://schemas.microsoft.com/office/drawing/2014/main" id="{E348499E-8F74-A338-977E-22F706179D73}"/>
+                </a:ext>
+              </a:extLst>
+            </p:cNvPr>
+            <p:cNvSpPr/>
+            <p:nvPr/>
+          </p:nvSpPr>
+          <p:spPr>
+            <a:xfrm>
+              <a:off x="6955123" y="3429000"/>
+              <a:ext cx="1962018" cy="1007817"/>
+            </a:xfrm>
+            <a:prstGeom prst="rect">
+              <a:avLst/>
+            </a:prstGeom>
+          </p:spPr>
+          <p:style>
+            <a:lnRef idx="2">
+              <a:schemeClr val="accent1">
+                <a:shade val="15000"/>
+              </a:schemeClr>
+            </a:lnRef>
+            <a:fillRef idx="1">
+              <a:schemeClr val="accent1"/>
+            </a:fillRef>
+            <a:effectRef idx="0">
+              <a:schemeClr val="accent1"/>
+            </a:effectRef>
+            <a:fontRef idx="minor">
+              <a:schemeClr val="lt1"/>
+            </a:fontRef>
+          </p:style>
+          <p:txBody>
+            <a:bodyPr rtlCol="0" anchor="ctr"/>
+            <a:lstStyle/>
+            <a:p>
+              <a:pPr algn="ctr"/>
+              <a:r>
+                <a:rPr lang="en-US" dirty="0"/>
+                <a:t>Sleep Quality (M)</a:t>
+              </a:r>
+            </a:p>
+          </p:txBody>
+        </p:sp>
+        <p:cxnSp>
+          <p:nvCxnSpPr>
+            <p:cNvPr id="14" name="Straight Arrow Connector 13">
+              <a:extLst>
+                <a:ext uri="{FF2B5EF4-FFF2-40B4-BE49-F238E27FC236}">
+                  <a16:creationId xmlns:a16="http://schemas.microsoft.com/office/drawing/2014/main" id="{23C2EA8C-FAB0-D4D0-3228-E0E90D653A35}"/>
+                </a:ext>
+              </a:extLst>
+            </p:cNvPr>
+            <p:cNvCxnSpPr>
+              <a:cxnSpLocks/>
+              <a:stCxn id="5" idx="0"/>
+              <a:endCxn id="12" idx="1"/>
+            </p:cNvCxnSpPr>
+            <p:nvPr/>
+          </p:nvCxnSpPr>
+          <p:spPr>
+            <a:xfrm flipV="1">
+              <a:off x="5974114" y="3932909"/>
+              <a:ext cx="981009" cy="1423978"/>
+            </a:xfrm>
+            <a:prstGeom prst="straightConnector1">
+              <a:avLst/>
+            </a:prstGeom>
+            <a:ln w="19050" cap="flat" cmpd="sng" algn="ctr">
+              <a:solidFill>
+                <a:schemeClr val="dk1"/>
+              </a:solidFill>
+              <a:prstDash val="solid"/>
+              <a:round/>
+              <a:headEnd type="none" w="med" len="med"/>
+              <a:tailEnd type="arrow" w="med" len="med"/>
+            </a:ln>
+          </p:spPr>
+          <p:style>
+            <a:lnRef idx="0">
+              <a:scrgbClr r="0" g="0" b="0"/>
+            </a:lnRef>
+            <a:fillRef idx="0">
+              <a:scrgbClr r="0" g="0" b="0"/>
+            </a:fillRef>
+            <a:effectRef idx="0">
+              <a:scrgbClr r="0" g="0" b="0"/>
+            </a:effectRef>
+            <a:fontRef idx="minor">
+              <a:schemeClr val="tx1"/>
+            </a:fontRef>
+          </p:style>
+        </p:cxnSp>
+        <p:cxnSp>
+          <p:nvCxnSpPr>
+            <p:cNvPr id="17" name="Straight Arrow Connector 16">
+              <a:extLst>
+                <a:ext uri="{FF2B5EF4-FFF2-40B4-BE49-F238E27FC236}">
+                  <a16:creationId xmlns:a16="http://schemas.microsoft.com/office/drawing/2014/main" id="{96A06ECC-9586-5724-BF8D-FEEF4636DC41}"/>
+                </a:ext>
+              </a:extLst>
+            </p:cNvPr>
+            <p:cNvCxnSpPr>
+              <a:cxnSpLocks/>
+              <a:stCxn id="12" idx="3"/>
+              <a:endCxn id="6" idx="0"/>
+            </p:cNvCxnSpPr>
+            <p:nvPr/>
+          </p:nvCxnSpPr>
+          <p:spPr>
+            <a:xfrm>
+              <a:off x="8917141" y="3932909"/>
+              <a:ext cx="981009" cy="1423978"/>
+            </a:xfrm>
+            <a:prstGeom prst="straightConnector1">
+              <a:avLst/>
+            </a:prstGeom>
+            <a:ln w="19050" cap="flat" cmpd="sng" algn="ctr">
+              <a:solidFill>
+                <a:schemeClr val="dk1"/>
+              </a:solidFill>
+              <a:prstDash val="solid"/>
+              <a:round/>
+              <a:headEnd type="none" w="med" len="med"/>
+              <a:tailEnd type="arrow" w="med" len="med"/>
+            </a:ln>
+          </p:spPr>
+          <p:style>
+            <a:lnRef idx="0">
+              <a:scrgbClr r="0" g="0" b="0"/>
+            </a:lnRef>
+            <a:fillRef idx="0">
+              <a:scrgbClr r="0" g="0" b="0"/>
+            </a:fillRef>
+            <a:effectRef idx="0">
+              <a:scrgbClr r="0" g="0" b="0"/>
+            </a:effectRef>
+            <a:fontRef idx="minor">
+              <a:schemeClr val="tx1"/>
+            </a:fontRef>
+          </p:style>
+        </p:cxnSp>
+      </p:grpSp>
+      <p:sp>
+        <p:nvSpPr>
+          <p:cNvPr id="21" name="TextBox 20">
+            <a:extLst>
+              <a:ext uri="{FF2B5EF4-FFF2-40B4-BE49-F238E27FC236}">
+                <a16:creationId xmlns:a16="http://schemas.microsoft.com/office/drawing/2014/main" id="{081FDFC2-36F9-CCC5-6A1C-62027128FAF0}"/>
+              </a:ext>
+            </a:extLst>
+          </p:cNvPr>
+          <p:cNvSpPr txBox="1"/>
+          <p:nvPr/>
+        </p:nvSpPr>
+        <p:spPr>
+          <a:xfrm>
+            <a:off x="7102388" y="3532805"/>
+            <a:ext cx="308098" cy="369332"/>
+          </a:xfrm>
+          <a:prstGeom prst="rect">
+            <a:avLst/>
+          </a:prstGeom>
+          <a:noFill/>
+        </p:spPr>
+        <p:txBody>
+          <a:bodyPr wrap="none" rtlCol="0">
+            <a:spAutoFit/>
+          </a:bodyPr>
+          <a:lstStyle/>
+          <a:p>
+            <a:r>
+              <a:rPr lang="en-US" dirty="0"/>
+              <a:t>a</a:t>
+            </a:r>
+          </a:p>
+        </p:txBody>
+      </p:sp>
+      <p:sp>
+        <p:nvSpPr>
+          <p:cNvPr id="22" name="TextBox 21">
+            <a:extLst>
+              <a:ext uri="{FF2B5EF4-FFF2-40B4-BE49-F238E27FC236}">
+                <a16:creationId xmlns:a16="http://schemas.microsoft.com/office/drawing/2014/main" id="{716FED18-3774-F182-C988-7E783C5140AE}"/>
+              </a:ext>
+            </a:extLst>
+          </p:cNvPr>
+          <p:cNvSpPr txBox="1"/>
+          <p:nvPr/>
+        </p:nvSpPr>
+        <p:spPr>
+          <a:xfrm>
+            <a:off x="10377205" y="3526589"/>
+            <a:ext cx="314510" cy="369332"/>
+          </a:xfrm>
+          <a:prstGeom prst="rect">
+            <a:avLst/>
+          </a:prstGeom>
+          <a:noFill/>
+        </p:spPr>
+        <p:txBody>
+          <a:bodyPr wrap="none" rtlCol="0">
+            <a:spAutoFit/>
+          </a:bodyPr>
+          <a:lstStyle/>
+          <a:p>
+            <a:r>
+              <a:rPr lang="en-US" dirty="0"/>
+              <a:t>b</a:t>
+            </a:r>
+          </a:p>
+        </p:txBody>
+      </p:sp>
+      <p:sp>
+        <p:nvSpPr>
+          <p:cNvPr id="23" name="TextBox 22">
+            <a:extLst>
+              <a:ext uri="{FF2B5EF4-FFF2-40B4-BE49-F238E27FC236}">
+                <a16:creationId xmlns:a16="http://schemas.microsoft.com/office/drawing/2014/main" id="{5AAD6734-E840-A8F4-AC33-2AA37A8D3F50}"/>
+              </a:ext>
+            </a:extLst>
+          </p:cNvPr>
+          <p:cNvSpPr txBox="1"/>
+          <p:nvPr/>
+        </p:nvSpPr>
+        <p:spPr>
+          <a:xfrm>
+            <a:off x="8733382" y="4355956"/>
+            <a:ext cx="314510" cy="369332"/>
+          </a:xfrm>
+          <a:prstGeom prst="rect">
+            <a:avLst/>
+          </a:prstGeom>
+          <a:noFill/>
+        </p:spPr>
+        <p:txBody>
+          <a:bodyPr wrap="none" rtlCol="0">
+            <a:spAutoFit/>
+          </a:bodyPr>
+          <a:lstStyle/>
+          <a:p>
+            <a:r>
+              <a:rPr lang="en-US" dirty="0"/>
+              <a:t>c</a:t>
+            </a:r>
+          </a:p>
+        </p:txBody>
+      </p:sp>
+      <p:sp>
+        <p:nvSpPr>
+          <p:cNvPr id="24" name="TextBox 23">
+            <a:extLst>
+              <a:ext uri="{FF2B5EF4-FFF2-40B4-BE49-F238E27FC236}">
+                <a16:creationId xmlns:a16="http://schemas.microsoft.com/office/drawing/2014/main" id="{631C3B5D-FC3E-8BCE-75EC-F43262B9E9EA}"/>
+              </a:ext>
+            </a:extLst>
+          </p:cNvPr>
+          <p:cNvSpPr txBox="1"/>
+          <p:nvPr/>
+        </p:nvSpPr>
+        <p:spPr>
+          <a:xfrm>
+            <a:off x="8733382" y="5057460"/>
+            <a:ext cx="416968" cy="369332"/>
+          </a:xfrm>
+          <a:prstGeom prst="rect">
+            <a:avLst/>
+          </a:prstGeom>
+          <a:noFill/>
+        </p:spPr>
+        <p:txBody>
+          <a:bodyPr wrap="square" rtlCol="0">
+            <a:spAutoFit/>
+          </a:bodyPr>
+          <a:lstStyle/>
+          <a:p>
+            <a:r>
+              <a:rPr lang="en-US" dirty="0"/>
+              <a:t>c’</a:t>
+            </a:r>
+          </a:p>
+        </p:txBody>
+      </p:sp>
+    </p:spTree>
+    <p:extLst>
+      <p:ext uri="{BB962C8B-B14F-4D97-AF65-F5344CB8AC3E}">
+        <p14:creationId xmlns:p14="http://schemas.microsoft.com/office/powerpoint/2010/main" val="3184982064"/>
+      </p:ext>
+    </p:extLst>
+  </p:cSld>
+  <p:clrMapOvr>
+    <a:masterClrMapping/>
+  </p:clrMapOvr>
+  <p:timing>
+    <p:tnLst>
+      <p:par>
+        <p:cTn id="1" dur="indefinite" restart="never" nodeType="tmRoot">
+          <p:childTnLst>
+            <p:seq concurrent="1" nextAc="seek">
+              <p:cTn id="2" dur="indefinite" nodeType="mainSeq">
+                <p:childTnLst>
+                  <p:par>
+                    <p:cTn id="3" fill="hold">
+                      <p:stCondLst>
+                        <p:cond delay="indefinite"/>
+                      </p:stCondLst>
+                      <p:childTnLst>
+                        <p:par>
+                          <p:cTn id="4" fill="hold">
+                            <p:stCondLst>
+                              <p:cond delay="0"/>
+                            </p:stCondLst>
+                            <p:childTnLst>
+                              <p:par>
+                                <p:cTn id="5" presetID="1" presetClass="entr" presetSubtype="0" fill="hold" nodeType="clickEffect">
+                                  <p:stCondLst>
+                                    <p:cond delay="0"/>
+                                  </p:stCondLst>
+                                  <p:childTnLst>
+                                    <p:set>
+                                      <p:cBhvr>
+                                        <p:cTn id="6" dur="1" fill="hold">
+                                          <p:stCondLst>
+                                            <p:cond delay="0"/>
+                                          </p:stCondLst>
+                                        </p:cTn>
+                                        <p:tgtEl>
+                                          <p:spTgt spid="3">
+                                            <p:txEl>
+                                              <p:pRg st="4" end="4"/>
+                                            </p:txEl>
+                                          </p:spTgt>
+                                        </p:tgtEl>
+                                        <p:attrNameLst>
+                                          <p:attrName>style.visibility</p:attrName>
+                                        </p:attrNameLst>
+                                      </p:cBhvr>
+                                      <p:to>
+                                        <p:strVal val="visible"/>
+                                      </p:to>
+                                    </p:set>
+                                  </p:childTnLst>
+                                </p:cTn>
+                              </p:par>
+                              <p:par>
+                                <p:cTn id="7" presetID="1" presetClass="entr" presetSubtype="0" fill="hold" grpId="0" nodeType="withEffect">
+                                  <p:stCondLst>
+                                    <p:cond delay="0"/>
+                                  </p:stCondLst>
+                                  <p:childTnLst>
+                                    <p:set>
+                                      <p:cBhvr>
+                                        <p:cTn id="8" dur="1" fill="hold">
+                                          <p:stCondLst>
+                                            <p:cond delay="0"/>
+                                          </p:stCondLst>
+                                        </p:cTn>
+                                        <p:tgtEl>
+                                          <p:spTgt spid="24"/>
+                                        </p:tgtEl>
+                                        <p:attrNameLst>
+                                          <p:attrName>style.visibility</p:attrName>
+                                        </p:attrNameLst>
+                                      </p:cBhvr>
+                                      <p:to>
+                                        <p:strVal val="visible"/>
+                                      </p:to>
+                                    </p:set>
+                                  </p:childTnLst>
+                                </p:cTn>
+                              </p:par>
+                            </p:childTnLst>
+                          </p:cTn>
+                        </p:par>
+                      </p:childTnLst>
+                    </p:cTn>
+                  </p:par>
+                  <p:par>
+                    <p:cTn id="9" fill="hold">
+                      <p:stCondLst>
+                        <p:cond delay="indefinite"/>
+                      </p:stCondLst>
+                      <p:childTnLst>
+                        <p:par>
+                          <p:cTn id="10" fill="hold">
+                            <p:stCondLst>
+                              <p:cond delay="0"/>
+                            </p:stCondLst>
+                            <p:childTnLst>
+                              <p:par>
+                                <p:cTn id="11" presetID="1" presetClass="entr" presetSubtype="0" fill="hold" nodeType="clickEffect">
+                                  <p:stCondLst>
+                                    <p:cond delay="0"/>
+                                  </p:stCondLst>
+                                  <p:childTnLst>
+                                    <p:set>
+                                      <p:cBhvr>
+                                        <p:cTn id="12" dur="1" fill="hold">
+                                          <p:stCondLst>
+                                            <p:cond delay="0"/>
+                                          </p:stCondLst>
+                                        </p:cTn>
+                                        <p:tgtEl>
+                                          <p:spTgt spid="3">
+                                            <p:txEl>
+                                              <p:pRg st="5" end="5"/>
+                                            </p:txEl>
+                                          </p:spTgt>
+                                        </p:tgtEl>
+                                        <p:attrNameLst>
+                                          <p:attrName>style.visibility</p:attrName>
+                                        </p:attrNameLst>
+                                      </p:cBhvr>
+                                      <p:to>
+                                        <p:strVal val="visible"/>
+                                      </p:to>
+                                    </p:set>
+                                  </p:childTnLst>
+                                </p:cTn>
+                              </p:par>
+                              <p:par>
+                                <p:cTn id="13" presetID="1" presetClass="entr" presetSubtype="0" fill="hold" grpId="0" nodeType="withEffect">
+                                  <p:stCondLst>
+                                    <p:cond delay="0"/>
+                                  </p:stCondLst>
+                                  <p:childTnLst>
+                                    <p:set>
+                                      <p:cBhvr>
+                                        <p:cTn id="14" dur="1" fill="hold">
+                                          <p:stCondLst>
+                                            <p:cond delay="0"/>
+                                          </p:stCondLst>
+                                        </p:cTn>
+                                        <p:tgtEl>
+                                          <p:spTgt spid="21"/>
+                                        </p:tgtEl>
+                                        <p:attrNameLst>
+                                          <p:attrName>style.visibility</p:attrName>
+                                        </p:attrNameLst>
+                                      </p:cBhvr>
+                                      <p:to>
+                                        <p:strVal val="visible"/>
+                                      </p:to>
+                                    </p:set>
+                                  </p:childTnLst>
+                                </p:cTn>
+                              </p:par>
+                              <p:par>
+                                <p:cTn id="15" presetID="1" presetClass="entr" presetSubtype="0" fill="hold" grpId="0" nodeType="withEffect">
+                                  <p:stCondLst>
+                                    <p:cond delay="0"/>
+                                  </p:stCondLst>
+                                  <p:childTnLst>
+                                    <p:set>
+                                      <p:cBhvr>
+                                        <p:cTn id="16" dur="1" fill="hold">
+                                          <p:stCondLst>
+                                            <p:cond delay="0"/>
+                                          </p:stCondLst>
+                                        </p:cTn>
+                                        <p:tgtEl>
+                                          <p:spTgt spid="22"/>
+                                        </p:tgtEl>
+                                        <p:attrNameLst>
+                                          <p:attrName>style.visibility</p:attrName>
+                                        </p:attrNameLst>
+                                      </p:cBhvr>
+                                      <p:to>
+                                        <p:strVal val="visible"/>
+                                      </p:to>
+                                    </p:set>
+                                  </p:childTnLst>
+                                </p:cTn>
+                              </p:par>
+                            </p:childTnLst>
+                          </p:cTn>
+                        </p:par>
+                      </p:childTnLst>
+                    </p:cTn>
+                  </p:par>
+                  <p:par>
+                    <p:cTn id="17" fill="hold">
+                      <p:stCondLst>
+                        <p:cond delay="indefinite"/>
+                      </p:stCondLst>
+                      <p:childTnLst>
+                        <p:par>
+                          <p:cTn id="18" fill="hold">
+                            <p:stCondLst>
+                              <p:cond delay="0"/>
+                            </p:stCondLst>
+                            <p:childTnLst>
+                              <p:par>
+                                <p:cTn id="19" presetID="1" presetClass="entr" presetSubtype="0" fill="hold" nodeType="clickEffect">
+                                  <p:stCondLst>
+                                    <p:cond delay="0"/>
+                                  </p:stCondLst>
+                                  <p:childTnLst>
+                                    <p:set>
+                                      <p:cBhvr>
+                                        <p:cTn id="20" dur="1" fill="hold">
+                                          <p:stCondLst>
+                                            <p:cond delay="0"/>
+                                          </p:stCondLst>
+                                        </p:cTn>
+                                        <p:tgtEl>
+                                          <p:spTgt spid="3">
+                                            <p:txEl>
+                                              <p:pRg st="6" end="6"/>
+                                            </p:txEl>
+                                          </p:spTgt>
+                                        </p:tgtEl>
+                                        <p:attrNameLst>
+                                          <p:attrName>style.visibility</p:attrName>
+                                        </p:attrNameLst>
+                                      </p:cBhvr>
+                                      <p:to>
+                                        <p:strVal val="visible"/>
+                                      </p:to>
+                                    </p:set>
+                                  </p:childTnLst>
+                                </p:cTn>
+                              </p:par>
+                              <p:par>
+                                <p:cTn id="21" presetID="1" presetClass="entr" presetSubtype="0" fill="hold" grpId="0" nodeType="withEffect">
+                                  <p:stCondLst>
+                                    <p:cond delay="0"/>
+                                  </p:stCondLst>
+                                  <p:childTnLst>
+                                    <p:set>
+                                      <p:cBhvr>
+                                        <p:cTn id="22" dur="1" fill="hold">
+                                          <p:stCondLst>
+                                            <p:cond delay="0"/>
+                                          </p:stCondLst>
+                                        </p:cTn>
+                                        <p:tgtEl>
+                                          <p:spTgt spid="23"/>
+                                        </p:tgtEl>
+                                        <p:attrNameLst>
+                                          <p:attrName>style.visibility</p:attrName>
+                                        </p:attrNameLst>
+                                      </p:cBhvr>
+                                      <p:to>
+                                        <p:strVal val="visible"/>
+                                      </p:to>
+                                    </p:set>
+                                  </p:childTnLst>
+                                </p:cTn>
+                              </p:par>
+                            </p:childTnLst>
+                          </p:cTn>
+                        </p:par>
+                      </p:childTnLst>
+                    </p:cTn>
+                  </p:par>
+                </p:childTnLst>
+              </p:cTn>
+              <p:prevCondLst>
+                <p:cond evt="onPrev" delay="0">
+                  <p:tgtEl>
+                    <p:sldTgt/>
+                  </p:tgtEl>
+                </p:cond>
+              </p:prevCondLst>
+              <p:nextCondLst>
+                <p:cond evt="onNext" delay="0">
+                  <p:tgtEl>
+                    <p:sldTgt/>
+                  </p:tgtEl>
+                </p:cond>
+              </p:nextCondLst>
+            </p:seq>
+          </p:childTnLst>
+        </p:cTn>
+      </p:par>
+    </p:tnLst>
+    <p:bldLst>
+      <p:bldP spid="21" grpId="0"/>
+      <p:bldP spid="22" grpId="0"/>
+      <p:bldP spid="23" grpId="0"/>
+      <p:bldP spid="24" grpId="0"/>
+    </p:bldLst>
+  </p:timing>
+</p:sld>
+</file>
+
+<file path=ppt/slides/slide12.xml><?xml version="1.0" encoding="utf-8"?>
+<p:sld xmlns:a="http://schemas.openxmlformats.org/drawingml/2006/main" xmlns:r="http://schemas.openxmlformats.org/officeDocument/2006/relationships" xmlns:p="http://schemas.openxmlformats.org/presentationml/2006/main">
+  <p:cSld>
+    <p:spTree>
+      <p:nvGrpSpPr>
+        <p:cNvPr id="1" name="">
+          <a:extLst>
+            <a:ext uri="{FF2B5EF4-FFF2-40B4-BE49-F238E27FC236}">
+              <a16:creationId xmlns:a16="http://schemas.microsoft.com/office/drawing/2014/main" id="{9B4E06ED-814C-C863-520D-210A1B4E12E7}"/>
+            </a:ext>
+          </a:extLst>
+        </p:cNvPr>
+        <p:cNvGrpSpPr/>
+        <p:nvPr/>
+      </p:nvGrpSpPr>
+      <p:grpSpPr>
+        <a:xfrm>
+          <a:off x="0" y="0"/>
+          <a:ext cx="0" cy="0"/>
+          <a:chOff x="0" y="0"/>
+          <a:chExt cx="0" cy="0"/>
+        </a:xfrm>
+      </p:grpSpPr>
+      <p:sp>
+        <p:nvSpPr>
+          <p:cNvPr id="2" name="Title 1">
+            <a:extLst>
+              <a:ext uri="{FF2B5EF4-FFF2-40B4-BE49-F238E27FC236}">
+                <a16:creationId xmlns:a16="http://schemas.microsoft.com/office/drawing/2014/main" id="{8C716E26-3449-6ED9-99AE-0EE6C67B60F4}"/>
+              </a:ext>
+            </a:extLst>
+          </p:cNvPr>
+          <p:cNvSpPr>
+            <a:spLocks noGrp="1"/>
+          </p:cNvSpPr>
+          <p:nvPr>
+            <p:ph type="title"/>
+          </p:nvPr>
+        </p:nvSpPr>
+        <p:spPr>
+          <a:xfrm>
+            <a:off x="163286" y="-223751"/>
+            <a:ext cx="10515600" cy="1325563"/>
+          </a:xfrm>
+        </p:spPr>
+        <p:txBody>
+          <a:bodyPr/>
+          <a:lstStyle/>
+          <a:p>
+            <a:r>
+              <a:rPr lang="en-US" b="1" dirty="0"/>
+              <a:t>Full or Partial Mediation?</a:t>
+            </a:r>
+            <a:endParaRPr lang="en-US" dirty="0"/>
+          </a:p>
+        </p:txBody>
+      </p:sp>
+      <p:sp>
+        <p:nvSpPr>
+          <p:cNvPr id="3" name="Content Placeholder 2">
+            <a:extLst>
+              <a:ext uri="{FF2B5EF4-FFF2-40B4-BE49-F238E27FC236}">
+                <a16:creationId xmlns:a16="http://schemas.microsoft.com/office/drawing/2014/main" id="{A1A96EBC-CACE-F710-C2DD-E28DF469F0C0}"/>
+              </a:ext>
+            </a:extLst>
+          </p:cNvPr>
+          <p:cNvSpPr>
+            <a:spLocks noGrp="1"/>
+          </p:cNvSpPr>
+          <p:nvPr>
+            <p:ph idx="1"/>
+          </p:nvPr>
+        </p:nvSpPr>
+        <p:spPr>
+          <a:xfrm>
+            <a:off x="163286" y="940974"/>
+            <a:ext cx="7211346" cy="4351338"/>
+          </a:xfrm>
+        </p:spPr>
+        <p:txBody>
+          <a:bodyPr/>
+          <a:lstStyle/>
+          <a:p>
+            <a:r>
+              <a:rPr lang="en-US" b="1" dirty="0"/>
+              <a:t>Direct Effect </a:t>
+            </a:r>
+            <a:r>
+              <a:rPr lang="en-US" dirty="0"/>
+              <a:t>= c’</a:t>
+            </a:r>
+          </a:p>
+          <a:p>
+            <a:r>
+              <a:rPr lang="en-US" b="1" dirty="0"/>
+              <a:t>Indirect Effect </a:t>
+            </a:r>
+            <a:r>
+              <a:rPr lang="en-US" dirty="0"/>
+              <a:t>= a*b</a:t>
+            </a:r>
+          </a:p>
+          <a:p>
+            <a:r>
+              <a:rPr lang="en-US" b="1" dirty="0"/>
+              <a:t>Total Effect </a:t>
+            </a:r>
+            <a:r>
+              <a:rPr lang="en-US" dirty="0"/>
+              <a:t>= c = (a*b) + c’</a:t>
+            </a:r>
+          </a:p>
+          <a:p>
+            <a:endParaRPr lang="en-US" dirty="0"/>
+          </a:p>
+          <a:p>
+            <a:endParaRPr lang="en-US" dirty="0"/>
+          </a:p>
+          <a:p>
+            <a:r>
+              <a:rPr lang="en-US" b="1" dirty="0"/>
+              <a:t>Full Mediation: </a:t>
+            </a:r>
+          </a:p>
+          <a:p>
+            <a:pPr lvl="1"/>
+            <a:r>
+              <a:rPr lang="en-US" dirty="0"/>
+              <a:t>(a*b) is sig. AND c’ is non-sig. when M is added</a:t>
+            </a:r>
+          </a:p>
+          <a:p>
+            <a:r>
+              <a:rPr lang="en-US" b="1" dirty="0"/>
+              <a:t>Partial Mediation:</a:t>
+            </a:r>
+          </a:p>
+          <a:p>
+            <a:pPr lvl="1"/>
+            <a:r>
+              <a:rPr lang="en-US" dirty="0"/>
+              <a:t>(a*b) is sig. BUT c’ remains sig. when M is added</a:t>
+            </a:r>
+          </a:p>
+          <a:p>
+            <a:pPr lvl="1"/>
+            <a:endParaRPr lang="en-US" b="1" dirty="0"/>
+          </a:p>
+          <a:p>
+            <a:endParaRPr lang="en-US" dirty="0"/>
+          </a:p>
+        </p:txBody>
+      </p:sp>
+      <p:grpSp>
+        <p:nvGrpSpPr>
+          <p:cNvPr id="20" name="Group 19">
+            <a:extLst>
+              <a:ext uri="{FF2B5EF4-FFF2-40B4-BE49-F238E27FC236}">
+                <a16:creationId xmlns:a16="http://schemas.microsoft.com/office/drawing/2014/main" id="{6C5E399F-FAF3-5327-DFD7-D5A6E59448D6}"/>
+              </a:ext>
+            </a:extLst>
+          </p:cNvPr>
+          <p:cNvGrpSpPr/>
+          <p:nvPr/>
+        </p:nvGrpSpPr>
+        <p:grpSpPr>
+          <a:xfrm>
+            <a:off x="6083732" y="493296"/>
+            <a:ext cx="5886054" cy="2935704"/>
+            <a:chOff x="4993105" y="3429000"/>
+            <a:chExt cx="5886054" cy="2935704"/>
+          </a:xfrm>
+        </p:grpSpPr>
+        <p:sp>
+          <p:nvSpPr>
+            <p:cNvPr id="5" name="Rectangle 4">
+              <a:extLst>
+                <a:ext uri="{FF2B5EF4-FFF2-40B4-BE49-F238E27FC236}">
+                  <a16:creationId xmlns:a16="http://schemas.microsoft.com/office/drawing/2014/main" id="{E63D1431-6D25-8FB2-FAA5-FE006A8E3548}"/>
+                </a:ext>
+              </a:extLst>
+            </p:cNvPr>
+            <p:cNvSpPr/>
+            <p:nvPr/>
+          </p:nvSpPr>
+          <p:spPr>
+            <a:xfrm>
+              <a:off x="4993105" y="5356887"/>
+              <a:ext cx="1962018" cy="1007817"/>
+            </a:xfrm>
+            <a:prstGeom prst="rect">
+              <a:avLst/>
+            </a:prstGeom>
+          </p:spPr>
+          <p:style>
+            <a:lnRef idx="2">
+              <a:schemeClr val="accent1">
+                <a:shade val="15000"/>
+              </a:schemeClr>
+            </a:lnRef>
+            <a:fillRef idx="1">
+              <a:schemeClr val="accent1"/>
+            </a:fillRef>
+            <a:effectRef idx="0">
+              <a:schemeClr val="accent1"/>
+            </a:effectRef>
+            <a:fontRef idx="minor">
+              <a:schemeClr val="lt1"/>
+            </a:fontRef>
+          </p:style>
+          <p:txBody>
+            <a:bodyPr rtlCol="0" anchor="ctr"/>
+            <a:lstStyle/>
+            <a:p>
+              <a:pPr algn="ctr"/>
+              <a:r>
+                <a:rPr lang="en-US" dirty="0"/>
+                <a:t>Social Media Use (X)</a:t>
+              </a:r>
+            </a:p>
+          </p:txBody>
+        </p:sp>
+        <p:sp>
+          <p:nvSpPr>
+            <p:cNvPr id="6" name="Rectangle 5">
+              <a:extLst>
+                <a:ext uri="{FF2B5EF4-FFF2-40B4-BE49-F238E27FC236}">
+                  <a16:creationId xmlns:a16="http://schemas.microsoft.com/office/drawing/2014/main" id="{1BBDF0C9-216E-BBB2-6045-F171ADDE1C4A}"/>
+                </a:ext>
+              </a:extLst>
+            </p:cNvPr>
+            <p:cNvSpPr/>
+            <p:nvPr/>
+          </p:nvSpPr>
+          <p:spPr>
+            <a:xfrm>
+              <a:off x="8917141" y="5356887"/>
+              <a:ext cx="1962018" cy="1007817"/>
+            </a:xfrm>
+            <a:prstGeom prst="rect">
+              <a:avLst/>
+            </a:prstGeom>
+          </p:spPr>
+          <p:style>
+            <a:lnRef idx="2">
+              <a:schemeClr val="accent1">
+                <a:shade val="15000"/>
+              </a:schemeClr>
+            </a:lnRef>
+            <a:fillRef idx="1">
+              <a:schemeClr val="accent1"/>
+            </a:fillRef>
+            <a:effectRef idx="0">
+              <a:schemeClr val="accent1"/>
+            </a:effectRef>
+            <a:fontRef idx="minor">
+              <a:schemeClr val="lt1"/>
+            </a:fontRef>
+          </p:style>
+          <p:txBody>
+            <a:bodyPr rtlCol="0" anchor="ctr"/>
+            <a:lstStyle/>
+            <a:p>
+              <a:pPr algn="ctr"/>
+              <a:r>
+                <a:rPr lang="en-US" dirty="0"/>
+                <a:t>Academic Performance (Y)</a:t>
+              </a:r>
+            </a:p>
+          </p:txBody>
+        </p:sp>
+        <p:cxnSp>
+          <p:nvCxnSpPr>
+            <p:cNvPr id="8" name="Straight Arrow Connector 7">
+              <a:extLst>
+                <a:ext uri="{FF2B5EF4-FFF2-40B4-BE49-F238E27FC236}">
+                  <a16:creationId xmlns:a16="http://schemas.microsoft.com/office/drawing/2014/main" id="{9134AD61-04A1-5805-307F-5F147F02D864}"/>
+                </a:ext>
+              </a:extLst>
+            </p:cNvPr>
+            <p:cNvCxnSpPr>
+              <a:cxnSpLocks/>
+              <a:stCxn id="5" idx="3"/>
+              <a:endCxn id="6" idx="1"/>
+            </p:cNvCxnSpPr>
+            <p:nvPr/>
+          </p:nvCxnSpPr>
+          <p:spPr>
+            <a:xfrm>
+              <a:off x="6955123" y="5860796"/>
+              <a:ext cx="1962018" cy="0"/>
+            </a:xfrm>
+            <a:prstGeom prst="straightConnector1">
+              <a:avLst/>
+            </a:prstGeom>
+            <a:ln w="19050" cap="flat" cmpd="sng" algn="ctr">
+              <a:solidFill>
+                <a:schemeClr val="dk1"/>
+              </a:solidFill>
+              <a:prstDash val="solid"/>
+              <a:round/>
+              <a:headEnd type="none" w="med" len="med"/>
+              <a:tailEnd type="arrow" w="med" len="med"/>
+            </a:ln>
+          </p:spPr>
+          <p:style>
+            <a:lnRef idx="0">
+              <a:scrgbClr r="0" g="0" b="0"/>
+            </a:lnRef>
+            <a:fillRef idx="0">
+              <a:scrgbClr r="0" g="0" b="0"/>
+            </a:fillRef>
+            <a:effectRef idx="0">
+              <a:scrgbClr r="0" g="0" b="0"/>
+            </a:effectRef>
+            <a:fontRef idx="minor">
+              <a:schemeClr val="tx1"/>
+            </a:fontRef>
+          </p:style>
+        </p:cxnSp>
+        <p:sp>
+          <p:nvSpPr>
+            <p:cNvPr id="12" name="Rectangle 11">
+              <a:extLst>
+                <a:ext uri="{FF2B5EF4-FFF2-40B4-BE49-F238E27FC236}">
+                  <a16:creationId xmlns:a16="http://schemas.microsoft.com/office/drawing/2014/main" id="{1971BB7D-660F-A023-807B-B4E1533C698F}"/>
+                </a:ext>
+              </a:extLst>
+            </p:cNvPr>
+            <p:cNvSpPr/>
+            <p:nvPr/>
+          </p:nvSpPr>
+          <p:spPr>
+            <a:xfrm>
+              <a:off x="6955123" y="3429000"/>
+              <a:ext cx="1962018" cy="1007817"/>
+            </a:xfrm>
+            <a:prstGeom prst="rect">
+              <a:avLst/>
+            </a:prstGeom>
+          </p:spPr>
+          <p:style>
+            <a:lnRef idx="2">
+              <a:schemeClr val="accent1">
+                <a:shade val="15000"/>
+              </a:schemeClr>
+            </a:lnRef>
+            <a:fillRef idx="1">
+              <a:schemeClr val="accent1"/>
+            </a:fillRef>
+            <a:effectRef idx="0">
+              <a:schemeClr val="accent1"/>
+            </a:effectRef>
+            <a:fontRef idx="minor">
+              <a:schemeClr val="lt1"/>
+            </a:fontRef>
+          </p:style>
+          <p:txBody>
+            <a:bodyPr rtlCol="0" anchor="ctr"/>
+            <a:lstStyle/>
+            <a:p>
+              <a:pPr algn="ctr"/>
+              <a:r>
+                <a:rPr lang="en-US" dirty="0"/>
+                <a:t>Sleep Quality (M)</a:t>
+              </a:r>
+            </a:p>
+          </p:txBody>
+        </p:sp>
+        <p:cxnSp>
+          <p:nvCxnSpPr>
+            <p:cNvPr id="14" name="Straight Arrow Connector 13">
+              <a:extLst>
+                <a:ext uri="{FF2B5EF4-FFF2-40B4-BE49-F238E27FC236}">
+                  <a16:creationId xmlns:a16="http://schemas.microsoft.com/office/drawing/2014/main" id="{992485D8-9420-51C3-29A9-15D6BE098E56}"/>
+                </a:ext>
+              </a:extLst>
+            </p:cNvPr>
+            <p:cNvCxnSpPr>
+              <a:cxnSpLocks/>
+              <a:stCxn id="5" idx="0"/>
+              <a:endCxn id="12" idx="1"/>
+            </p:cNvCxnSpPr>
+            <p:nvPr/>
+          </p:nvCxnSpPr>
+          <p:spPr>
+            <a:xfrm flipV="1">
+              <a:off x="5974114" y="3932909"/>
+              <a:ext cx="981009" cy="1423978"/>
+            </a:xfrm>
+            <a:prstGeom prst="straightConnector1">
+              <a:avLst/>
+            </a:prstGeom>
+            <a:ln w="19050" cap="flat" cmpd="sng" algn="ctr">
+              <a:solidFill>
+                <a:schemeClr val="dk1"/>
+              </a:solidFill>
+              <a:prstDash val="solid"/>
+              <a:round/>
+              <a:headEnd type="none" w="med" len="med"/>
+              <a:tailEnd type="arrow" w="med" len="med"/>
+            </a:ln>
+          </p:spPr>
+          <p:style>
+            <a:lnRef idx="0">
+              <a:scrgbClr r="0" g="0" b="0"/>
+            </a:lnRef>
+            <a:fillRef idx="0">
+              <a:scrgbClr r="0" g="0" b="0"/>
+            </a:fillRef>
+            <a:effectRef idx="0">
+              <a:scrgbClr r="0" g="0" b="0"/>
+            </a:effectRef>
+            <a:fontRef idx="minor">
+              <a:schemeClr val="tx1"/>
+            </a:fontRef>
+          </p:style>
+        </p:cxnSp>
+        <p:cxnSp>
+          <p:nvCxnSpPr>
+            <p:cNvPr id="17" name="Straight Arrow Connector 16">
+              <a:extLst>
+                <a:ext uri="{FF2B5EF4-FFF2-40B4-BE49-F238E27FC236}">
+                  <a16:creationId xmlns:a16="http://schemas.microsoft.com/office/drawing/2014/main" id="{2959BF34-F4C6-BC4B-5122-578B47E38D94}"/>
+                </a:ext>
+              </a:extLst>
+            </p:cNvPr>
+            <p:cNvCxnSpPr>
+              <a:cxnSpLocks/>
+              <a:stCxn id="12" idx="3"/>
+              <a:endCxn id="6" idx="0"/>
+            </p:cNvCxnSpPr>
+            <p:nvPr/>
+          </p:nvCxnSpPr>
+          <p:spPr>
+            <a:xfrm>
+              <a:off x="8917141" y="3932909"/>
+              <a:ext cx="981009" cy="1423978"/>
+            </a:xfrm>
+            <a:prstGeom prst="straightConnector1">
+              <a:avLst/>
+            </a:prstGeom>
+            <a:ln w="19050" cap="flat" cmpd="sng" algn="ctr">
+              <a:solidFill>
+                <a:schemeClr val="dk1"/>
+              </a:solidFill>
+              <a:prstDash val="solid"/>
+              <a:round/>
+              <a:headEnd type="none" w="med" len="med"/>
+              <a:tailEnd type="arrow" w="med" len="med"/>
+            </a:ln>
+          </p:spPr>
+          <p:style>
+            <a:lnRef idx="0">
+              <a:scrgbClr r="0" g="0" b="0"/>
+            </a:lnRef>
+            <a:fillRef idx="0">
+              <a:scrgbClr r="0" g="0" b="0"/>
+            </a:fillRef>
+            <a:effectRef idx="0">
+              <a:scrgbClr r="0" g="0" b="0"/>
+            </a:effectRef>
+            <a:fontRef idx="minor">
+              <a:schemeClr val="tx1"/>
+            </a:fontRef>
+          </p:style>
+        </p:cxnSp>
+      </p:grpSp>
+      <p:sp>
+        <p:nvSpPr>
+          <p:cNvPr id="21" name="TextBox 20">
+            <a:extLst>
+              <a:ext uri="{FF2B5EF4-FFF2-40B4-BE49-F238E27FC236}">
+                <a16:creationId xmlns:a16="http://schemas.microsoft.com/office/drawing/2014/main" id="{09DB7CF4-9191-A730-E034-BA6332B9CC35}"/>
+              </a:ext>
+            </a:extLst>
+          </p:cNvPr>
+          <p:cNvSpPr txBox="1"/>
+          <p:nvPr/>
+        </p:nvSpPr>
+        <p:spPr>
+          <a:xfrm>
+            <a:off x="7238510" y="1413366"/>
+            <a:ext cx="308098" cy="369332"/>
+          </a:xfrm>
+          <a:prstGeom prst="rect">
+            <a:avLst/>
+          </a:prstGeom>
+          <a:noFill/>
+        </p:spPr>
+        <p:txBody>
+          <a:bodyPr wrap="none" rtlCol="0">
+            <a:spAutoFit/>
+          </a:bodyPr>
+          <a:lstStyle/>
+          <a:p>
+            <a:r>
+              <a:rPr lang="en-US" dirty="0"/>
+              <a:t>a</a:t>
+            </a:r>
+          </a:p>
+        </p:txBody>
+      </p:sp>
+      <p:sp>
+        <p:nvSpPr>
+          <p:cNvPr id="22" name="TextBox 21">
+            <a:extLst>
+              <a:ext uri="{FF2B5EF4-FFF2-40B4-BE49-F238E27FC236}">
+                <a16:creationId xmlns:a16="http://schemas.microsoft.com/office/drawing/2014/main" id="{A2E9B6C5-BCA5-1C21-2952-A4C2C4A15102}"/>
+              </a:ext>
+            </a:extLst>
+          </p:cNvPr>
+          <p:cNvSpPr txBox="1"/>
+          <p:nvPr/>
+        </p:nvSpPr>
+        <p:spPr>
+          <a:xfrm>
+            <a:off x="10513327" y="1407150"/>
+            <a:ext cx="314510" cy="369332"/>
+          </a:xfrm>
+          <a:prstGeom prst="rect">
+            <a:avLst/>
+          </a:prstGeom>
+          <a:noFill/>
+        </p:spPr>
+        <p:txBody>
+          <a:bodyPr wrap="none" rtlCol="0">
+            <a:spAutoFit/>
+          </a:bodyPr>
+          <a:lstStyle/>
+          <a:p>
+            <a:r>
+              <a:rPr lang="en-US" dirty="0"/>
+              <a:t>b</a:t>
+            </a:r>
+          </a:p>
+        </p:txBody>
+      </p:sp>
+      <p:sp>
+        <p:nvSpPr>
+          <p:cNvPr id="23" name="TextBox 22">
+            <a:extLst>
+              <a:ext uri="{FF2B5EF4-FFF2-40B4-BE49-F238E27FC236}">
+                <a16:creationId xmlns:a16="http://schemas.microsoft.com/office/drawing/2014/main" id="{0B6C2D04-CCF1-2604-2BF6-D40704C89D18}"/>
+              </a:ext>
+            </a:extLst>
+          </p:cNvPr>
+          <p:cNvSpPr txBox="1"/>
+          <p:nvPr/>
+        </p:nvSpPr>
+        <p:spPr>
+          <a:xfrm>
+            <a:off x="8869504" y="2157204"/>
+            <a:ext cx="314510" cy="369332"/>
+          </a:xfrm>
+          <a:prstGeom prst="rect">
+            <a:avLst/>
+          </a:prstGeom>
+          <a:noFill/>
+        </p:spPr>
+        <p:txBody>
+          <a:bodyPr wrap="none" rtlCol="0">
+            <a:spAutoFit/>
+          </a:bodyPr>
+          <a:lstStyle/>
+          <a:p>
+            <a:r>
+              <a:rPr lang="en-US" dirty="0"/>
+              <a:t>c</a:t>
+            </a:r>
+          </a:p>
+        </p:txBody>
+      </p:sp>
+      <p:sp>
+        <p:nvSpPr>
+          <p:cNvPr id="24" name="TextBox 23">
+            <a:extLst>
+              <a:ext uri="{FF2B5EF4-FFF2-40B4-BE49-F238E27FC236}">
+                <a16:creationId xmlns:a16="http://schemas.microsoft.com/office/drawing/2014/main" id="{123D3A7A-F30D-4BD0-3A7A-E0C5A938D4DF}"/>
+              </a:ext>
+            </a:extLst>
+          </p:cNvPr>
+          <p:cNvSpPr txBox="1"/>
+          <p:nvPr/>
+        </p:nvSpPr>
+        <p:spPr>
+          <a:xfrm>
+            <a:off x="8869504" y="2938021"/>
+            <a:ext cx="416968" cy="369332"/>
+          </a:xfrm>
+          <a:prstGeom prst="rect">
+            <a:avLst/>
+          </a:prstGeom>
+          <a:noFill/>
+        </p:spPr>
+        <p:txBody>
+          <a:bodyPr wrap="square" rtlCol="0">
+            <a:spAutoFit/>
+          </a:bodyPr>
+          <a:lstStyle/>
+          <a:p>
+            <a:r>
+              <a:rPr lang="en-US" dirty="0"/>
+              <a:t>c’</a:t>
+            </a:r>
+          </a:p>
+        </p:txBody>
+      </p:sp>
+    </p:spTree>
+    <p:extLst>
+      <p:ext uri="{BB962C8B-B14F-4D97-AF65-F5344CB8AC3E}">
+        <p14:creationId xmlns:p14="http://schemas.microsoft.com/office/powerpoint/2010/main" val="118337986"/>
+      </p:ext>
+    </p:extLst>
+  </p:cSld>
+  <p:clrMapOvr>
+    <a:masterClrMapping/>
+  </p:clrMapOvr>
+  <p:timing>
+    <p:tnLst>
+      <p:par>
+        <p:cTn id="1" dur="indefinite" restart="never" nodeType="tmRoot">
+          <p:childTnLst>
+            <p:seq concurrent="1" nextAc="seek">
+              <p:cTn id="2" dur="indefinite" nodeType="mainSeq">
+                <p:childTnLst>
+                  <p:par>
+                    <p:cTn id="3" fill="hold">
+                      <p:stCondLst>
+                        <p:cond delay="indefinite"/>
+                      </p:stCondLst>
+                      <p:childTnLst>
+                        <p:par>
+                          <p:cTn id="4" fill="hold">
+                            <p:stCondLst>
+                              <p:cond delay="0"/>
+                            </p:stCondLst>
+                            <p:childTnLst>
+                              <p:par>
+                                <p:cTn id="5" presetID="1" presetClass="entr" presetSubtype="0" fill="hold" nodeType="clickEffect">
+                                  <p:stCondLst>
+                                    <p:cond delay="0"/>
+                                  </p:stCondLst>
+                                  <p:childTnLst>
+                                    <p:set>
+                                      <p:cBhvr>
+                                        <p:cTn id="6" dur="1" fill="hold">
+                                          <p:stCondLst>
+                                            <p:cond delay="0"/>
+                                          </p:stCondLst>
+                                        </p:cTn>
+                                        <p:tgtEl>
+                                          <p:spTgt spid="20"/>
+                                        </p:tgtEl>
+                                        <p:attrNameLst>
+                                          <p:attrName>style.visibility</p:attrName>
+                                        </p:attrNameLst>
+                                      </p:cBhvr>
+                                      <p:to>
+                                        <p:strVal val="visible"/>
+                                      </p:to>
+                                    </p:set>
+                                  </p:childTnLst>
+                                </p:cTn>
+                              </p:par>
+                            </p:childTnLst>
+                          </p:cTn>
+                        </p:par>
+                      </p:childTnLst>
+                    </p:cTn>
+                  </p:par>
+                  <p:par>
+                    <p:cTn id="7" fill="hold">
+                      <p:stCondLst>
+                        <p:cond delay="indefinite"/>
+                      </p:stCondLst>
+                      <p:childTnLst>
+                        <p:par>
+                          <p:cTn id="8" fill="hold">
+                            <p:stCondLst>
+                              <p:cond delay="0"/>
+                            </p:stCondLst>
+                            <p:childTnLst>
+                              <p:par>
+                                <p:cTn id="9" presetID="1" presetClass="entr" presetSubtype="0" fill="hold" nodeType="clickEffect">
+                                  <p:stCondLst>
+                                    <p:cond delay="0"/>
+                                  </p:stCondLst>
+                                  <p:childTnLst>
+                                    <p:set>
+                                      <p:cBhvr>
+                                        <p:cTn id="10" dur="1" fill="hold">
+                                          <p:stCondLst>
+                                            <p:cond delay="0"/>
+                                          </p:stCondLst>
+                                        </p:cTn>
+                                        <p:tgtEl>
+                                          <p:spTgt spid="3">
+                                            <p:txEl>
+                                              <p:pRg st="0" end="0"/>
+                                            </p:txEl>
+                                          </p:spTgt>
+                                        </p:tgtEl>
+                                        <p:attrNameLst>
+                                          <p:attrName>style.visibility</p:attrName>
+                                        </p:attrNameLst>
+                                      </p:cBhvr>
+                                      <p:to>
+                                        <p:strVal val="visible"/>
+                                      </p:to>
+                                    </p:set>
+                                  </p:childTnLst>
+                                </p:cTn>
+                              </p:par>
+                              <p:par>
+                                <p:cTn id="11" presetID="1" presetClass="entr" presetSubtype="0" fill="hold" grpId="0" nodeType="withEffect">
+                                  <p:stCondLst>
+                                    <p:cond delay="0"/>
+                                  </p:stCondLst>
+                                  <p:childTnLst>
+                                    <p:set>
+                                      <p:cBhvr>
+                                        <p:cTn id="12" dur="1" fill="hold">
+                                          <p:stCondLst>
+                                            <p:cond delay="0"/>
+                                          </p:stCondLst>
+                                        </p:cTn>
+                                        <p:tgtEl>
+                                          <p:spTgt spid="24"/>
+                                        </p:tgtEl>
+                                        <p:attrNameLst>
+                                          <p:attrName>style.visibility</p:attrName>
+                                        </p:attrNameLst>
+                                      </p:cBhvr>
+                                      <p:to>
+                                        <p:strVal val="visible"/>
+                                      </p:to>
+                                    </p:set>
+                                  </p:childTnLst>
+                                </p:cTn>
+                              </p:par>
+                            </p:childTnLst>
+                          </p:cTn>
+                        </p:par>
+                      </p:childTnLst>
+                    </p:cTn>
+                  </p:par>
+                  <p:par>
+                    <p:cTn id="13" fill="hold">
+                      <p:stCondLst>
+                        <p:cond delay="indefinite"/>
+                      </p:stCondLst>
+                      <p:childTnLst>
+                        <p:par>
+                          <p:cTn id="14" fill="hold">
+                            <p:stCondLst>
+                              <p:cond delay="0"/>
+                            </p:stCondLst>
+                            <p:childTnLst>
+                              <p:par>
+                                <p:cTn id="15" presetID="1" presetClass="entr" presetSubtype="0" fill="hold" nodeType="clickEffect">
+                                  <p:stCondLst>
+                                    <p:cond delay="0"/>
+                                  </p:stCondLst>
+                                  <p:childTnLst>
+                                    <p:set>
+                                      <p:cBhvr>
+                                        <p:cTn id="16" dur="1" fill="hold">
+                                          <p:stCondLst>
+                                            <p:cond delay="0"/>
+                                          </p:stCondLst>
+                                        </p:cTn>
+                                        <p:tgtEl>
+                                          <p:spTgt spid="3">
+                                            <p:txEl>
+                                              <p:pRg st="1" end="1"/>
+                                            </p:txEl>
+                                          </p:spTgt>
+                                        </p:tgtEl>
+                                        <p:attrNameLst>
+                                          <p:attrName>style.visibility</p:attrName>
+                                        </p:attrNameLst>
+                                      </p:cBhvr>
+                                      <p:to>
+                                        <p:strVal val="visible"/>
+                                      </p:to>
+                                    </p:set>
+                                  </p:childTnLst>
+                                </p:cTn>
+                              </p:par>
+                              <p:par>
+                                <p:cTn id="17" presetID="1" presetClass="entr" presetSubtype="0" fill="hold" grpId="0" nodeType="withEffect">
+                                  <p:stCondLst>
+                                    <p:cond delay="0"/>
+                                  </p:stCondLst>
+                                  <p:childTnLst>
+                                    <p:set>
+                                      <p:cBhvr>
+                                        <p:cTn id="18" dur="1" fill="hold">
+                                          <p:stCondLst>
+                                            <p:cond delay="0"/>
+                                          </p:stCondLst>
+                                        </p:cTn>
+                                        <p:tgtEl>
+                                          <p:spTgt spid="21"/>
+                                        </p:tgtEl>
+                                        <p:attrNameLst>
+                                          <p:attrName>style.visibility</p:attrName>
+                                        </p:attrNameLst>
+                                      </p:cBhvr>
+                                      <p:to>
+                                        <p:strVal val="visible"/>
+                                      </p:to>
+                                    </p:set>
+                                  </p:childTnLst>
+                                </p:cTn>
+                              </p:par>
+                              <p:par>
+                                <p:cTn id="19" presetID="1" presetClass="entr" presetSubtype="0" fill="hold" grpId="0" nodeType="withEffect">
+                                  <p:stCondLst>
+                                    <p:cond delay="0"/>
+                                  </p:stCondLst>
+                                  <p:childTnLst>
+                                    <p:set>
+                                      <p:cBhvr>
+                                        <p:cTn id="20" dur="1" fill="hold">
+                                          <p:stCondLst>
+                                            <p:cond delay="0"/>
+                                          </p:stCondLst>
+                                        </p:cTn>
+                                        <p:tgtEl>
+                                          <p:spTgt spid="22"/>
+                                        </p:tgtEl>
+                                        <p:attrNameLst>
+                                          <p:attrName>style.visibility</p:attrName>
+                                        </p:attrNameLst>
+                                      </p:cBhvr>
+                                      <p:to>
+                                        <p:strVal val="visible"/>
+                                      </p:to>
+                                    </p:set>
+                                  </p:childTnLst>
+                                </p:cTn>
+                              </p:par>
+                            </p:childTnLst>
+                          </p:cTn>
+                        </p:par>
+                      </p:childTnLst>
+                    </p:cTn>
+                  </p:par>
+                  <p:par>
+                    <p:cTn id="21" fill="hold">
+                      <p:stCondLst>
+                        <p:cond delay="indefinite"/>
+                      </p:stCondLst>
+                      <p:childTnLst>
+                        <p:par>
+                          <p:cTn id="22" fill="hold">
+                            <p:stCondLst>
+                              <p:cond delay="0"/>
+                            </p:stCondLst>
+                            <p:childTnLst>
+                              <p:par>
+                                <p:cTn id="23" presetID="1" presetClass="entr" presetSubtype="0" fill="hold" nodeType="clickEffect">
+                                  <p:stCondLst>
+                                    <p:cond delay="0"/>
+                                  </p:stCondLst>
+                                  <p:childTnLst>
+                                    <p:set>
+                                      <p:cBhvr>
+                                        <p:cTn id="24" dur="1" fill="hold">
+                                          <p:stCondLst>
+                                            <p:cond delay="0"/>
+                                          </p:stCondLst>
+                                        </p:cTn>
+                                        <p:tgtEl>
+                                          <p:spTgt spid="3">
+                                            <p:txEl>
+                                              <p:pRg st="2" end="2"/>
+                                            </p:txEl>
+                                          </p:spTgt>
+                                        </p:tgtEl>
+                                        <p:attrNameLst>
+                                          <p:attrName>style.visibility</p:attrName>
+                                        </p:attrNameLst>
+                                      </p:cBhvr>
+                                      <p:to>
+                                        <p:strVal val="visible"/>
+                                      </p:to>
+                                    </p:set>
+                                  </p:childTnLst>
+                                </p:cTn>
+                              </p:par>
+                              <p:par>
+                                <p:cTn id="25" presetID="1" presetClass="entr" presetSubtype="0" fill="hold" grpId="0" nodeType="withEffect">
+                                  <p:stCondLst>
+                                    <p:cond delay="0"/>
+                                  </p:stCondLst>
+                                  <p:childTnLst>
+                                    <p:set>
+                                      <p:cBhvr>
+                                        <p:cTn id="26" dur="1" fill="hold">
+                                          <p:stCondLst>
+                                            <p:cond delay="0"/>
+                                          </p:stCondLst>
+                                        </p:cTn>
+                                        <p:tgtEl>
+                                          <p:spTgt spid="23"/>
+                                        </p:tgtEl>
+                                        <p:attrNameLst>
+                                          <p:attrName>style.visibility</p:attrName>
+                                        </p:attrNameLst>
+                                      </p:cBhvr>
+                                      <p:to>
+                                        <p:strVal val="visible"/>
+                                      </p:to>
+                                    </p:set>
+                                  </p:childTnLst>
+                                </p:cTn>
+                              </p:par>
+                            </p:childTnLst>
+                          </p:cTn>
+                        </p:par>
+                      </p:childTnLst>
+                    </p:cTn>
+                  </p:par>
+                  <p:par>
+                    <p:cTn id="27" fill="hold">
+                      <p:stCondLst>
+                        <p:cond delay="indefinite"/>
+                      </p:stCondLst>
+                      <p:childTnLst>
+                        <p:par>
+                          <p:cTn id="28" fill="hold">
+                            <p:stCondLst>
+                              <p:cond delay="0"/>
+                            </p:stCondLst>
+                            <p:childTnLst>
+                              <p:par>
+                                <p:cTn id="29" presetID="1" presetClass="entr" presetSubtype="0" fill="hold" nodeType="clickEffect">
+                                  <p:stCondLst>
+                                    <p:cond delay="0"/>
+                                  </p:stCondLst>
+                                  <p:childTnLst>
+                                    <p:set>
+                                      <p:cBhvr>
+                                        <p:cTn id="30" dur="1" fill="hold">
+                                          <p:stCondLst>
+                                            <p:cond delay="0"/>
+                                          </p:stCondLst>
+                                        </p:cTn>
+                                        <p:tgtEl>
+                                          <p:spTgt spid="3">
+                                            <p:txEl>
+                                              <p:pRg st="5" end="5"/>
+                                            </p:txEl>
+                                          </p:spTgt>
+                                        </p:tgtEl>
+                                        <p:attrNameLst>
+                                          <p:attrName>style.visibility</p:attrName>
+                                        </p:attrNameLst>
+                                      </p:cBhvr>
+                                      <p:to>
+                                        <p:strVal val="visible"/>
+                                      </p:to>
+                                    </p:set>
+                                  </p:childTnLst>
+                                </p:cTn>
+                              </p:par>
+                              <p:par>
+                                <p:cTn id="31" presetID="1" presetClass="entr" presetSubtype="0" fill="hold" nodeType="withEffect">
+                                  <p:stCondLst>
+                                    <p:cond delay="0"/>
+                                  </p:stCondLst>
+                                  <p:childTnLst>
+                                    <p:set>
+                                      <p:cBhvr>
+                                        <p:cTn id="32" dur="1" fill="hold">
+                                          <p:stCondLst>
+                                            <p:cond delay="0"/>
+                                          </p:stCondLst>
+                                        </p:cTn>
+                                        <p:tgtEl>
+                                          <p:spTgt spid="3">
+                                            <p:txEl>
+                                              <p:pRg st="6" end="6"/>
+                                            </p:txEl>
+                                          </p:spTgt>
+                                        </p:tgtEl>
+                                        <p:attrNameLst>
+                                          <p:attrName>style.visibility</p:attrName>
+                                        </p:attrNameLst>
+                                      </p:cBhvr>
+                                      <p:to>
+                                        <p:strVal val="visible"/>
+                                      </p:to>
+                                    </p:set>
+                                  </p:childTnLst>
+                                </p:cTn>
+                              </p:par>
+                            </p:childTnLst>
+                          </p:cTn>
+                        </p:par>
+                      </p:childTnLst>
+                    </p:cTn>
+                  </p:par>
+                  <p:par>
+                    <p:cTn id="33" fill="hold">
+                      <p:stCondLst>
+                        <p:cond delay="indefinite"/>
+                      </p:stCondLst>
+                      <p:childTnLst>
+                        <p:par>
+                          <p:cTn id="34" fill="hold">
+                            <p:stCondLst>
+                              <p:cond delay="0"/>
+                            </p:stCondLst>
+                            <p:childTnLst>
+                              <p:par>
+                                <p:cTn id="35" presetID="1" presetClass="entr" presetSubtype="0" fill="hold" nodeType="clickEffect">
+                                  <p:stCondLst>
+                                    <p:cond delay="0"/>
+                                  </p:stCondLst>
+                                  <p:childTnLst>
+                                    <p:set>
+                                      <p:cBhvr>
+                                        <p:cTn id="36" dur="1" fill="hold">
+                                          <p:stCondLst>
+                                            <p:cond delay="0"/>
+                                          </p:stCondLst>
+                                        </p:cTn>
+                                        <p:tgtEl>
+                                          <p:spTgt spid="3">
+                                            <p:txEl>
+                                              <p:pRg st="7" end="7"/>
+                                            </p:txEl>
+                                          </p:spTgt>
+                                        </p:tgtEl>
+                                        <p:attrNameLst>
+                                          <p:attrName>style.visibility</p:attrName>
+                                        </p:attrNameLst>
+                                      </p:cBhvr>
+                                      <p:to>
+                                        <p:strVal val="visible"/>
+                                      </p:to>
+                                    </p:set>
+                                  </p:childTnLst>
+                                </p:cTn>
+                              </p:par>
+                              <p:par>
+                                <p:cTn id="37" presetID="1" presetClass="entr" presetSubtype="0" fill="hold" nodeType="withEffect">
+                                  <p:stCondLst>
+                                    <p:cond delay="0"/>
+                                  </p:stCondLst>
+                                  <p:childTnLst>
+                                    <p:set>
+                                      <p:cBhvr>
+                                        <p:cTn id="38" dur="1" fill="hold">
+                                          <p:stCondLst>
+                                            <p:cond delay="0"/>
+                                          </p:stCondLst>
+                                        </p:cTn>
+                                        <p:tgtEl>
+                                          <p:spTgt spid="3">
+                                            <p:txEl>
+                                              <p:pRg st="8" end="8"/>
+                                            </p:txEl>
+                                          </p:spTgt>
+                                        </p:tgtEl>
+                                        <p:attrNameLst>
+                                          <p:attrName>style.visibility</p:attrName>
+                                        </p:attrNameLst>
+                                      </p:cBhvr>
+                                      <p:to>
+                                        <p:strVal val="visible"/>
+                                      </p:to>
+                                    </p:set>
+                                  </p:childTnLst>
+                                </p:cTn>
+                              </p:par>
+                            </p:childTnLst>
+                          </p:cTn>
+                        </p:par>
+                      </p:childTnLst>
+                    </p:cTn>
+                  </p:par>
+                </p:childTnLst>
+              </p:cTn>
+              <p:prevCondLst>
+                <p:cond evt="onPrev" delay="0">
+                  <p:tgtEl>
+                    <p:sldTgt/>
+                  </p:tgtEl>
+                </p:cond>
+              </p:prevCondLst>
+              <p:nextCondLst>
+                <p:cond evt="onNext" delay="0">
+                  <p:tgtEl>
+                    <p:sldTgt/>
+                  </p:tgtEl>
+                </p:cond>
+              </p:nextCondLst>
+            </p:seq>
+          </p:childTnLst>
+        </p:cTn>
+      </p:par>
+    </p:tnLst>
+    <p:bldLst>
+      <p:bldP spid="21" grpId="0"/>
+      <p:bldP spid="22" grpId="0"/>
+      <p:bldP spid="23" grpId="0"/>
+      <p:bldP spid="24" grpId="0"/>
+    </p:bldLst>
+  </p:timing>
+</p:sld>
+</file>
+
+<file path=ppt/slides/slide13.xml><?xml version="1.0" encoding="utf-8"?>
+<p:sld xmlns:a="http://schemas.openxmlformats.org/drawingml/2006/main" xmlns:r="http://schemas.openxmlformats.org/officeDocument/2006/relationships" xmlns:p="http://schemas.openxmlformats.org/presentationml/2006/main">
+  <p:cSld>
+    <p:spTree>
+      <p:nvGrpSpPr>
+        <p:cNvPr id="1" name=""/>
+        <p:cNvGrpSpPr/>
+        <p:nvPr/>
+      </p:nvGrpSpPr>
+      <p:grpSpPr>
+        <a:xfrm>
+          <a:off x="0" y="0"/>
+          <a:ext cx="0" cy="0"/>
+          <a:chOff x="0" y="0"/>
+          <a:chExt cx="0" cy="0"/>
+        </a:xfrm>
+      </p:grpSpPr>
+      <p:sp>
+        <p:nvSpPr>
+          <p:cNvPr id="2" name="Title 1">
+            <a:extLst>
+              <a:ext uri="{FF2B5EF4-FFF2-40B4-BE49-F238E27FC236}">
                 <a16:creationId xmlns:a16="http://schemas.microsoft.com/office/drawing/2014/main" id="{8F5F3EF2-511F-A7A3-C71A-43524975D087}"/>
               </a:ext>
             </a:extLst>
@@ -13889,7 +16149,7 @@
 </p:sld>
 </file>
 
-<file path=ppt/slides/slide11.xml><?xml version="1.0" encoding="utf-8"?>
+<file path=ppt/slides/slide14.xml><?xml version="1.0" encoding="utf-8"?>
 <p:sld xmlns:a="http://schemas.openxmlformats.org/drawingml/2006/main" xmlns:r="http://schemas.openxmlformats.org/officeDocument/2006/relationships" xmlns:p="http://schemas.openxmlformats.org/presentationml/2006/main">
   <p:cSld>
     <p:spTree>
@@ -13999,7 +16259,7 @@
 </p:sld>
 </file>
 
-<file path=ppt/slides/slide12.xml><?xml version="1.0" encoding="utf-8"?>
+<file path=ppt/slides/slide15.xml><?xml version="1.0" encoding="utf-8"?>
 <p:sld xmlns:a="http://schemas.openxmlformats.org/drawingml/2006/main" xmlns:r="http://schemas.openxmlformats.org/officeDocument/2006/relationships" xmlns:p="http://schemas.openxmlformats.org/presentationml/2006/main">
   <p:cSld>
     <p:spTree>
@@ -14109,7 +16369,7 @@
 </p:sld>
 </file>
 
-<file path=ppt/slides/slide13.xml><?xml version="1.0" encoding="utf-8"?>
+<file path=ppt/slides/slide16.xml><?xml version="1.0" encoding="utf-8"?>
 <p:sld xmlns:a="http://schemas.openxmlformats.org/drawingml/2006/main" xmlns:r="http://schemas.openxmlformats.org/officeDocument/2006/relationships" xmlns:p="http://schemas.openxmlformats.org/presentationml/2006/main">
   <p:cSld>
     <p:spTree>
@@ -14234,7 +16494,7 @@
 </p:sld>
 </file>
 
-<file path=ppt/slides/slide14.xml><?xml version="1.0" encoding="utf-8"?>
+<file path=ppt/slides/slide17.xml><?xml version="1.0" encoding="utf-8"?>
 <p:sld xmlns:a="http://schemas.openxmlformats.org/drawingml/2006/main" xmlns:r="http://schemas.openxmlformats.org/officeDocument/2006/relationships" xmlns:p="http://schemas.openxmlformats.org/presentationml/2006/main">
   <p:cSld>
     <p:spTree>
@@ -16928,8 +19188,8 @@
           </a:p>
         </p:txBody>
       </p:sp>
-      <mc:AlternateContent xmlns:mc="http://schemas.openxmlformats.org/markup-compatibility/2006">
-        <mc:Choice xmlns:a14="http://schemas.microsoft.com/office/drawing/2010/main" Requires="a14">
+      <mc:AlternateContent xmlns:mc="http://schemas.openxmlformats.org/markup-compatibility/2006" xmlns:a14="http://schemas.microsoft.com/office/drawing/2010/main">
+        <mc:Choice Requires="a14">
           <p:sp>
             <p:nvSpPr>
               <p:cNvPr id="3" name="Content Placeholder 2">
@@ -17294,7 +19554,7 @@
             </p:txBody>
           </p:sp>
         </mc:Choice>
-        <mc:Fallback>
+        <mc:Fallback xmlns="">
           <p:sp>
             <p:nvSpPr>
               <p:cNvPr id="3" name="Content Placeholder 2">
@@ -17980,12 +20240,12 @@
           <a:lstStyle/>
           <a:p>
             <a:r>
-              <a:rPr lang="en-US" b="1">
+              <a:rPr lang="en-US" b="1" dirty="0">
                 <a:solidFill>
                   <a:srgbClr val="FFFFFF"/>
                 </a:solidFill>
               </a:rPr>
-              <a:t>Data Preparation for Moderation Analysis</a:t>
+              <a:t>Data Preparation: Moderation Analysis</a:t>
             </a:r>
           </a:p>
         </p:txBody>
@@ -18123,8 +20383,12 @@
           <a:p>
             <a:pPr lvl="2"/>
             <a:r>
+              <a:rPr lang="en-US" b="1" dirty="0"/>
+              <a:t>Failed? </a:t>
+            </a:r>
+            <a:r>
               <a:rPr lang="en-US" dirty="0"/>
-              <a:t>Failed? Maximum Likelihood Estimation with Robust Standard Errors (MLR)</a:t>
+              <a:t>Maximum Likelihood Estimation with Robust Standard Errors (MLR)</a:t>
             </a:r>
           </a:p>
         </p:txBody>
@@ -18338,6 +20602,14 @@
 <file path=ppt/slides/slide9.xml><?xml version="1.0" encoding="utf-8"?>
 <p:sld xmlns:a="http://schemas.openxmlformats.org/drawingml/2006/main" xmlns:r="http://schemas.openxmlformats.org/officeDocument/2006/relationships" xmlns:p="http://schemas.openxmlformats.org/presentationml/2006/main">
   <p:cSld>
+    <p:bg>
+      <p:bgPr>
+        <a:solidFill>
+          <a:schemeClr val="bg1"/>
+        </a:solidFill>
+        <a:effectLst/>
+      </p:bgPr>
+    </p:bg>
     <p:spTree>
       <p:nvGrpSpPr>
         <p:cNvPr id="1" name=""/>
@@ -18352,12 +20624,72 @@
           <a:chExt cx="0" cy="0"/>
         </a:xfrm>
       </p:grpSpPr>
+      <p:sp useBgFill="1">
+        <p:nvSpPr>
+          <p:cNvPr id="9" name="Slide Background">
+            <a:extLst>
+              <a:ext uri="{FF2B5EF4-FFF2-40B4-BE49-F238E27FC236}">
+                <a16:creationId xmlns:a16="http://schemas.microsoft.com/office/drawing/2014/main" id="{9F7D5CDA-D291-4307-BF55-1381FED29634}"/>
+              </a:ext>
+              <a:ext uri="{C183D7F6-B498-43B3-948B-1728B52AA6E4}">
+                <adec:decorative xmlns:adec="http://schemas.microsoft.com/office/drawing/2017/decorative" val="1"/>
+              </a:ext>
+            </a:extLst>
+          </p:cNvPr>
+          <p:cNvSpPr>
+            <a:spLocks noGrp="1" noRot="1" noChangeAspect="1" noMove="1" noResize="1" noEditPoints="1" noAdjustHandles="1" noChangeArrowheads="1" noChangeShapeType="1" noTextEdit="1"/>
+          </p:cNvSpPr>
+          <p:nvPr>
+            <p:extLst>
+              <p:ext uri="{386F3935-93C4-4BCD-93E2-E3B085C9AB24}">
+                <p16:designElem xmlns:p16="http://schemas.microsoft.com/office/powerpoint/2015/main" val="1"/>
+              </p:ext>
+            </p:extLst>
+          </p:nvPr>
+        </p:nvSpPr>
+        <p:spPr>
+          <a:xfrm>
+            <a:off x="0" y="0"/>
+            <a:ext cx="12192000" cy="6858000"/>
+          </a:xfrm>
+          <a:prstGeom prst="rect">
+            <a:avLst/>
+          </a:prstGeom>
+          <a:ln>
+            <a:noFill/>
+          </a:ln>
+        </p:spPr>
+        <p:style>
+          <a:lnRef idx="2">
+            <a:schemeClr val="accent1">
+              <a:shade val="50000"/>
+            </a:schemeClr>
+          </a:lnRef>
+          <a:fillRef idx="1">
+            <a:schemeClr val="accent1"/>
+          </a:fillRef>
+          <a:effectRef idx="0">
+            <a:schemeClr val="accent1"/>
+          </a:effectRef>
+          <a:fontRef idx="minor">
+            <a:schemeClr val="lt1"/>
+          </a:fontRef>
+        </p:style>
+        <p:txBody>
+          <a:bodyPr rtlCol="0" anchor="ctr"/>
+          <a:lstStyle/>
+          <a:p>
+            <a:pPr algn="ctr"/>
+            <a:endParaRPr lang="en-US"/>
+          </a:p>
+        </p:txBody>
+      </p:sp>
       <p:sp>
         <p:nvSpPr>
           <p:cNvPr id="2" name="Title 1">
             <a:extLst>
               <a:ext uri="{FF2B5EF4-FFF2-40B4-BE49-F238E27FC236}">
-                <a16:creationId xmlns:a16="http://schemas.microsoft.com/office/drawing/2014/main" id="{AB9DE1C6-1007-2C9B-F095-5D8BDCF7029B}"/>
+                <a16:creationId xmlns:a16="http://schemas.microsoft.com/office/drawing/2014/main" id="{56ED5B2A-AB15-60BB-D95A-DBFBACC73921}"/>
               </a:ext>
             </a:extLst>
           </p:cNvPr>
@@ -18368,16 +20700,22 @@
             <p:ph type="title"/>
           </p:nvPr>
         </p:nvSpPr>
-        <p:spPr/>
+        <p:spPr>
+          <a:xfrm>
+            <a:off x="141314" y="163287"/>
+            <a:ext cx="5954686" cy="1708242"/>
+          </a:xfrm>
+        </p:spPr>
         <p:txBody>
-          <a:bodyPr/>
+          <a:bodyPr anchor="ctr">
+            <a:normAutofit/>
+          </a:bodyPr>
           <a:lstStyle/>
           <a:p>
             <a:r>
-              <a:rPr lang="en-US" b="1" dirty="0"/>
-              <a:t>Introduction to Mediation</a:t>
-            </a:r>
-            <a:endParaRPr lang="en-US" dirty="0"/>
+              <a:rPr lang="en-US" sz="4000" b="1" dirty="0"/>
+              <a:t>Moderation Example in R</a:t>
+            </a:r>
           </a:p>
         </p:txBody>
       </p:sp>
@@ -18386,7 +20724,7 @@
           <p:cNvPr id="3" name="Content Placeholder 2">
             <a:extLst>
               <a:ext uri="{FF2B5EF4-FFF2-40B4-BE49-F238E27FC236}">
-                <a16:creationId xmlns:a16="http://schemas.microsoft.com/office/drawing/2014/main" id="{783CE3D4-3BEE-AFF0-C699-DB79A52F526B}"/>
+                <a16:creationId xmlns:a16="http://schemas.microsoft.com/office/drawing/2014/main" id="{1DE71E55-57A3-51BA-7AC7-E80EFB077CAB}"/>
               </a:ext>
             </a:extLst>
           </p:cNvPr>
@@ -18397,46 +20735,148 @@
             <p:ph idx="1"/>
           </p:nvPr>
         </p:nvSpPr>
-        <p:spPr/>
+        <p:spPr>
+          <a:xfrm>
+            <a:off x="0" y="1727450"/>
+            <a:ext cx="8088285" cy="3769835"/>
+          </a:xfrm>
+        </p:spPr>
         <p:txBody>
-          <a:bodyPr/>
+          <a:bodyPr anchor="ctr">
+            <a:normAutofit fontScale="92500" lnSpcReduction="10000"/>
+          </a:bodyPr>
           <a:lstStyle/>
           <a:p>
-            <a:r>
-              <a:rPr lang="en-US" b="1" dirty="0"/>
-              <a:t>Definition: </a:t>
-            </a:r>
-            <a:r>
-              <a:rPr lang="en-US" dirty="0"/>
-              <a:t>A mediator explains "how" or "why" one variable affects another</a:t>
-            </a:r>
-          </a:p>
-          <a:p>
-            <a:r>
-              <a:rPr lang="en-US" b="1" dirty="0"/>
-              <a:t>Key question: </a:t>
-            </a:r>
-            <a:r>
-              <a:rPr lang="en-US" dirty="0"/>
-              <a:t>"Through what mechanism does X affect Y?“</a:t>
-            </a:r>
-          </a:p>
-          <a:p>
-            <a:r>
-              <a:rPr lang="en-US" b="1" dirty="0"/>
-              <a:t>Example: </a:t>
-            </a:r>
-            <a:r>
-              <a:rPr lang="en-US" dirty="0"/>
-              <a:t>Exercise (X) → Improved mood (M) → Better cognitive performance (Y)</a:t>
+            <a:pPr marL="0" indent="0">
+              <a:buNone/>
+            </a:pPr>
+            <a:r>
+              <a:rPr lang="en-US" sz="2600" b="1" dirty="0"/>
+              <a:t>File: 2 – </a:t>
+            </a:r>
+            <a:r>
+              <a:rPr lang="en-US" sz="2600" b="1" dirty="0" err="1"/>
+              <a:t>Moderation.R</a:t>
+            </a:r>
+            <a:endParaRPr lang="en-US" sz="2600" b="1" dirty="0"/>
+          </a:p>
+          <a:p>
+            <a:pPr marL="0" indent="0">
+              <a:buNone/>
+            </a:pPr>
+            <a:endParaRPr lang="en-US" sz="1900" b="1" dirty="0"/>
+          </a:p>
+          <a:p>
+            <a:r>
+              <a:rPr lang="en-US" sz="1900" b="1" dirty="0"/>
+              <a:t>Data Cleaning &amp; MLR Prep </a:t>
+            </a:r>
+            <a:r>
+              <a:rPr lang="en-US" sz="1900" dirty="0"/>
+              <a:t>(lines 19-103)</a:t>
+            </a:r>
+            <a:br>
+              <a:rPr lang="en-US" sz="1900" dirty="0"/>
+            </a:br>
+            <a:endParaRPr lang="en-US" sz="1900" dirty="0"/>
+          </a:p>
+          <a:p>
+            <a:r>
+              <a:rPr lang="en-US" sz="1900" b="1" dirty="0"/>
+              <a:t>Missing Data Analysis </a:t>
+            </a:r>
+            <a:r>
+              <a:rPr lang="en-US" sz="1900" dirty="0"/>
+              <a:t>(lines 117-176)</a:t>
+            </a:r>
+            <a:br>
+              <a:rPr lang="en-US" sz="1900" dirty="0"/>
+            </a:br>
+            <a:endParaRPr lang="en-US" sz="1900" dirty="0"/>
+          </a:p>
+          <a:p>
+            <a:r>
+              <a:rPr lang="en-US" sz="1900" b="1" dirty="0"/>
+              <a:t>Exploratory Data Analysis </a:t>
+            </a:r>
+            <a:r>
+              <a:rPr lang="en-US" sz="1900" dirty="0"/>
+              <a:t>(lines 182-193)</a:t>
+            </a:r>
+            <a:br>
+              <a:rPr lang="en-US" sz="1900" dirty="0"/>
+            </a:br>
+            <a:endParaRPr lang="en-US" sz="1900" dirty="0"/>
+          </a:p>
+          <a:p>
+            <a:r>
+              <a:rPr lang="en-US" sz="1900" b="1" dirty="0"/>
+              <a:t>Moderation</a:t>
+            </a:r>
+          </a:p>
+          <a:p>
+            <a:pPr lvl="1"/>
+            <a:r>
+              <a:rPr lang="en-US" sz="1900" dirty="0"/>
+              <a:t>Nominal predictor &amp; nominal moderator (lines 200 – 220)</a:t>
+            </a:r>
+          </a:p>
+          <a:p>
+            <a:pPr lvl="1"/>
+            <a:r>
+              <a:rPr lang="en-US" sz="1900" dirty="0"/>
+              <a:t>Continuous predictor &amp; nominal moderator (lines 225-260)</a:t>
+            </a:r>
+          </a:p>
+          <a:p>
+            <a:pPr lvl="1"/>
+            <a:r>
+              <a:rPr lang="en-US" sz="1900" dirty="0"/>
+              <a:t>Continuous predictor &amp; continuous moderator (lines 261-285)</a:t>
             </a:r>
           </a:p>
         </p:txBody>
       </p:sp>
+      <p:pic>
+        <p:nvPicPr>
+          <p:cNvPr id="5" name="Picture 4" descr="Zigzag indicator line">
+            <a:extLst>
+              <a:ext uri="{FF2B5EF4-FFF2-40B4-BE49-F238E27FC236}">
+                <a16:creationId xmlns:a16="http://schemas.microsoft.com/office/drawing/2014/main" id="{C07D21E4-CD8C-6D70-F80C-BED3DDC0F915}"/>
+              </a:ext>
+            </a:extLst>
+          </p:cNvPr>
+          <p:cNvPicPr>
+            <a:picLocks noChangeAspect="1"/>
+          </p:cNvPicPr>
+          <p:nvPr/>
+        </p:nvPicPr>
+        <p:blipFill>
+          <a:blip r:embed="rId2"/>
+          <a:srcRect l="21658" r="26505" b="-1"/>
+          <a:stretch/>
+        </p:blipFill>
+        <p:spPr>
+          <a:xfrm>
+            <a:off x="7358539" y="0"/>
+            <a:ext cx="5334204" cy="6868886"/>
+          </a:xfrm>
+          <a:prstGeom prst="rect">
+            <a:avLst/>
+          </a:prstGeom>
+          <a:effectLst>
+            <a:outerShdw blurRad="127000" dist="50800" dir="10800000" sx="99000" sy="99000" algn="r" rotWithShape="0">
+              <a:prstClr val="black">
+                <a:alpha val="40000"/>
+              </a:prstClr>
+            </a:outerShdw>
+          </a:effectLst>
+        </p:spPr>
+      </p:pic>
     </p:spTree>
     <p:extLst>
       <p:ext uri="{BB962C8B-B14F-4D97-AF65-F5344CB8AC3E}">
-        <p14:creationId xmlns:p14="http://schemas.microsoft.com/office/powerpoint/2010/main" val="3184982064"/>
+        <p14:creationId xmlns:p14="http://schemas.microsoft.com/office/powerpoint/2010/main" val="2260446686"/>
       </p:ext>
     </p:extLst>
   </p:cSld>

--- a/Data Analysis II - Mediation and Moderation.pptx
+++ b/Data Analysis II - Mediation and Moderation.pptx
@@ -1798,8 +1798,8 @@
         <a:lstStyle/>
         <a:p>
           <a:r>
-            <a:rPr lang="en-US" b="1"/>
-            <a:t>Data preparation and assumptions</a:t>
+            <a:rPr lang="en-US" b="1" dirty="0"/>
+            <a:t>Data preparation &amp; assumptions</a:t>
           </a:r>
           <a:endParaRPr lang="en-US" dirty="0"/>
         </a:p>
@@ -1842,7 +1842,7 @@
           </a:pPr>
           <a:r>
             <a:rPr lang="en-US" b="1" dirty="0"/>
-            <a:t>Common pitfalls and how to avoid them</a:t>
+            <a:t>Common pitfalls &amp; how to avoid them</a:t>
           </a:r>
           <a:endParaRPr lang="en-US" dirty="0"/>
         </a:p>
@@ -2224,7 +2224,7 @@
 <dgm:dataModel xmlns:dgm="http://schemas.openxmlformats.org/drawingml/2006/diagram" xmlns:a="http://schemas.openxmlformats.org/drawingml/2006/main">
   <dgm:ptLst>
     <dgm:pt modelId="{F43A337F-B20F-4296-B593-256738AC47AC}" type="doc">
-      <dgm:prSet loTypeId="urn:microsoft.com/office/officeart/2008/layout/LinedList" loCatId="list" qsTypeId="urn:microsoft.com/office/officeart/2005/8/quickstyle/simple1" qsCatId="simple" csTypeId="urn:microsoft.com/office/officeart/2005/8/colors/colorful2" csCatId="colorful"/>
+      <dgm:prSet loTypeId="urn:microsoft.com/office/officeart/2008/layout/LinedList" loCatId="list" qsTypeId="urn:microsoft.com/office/officeart/2005/8/quickstyle/simple1" qsCatId="simple" csTypeId="urn:microsoft.com/office/officeart/2005/8/colors/colorful2" csCatId="colorful" phldr="1"/>
       <dgm:spPr/>
       <dgm:t>
         <a:bodyPr/>
@@ -2278,8 +2278,8 @@
         <a:lstStyle/>
         <a:p>
           <a:r>
-            <a:rPr lang="en-US" sz="2300"/>
-            <a:t>Failing to visualize interactions</a:t>
+            <a:rPr lang="en-US" sz="2300" dirty="0"/>
+            <a:t>Not probing significant interactions</a:t>
           </a:r>
         </a:p>
       </dgm:t>
@@ -2296,42 +2296,6 @@
       </dgm:t>
     </dgm:pt>
     <dgm:pt modelId="{7439DDFD-3956-4BCA-9843-2405F6EB58E5}" type="sibTrans" cxnId="{EFF0EEDB-5F79-402C-B037-0E2F73C800E1}">
-      <dgm:prSet/>
-      <dgm:spPr/>
-      <dgm:t>
-        <a:bodyPr/>
-        <a:lstStyle/>
-        <a:p>
-          <a:endParaRPr lang="en-US"/>
-        </a:p>
-      </dgm:t>
-    </dgm:pt>
-    <dgm:pt modelId="{BDB996B0-F89D-4A95-9345-91A29EBD3A0E}">
-      <dgm:prSet custT="1"/>
-      <dgm:spPr/>
-      <dgm:t>
-        <a:bodyPr/>
-        <a:lstStyle/>
-        <a:p>
-          <a:r>
-            <a:rPr lang="en-US" sz="2300"/>
-            <a:t>Not probing significant interactions</a:t>
-          </a:r>
-        </a:p>
-      </dgm:t>
-    </dgm:pt>
-    <dgm:pt modelId="{AACFBE9A-0AD1-48F5-8FCB-30E9849B051C}" type="parTrans" cxnId="{74ED92C6-8BF4-4BE7-8940-7744F9074309}">
-      <dgm:prSet/>
-      <dgm:spPr/>
-      <dgm:t>
-        <a:bodyPr/>
-        <a:lstStyle/>
-        <a:p>
-          <a:endParaRPr lang="en-US"/>
-        </a:p>
-      </dgm:t>
-    </dgm:pt>
-    <dgm:pt modelId="{BB9FBAC8-F7E5-4E06-92B0-84DF0BF444F9}" type="sibTrans" cxnId="{74ED92C6-8BF4-4BE7-8940-7744F9074309}">
       <dgm:prSet/>
       <dgm:spPr/>
       <dgm:t>
@@ -2414,6 +2378,32 @@
         </a:p>
       </dgm:t>
     </dgm:pt>
+    <dgm:pt modelId="{DFB9F1CC-B99F-48F4-A631-441587B2C499}">
+      <dgm:prSet custT="1"/>
+      <dgm:spPr/>
+      <dgm:t>
+        <a:bodyPr/>
+        <a:lstStyle/>
+        <a:p>
+          <a:r>
+            <a:rPr lang="en-US" sz="2300"/>
+            <a:t>Failing </a:t>
+          </a:r>
+          <a:r>
+            <a:rPr lang="en-US" sz="2300" dirty="0"/>
+            <a:t>to visualize interactions</a:t>
+          </a:r>
+        </a:p>
+      </dgm:t>
+    </dgm:pt>
+    <dgm:pt modelId="{908D11DE-2DBE-421E-B519-260C4E0F6154}" type="parTrans" cxnId="{715050BA-2824-4172-AE94-612D802200E0}">
+      <dgm:prSet/>
+      <dgm:spPr/>
+    </dgm:pt>
+    <dgm:pt modelId="{6F86CF01-9D49-4059-9EF3-DEF1836B0668}" type="sibTrans" cxnId="{715050BA-2824-4172-AE94-612D802200E0}">
+      <dgm:prSet/>
+      <dgm:spPr/>
+    </dgm:pt>
     <dgm:pt modelId="{9A87A131-EE31-489C-AA5D-20AF87C13F11}" type="pres">
       <dgm:prSet presAssocID="{F43A337F-B20F-4296-B593-256738AC47AC}" presName="vert0" presStyleCnt="0">
         <dgm:presLayoutVars>
@@ -2456,20 +2446,20 @@
       <dgm:prSet presAssocID="{356BE6F1-DA49-4820-BDC2-3EDA2755E1A3}" presName="vert1" presStyleCnt="0"/>
       <dgm:spPr/>
     </dgm:pt>
-    <dgm:pt modelId="{28A3FBAB-D3DF-4313-9BB9-0AB1DF880A0E}" type="pres">
-      <dgm:prSet presAssocID="{BDB996B0-F89D-4A95-9345-91A29EBD3A0E}" presName="thickLine" presStyleLbl="alignNode1" presStyleIdx="2" presStyleCnt="5"/>
+    <dgm:pt modelId="{A4F855A5-B8F0-4615-9586-2D9B0CB7C4A9}" type="pres">
+      <dgm:prSet presAssocID="{DFB9F1CC-B99F-48F4-A631-441587B2C499}" presName="thickLine" presStyleLbl="alignNode1" presStyleIdx="2" presStyleCnt="5"/>
       <dgm:spPr/>
     </dgm:pt>
-    <dgm:pt modelId="{4FB00F67-B890-4E27-91ED-5050DFAC7197}" type="pres">
-      <dgm:prSet presAssocID="{BDB996B0-F89D-4A95-9345-91A29EBD3A0E}" presName="horz1" presStyleCnt="0"/>
+    <dgm:pt modelId="{D9A9B8F8-DEE7-40F4-9DF0-35A59CB634EE}" type="pres">
+      <dgm:prSet presAssocID="{DFB9F1CC-B99F-48F4-A631-441587B2C499}" presName="horz1" presStyleCnt="0"/>
       <dgm:spPr/>
     </dgm:pt>
-    <dgm:pt modelId="{D3DC528A-6D0E-4BB3-AF6D-8CD06602F368}" type="pres">
-      <dgm:prSet presAssocID="{BDB996B0-F89D-4A95-9345-91A29EBD3A0E}" presName="tx1" presStyleLbl="revTx" presStyleIdx="2" presStyleCnt="5"/>
+    <dgm:pt modelId="{D8E89154-3A61-4814-97CE-3E707F682435}" type="pres">
+      <dgm:prSet presAssocID="{DFB9F1CC-B99F-48F4-A631-441587B2C499}" presName="tx1" presStyleLbl="revTx" presStyleIdx="2" presStyleCnt="5"/>
       <dgm:spPr/>
     </dgm:pt>
-    <dgm:pt modelId="{F3043805-0297-46D8-8CB8-BF3DA0D1289D}" type="pres">
-      <dgm:prSet presAssocID="{BDB996B0-F89D-4A95-9345-91A29EBD3A0E}" presName="vert1" presStyleCnt="0"/>
+    <dgm:pt modelId="{6ED54FA4-D941-4E7A-B8A5-3F739CC54B40}" type="pres">
+      <dgm:prSet presAssocID="{DFB9F1CC-B99F-48F4-A631-441587B2C499}" presName="vert1" presStyleCnt="0"/>
       <dgm:spPr/>
     </dgm:pt>
     <dgm:pt modelId="{6FCFE417-3734-4FF8-8E34-055BADED9252}" type="pres">
@@ -2508,13 +2498,13 @@
   <dgm:cxnLst>
     <dgm:cxn modelId="{6C3C4700-4B24-4BFC-960B-E106CE60AD14}" srcId="{F43A337F-B20F-4296-B593-256738AC47AC}" destId="{15D6054A-3FA1-4A57-941D-77435EA9C4FD}" srcOrd="3" destOrd="0" parTransId="{762FEB8F-DD69-4523-86AC-E3C294975E61}" sibTransId="{68E00471-107C-4F94-91AB-A94FDE658D97}"/>
     <dgm:cxn modelId="{D8D2F30B-C197-4463-8F3B-7534318940E7}" type="presOf" srcId="{F43A337F-B20F-4296-B593-256738AC47AC}" destId="{9A87A131-EE31-489C-AA5D-20AF87C13F11}" srcOrd="0" destOrd="0" presId="urn:microsoft.com/office/officeart/2008/layout/LinedList"/>
+    <dgm:cxn modelId="{D37D383D-53D2-47B3-9FA8-E0599756F6AD}" type="presOf" srcId="{DFB9F1CC-B99F-48F4-A631-441587B2C499}" destId="{D8E89154-3A61-4814-97CE-3E707F682435}" srcOrd="0" destOrd="0" presId="urn:microsoft.com/office/officeart/2008/layout/LinedList"/>
     <dgm:cxn modelId="{7DB79A64-7797-41F4-BBA5-0AFC8697E55F}" type="presOf" srcId="{15D6054A-3FA1-4A57-941D-77435EA9C4FD}" destId="{C2751547-327E-4035-AA23-E135A97B4CC0}" srcOrd="0" destOrd="0" presId="urn:microsoft.com/office/officeart/2008/layout/LinedList"/>
-    <dgm:cxn modelId="{A5A17C4F-C56F-401A-A550-18DAD89CCA75}" type="presOf" srcId="{BDB996B0-F89D-4A95-9345-91A29EBD3A0E}" destId="{D3DC528A-6D0E-4BB3-AF6D-8CD06602F368}" srcOrd="0" destOrd="0" presId="urn:microsoft.com/office/officeart/2008/layout/LinedList"/>
     <dgm:cxn modelId="{4932E670-B04B-43E1-BEE2-99AED4801FED}" srcId="{F43A337F-B20F-4296-B593-256738AC47AC}" destId="{DBF8BC74-E0C4-4E95-AA40-BCB6539C6EA7}" srcOrd="0" destOrd="0" parTransId="{1D3B5368-8B92-4CB6-A39F-CDAA6971C02F}" sibTransId="{FCE9BF3C-D589-44C2-811B-E23DF8ACA4A3}"/>
     <dgm:cxn modelId="{B93C887F-0BCE-424D-8370-34F7F8DCCA12}" type="presOf" srcId="{D27C1B60-7181-4230-B71D-A2208CC1E9B8}" destId="{30F73364-1F86-473C-9BD6-60DF4F4E3305}" srcOrd="0" destOrd="0" presId="urn:microsoft.com/office/officeart/2008/layout/LinedList"/>
     <dgm:cxn modelId="{6F386696-314C-474C-B6B9-153AD2B90048}" srcId="{F43A337F-B20F-4296-B593-256738AC47AC}" destId="{D27C1B60-7181-4230-B71D-A2208CC1E9B8}" srcOrd="4" destOrd="0" parTransId="{99013FEC-8062-42F4-AF70-8517F5B21A18}" sibTransId="{0C0875CC-3642-466B-840F-FFE752D2E9B3}"/>
     <dgm:cxn modelId="{A76A699A-9581-47E3-9323-0CD218688D7C}" type="presOf" srcId="{356BE6F1-DA49-4820-BDC2-3EDA2755E1A3}" destId="{99913898-BC3B-488F-8118-83A9B0D72D5A}" srcOrd="0" destOrd="0" presId="urn:microsoft.com/office/officeart/2008/layout/LinedList"/>
-    <dgm:cxn modelId="{74ED92C6-8BF4-4BE7-8940-7744F9074309}" srcId="{F43A337F-B20F-4296-B593-256738AC47AC}" destId="{BDB996B0-F89D-4A95-9345-91A29EBD3A0E}" srcOrd="2" destOrd="0" parTransId="{AACFBE9A-0AD1-48F5-8FCB-30E9849B051C}" sibTransId="{BB9FBAC8-F7E5-4E06-92B0-84DF0BF444F9}"/>
+    <dgm:cxn modelId="{715050BA-2824-4172-AE94-612D802200E0}" srcId="{F43A337F-B20F-4296-B593-256738AC47AC}" destId="{DFB9F1CC-B99F-48F4-A631-441587B2C499}" srcOrd="2" destOrd="0" parTransId="{908D11DE-2DBE-421E-B519-260C4E0F6154}" sibTransId="{6F86CF01-9D49-4059-9EF3-DEF1836B0668}"/>
     <dgm:cxn modelId="{EFF0EEDB-5F79-402C-B037-0E2F73C800E1}" srcId="{F43A337F-B20F-4296-B593-256738AC47AC}" destId="{356BE6F1-DA49-4820-BDC2-3EDA2755E1A3}" srcOrd="1" destOrd="0" parTransId="{377A3DE6-6193-439E-95D6-AECCAA9E7713}" sibTransId="{7439DDFD-3956-4BCA-9843-2405F6EB58E5}"/>
     <dgm:cxn modelId="{77F0E4E5-7FBD-4E11-933A-C673B9E94906}" type="presOf" srcId="{DBF8BC74-E0C4-4E95-AA40-BCB6539C6EA7}" destId="{463ABE6B-4A49-44B7-A7C7-B0B34580D633}" srcOrd="0" destOrd="0" presId="urn:microsoft.com/office/officeart/2008/layout/LinedList"/>
     <dgm:cxn modelId="{56812450-4A18-44D1-9413-9BA6E8858E23}" type="presParOf" srcId="{9A87A131-EE31-489C-AA5D-20AF87C13F11}" destId="{05621756-A628-4AB2-AA9A-3EA95D3D5E36}" srcOrd="0" destOrd="0" presId="urn:microsoft.com/office/officeart/2008/layout/LinedList"/>
@@ -2525,10 +2515,10 @@
     <dgm:cxn modelId="{5E28F852-7A4E-4A12-AED2-45648119E573}" type="presParOf" srcId="{9A87A131-EE31-489C-AA5D-20AF87C13F11}" destId="{E557A792-15D8-4B47-9F37-F666174EFAF1}" srcOrd="3" destOrd="0" presId="urn:microsoft.com/office/officeart/2008/layout/LinedList"/>
     <dgm:cxn modelId="{D174DA97-DAAE-4740-8AF9-5F4601EB4281}" type="presParOf" srcId="{E557A792-15D8-4B47-9F37-F666174EFAF1}" destId="{99913898-BC3B-488F-8118-83A9B0D72D5A}" srcOrd="0" destOrd="0" presId="urn:microsoft.com/office/officeart/2008/layout/LinedList"/>
     <dgm:cxn modelId="{D7223C8C-7B6A-4A08-BD1E-C8571A63D0AD}" type="presParOf" srcId="{E557A792-15D8-4B47-9F37-F666174EFAF1}" destId="{363F92D5-9034-42CB-938A-92C1BD3C807B}" srcOrd="1" destOrd="0" presId="urn:microsoft.com/office/officeart/2008/layout/LinedList"/>
-    <dgm:cxn modelId="{779AEEEC-A5B3-4611-8498-D4BA4EC0D99C}" type="presParOf" srcId="{9A87A131-EE31-489C-AA5D-20AF87C13F11}" destId="{28A3FBAB-D3DF-4313-9BB9-0AB1DF880A0E}" srcOrd="4" destOrd="0" presId="urn:microsoft.com/office/officeart/2008/layout/LinedList"/>
-    <dgm:cxn modelId="{5B95F0E5-2DA2-413B-A4FA-64560D5DCB5A}" type="presParOf" srcId="{9A87A131-EE31-489C-AA5D-20AF87C13F11}" destId="{4FB00F67-B890-4E27-91ED-5050DFAC7197}" srcOrd="5" destOrd="0" presId="urn:microsoft.com/office/officeart/2008/layout/LinedList"/>
-    <dgm:cxn modelId="{231493C6-59C0-40D6-8076-B3D1B5CAC5BA}" type="presParOf" srcId="{4FB00F67-B890-4E27-91ED-5050DFAC7197}" destId="{D3DC528A-6D0E-4BB3-AF6D-8CD06602F368}" srcOrd="0" destOrd="0" presId="urn:microsoft.com/office/officeart/2008/layout/LinedList"/>
-    <dgm:cxn modelId="{3316E446-9709-46EE-9A05-6E868394A1B2}" type="presParOf" srcId="{4FB00F67-B890-4E27-91ED-5050DFAC7197}" destId="{F3043805-0297-46D8-8CB8-BF3DA0D1289D}" srcOrd="1" destOrd="0" presId="urn:microsoft.com/office/officeart/2008/layout/LinedList"/>
+    <dgm:cxn modelId="{D970C4ED-8B83-4256-8BF6-BE652D1C7B33}" type="presParOf" srcId="{9A87A131-EE31-489C-AA5D-20AF87C13F11}" destId="{A4F855A5-B8F0-4615-9586-2D9B0CB7C4A9}" srcOrd="4" destOrd="0" presId="urn:microsoft.com/office/officeart/2008/layout/LinedList"/>
+    <dgm:cxn modelId="{85BD1D6B-E773-4925-8943-5DE192A82BF9}" type="presParOf" srcId="{9A87A131-EE31-489C-AA5D-20AF87C13F11}" destId="{D9A9B8F8-DEE7-40F4-9DF0-35A59CB634EE}" srcOrd="5" destOrd="0" presId="urn:microsoft.com/office/officeart/2008/layout/LinedList"/>
+    <dgm:cxn modelId="{B60AA447-7137-463A-A665-77942574E826}" type="presParOf" srcId="{D9A9B8F8-DEE7-40F4-9DF0-35A59CB634EE}" destId="{D8E89154-3A61-4814-97CE-3E707F682435}" srcOrd="0" destOrd="0" presId="urn:microsoft.com/office/officeart/2008/layout/LinedList"/>
+    <dgm:cxn modelId="{405DEA06-11EC-4641-9ECA-4126C9AD7325}" type="presParOf" srcId="{D9A9B8F8-DEE7-40F4-9DF0-35A59CB634EE}" destId="{6ED54FA4-D941-4E7A-B8A5-3F739CC54B40}" srcOrd="1" destOrd="0" presId="urn:microsoft.com/office/officeart/2008/layout/LinedList"/>
     <dgm:cxn modelId="{82FFACFA-3192-440E-A521-A171C91A7580}" type="presParOf" srcId="{9A87A131-EE31-489C-AA5D-20AF87C13F11}" destId="{6FCFE417-3734-4FF8-8E34-055BADED9252}" srcOrd="6" destOrd="0" presId="urn:microsoft.com/office/officeart/2008/layout/LinedList"/>
     <dgm:cxn modelId="{89F6F3D9-8A2B-4EC0-A97F-718FD63EC684}" type="presParOf" srcId="{9A87A131-EE31-489C-AA5D-20AF87C13F11}" destId="{947FCCDC-4839-4A39-A2FD-22A8092A20B7}" srcOrd="7" destOrd="0" presId="urn:microsoft.com/office/officeart/2008/layout/LinedList"/>
     <dgm:cxn modelId="{90208488-D0BF-443D-934D-C82AD0D1E614}" type="presParOf" srcId="{947FCCDC-4839-4A39-A2FD-22A8092A20B7}" destId="{C2751547-327E-4035-AA23-E135A97B4CC0}" srcOrd="0" destOrd="0" presId="urn:microsoft.com/office/officeart/2008/layout/LinedList"/>
@@ -2835,8 +2825,8 @@
             <a:buNone/>
           </a:pPr>
           <a:r>
-            <a:rPr lang="en-US" sz="1900" b="1" kern="1200"/>
-            <a:t>Data preparation and assumptions</a:t>
+            <a:rPr lang="en-US" sz="1900" b="1" kern="1200" dirty="0"/>
+            <a:t>Data preparation &amp; assumptions</a:t>
           </a:r>
           <a:endParaRPr lang="en-US" sz="1900" kern="1200" dirty="0"/>
         </a:p>
@@ -3045,7 +3035,7 @@
           </a:pPr>
           <a:r>
             <a:rPr lang="en-US" sz="1900" b="1" kern="1200" dirty="0"/>
-            <a:t>Common pitfalls and how to avoid them</a:t>
+            <a:t>Common pitfalls &amp; how to avoid them</a:t>
           </a:r>
           <a:endParaRPr lang="en-US" sz="1900" kern="1200" dirty="0"/>
         </a:p>
@@ -3821,8 +3811,8 @@
             <a:buNone/>
           </a:pPr>
           <a:r>
-            <a:rPr lang="en-US" sz="2300" kern="1200"/>
-            <a:t>Failing to visualize interactions</a:t>
+            <a:rPr lang="en-US" sz="2300" kern="1200" dirty="0"/>
+            <a:t>Not probing significant interactions</a:t>
           </a:r>
         </a:p>
       </dsp:txBody>
@@ -3831,7 +3821,7 @@
         <a:ext cx="7592216" cy="860482"/>
       </dsp:txXfrm>
     </dsp:sp>
-    <dsp:sp modelId="{28A3FBAB-D3DF-4313-9BB9-0AB1DF880A0E}">
+    <dsp:sp modelId="{A4F855A5-B8F0-4615-9586-2D9B0CB7C4A9}">
       <dsp:nvSpPr>
         <dsp:cNvPr id="0" name=""/>
         <dsp:cNvSpPr/>
@@ -3881,7 +3871,7 @@
         </a:fontRef>
       </dsp:style>
     </dsp:sp>
-    <dsp:sp modelId="{D3DC528A-6D0E-4BB3-AF6D-8CD06602F368}">
+    <dsp:sp modelId="{D8E89154-3A61-4814-97CE-3E707F682435}">
       <dsp:nvSpPr>
         <dsp:cNvPr id="0" name=""/>
         <dsp:cNvSpPr/>
@@ -3932,7 +3922,11 @@
           </a:pPr>
           <a:r>
             <a:rPr lang="en-US" sz="2300" kern="1200"/>
-            <a:t>Not probing significant interactions</a:t>
+            <a:t>Failing </a:t>
+          </a:r>
+          <a:r>
+            <a:rPr lang="en-US" sz="2300" kern="1200" dirty="0"/>
+            <a:t>to visualize interactions</a:t>
           </a:r>
         </a:p>
       </dsp:txBody>
@@ -7058,7 +7052,7 @@
           <a:p>
             <a:fld id="{28CC861E-B6D9-488A-A2BB-167EDD0112EE}" type="datetimeFigureOut">
               <a:rPr lang="en-US" smtClean="0"/>
-              <a:t>3/18/2025</a:t>
+              <a:t>3/24/2025</a:t>
             </a:fld>
             <a:endParaRPr lang="en-US"/>
           </a:p>
@@ -7486,6 +7480,99 @@
   <p:cSld>
     <p:spTree>
       <p:nvGrpSpPr>
+        <p:cNvPr id="1" name=""/>
+        <p:cNvGrpSpPr/>
+        <p:nvPr/>
+      </p:nvGrpSpPr>
+      <p:grpSpPr>
+        <a:xfrm>
+          <a:off x="0" y="0"/>
+          <a:ext cx="0" cy="0"/>
+          <a:chOff x="0" y="0"/>
+          <a:chExt cx="0" cy="0"/>
+        </a:xfrm>
+      </p:grpSpPr>
+      <p:sp>
+        <p:nvSpPr>
+          <p:cNvPr id="2" name="Slide Image Placeholder 1"/>
+          <p:cNvSpPr>
+            <a:spLocks noGrp="1" noRot="1" noChangeAspect="1"/>
+          </p:cNvSpPr>
+          <p:nvPr>
+            <p:ph type="sldImg"/>
+          </p:nvPr>
+        </p:nvSpPr>
+        <p:spPr/>
+      </p:sp>
+      <p:sp>
+        <p:nvSpPr>
+          <p:cNvPr id="3" name="Notes Placeholder 2"/>
+          <p:cNvSpPr>
+            <a:spLocks noGrp="1"/>
+          </p:cNvSpPr>
+          <p:nvPr>
+            <p:ph type="body" idx="1"/>
+          </p:nvPr>
+        </p:nvSpPr>
+        <p:spPr/>
+        <p:txBody>
+          <a:bodyPr/>
+          <a:lstStyle/>
+          <a:p>
+            <a:r>
+              <a:rPr lang="en-US" dirty="0"/>
+              <a:t>Mediation, on the other hand, helps us understand "how" or "why" one variable affects another. A mediator is the mechanism through which an independent variable influences a dependent variable.</a:t>
+            </a:r>
+          </a:p>
+          <a:p>
+            <a:endParaRPr lang="en-US" dirty="0"/>
+          </a:p>
+          <a:p>
+            <a:endParaRPr lang="en-US" dirty="0"/>
+          </a:p>
+        </p:txBody>
+      </p:sp>
+      <p:sp>
+        <p:nvSpPr>
+          <p:cNvPr id="4" name="Slide Number Placeholder 3"/>
+          <p:cNvSpPr>
+            <a:spLocks noGrp="1"/>
+          </p:cNvSpPr>
+          <p:nvPr>
+            <p:ph type="sldNum" sz="quarter" idx="5"/>
+          </p:nvPr>
+        </p:nvSpPr>
+        <p:spPr/>
+        <p:txBody>
+          <a:bodyPr/>
+          <a:lstStyle/>
+          <a:p>
+            <a:fld id="{4A677F31-8E3C-4ED2-97DF-DE6C71117425}" type="slidenum">
+              <a:rPr lang="en-US" smtClean="0"/>
+              <a:t>11</a:t>
+            </a:fld>
+            <a:endParaRPr lang="en-US"/>
+          </a:p>
+        </p:txBody>
+      </p:sp>
+    </p:spTree>
+    <p:extLst>
+      <p:ext uri="{BB962C8B-B14F-4D97-AF65-F5344CB8AC3E}">
+        <p14:creationId xmlns:p14="http://schemas.microsoft.com/office/powerpoint/2010/main" val="2763117294"/>
+      </p:ext>
+    </p:extLst>
+  </p:cSld>
+  <p:clrMapOvr>
+    <a:masterClrMapping/>
+  </p:clrMapOvr>
+</p:notes>
+</file>
+
+<file path=ppt/notesSlides/notesSlide11.xml><?xml version="1.0" encoding="utf-8"?>
+<p:notes xmlns:a="http://schemas.openxmlformats.org/drawingml/2006/main" xmlns:r="http://schemas.openxmlformats.org/officeDocument/2006/relationships" xmlns:p="http://schemas.openxmlformats.org/presentationml/2006/main">
+  <p:cSld>
+    <p:spTree>
+      <p:nvGrpSpPr>
         <p:cNvPr id="1" name="">
           <a:extLst>
             <a:ext uri="{FF2B5EF4-FFF2-40B4-BE49-F238E27FC236}">
@@ -7628,123 +7715,6 @@
 </p:notes>
 </file>
 
-<file path=ppt/notesSlides/notesSlide11.xml><?xml version="1.0" encoding="utf-8"?>
-<p:notes xmlns:a="http://schemas.openxmlformats.org/drawingml/2006/main" xmlns:r="http://schemas.openxmlformats.org/officeDocument/2006/relationships" xmlns:p="http://schemas.openxmlformats.org/presentationml/2006/main">
-  <p:cSld>
-    <p:spTree>
-      <p:nvGrpSpPr>
-        <p:cNvPr id="1" name=""/>
-        <p:cNvGrpSpPr/>
-        <p:nvPr/>
-      </p:nvGrpSpPr>
-      <p:grpSpPr>
-        <a:xfrm>
-          <a:off x="0" y="0"/>
-          <a:ext cx="0" cy="0"/>
-          <a:chOff x="0" y="0"/>
-          <a:chExt cx="0" cy="0"/>
-        </a:xfrm>
-      </p:grpSpPr>
-      <p:sp>
-        <p:nvSpPr>
-          <p:cNvPr id="2" name="Slide Image Placeholder 1"/>
-          <p:cNvSpPr>
-            <a:spLocks noGrp="1" noRot="1" noChangeAspect="1"/>
-          </p:cNvSpPr>
-          <p:nvPr>
-            <p:ph type="sldImg"/>
-          </p:nvPr>
-        </p:nvSpPr>
-        <p:spPr/>
-      </p:sp>
-      <p:sp>
-        <p:nvSpPr>
-          <p:cNvPr id="3" name="Notes Placeholder 2"/>
-          <p:cNvSpPr>
-            <a:spLocks noGrp="1"/>
-          </p:cNvSpPr>
-          <p:nvPr>
-            <p:ph type="body" idx="1"/>
-          </p:nvPr>
-        </p:nvSpPr>
-        <p:spPr/>
-        <p:txBody>
-          <a:bodyPr/>
-          <a:lstStyle/>
-          <a:p>
-            <a:r>
-              <a:rPr lang="en-US" dirty="0"/>
-              <a:t>For mediation, the traditional approach was Baron and Kenny's causal steps. However, modern approaches focus on testing the significance of the indirect effect.</a:t>
-            </a:r>
-          </a:p>
-          <a:p>
-            <a:endParaRPr lang="en-US" dirty="0"/>
-          </a:p>
-          <a:p>
-            <a:r>
-              <a:rPr lang="en-US" dirty="0"/>
-              <a:t>The indirect effect is the product of path a (X to M) and path b (M to Y). We typically use bootstrapping methods to test this effect, as implemented in Hayes' PROCESS macro or similar tools.</a:t>
-            </a:r>
-          </a:p>
-          <a:p>
-            <a:endParaRPr lang="en-US" dirty="0"/>
-          </a:p>
-          <a:p>
-            <a:r>
-              <a:rPr lang="en-US" dirty="0"/>
-              <a:t>Another powerful approach is Structural Equation Modeling or SEM, which allows for more complex models with multiple mediators and control variables.</a:t>
-            </a:r>
-          </a:p>
-          <a:p>
-            <a:endParaRPr lang="en-US" dirty="0"/>
-          </a:p>
-          <a:p>
-            <a:r>
-              <a:rPr lang="en-US" dirty="0"/>
-              <a:t>We also distinguish between partial mediation (where the direct effect remains significant) and complete mediation (where the direct effect becomes non-significant when the mediator is included).</a:t>
-            </a:r>
-          </a:p>
-          <a:p>
-            <a:endParaRPr lang="en-US" dirty="0"/>
-          </a:p>
-        </p:txBody>
-      </p:sp>
-      <p:sp>
-        <p:nvSpPr>
-          <p:cNvPr id="4" name="Slide Number Placeholder 3"/>
-          <p:cNvSpPr>
-            <a:spLocks noGrp="1"/>
-          </p:cNvSpPr>
-          <p:nvPr>
-            <p:ph type="sldNum" sz="quarter" idx="5"/>
-          </p:nvPr>
-        </p:nvSpPr>
-        <p:spPr/>
-        <p:txBody>
-          <a:bodyPr/>
-          <a:lstStyle/>
-          <a:p>
-            <a:fld id="{4A677F31-8E3C-4ED2-97DF-DE6C71117425}" type="slidenum">
-              <a:rPr lang="en-US" smtClean="0"/>
-              <a:t>13</a:t>
-            </a:fld>
-            <a:endParaRPr lang="en-US"/>
-          </a:p>
-        </p:txBody>
-      </p:sp>
-    </p:spTree>
-    <p:extLst>
-      <p:ext uri="{BB962C8B-B14F-4D97-AF65-F5344CB8AC3E}">
-        <p14:creationId xmlns:p14="http://schemas.microsoft.com/office/powerpoint/2010/main" val="1365249733"/>
-      </p:ext>
-    </p:extLst>
-  </p:cSld>
-  <p:clrMapOvr>
-    <a:masterClrMapping/>
-  </p:clrMapOvr>
-</p:notes>
-</file>
-
 <file path=ppt/notesSlides/notesSlide12.xml><?xml version="1.0" encoding="utf-8"?>
 <p:notes xmlns:a="http://schemas.openxmlformats.org/drawingml/2006/main" xmlns:r="http://schemas.openxmlformats.org/officeDocument/2006/relationships" xmlns:p="http://schemas.openxmlformats.org/presentationml/2006/main">
   <p:cSld>
@@ -7791,7 +7761,7 @@
           <a:p>
             <a:r>
               <a:rPr lang="en-US" dirty="0"/>
-              <a:t>Proper data preparation is crucial for valid mediation analysis. First, temporal precedence is essential - your independent variable must precede your mediator, which must precede your outcome. This is ideally established through research design, such as longitudinal studies.</a:t>
+              <a:t>For mediation, the traditional approach was Baron and Kenny's causal steps. However, modern approaches focus on testing the significance of the indirect effect.</a:t>
             </a:r>
           </a:p>
           <a:p>
@@ -7800,7 +7770,7 @@
           <a:p>
             <a:r>
               <a:rPr lang="en-US" dirty="0"/>
-              <a:t>Multicollinearity between your predictor and mediator can lead to suppression effects, which can bias your results. Check correlations and variance inflation factors.</a:t>
+              <a:t>The indirect effect is the product of path a (X to M) and path b (M to Y). We typically use bootstrapping methods to test this effect, as implemented in Hayes' PROCESS macro or similar tools.</a:t>
             </a:r>
           </a:p>
           <a:p>
@@ -7809,7 +7779,7 @@
           <a:p>
             <a:r>
               <a:rPr lang="en-US" dirty="0"/>
-              <a:t>Sample size is also important - mediation analyses typically require larger samples than direct effect tests. As a rule of thumb, aim for at least 100-150 participants, though more complex models may require more.</a:t>
+              <a:t>Another powerful approach is Structural Equation Modeling or SEM, which allows for more complex models with multiple mediators and control variables.</a:t>
             </a:r>
           </a:p>
           <a:p>
@@ -7818,17 +7788,11 @@
           <a:p>
             <a:r>
               <a:rPr lang="en-US" dirty="0"/>
-              <a:t>The assumption of normal distribution of indirect effects is often violated, which is why bootstrapping methods are preferred.</a:t>
+              <a:t>We also distinguish between partial mediation (where the direct effect remains significant) and complete mediation (where the direct effect becomes non-significant when the mediator is included).</a:t>
             </a:r>
           </a:p>
           <a:p>
             <a:endParaRPr lang="en-US" dirty="0"/>
-          </a:p>
-          <a:p>
-            <a:r>
-              <a:rPr lang="en-US" dirty="0"/>
-              <a:t>Finally, always check for outliers and influential cases that might drive your results.</a:t>
-            </a:r>
           </a:p>
         </p:txBody>
       </p:sp>
@@ -7849,7 +7813,7 @@
           <a:p>
             <a:fld id="{4A677F31-8E3C-4ED2-97DF-DE6C71117425}" type="slidenum">
               <a:rPr lang="en-US" smtClean="0"/>
-              <a:t>14</a:t>
+              <a:t>13</a:t>
             </a:fld>
             <a:endParaRPr lang="en-US"/>
           </a:p>
@@ -7858,7 +7822,7 @@
     </p:spTree>
     <p:extLst>
       <p:ext uri="{BB962C8B-B14F-4D97-AF65-F5344CB8AC3E}">
-        <p14:creationId xmlns:p14="http://schemas.microsoft.com/office/powerpoint/2010/main" val="1992172667"/>
+        <p14:creationId xmlns:p14="http://schemas.microsoft.com/office/powerpoint/2010/main" val="1365249733"/>
       </p:ext>
     </p:extLst>
   </p:cSld>
@@ -7914,7 +7878,7 @@
           <a:p>
             <a:r>
               <a:rPr lang="en-US" dirty="0"/>
-              <a:t>There are several common pitfalls in mediation analysis that researchers should be aware of.</a:t>
+              <a:t>Proper data preparation is crucial for valid mediation analysis. First, temporal precedence is essential - your independent variable must precede your mediator, which must precede your outcome. This is ideally established through research design, such as longitudinal studies.</a:t>
             </a:r>
           </a:p>
           <a:p>
@@ -7923,7 +7887,7 @@
           <a:p>
             <a:r>
               <a:rPr lang="en-US" dirty="0"/>
-              <a:t>First, many researchers mistakenly infer causality from cross-sectional data. Remember that true mediation implies a causal chain, which is best established through experimental or longitudinal designs.</a:t>
+              <a:t>Multicollinearity between your predictor and mediator can lead to suppression effects, which can bias your results. Check correlations and variance inflation factors.</a:t>
             </a:r>
           </a:p>
           <a:p>
@@ -7932,7 +7896,7 @@
           <a:p>
             <a:r>
               <a:rPr lang="en-US" dirty="0"/>
-              <a:t>Omitted variable bias occurs when you fail to include important variables that might explain the relationships you're observing.</a:t>
+              <a:t>Sample size is also important - mediation analyses typically require larger samples than direct effect tests. As a rule of thumb, aim for at least 100-150 participants, though more complex models may require more.</a:t>
             </a:r>
           </a:p>
           <a:p>
@@ -7941,26 +7905,17 @@
           <a:p>
             <a:r>
               <a:rPr lang="en-US" dirty="0"/>
-              <a:t>Reversed causality is another issue - sometimes what you think is Y might actually be causing X.</a:t>
-            </a:r>
+              <a:t>The assumption of normal distribution of indirect effects is often violated, which is why bootstrapping methods are preferred.</a:t>
+            </a:r>
+          </a:p>
+          <a:p>
+            <a:endParaRPr lang="en-US" dirty="0"/>
           </a:p>
           <a:p>
             <a:r>
               <a:rPr lang="en-US" dirty="0"/>
-              <a:t>The mediator-outcome relationship might be confounded by third variables, leading to spurious mediation effects.</a:t>
-            </a:r>
-          </a:p>
-          <a:p>
-            <a:endParaRPr lang="en-US" dirty="0"/>
-          </a:p>
-          <a:p>
-            <a:r>
-              <a:rPr lang="en-US" dirty="0"/>
-              <a:t>Finally, measurement error in your variables can attenuate your observed relationships and lead to biased estimates of mediation effects.</a:t>
-            </a:r>
-          </a:p>
-          <a:p>
-            <a:endParaRPr lang="en-US" dirty="0"/>
+              <a:t>Finally, always check for outliers and influential cases that might drive your results.</a:t>
+            </a:r>
           </a:p>
         </p:txBody>
       </p:sp>
@@ -7981,7 +7936,7 @@
           <a:p>
             <a:fld id="{4A677F31-8E3C-4ED2-97DF-DE6C71117425}" type="slidenum">
               <a:rPr lang="en-US" smtClean="0"/>
-              <a:t>15</a:t>
+              <a:t>14</a:t>
             </a:fld>
             <a:endParaRPr lang="en-US"/>
           </a:p>
@@ -7990,7 +7945,7 @@
     </p:spTree>
     <p:extLst>
       <p:ext uri="{BB962C8B-B14F-4D97-AF65-F5344CB8AC3E}">
-        <p14:creationId xmlns:p14="http://schemas.microsoft.com/office/powerpoint/2010/main" val="1628279487"/>
+        <p14:creationId xmlns:p14="http://schemas.microsoft.com/office/powerpoint/2010/main" val="1992172667"/>
       </p:ext>
     </p:extLst>
   </p:cSld>
@@ -8046,7 +8001,7 @@
           <a:p>
             <a:r>
               <a:rPr lang="en-US" dirty="0"/>
-              <a:t>For those interested in more advanced analyses, moderated mediation combines both concepts we've discussed today. This involves testing whether the strength of an indirect effect depends on the level of a moderator.</a:t>
+              <a:t>There are several common pitfalls in mediation analysis that researchers should be aware of.</a:t>
             </a:r>
           </a:p>
           <a:p>
@@ -8055,7 +8010,7 @@
           <a:p>
             <a:r>
               <a:rPr lang="en-US" dirty="0"/>
-              <a:t>We can calculate conditional indirect effects - the strength of the indirect effect at different levels of the moderator.</a:t>
+              <a:t>First, many researchers mistakenly infer causality from cross-sectional data. Remember that true mediation implies a causal chain, which is best established through experimental or longitudinal designs.</a:t>
             </a:r>
           </a:p>
           <a:p>
@@ -8064,7 +8019,7 @@
           <a:p>
             <a:r>
               <a:rPr lang="en-US" dirty="0"/>
-              <a:t>The index of moderated mediation tells us whether the moderation of the indirect effect is statistically significant.</a:t>
+              <a:t>Omitted variable bias occurs when you fail to include important variables that might explain the relationships you're observing.</a:t>
             </a:r>
           </a:p>
           <a:p>
@@ -8073,7 +8028,13 @@
           <a:p>
             <a:r>
               <a:rPr lang="en-US" dirty="0"/>
-              <a:t>There are several potential models for moderated mediation, depending on which path is moderated. The moderator might affect the X to M path, the M to Y path, or both paths.</a:t>
+              <a:t>Reversed causality is another issue - sometimes what you think is Y might actually be causing X.</a:t>
+            </a:r>
+          </a:p>
+          <a:p>
+            <a:r>
+              <a:rPr lang="en-US" dirty="0"/>
+              <a:t>The mediator-outcome relationship might be confounded by third variables, leading to spurious mediation effects.</a:t>
             </a:r>
           </a:p>
           <a:p>
@@ -8082,7 +8043,7 @@
           <a:p>
             <a:r>
               <a:rPr lang="en-US" dirty="0"/>
-              <a:t>Hayes' PROCESS macro includes templates for testing these different models, making them accessible to researchers without extensive programming knowledge.</a:t>
+              <a:t>Finally, measurement error in your variables can attenuate your observed relationships and lead to biased estimates of mediation effects.</a:t>
             </a:r>
           </a:p>
           <a:p>
@@ -8107,6 +8068,132 @@
           <a:p>
             <a:fld id="{4A677F31-8E3C-4ED2-97DF-DE6C71117425}" type="slidenum">
               <a:rPr lang="en-US" smtClean="0"/>
+              <a:t>15</a:t>
+            </a:fld>
+            <a:endParaRPr lang="en-US"/>
+          </a:p>
+        </p:txBody>
+      </p:sp>
+    </p:spTree>
+    <p:extLst>
+      <p:ext uri="{BB962C8B-B14F-4D97-AF65-F5344CB8AC3E}">
+        <p14:creationId xmlns:p14="http://schemas.microsoft.com/office/powerpoint/2010/main" val="1628279487"/>
+      </p:ext>
+    </p:extLst>
+  </p:cSld>
+  <p:clrMapOvr>
+    <a:masterClrMapping/>
+  </p:clrMapOvr>
+</p:notes>
+</file>
+
+<file path=ppt/notesSlides/notesSlide15.xml><?xml version="1.0" encoding="utf-8"?>
+<p:notes xmlns:a="http://schemas.openxmlformats.org/drawingml/2006/main" xmlns:r="http://schemas.openxmlformats.org/officeDocument/2006/relationships" xmlns:p="http://schemas.openxmlformats.org/presentationml/2006/main">
+  <p:cSld>
+    <p:spTree>
+      <p:nvGrpSpPr>
+        <p:cNvPr id="1" name=""/>
+        <p:cNvGrpSpPr/>
+        <p:nvPr/>
+      </p:nvGrpSpPr>
+      <p:grpSpPr>
+        <a:xfrm>
+          <a:off x="0" y="0"/>
+          <a:ext cx="0" cy="0"/>
+          <a:chOff x="0" y="0"/>
+          <a:chExt cx="0" cy="0"/>
+        </a:xfrm>
+      </p:grpSpPr>
+      <p:sp>
+        <p:nvSpPr>
+          <p:cNvPr id="2" name="Slide Image Placeholder 1"/>
+          <p:cNvSpPr>
+            <a:spLocks noGrp="1" noRot="1" noChangeAspect="1"/>
+          </p:cNvSpPr>
+          <p:nvPr>
+            <p:ph type="sldImg"/>
+          </p:nvPr>
+        </p:nvSpPr>
+        <p:spPr/>
+      </p:sp>
+      <p:sp>
+        <p:nvSpPr>
+          <p:cNvPr id="3" name="Notes Placeholder 2"/>
+          <p:cNvSpPr>
+            <a:spLocks noGrp="1"/>
+          </p:cNvSpPr>
+          <p:nvPr>
+            <p:ph type="body" idx="1"/>
+          </p:nvPr>
+        </p:nvSpPr>
+        <p:spPr/>
+        <p:txBody>
+          <a:bodyPr/>
+          <a:lstStyle/>
+          <a:p>
+            <a:r>
+              <a:rPr lang="en-US" dirty="0"/>
+              <a:t>For those interested in more advanced analyses, moderated mediation combines both concepts we've discussed today. This involves testing whether the strength of an indirect effect depends on the level of a moderator.</a:t>
+            </a:r>
+          </a:p>
+          <a:p>
+            <a:endParaRPr lang="en-US" dirty="0"/>
+          </a:p>
+          <a:p>
+            <a:r>
+              <a:rPr lang="en-US" dirty="0"/>
+              <a:t>We can calculate conditional indirect effects - the strength of the indirect effect at different levels of the moderator.</a:t>
+            </a:r>
+          </a:p>
+          <a:p>
+            <a:endParaRPr lang="en-US" dirty="0"/>
+          </a:p>
+          <a:p>
+            <a:r>
+              <a:rPr lang="en-US" dirty="0"/>
+              <a:t>The index of moderated mediation tells us whether the moderation of the indirect effect is statistically significant.</a:t>
+            </a:r>
+          </a:p>
+          <a:p>
+            <a:endParaRPr lang="en-US" dirty="0"/>
+          </a:p>
+          <a:p>
+            <a:r>
+              <a:rPr lang="en-US" dirty="0"/>
+              <a:t>There are several potential models for moderated mediation, depending on which path is moderated. The moderator might affect the X to M path, the M to Y path, or both paths.</a:t>
+            </a:r>
+          </a:p>
+          <a:p>
+            <a:endParaRPr lang="en-US" dirty="0"/>
+          </a:p>
+          <a:p>
+            <a:r>
+              <a:rPr lang="en-US" dirty="0"/>
+              <a:t>Hayes' PROCESS macro includes templates for testing these different models, making them accessible to researchers without extensive programming knowledge.</a:t>
+            </a:r>
+          </a:p>
+          <a:p>
+            <a:endParaRPr lang="en-US" dirty="0"/>
+          </a:p>
+        </p:txBody>
+      </p:sp>
+      <p:sp>
+        <p:nvSpPr>
+          <p:cNvPr id="4" name="Slide Number Placeholder 3"/>
+          <p:cNvSpPr>
+            <a:spLocks noGrp="1"/>
+          </p:cNvSpPr>
+          <p:nvPr>
+            <p:ph type="sldNum" sz="quarter" idx="5"/>
+          </p:nvPr>
+        </p:nvSpPr>
+        <p:spPr/>
+        <p:txBody>
+          <a:bodyPr/>
+          <a:lstStyle/>
+          <a:p>
+            <a:fld id="{4A677F31-8E3C-4ED2-97DF-DE6C71117425}" type="slidenum">
+              <a:rPr lang="en-US" smtClean="0"/>
               <a:t>16</a:t>
             </a:fld>
             <a:endParaRPr lang="en-US"/>
@@ -8126,7 +8213,7 @@
 </p:notes>
 </file>
 
-<file path=ppt/notesSlides/notesSlide15.xml><?xml version="1.0" encoding="utf-8"?>
+<file path=ppt/notesSlides/notesSlide16.xml><?xml version="1.0" encoding="utf-8"?>
 <p:notes xmlns:a="http://schemas.openxmlformats.org/drawingml/2006/main" xmlns:r="http://schemas.openxmlformats.org/officeDocument/2006/relationships" xmlns:p="http://schemas.openxmlformats.org/presentationml/2006/main">
   <p:cSld>
     <p:spTree>
@@ -8986,8 +9073,11 @@
           <a:p>
             <a:r>
               <a:rPr lang="en-US" dirty="0"/>
-              <a:t>If your moderator is categorical, proper coding is essential. Consider using effect coding rather than dummy coding when appropriate.</a:t>
-            </a:r>
+              <a:t>If your moderator is categorical, proper coding is essential. Consider using effect coding (-1, 0, 1) rather than dummy coding when appropriate.</a:t>
+            </a:r>
+          </a:p>
+          <a:p>
+            <a:endParaRPr lang="en-US" dirty="0"/>
           </a:p>
           <a:p>
             <a:endParaRPr lang="en-US" dirty="0"/>
@@ -9092,6 +9182,23 @@
             <a:endParaRPr lang="en-US" dirty="0"/>
           </a:p>
           <a:p>
+            <a:pPr marL="0" marR="0" lvl="0" indent="0" algn="l" defTabSz="914400" rtl="0" eaLnBrk="1" fontAlgn="auto" latinLnBrk="0" hangingPunct="1">
+              <a:lnSpc>
+                <a:spcPct val="100000"/>
+              </a:lnSpc>
+              <a:spcBef>
+                <a:spcPts val="0"/>
+              </a:spcBef>
+              <a:spcAft>
+                <a:spcPts val="0"/>
+              </a:spcAft>
+              <a:buClrTx/>
+              <a:buSzTx/>
+              <a:buFontTx/>
+              <a:buNone/>
+              <a:tabLst/>
+              <a:defRPr/>
+            </a:pPr>
             <a:r>
               <a:rPr lang="en-US" dirty="0"/>
               <a:t>When an interaction is significant, the main effects must be interpreted in that context.</a:t>
@@ -9101,18 +9208,35 @@
             <a:endParaRPr lang="en-US" dirty="0"/>
           </a:p>
           <a:p>
-            <a:r>
-              <a:rPr lang="en-US" dirty="0"/>
-              <a:t>Many researchers fail to visualize their interactions, which makes interpretation difficult for both themselves and their audience.</a:t>
-            </a:r>
-          </a:p>
-          <a:p>
-            <a:endParaRPr lang="en-US" dirty="0"/>
-          </a:p>
-          <a:p>
+            <a:pPr marL="0" marR="0" lvl="0" indent="0" algn="l" defTabSz="914400" rtl="0" eaLnBrk="1" fontAlgn="auto" latinLnBrk="0" hangingPunct="1">
+              <a:lnSpc>
+                <a:spcPct val="100000"/>
+              </a:lnSpc>
+              <a:spcBef>
+                <a:spcPts val="0"/>
+              </a:spcBef>
+              <a:spcAft>
+                <a:spcPts val="0"/>
+              </a:spcAft>
+              <a:buClrTx/>
+              <a:buSzTx/>
+              <a:buFontTx/>
+              <a:buNone/>
+              <a:tabLst/>
+              <a:defRPr/>
+            </a:pPr>
             <a:r>
               <a:rPr lang="en-US" dirty="0"/>
               <a:t>Not probing significant interactions through simple slopes analysis or Johnson-Neyman technique means missing important nuances in your data.</a:t>
+            </a:r>
+          </a:p>
+          <a:p>
+            <a:endParaRPr lang="en-US" dirty="0"/>
+          </a:p>
+          <a:p>
+            <a:r>
+              <a:rPr lang="en-US" dirty="0"/>
+              <a:t>One easy way to probe an interaction effect is toe visualize the effect. Without visualization, interpretation is difficult for both us and for readers, so always produce an interaction plot.</a:t>
             </a:r>
           </a:p>
           <a:p>
@@ -9218,15 +9342,6 @@
           <a:bodyPr/>
           <a:lstStyle/>
           <a:p>
-            <a:r>
-              <a:rPr lang="en-US" dirty="0"/>
-              <a:t>Mediation, on the other hand, helps us understand "how" or "why" one variable affects another. A mediator is the mechanism through which an independent variable influences a dependent variable.</a:t>
-            </a:r>
-          </a:p>
-          <a:p>
-            <a:endParaRPr lang="en-US" dirty="0"/>
-          </a:p>
-          <a:p>
             <a:endParaRPr lang="en-US" dirty="0"/>
           </a:p>
         </p:txBody>
@@ -9248,7 +9363,7 @@
           <a:p>
             <a:fld id="{4A677F31-8E3C-4ED2-97DF-DE6C71117425}" type="slidenum">
               <a:rPr lang="en-US" smtClean="0"/>
-              <a:t>11</a:t>
+              <a:t>9</a:t>
             </a:fld>
             <a:endParaRPr lang="en-US"/>
           </a:p>
@@ -9257,7 +9372,7 @@
     </p:spTree>
     <p:extLst>
       <p:ext uri="{BB962C8B-B14F-4D97-AF65-F5344CB8AC3E}">
-        <p14:creationId xmlns:p14="http://schemas.microsoft.com/office/powerpoint/2010/main" val="2763117294"/>
+        <p14:creationId xmlns:p14="http://schemas.microsoft.com/office/powerpoint/2010/main" val="4084975524"/>
       </p:ext>
     </p:extLst>
   </p:cSld>
@@ -9414,7 +9529,7 @@
           <a:p>
             <a:fld id="{06DC2E43-ADF2-4A74-A59C-D9F5E954D886}" type="datetimeFigureOut">
               <a:rPr lang="en-US" smtClean="0"/>
-              <a:t>3/18/2025</a:t>
+              <a:t>3/24/2025</a:t>
             </a:fld>
             <a:endParaRPr lang="en-US"/>
           </a:p>
@@ -9612,7 +9727,7 @@
           <a:p>
             <a:fld id="{06DC2E43-ADF2-4A74-A59C-D9F5E954D886}" type="datetimeFigureOut">
               <a:rPr lang="en-US" smtClean="0"/>
-              <a:t>3/18/2025</a:t>
+              <a:t>3/24/2025</a:t>
             </a:fld>
             <a:endParaRPr lang="en-US"/>
           </a:p>
@@ -9820,7 +9935,7 @@
           <a:p>
             <a:fld id="{06DC2E43-ADF2-4A74-A59C-D9F5E954D886}" type="datetimeFigureOut">
               <a:rPr lang="en-US" smtClean="0"/>
-              <a:t>3/18/2025</a:t>
+              <a:t>3/24/2025</a:t>
             </a:fld>
             <a:endParaRPr lang="en-US"/>
           </a:p>
@@ -10018,7 +10133,7 @@
           <a:p>
             <a:fld id="{06DC2E43-ADF2-4A74-A59C-D9F5E954D886}" type="datetimeFigureOut">
               <a:rPr lang="en-US" smtClean="0"/>
-              <a:t>3/18/2025</a:t>
+              <a:t>3/24/2025</a:t>
             </a:fld>
             <a:endParaRPr lang="en-US"/>
           </a:p>
@@ -10293,7 +10408,7 @@
           <a:p>
             <a:fld id="{06DC2E43-ADF2-4A74-A59C-D9F5E954D886}" type="datetimeFigureOut">
               <a:rPr lang="en-US" smtClean="0"/>
-              <a:t>3/18/2025</a:t>
+              <a:t>3/24/2025</a:t>
             </a:fld>
             <a:endParaRPr lang="en-US"/>
           </a:p>
@@ -10558,7 +10673,7 @@
           <a:p>
             <a:fld id="{06DC2E43-ADF2-4A74-A59C-D9F5E954D886}" type="datetimeFigureOut">
               <a:rPr lang="en-US" smtClean="0"/>
-              <a:t>3/18/2025</a:t>
+              <a:t>3/24/2025</a:t>
             </a:fld>
             <a:endParaRPr lang="en-US"/>
           </a:p>
@@ -10970,7 +11085,7 @@
           <a:p>
             <a:fld id="{06DC2E43-ADF2-4A74-A59C-D9F5E954D886}" type="datetimeFigureOut">
               <a:rPr lang="en-US" smtClean="0"/>
-              <a:t>3/18/2025</a:t>
+              <a:t>3/24/2025</a:t>
             </a:fld>
             <a:endParaRPr lang="en-US"/>
           </a:p>
@@ -11111,7 +11226,7 @@
           <a:p>
             <a:fld id="{06DC2E43-ADF2-4A74-A59C-D9F5E954D886}" type="datetimeFigureOut">
               <a:rPr lang="en-US" smtClean="0"/>
-              <a:t>3/18/2025</a:t>
+              <a:t>3/24/2025</a:t>
             </a:fld>
             <a:endParaRPr lang="en-US"/>
           </a:p>
@@ -11224,7 +11339,7 @@
           <a:p>
             <a:fld id="{06DC2E43-ADF2-4A74-A59C-D9F5E954D886}" type="datetimeFigureOut">
               <a:rPr lang="en-US" smtClean="0"/>
-              <a:t>3/18/2025</a:t>
+              <a:t>3/24/2025</a:t>
             </a:fld>
             <a:endParaRPr lang="en-US"/>
           </a:p>
@@ -11535,7 +11650,7 @@
           <a:p>
             <a:fld id="{06DC2E43-ADF2-4A74-A59C-D9F5E954D886}" type="datetimeFigureOut">
               <a:rPr lang="en-US" smtClean="0"/>
-              <a:t>3/18/2025</a:t>
+              <a:t>3/24/2025</a:t>
             </a:fld>
             <a:endParaRPr lang="en-US"/>
           </a:p>
@@ -11823,7 +11938,7 @@
           <a:p>
             <a:fld id="{06DC2E43-ADF2-4A74-A59C-D9F5E954D886}" type="datetimeFigureOut">
               <a:rPr lang="en-US" smtClean="0"/>
-              <a:t>3/18/2025</a:t>
+              <a:t>3/24/2025</a:t>
             </a:fld>
             <a:endParaRPr lang="en-US"/>
           </a:p>
@@ -12064,7 +12179,7 @@
           <a:p>
             <a:fld id="{06DC2E43-ADF2-4A74-A59C-D9F5E954D886}" type="datetimeFigureOut">
               <a:rPr lang="en-US" smtClean="0"/>
-              <a:t>3/18/2025</a:t>
+              <a:t>3/24/2025</a:t>
             </a:fld>
             <a:endParaRPr lang="en-US"/>
           </a:p>
@@ -16899,7 +17014,7 @@
             <p:ph idx="1"/>
             <p:extLst>
               <p:ext uri="{D42A27DB-BD31-4B8C-83A1-F6EECF244321}">
-                <p14:modId xmlns:p14="http://schemas.microsoft.com/office/powerpoint/2010/main" val="531112491"/>
+                <p14:modId xmlns:p14="http://schemas.microsoft.com/office/powerpoint/2010/main" val="442079860"/>
               </p:ext>
             </p:extLst>
           </p:nvPr>
@@ -19188,8 +19303,8 @@
           </a:p>
         </p:txBody>
       </p:sp>
-      <mc:AlternateContent xmlns:mc="http://schemas.openxmlformats.org/markup-compatibility/2006" xmlns:a14="http://schemas.microsoft.com/office/drawing/2010/main">
-        <mc:Choice Requires="a14">
+      <mc:AlternateContent xmlns:mc="http://schemas.openxmlformats.org/markup-compatibility/2006">
+        <mc:Choice xmlns:a14="http://schemas.microsoft.com/office/drawing/2010/main" Requires="a14">
           <p:sp>
             <p:nvSpPr>
               <p:cNvPr id="3" name="Content Placeholder 2">
@@ -19502,7 +19617,7 @@
                 </a14:m>
                 <a:r>
                   <a:rPr lang="en-US" sz="2200" dirty="0"/>
-                  <a:t> indicates moderation</a:t>
+                  <a:t> indicates significant moderation</a:t>
                 </a:r>
                 <a:br>
                   <a:rPr lang="en-US" sz="2200" dirty="0"/>
@@ -19554,7 +19669,7 @@
             </p:txBody>
           </p:sp>
         </mc:Choice>
-        <mc:Fallback xmlns="">
+        <mc:Fallback>
           <p:sp>
             <p:nvSpPr>
               <p:cNvPr id="3" name="Content Placeholder 2">
@@ -20330,7 +20445,7 @@
         <p:spPr>
           <a:xfrm>
             <a:off x="4447308" y="591344"/>
-            <a:ext cx="6906491" cy="5585619"/>
+            <a:ext cx="7186527" cy="5585619"/>
           </a:xfrm>
         </p:spPr>
         <p:txBody>
@@ -20340,7 +20455,7 @@
           <a:lstStyle/>
           <a:p>
             <a:r>
-              <a:rPr lang="en-US" dirty="0"/>
+              <a:rPr lang="en-US" b="1" dirty="0"/>
               <a:t>Mean-centering all predictors</a:t>
             </a:r>
           </a:p>
@@ -20360,8 +20475,30 @@
           </a:p>
           <a:p>
             <a:r>
+              <a:rPr lang="en-US" b="1" dirty="0"/>
+              <a:t>Proper coding of categorical moderators</a:t>
+            </a:r>
+          </a:p>
+          <a:p>
+            <a:pPr lvl="1"/>
+            <a:r>
+              <a:rPr lang="en-US" b="1" i="1" dirty="0"/>
+              <a:t>Reciprocal categories: </a:t>
+            </a:r>
+            <a:r>
               <a:rPr lang="en-US" dirty="0"/>
-              <a:t>Proper coding of categorical moderators</a:t>
+              <a:t>Dummy coding (0,1)</a:t>
+            </a:r>
+          </a:p>
+          <a:p>
+            <a:pPr lvl="1"/>
+            <a:r>
+              <a:rPr lang="en-US" b="1" i="1" dirty="0"/>
+              <a:t>Non-reciprocal: </a:t>
+            </a:r>
+            <a:r>
+              <a:rPr lang="en-US" dirty="0"/>
+              <a:t>Effects coding (-1, 0, 1)</a:t>
             </a:r>
           </a:p>
           <a:p>
@@ -20376,8 +20513,15 @@
           <a:p>
             <a:pPr lvl="1"/>
             <a:r>
+              <a:rPr lang="en-US" b="1" i="1" dirty="0"/>
+              <a:t>Multivariate normality </a:t>
+            </a:r>
+            <a:br>
               <a:rPr lang="en-US" dirty="0"/>
-              <a:t>Multivariate normality (Maximum Likelihood Estimation only)</a:t>
+            </a:br>
+            <a:r>
+              <a:rPr lang="en-US" dirty="0"/>
+              <a:t>(Maximum Likelihood Estimation only)</a:t>
             </a:r>
           </a:p>
           <a:p>
@@ -20386,6 +20530,9 @@
               <a:rPr lang="en-US" b="1" dirty="0"/>
               <a:t>Failed? </a:t>
             </a:r>
+            <a:br>
+              <a:rPr lang="en-US" b="1" dirty="0"/>
+            </a:br>
             <a:r>
               <a:rPr lang="en-US" dirty="0"/>
               <a:t>Maximum Likelihood Estimation with Robust Standard Errors (MLR)</a:t>
@@ -20571,7 +20718,7 @@
             <p:ph idx="1"/>
             <p:extLst>
               <p:ext uri="{D42A27DB-BD31-4B8C-83A1-F6EECF244321}">
-                <p14:modId xmlns:p14="http://schemas.microsoft.com/office/powerpoint/2010/main" val="3984041760"/>
+                <p14:modId xmlns:p14="http://schemas.microsoft.com/office/powerpoint/2010/main" val="1142509320"/>
               </p:ext>
             </p:extLst>
           </p:nvPr>
@@ -20852,7 +20999,7 @@
           <p:nvPr/>
         </p:nvPicPr>
         <p:blipFill>
-          <a:blip r:embed="rId2"/>
+          <a:blip r:embed="rId3"/>
           <a:srcRect l="21658" r="26505" b="-1"/>
           <a:stretch/>
         </p:blipFill>

--- a/Data Analysis II - Mediation and Moderation.pptx
+++ b/Data Analysis II - Mediation and Moderation.pptx
@@ -5,7 +5,7 @@
     <p:sldMasterId id="2147483648" r:id="rId1"/>
   </p:sldMasterIdLst>
   <p:notesMasterIdLst>
-    <p:notesMasterId r:id="rId19"/>
+    <p:notesMasterId r:id="rId20"/>
   </p:notesMasterIdLst>
   <p:sldIdLst>
     <p:sldId id="256" r:id="rId2"/>
@@ -20,11 +20,12 @@
     <p:sldId id="272" r:id="rId11"/>
     <p:sldId id="259" r:id="rId12"/>
     <p:sldId id="270" r:id="rId13"/>
-    <p:sldId id="261" r:id="rId14"/>
-    <p:sldId id="262" r:id="rId15"/>
-    <p:sldId id="264" r:id="rId16"/>
-    <p:sldId id="266" r:id="rId17"/>
-    <p:sldId id="267" r:id="rId18"/>
+    <p:sldId id="274" r:id="rId14"/>
+    <p:sldId id="261" r:id="rId15"/>
+    <p:sldId id="262" r:id="rId16"/>
+    <p:sldId id="264" r:id="rId17"/>
+    <p:sldId id="266" r:id="rId18"/>
+    <p:sldId id="267" r:id="rId19"/>
   </p:sldIdLst>
   <p:sldSz cx="12192000" cy="6858000"/>
   <p:notesSz cx="6858000" cy="9144000"/>
@@ -148,6 +149,7 @@
           <p14:sldIdLst>
             <p14:sldId id="259"/>
             <p14:sldId id="270"/>
+            <p14:sldId id="274"/>
             <p14:sldId id="261"/>
             <p14:sldId id="262"/>
             <p14:sldId id="264"/>
@@ -7519,15 +7521,6 @@
           <a:bodyPr/>
           <a:lstStyle/>
           <a:p>
-            <a:r>
-              <a:rPr lang="en-US" dirty="0"/>
-              <a:t>Mediation, on the other hand, helps us understand "how" or "why" one variable affects another. A mediator is the mechanism through which an independent variable influences a dependent variable.</a:t>
-            </a:r>
-          </a:p>
-          <a:p>
-            <a:endParaRPr lang="en-US" dirty="0"/>
-          </a:p>
-          <a:p>
             <a:endParaRPr lang="en-US" dirty="0"/>
           </a:p>
         </p:txBody>
@@ -7549,6 +7542,99 @@
           <a:p>
             <a:fld id="{4A677F31-8E3C-4ED2-97DF-DE6C71117425}" type="slidenum">
               <a:rPr lang="en-US" smtClean="0"/>
+              <a:t>10</a:t>
+            </a:fld>
+            <a:endParaRPr lang="en-US"/>
+          </a:p>
+        </p:txBody>
+      </p:sp>
+    </p:spTree>
+    <p:extLst>
+      <p:ext uri="{BB962C8B-B14F-4D97-AF65-F5344CB8AC3E}">
+        <p14:creationId xmlns:p14="http://schemas.microsoft.com/office/powerpoint/2010/main" val="656036280"/>
+      </p:ext>
+    </p:extLst>
+  </p:cSld>
+  <p:clrMapOvr>
+    <a:masterClrMapping/>
+  </p:clrMapOvr>
+</p:notes>
+</file>
+
+<file path=ppt/notesSlides/notesSlide11.xml><?xml version="1.0" encoding="utf-8"?>
+<p:notes xmlns:a="http://schemas.openxmlformats.org/drawingml/2006/main" xmlns:r="http://schemas.openxmlformats.org/officeDocument/2006/relationships" xmlns:p="http://schemas.openxmlformats.org/presentationml/2006/main">
+  <p:cSld>
+    <p:spTree>
+      <p:nvGrpSpPr>
+        <p:cNvPr id="1" name=""/>
+        <p:cNvGrpSpPr/>
+        <p:nvPr/>
+      </p:nvGrpSpPr>
+      <p:grpSpPr>
+        <a:xfrm>
+          <a:off x="0" y="0"/>
+          <a:ext cx="0" cy="0"/>
+          <a:chOff x="0" y="0"/>
+          <a:chExt cx="0" cy="0"/>
+        </a:xfrm>
+      </p:grpSpPr>
+      <p:sp>
+        <p:nvSpPr>
+          <p:cNvPr id="2" name="Slide Image Placeholder 1"/>
+          <p:cNvSpPr>
+            <a:spLocks noGrp="1" noRot="1" noChangeAspect="1"/>
+          </p:cNvSpPr>
+          <p:nvPr>
+            <p:ph type="sldImg"/>
+          </p:nvPr>
+        </p:nvSpPr>
+        <p:spPr/>
+      </p:sp>
+      <p:sp>
+        <p:nvSpPr>
+          <p:cNvPr id="3" name="Notes Placeholder 2"/>
+          <p:cNvSpPr>
+            <a:spLocks noGrp="1"/>
+          </p:cNvSpPr>
+          <p:nvPr>
+            <p:ph type="body" idx="1"/>
+          </p:nvPr>
+        </p:nvSpPr>
+        <p:spPr/>
+        <p:txBody>
+          <a:bodyPr/>
+          <a:lstStyle/>
+          <a:p>
+            <a:r>
+              <a:rPr lang="en-US" dirty="0"/>
+              <a:t>Mediation, on the other hand, helps us understand "how" or "why" one variable affects another. A mediator is the mechanism through which an independent variable influences a dependent variable.</a:t>
+            </a:r>
+          </a:p>
+          <a:p>
+            <a:endParaRPr lang="en-US" dirty="0"/>
+          </a:p>
+          <a:p>
+            <a:endParaRPr lang="en-US" dirty="0"/>
+          </a:p>
+        </p:txBody>
+      </p:sp>
+      <p:sp>
+        <p:nvSpPr>
+          <p:cNvPr id="4" name="Slide Number Placeholder 3"/>
+          <p:cNvSpPr>
+            <a:spLocks noGrp="1"/>
+          </p:cNvSpPr>
+          <p:nvPr>
+            <p:ph type="sldNum" sz="quarter" idx="5"/>
+          </p:nvPr>
+        </p:nvSpPr>
+        <p:spPr/>
+        <p:txBody>
+          <a:bodyPr/>
+          <a:lstStyle/>
+          <a:p>
+            <a:fld id="{4A677F31-8E3C-4ED2-97DF-DE6C71117425}" type="slidenum">
+              <a:rPr lang="en-US" smtClean="0"/>
               <a:t>11</a:t>
             </a:fld>
             <a:endParaRPr lang="en-US"/>
@@ -7568,7 +7654,7 @@
 </p:notes>
 </file>
 
-<file path=ppt/notesSlides/notesSlide11.xml><?xml version="1.0" encoding="utf-8"?>
+<file path=ppt/notesSlides/notesSlide12.xml><?xml version="1.0" encoding="utf-8"?>
 <p:notes xmlns:a="http://schemas.openxmlformats.org/drawingml/2006/main" xmlns:r="http://schemas.openxmlformats.org/officeDocument/2006/relationships" xmlns:p="http://schemas.openxmlformats.org/presentationml/2006/main">
   <p:cSld>
     <p:spTree>
@@ -7647,30 +7733,6 @@
               <a:t>) is significant, and the direct effect c′ (the effect of X on Y after controlling for M) is no longer significant when the mediator is included. This suggests that the relationship between X and Y is entirely explained by M.</a:t>
             </a:r>
           </a:p>
-          <a:p>
-            <a:endParaRPr lang="en-US" dirty="0"/>
-          </a:p>
-          <a:p>
-            <a:endParaRPr lang="en-US" dirty="0"/>
-          </a:p>
-          <a:p>
-            <a:r>
-              <a:rPr lang="en-US" b="1" dirty="0"/>
-              <a:t>Partial Mediation:</a:t>
-            </a:r>
-            <a:r>
-              <a:rPr lang="en-US" dirty="0"/>
-              <a:t> The indirect effect (</a:t>
-            </a:r>
-            <a:r>
-              <a:rPr lang="en-US" dirty="0" err="1"/>
-              <a:t>a×b</a:t>
-            </a:r>
-            <a:r>
-              <a:rPr lang="en-US" dirty="0"/>
-              <a:t>) is significant, but the direct effect c′ remains significant even after M is included. This indicates that M explains part of the relationship between X and Y, but there is still a direct effect of X on Y that is not fully accounted for by M.</a:t>
-            </a:r>
-          </a:p>
         </p:txBody>
       </p:sp>
       <p:sp>
@@ -7715,12 +7777,18 @@
 </p:notes>
 </file>
 
-<file path=ppt/notesSlides/notesSlide12.xml><?xml version="1.0" encoding="utf-8"?>
+<file path=ppt/notesSlides/notesSlide13.xml><?xml version="1.0" encoding="utf-8"?>
 <p:notes xmlns:a="http://schemas.openxmlformats.org/drawingml/2006/main" xmlns:r="http://schemas.openxmlformats.org/officeDocument/2006/relationships" xmlns:p="http://schemas.openxmlformats.org/presentationml/2006/main">
   <p:cSld>
     <p:spTree>
       <p:nvGrpSpPr>
-        <p:cNvPr id="1" name=""/>
+        <p:cNvPr id="1" name="">
+          <a:extLst>
+            <a:ext uri="{FF2B5EF4-FFF2-40B4-BE49-F238E27FC236}">
+              <a16:creationId xmlns:a16="http://schemas.microsoft.com/office/drawing/2014/main" id="{B68CA26C-3901-0FFF-F9B6-8DA7476A8F6C}"/>
+            </a:ext>
+          </a:extLst>
+        </p:cNvPr>
         <p:cNvGrpSpPr/>
         <p:nvPr/>
       </p:nvGrpSpPr>
@@ -7734,7 +7802,13 @@
       </p:grpSpPr>
       <p:sp>
         <p:nvSpPr>
-          <p:cNvPr id="2" name="Slide Image Placeholder 1"/>
+          <p:cNvPr id="2" name="Slide Image Placeholder 1">
+            <a:extLst>
+              <a:ext uri="{FF2B5EF4-FFF2-40B4-BE49-F238E27FC236}">
+                <a16:creationId xmlns:a16="http://schemas.microsoft.com/office/drawing/2014/main" id="{BDD3A0CA-F47E-6CEA-1C79-0746A83EB00F}"/>
+              </a:ext>
+            </a:extLst>
+          </p:cNvPr>
           <p:cNvSpPr>
             <a:spLocks noGrp="1" noRot="1" noChangeAspect="1"/>
           </p:cNvSpPr>
@@ -7746,7 +7820,13 @@
       </p:sp>
       <p:sp>
         <p:nvSpPr>
-          <p:cNvPr id="3" name="Notes Placeholder 2"/>
+          <p:cNvPr id="3" name="Notes Placeholder 2">
+            <a:extLst>
+              <a:ext uri="{FF2B5EF4-FFF2-40B4-BE49-F238E27FC236}">
+                <a16:creationId xmlns:a16="http://schemas.microsoft.com/office/drawing/2014/main" id="{90EEC189-3C82-F715-DC4E-4CB3EBC5B23B}"/>
+              </a:ext>
+            </a:extLst>
+          </p:cNvPr>
           <p:cNvSpPr>
             <a:spLocks noGrp="1"/>
           </p:cNvSpPr>
@@ -7760,45 +7840,33 @@
           <a:lstStyle/>
           <a:p>
             <a:r>
+              <a:rPr lang="en-US" b="1" dirty="0"/>
+              <a:t>Partial Mediation:</a:t>
+            </a:r>
+            <a:r>
               <a:rPr lang="en-US" dirty="0"/>
-              <a:t>For mediation, the traditional approach was Baron and Kenny's causal steps. However, modern approaches focus on testing the significance of the indirect effect.</a:t>
-            </a:r>
-          </a:p>
-          <a:p>
-            <a:endParaRPr lang="en-US" dirty="0"/>
-          </a:p>
-          <a:p>
+              <a:t> The indirect effect (</a:t>
+            </a:r>
+            <a:r>
+              <a:rPr lang="en-US" dirty="0" err="1"/>
+              <a:t>a×b</a:t>
+            </a:r>
             <a:r>
               <a:rPr lang="en-US" dirty="0"/>
-              <a:t>The indirect effect is the product of path a (X to M) and path b (M to Y). We typically use bootstrapping methods to test this effect, as implemented in Hayes' PROCESS macro or similar tools.</a:t>
-            </a:r>
-          </a:p>
-          <a:p>
-            <a:endParaRPr lang="en-US" dirty="0"/>
-          </a:p>
-          <a:p>
-            <a:r>
-              <a:rPr lang="en-US" dirty="0"/>
-              <a:t>Another powerful approach is Structural Equation Modeling or SEM, which allows for more complex models with multiple mediators and control variables.</a:t>
-            </a:r>
-          </a:p>
-          <a:p>
-            <a:endParaRPr lang="en-US" dirty="0"/>
-          </a:p>
-          <a:p>
-            <a:r>
-              <a:rPr lang="en-US" dirty="0"/>
-              <a:t>We also distinguish between partial mediation (where the direct effect remains significant) and complete mediation (where the direct effect becomes non-significant when the mediator is included).</a:t>
-            </a:r>
-          </a:p>
-          <a:p>
-            <a:endParaRPr lang="en-US" dirty="0"/>
+              <a:t>) is significant, but the direct effect c′ remains significant even after M is included. This indicates that M explains part of the relationship between X and Y, but there is still a direct effect of X on Y that is not fully accounted for by M.</a:t>
+            </a:r>
           </a:p>
         </p:txBody>
       </p:sp>
       <p:sp>
         <p:nvSpPr>
-          <p:cNvPr id="4" name="Slide Number Placeholder 3"/>
+          <p:cNvPr id="4" name="Slide Number Placeholder 3">
+            <a:extLst>
+              <a:ext uri="{FF2B5EF4-FFF2-40B4-BE49-F238E27FC236}">
+                <a16:creationId xmlns:a16="http://schemas.microsoft.com/office/drawing/2014/main" id="{9ADCE223-6C07-BA50-388E-DDE89EA525C5}"/>
+              </a:ext>
+            </a:extLst>
+          </p:cNvPr>
           <p:cNvSpPr>
             <a:spLocks noGrp="1"/>
           </p:cNvSpPr>
@@ -7822,130 +7890,7 @@
     </p:spTree>
     <p:extLst>
       <p:ext uri="{BB962C8B-B14F-4D97-AF65-F5344CB8AC3E}">
-        <p14:creationId xmlns:p14="http://schemas.microsoft.com/office/powerpoint/2010/main" val="1365249733"/>
-      </p:ext>
-    </p:extLst>
-  </p:cSld>
-  <p:clrMapOvr>
-    <a:masterClrMapping/>
-  </p:clrMapOvr>
-</p:notes>
-</file>
-
-<file path=ppt/notesSlides/notesSlide13.xml><?xml version="1.0" encoding="utf-8"?>
-<p:notes xmlns:a="http://schemas.openxmlformats.org/drawingml/2006/main" xmlns:r="http://schemas.openxmlformats.org/officeDocument/2006/relationships" xmlns:p="http://schemas.openxmlformats.org/presentationml/2006/main">
-  <p:cSld>
-    <p:spTree>
-      <p:nvGrpSpPr>
-        <p:cNvPr id="1" name=""/>
-        <p:cNvGrpSpPr/>
-        <p:nvPr/>
-      </p:nvGrpSpPr>
-      <p:grpSpPr>
-        <a:xfrm>
-          <a:off x="0" y="0"/>
-          <a:ext cx="0" cy="0"/>
-          <a:chOff x="0" y="0"/>
-          <a:chExt cx="0" cy="0"/>
-        </a:xfrm>
-      </p:grpSpPr>
-      <p:sp>
-        <p:nvSpPr>
-          <p:cNvPr id="2" name="Slide Image Placeholder 1"/>
-          <p:cNvSpPr>
-            <a:spLocks noGrp="1" noRot="1" noChangeAspect="1"/>
-          </p:cNvSpPr>
-          <p:nvPr>
-            <p:ph type="sldImg"/>
-          </p:nvPr>
-        </p:nvSpPr>
-        <p:spPr/>
-      </p:sp>
-      <p:sp>
-        <p:nvSpPr>
-          <p:cNvPr id="3" name="Notes Placeholder 2"/>
-          <p:cNvSpPr>
-            <a:spLocks noGrp="1"/>
-          </p:cNvSpPr>
-          <p:nvPr>
-            <p:ph type="body" idx="1"/>
-          </p:nvPr>
-        </p:nvSpPr>
-        <p:spPr/>
-        <p:txBody>
-          <a:bodyPr/>
-          <a:lstStyle/>
-          <a:p>
-            <a:r>
-              <a:rPr lang="en-US" dirty="0"/>
-              <a:t>Proper data preparation is crucial for valid mediation analysis. First, temporal precedence is essential - your independent variable must precede your mediator, which must precede your outcome. This is ideally established through research design, such as longitudinal studies.</a:t>
-            </a:r>
-          </a:p>
-          <a:p>
-            <a:endParaRPr lang="en-US" dirty="0"/>
-          </a:p>
-          <a:p>
-            <a:r>
-              <a:rPr lang="en-US" dirty="0"/>
-              <a:t>Multicollinearity between your predictor and mediator can lead to suppression effects, which can bias your results. Check correlations and variance inflation factors.</a:t>
-            </a:r>
-          </a:p>
-          <a:p>
-            <a:endParaRPr lang="en-US" dirty="0"/>
-          </a:p>
-          <a:p>
-            <a:r>
-              <a:rPr lang="en-US" dirty="0"/>
-              <a:t>Sample size is also important - mediation analyses typically require larger samples than direct effect tests. As a rule of thumb, aim for at least 100-150 participants, though more complex models may require more.</a:t>
-            </a:r>
-          </a:p>
-          <a:p>
-            <a:endParaRPr lang="en-US" dirty="0"/>
-          </a:p>
-          <a:p>
-            <a:r>
-              <a:rPr lang="en-US" dirty="0"/>
-              <a:t>The assumption of normal distribution of indirect effects is often violated, which is why bootstrapping methods are preferred.</a:t>
-            </a:r>
-          </a:p>
-          <a:p>
-            <a:endParaRPr lang="en-US" dirty="0"/>
-          </a:p>
-          <a:p>
-            <a:r>
-              <a:rPr lang="en-US" dirty="0"/>
-              <a:t>Finally, always check for outliers and influential cases that might drive your results.</a:t>
-            </a:r>
-          </a:p>
-        </p:txBody>
-      </p:sp>
-      <p:sp>
-        <p:nvSpPr>
-          <p:cNvPr id="4" name="Slide Number Placeholder 3"/>
-          <p:cNvSpPr>
-            <a:spLocks noGrp="1"/>
-          </p:cNvSpPr>
-          <p:nvPr>
-            <p:ph type="sldNum" sz="quarter" idx="5"/>
-          </p:nvPr>
-        </p:nvSpPr>
-        <p:spPr/>
-        <p:txBody>
-          <a:bodyPr/>
-          <a:lstStyle/>
-          <a:p>
-            <a:fld id="{4A677F31-8E3C-4ED2-97DF-DE6C71117425}" type="slidenum">
-              <a:rPr lang="en-US" smtClean="0"/>
-              <a:t>14</a:t>
-            </a:fld>
-            <a:endParaRPr lang="en-US"/>
-          </a:p>
-        </p:txBody>
-      </p:sp>
-    </p:spTree>
-    <p:extLst>
-      <p:ext uri="{BB962C8B-B14F-4D97-AF65-F5344CB8AC3E}">
-        <p14:creationId xmlns:p14="http://schemas.microsoft.com/office/powerpoint/2010/main" val="1992172667"/>
+        <p14:creationId xmlns:p14="http://schemas.microsoft.com/office/powerpoint/2010/main" val="1310991639"/>
       </p:ext>
     </p:extLst>
   </p:cSld>
@@ -8001,7 +7946,7 @@
           <a:p>
             <a:r>
               <a:rPr lang="en-US" dirty="0"/>
-              <a:t>There are several common pitfalls in mediation analysis that researchers should be aware of.</a:t>
+              <a:t>For mediation, the traditional approach was Baron and Kenny's causal steps. However, modern approaches focus on testing the significance of the indirect effect.</a:t>
             </a:r>
           </a:p>
           <a:p>
@@ -8009,8 +7954,77 @@
           </a:p>
           <a:p>
             <a:r>
+              <a:rPr lang="en-US" b="1" dirty="0"/>
+              <a:t>Baron &amp; Kenny’s Causal Steps Approach (1986)</a:t>
+            </a:r>
+          </a:p>
+          <a:p>
+            <a:r>
+              <a:rPr lang="en-US" b="1" dirty="0"/>
+              <a:t>Method:</a:t>
+            </a:r>
+            <a:br>
               <a:rPr lang="en-US" dirty="0"/>
-              <a:t>First, many researchers mistakenly infer causality from cross-sectional data. Remember that true mediation implies a causal chain, which is best established through experimental or longitudinal designs.</a:t>
+            </a:br>
+            <a:r>
+              <a:rPr lang="en-US" dirty="0"/>
+              <a:t>This approach requires four steps:</a:t>
+            </a:r>
+          </a:p>
+          <a:p>
+            <a:pPr>
+              <a:buFont typeface="+mj-lt"/>
+              <a:buAutoNum type="arabicPeriod"/>
+            </a:pPr>
+            <a:r>
+              <a:rPr lang="en-US" b="1" dirty="0"/>
+              <a:t>Path c:</a:t>
+            </a:r>
+            <a:r>
+              <a:rPr lang="en-US" dirty="0"/>
+              <a:t> Show that the IV significantly predicts the DV.</a:t>
+            </a:r>
+          </a:p>
+          <a:p>
+            <a:pPr>
+              <a:buFont typeface="+mj-lt"/>
+              <a:buAutoNum type="arabicPeriod"/>
+            </a:pPr>
+            <a:r>
+              <a:rPr lang="en-US" b="1" dirty="0"/>
+              <a:t>Path a:</a:t>
+            </a:r>
+            <a:r>
+              <a:rPr lang="en-US" dirty="0"/>
+              <a:t> Show that the IV significantly predicts the mediator.</a:t>
+            </a:r>
+          </a:p>
+          <a:p>
+            <a:pPr>
+              <a:buFont typeface="+mj-lt"/>
+              <a:buAutoNum type="arabicPeriod"/>
+            </a:pPr>
+            <a:r>
+              <a:rPr lang="en-US" b="1" dirty="0"/>
+              <a:t>Path b:</a:t>
+            </a:r>
+            <a:r>
+              <a:rPr lang="en-US" dirty="0"/>
+              <a:t> Show that the mediator significantly predicts the DV while controlling for IV.</a:t>
+            </a:r>
+          </a:p>
+          <a:p>
+            <a:pPr>
+              <a:buFont typeface="+mj-lt"/>
+              <a:buAutoNum type="arabicPeriod"/>
+            </a:pPr>
+            <a:r>
+              <a:rPr lang="en-US" b="1" dirty="0"/>
+              <a:t>Path c':</a:t>
+            </a:r>
+            <a:r>
+              <a:rPr lang="en-US" dirty="0"/>
+              <a:t> Show that the direct effect (c') is reduced when the mediator is included (partial mediation) or becomes non-significant (full mediation).</a:t>
             </a:r>
           </a:p>
           <a:p>
@@ -8018,23 +8032,122 @@
           </a:p>
           <a:p>
             <a:r>
+              <a:rPr lang="en-US" b="1" dirty="0"/>
+              <a:t>Conceptual Issues:</a:t>
+            </a:r>
+            <a:endParaRPr lang="en-US" dirty="0"/>
+          </a:p>
+          <a:p>
+            <a:pPr>
+              <a:buFont typeface="Arial" panose="020B0604020202020204" pitchFamily="34" charset="0"/>
+              <a:buChar char="•"/>
+            </a:pPr>
+            <a:r>
+              <a:rPr lang="en-US" b="1" dirty="0"/>
+              <a:t>Does not actually test the indirect effect</a:t>
+            </a:r>
+            <a:r>
               <a:rPr lang="en-US" dirty="0"/>
-              <a:t>Omitted variable bias occurs when you fail to include important variables that might explain the relationships you're observing.</a:t>
+              <a:t> (</a:t>
+            </a:r>
+            <a:r>
+              <a:rPr lang="en-US" b="1" dirty="0"/>
+              <a:t>a × b</a:t>
+            </a:r>
+            <a:r>
+              <a:rPr lang="en-US" dirty="0"/>
+              <a:t>), which is the key component of mediation.</a:t>
+            </a:r>
+          </a:p>
+          <a:p>
+            <a:pPr>
+              <a:buFont typeface="Arial" panose="020B0604020202020204" pitchFamily="34" charset="0"/>
+              <a:buChar char="•"/>
+            </a:pPr>
+            <a:r>
+              <a:rPr lang="en-US" b="1" dirty="0"/>
+              <a:t>Ignores indirect effects even when c is non-significant</a:t>
+            </a:r>
+            <a:r>
+              <a:rPr lang="en-US" dirty="0"/>
+              <a:t>, whereas modern mediation methods allow for significant mediation without a total effect.</a:t>
+            </a:r>
+          </a:p>
+          <a:p>
+            <a:pPr>
+              <a:buFont typeface="Arial" panose="020B0604020202020204" pitchFamily="34" charset="0"/>
+              <a:buChar char="•"/>
+            </a:pPr>
+            <a:r>
+              <a:rPr lang="en-US" b="1" dirty="0"/>
+              <a:t>Misclassifies partial and full mediation</a:t>
+            </a:r>
+            <a:r>
+              <a:rPr lang="en-US" dirty="0"/>
+              <a:t> by relying on significance testing rather than effect size.</a:t>
             </a:r>
           </a:p>
           <a:p>
             <a:endParaRPr lang="en-US" dirty="0"/>
           </a:p>
           <a:p>
+            <a:endParaRPr lang="en-US" dirty="0"/>
+          </a:p>
+          <a:p>
+            <a:endParaRPr lang="en-US" dirty="0"/>
+          </a:p>
+          <a:p>
             <a:r>
               <a:rPr lang="en-US" dirty="0"/>
-              <a:t>Reversed causality is another issue - sometimes what you think is Y might actually be causing X.</a:t>
-            </a:r>
-          </a:p>
-          <a:p>
+              <a:t>The </a:t>
+            </a:r>
+            <a:r>
+              <a:rPr lang="en-US" b="1" dirty="0"/>
+              <a:t>Sobel test</a:t>
+            </a:r>
             <a:r>
               <a:rPr lang="en-US" dirty="0"/>
-              <a:t>The mediator-outcome relationship might be confounded by third variables, leading to spurious mediation effects.</a:t>
+              <a:t> assumes the indirect effect follows a normal distribution, which is often violated.</a:t>
+            </a:r>
+          </a:p>
+          <a:p>
+            <a:r>
+              <a:rPr lang="en-US" dirty="0"/>
+              <a:t>The Sobel test directly tests the </a:t>
+            </a:r>
+            <a:r>
+              <a:rPr lang="en-US" b="1" dirty="0"/>
+              <a:t>a × b</a:t>
+            </a:r>
+            <a:r>
+              <a:rPr lang="en-US" dirty="0"/>
+              <a:t> path using a normal approximation formula:</a:t>
+            </a:r>
+          </a:p>
+          <a:p>
+            <a:pPr>
+              <a:buFont typeface="Arial" panose="020B0604020202020204" pitchFamily="34" charset="0"/>
+              <a:buNone/>
+            </a:pPr>
+            <a:r>
+              <a:rPr lang="en-US" dirty="0"/>
+              <a:t> Sobel’s test only provides a </a:t>
+            </a:r>
+            <a:r>
+              <a:rPr lang="en-US" b="1" dirty="0"/>
+              <a:t>Z-score and p-value</a:t>
+            </a:r>
+            <a:r>
+              <a:rPr lang="en-US" dirty="0"/>
+              <a:t>, but modern mediation analysis (e.g., PROCESS macro) uses </a:t>
+            </a:r>
+            <a:r>
+              <a:rPr lang="en-US" b="1" dirty="0"/>
+              <a:t>bootstrapped confidence intervals</a:t>
+            </a:r>
+            <a:r>
+              <a:rPr lang="en-US" dirty="0"/>
+              <a:t> to give more informative results.</a:t>
             </a:r>
           </a:p>
           <a:p>
@@ -8043,7 +8156,171 @@
           <a:p>
             <a:r>
               <a:rPr lang="en-US" dirty="0"/>
-              <a:t>Finally, measurement error in your variables can attenuate your observed relationships and lead to biased estimates of mediation effects.</a:t>
+              <a:t>Assumes that the sampling distribution of the indirect effect (</a:t>
+            </a:r>
+            <a:r>
+              <a:rPr lang="en-US" b="1" dirty="0"/>
+              <a:t>a × b</a:t>
+            </a:r>
+            <a:r>
+              <a:rPr lang="en-US" dirty="0"/>
+              <a:t>) is </a:t>
+            </a:r>
+            <a:r>
+              <a:rPr lang="en-US" b="1" dirty="0"/>
+              <a:t>normally distributed</a:t>
+            </a:r>
+            <a:r>
+              <a:rPr lang="en-US" dirty="0"/>
+              <a:t>, but in reality, it is </a:t>
+            </a:r>
+            <a:r>
+              <a:rPr lang="en-US" b="1" dirty="0"/>
+              <a:t>often skewed</a:t>
+            </a:r>
+            <a:r>
+              <a:rPr lang="en-US" dirty="0"/>
+              <a:t>, especially in small samples.</a:t>
+            </a:r>
+          </a:p>
+          <a:p>
+            <a:r>
+              <a:rPr lang="en-US" dirty="0"/>
+              <a:t>Bootstrapping does not require this assumption and is more robust.</a:t>
+            </a:r>
+          </a:p>
+          <a:p>
+            <a:endParaRPr lang="en-US" dirty="0"/>
+          </a:p>
+          <a:p>
+            <a:endParaRPr lang="en-US" dirty="0"/>
+          </a:p>
+          <a:p>
+            <a:r>
+              <a:rPr lang="en-US" dirty="0"/>
+              <a:t>Bootstrapping is the </a:t>
+            </a:r>
+            <a:r>
+              <a:rPr lang="en-US" b="1" dirty="0"/>
+              <a:t>modern gold standard</a:t>
+            </a:r>
+            <a:r>
+              <a:rPr lang="en-US" dirty="0"/>
+              <a:t> for testing mediation. Unlike older methods like Baron &amp; Kenny’s steps or the Sobel test, it </a:t>
+            </a:r>
+            <a:r>
+              <a:rPr lang="en-US" b="1" dirty="0"/>
+              <a:t>does not assume normality</a:t>
+            </a:r>
+            <a:r>
+              <a:rPr lang="en-US" dirty="0"/>
+              <a:t> of the indirect effect.</a:t>
+            </a:r>
+          </a:p>
+          <a:p>
+            <a:r>
+              <a:rPr lang="en-US" dirty="0"/>
+              <a:t>Here’s how it works:</a:t>
+            </a:r>
+          </a:p>
+          <a:p>
+            <a:pPr>
+              <a:buFont typeface="+mj-lt"/>
+              <a:buAutoNum type="arabicPeriod"/>
+            </a:pPr>
+            <a:r>
+              <a:rPr lang="en-US" dirty="0"/>
+              <a:t>The indirect effect (</a:t>
+            </a:r>
+            <a:r>
+              <a:rPr lang="en-US" b="1" dirty="0"/>
+              <a:t>a × b</a:t>
+            </a:r>
+            <a:r>
+              <a:rPr lang="en-US" dirty="0"/>
+              <a:t>) is repeatedly recalculated using </a:t>
+            </a:r>
+            <a:r>
+              <a:rPr lang="en-US" b="1" dirty="0"/>
+              <a:t>thousands of resampled datasets</a:t>
+            </a:r>
+            <a:r>
+              <a:rPr lang="en-US" dirty="0"/>
+              <a:t> (e.g., 5,000 iterations).</a:t>
+            </a:r>
+          </a:p>
+          <a:p>
+            <a:pPr>
+              <a:buFont typeface="+mj-lt"/>
+              <a:buAutoNum type="arabicPeriod"/>
+            </a:pPr>
+            <a:r>
+              <a:rPr lang="en-US" dirty="0"/>
+              <a:t>This generates a </a:t>
+            </a:r>
+            <a:r>
+              <a:rPr lang="en-US" b="1" dirty="0"/>
+              <a:t>distribution of indirect effects</a:t>
+            </a:r>
+            <a:r>
+              <a:rPr lang="en-US" dirty="0"/>
+              <a:t> from the data, rather than relying on a single estimate.</a:t>
+            </a:r>
+          </a:p>
+          <a:p>
+            <a:pPr>
+              <a:buFont typeface="+mj-lt"/>
+              <a:buAutoNum type="arabicPeriod"/>
+            </a:pPr>
+            <a:r>
+              <a:rPr lang="en-US" dirty="0"/>
+              <a:t>A </a:t>
+            </a:r>
+            <a:r>
+              <a:rPr lang="en-US" b="1" dirty="0"/>
+              <a:t>confidence interval (CI)</a:t>
+            </a:r>
+            <a:r>
+              <a:rPr lang="en-US" dirty="0"/>
+              <a:t> is created—if the interval </a:t>
+            </a:r>
+            <a:r>
+              <a:rPr lang="en-US" b="1" dirty="0"/>
+              <a:t>does not include zero</a:t>
+            </a:r>
+            <a:r>
+              <a:rPr lang="en-US" dirty="0"/>
+              <a:t>, mediation is considered significant.</a:t>
+            </a:r>
+          </a:p>
+          <a:p>
+            <a:r>
+              <a:rPr lang="en-US" dirty="0"/>
+              <a:t>Bootstrapping is </a:t>
+            </a:r>
+            <a:r>
+              <a:rPr lang="en-US" b="1" dirty="0"/>
+              <a:t>more accurate, more powerful</a:t>
+            </a:r>
+            <a:r>
+              <a:rPr lang="en-US" dirty="0"/>
+              <a:t>, and works well even with </a:t>
+            </a:r>
+            <a:r>
+              <a:rPr lang="en-US" b="1" dirty="0"/>
+              <a:t>small samples</a:t>
+            </a:r>
+            <a:r>
+              <a:rPr lang="en-US" dirty="0"/>
+              <a:t>. It’s used in </a:t>
+            </a:r>
+            <a:r>
+              <a:rPr lang="en-US" b="1" dirty="0"/>
+              <a:t>PROCESS for SPSS</a:t>
+            </a:r>
+            <a:r>
+              <a:rPr lang="en-US" dirty="0"/>
+              <a:t> and is now the preferred method for mediation analysis.</a:t>
             </a:r>
           </a:p>
           <a:p>
@@ -8068,7 +8345,7 @@
           <a:p>
             <a:fld id="{4A677F31-8E3C-4ED2-97DF-DE6C71117425}" type="slidenum">
               <a:rPr lang="en-US" smtClean="0"/>
-              <a:t>15</a:t>
+              <a:t>14</a:t>
             </a:fld>
             <a:endParaRPr lang="en-US"/>
           </a:p>
@@ -8077,7 +8354,7 @@
     </p:spTree>
     <p:extLst>
       <p:ext uri="{BB962C8B-B14F-4D97-AF65-F5344CB8AC3E}">
-        <p14:creationId xmlns:p14="http://schemas.microsoft.com/office/powerpoint/2010/main" val="1628279487"/>
+        <p14:creationId xmlns:p14="http://schemas.microsoft.com/office/powerpoint/2010/main" val="1365249733"/>
       </p:ext>
     </p:extLst>
   </p:cSld>
@@ -8133,7 +8410,7 @@
           <a:p>
             <a:r>
               <a:rPr lang="en-US" dirty="0"/>
-              <a:t>For those interested in more advanced analyses, moderated mediation combines both concepts we've discussed today. This involves testing whether the strength of an indirect effect depends on the level of a moderator.</a:t>
+              <a:t>Proper data preparation is crucial for valid mediation analysis. First, temporal precedence is essential - your independent variable must precede your mediator, which must precede your outcome. This is ideally established through research design, such as longitudinal studies.</a:t>
             </a:r>
           </a:p>
           <a:p>
@@ -8142,7 +8419,7 @@
           <a:p>
             <a:r>
               <a:rPr lang="en-US" dirty="0"/>
-              <a:t>We can calculate conditional indirect effects - the strength of the indirect effect at different levels of the moderator.</a:t>
+              <a:t>Multicollinearity between your predictor and mediator can lead to suppression effects, which can bias your results. Check correlations and variance inflation factors.</a:t>
             </a:r>
           </a:p>
           <a:p>
@@ -8151,7 +8428,7 @@
           <a:p>
             <a:r>
               <a:rPr lang="en-US" dirty="0"/>
-              <a:t>The index of moderated mediation tells us whether the moderation of the indirect effect is statistically significant.</a:t>
+              <a:t>Sample size is also important - mediation analyses typically require larger samples than direct effect tests. As a rule of thumb, aim for at least 100-150 participants, though more complex models may require more.</a:t>
             </a:r>
           </a:p>
           <a:p>
@@ -8160,7 +8437,7 @@
           <a:p>
             <a:r>
               <a:rPr lang="en-US" dirty="0"/>
-              <a:t>There are several potential models for moderated mediation, depending on which path is moderated. The moderator might affect the X to M path, the M to Y path, or both paths.</a:t>
+              <a:t>The assumption of normal distribution of indirect effects is often violated, which is why bootstrapping methods are preferred.</a:t>
             </a:r>
           </a:p>
           <a:p>
@@ -8169,11 +8446,8 @@
           <a:p>
             <a:r>
               <a:rPr lang="en-US" dirty="0"/>
-              <a:t>Hayes' PROCESS macro includes templates for testing these different models, making them accessible to researchers without extensive programming knowledge.</a:t>
-            </a:r>
-          </a:p>
-          <a:p>
-            <a:endParaRPr lang="en-US" dirty="0"/>
+              <a:t>Finally, always check for outliers and influential cases that might drive your results.</a:t>
+            </a:r>
           </a:p>
         </p:txBody>
       </p:sp>
@@ -8194,7 +8468,7 @@
           <a:p>
             <a:fld id="{4A677F31-8E3C-4ED2-97DF-DE6C71117425}" type="slidenum">
               <a:rPr lang="en-US" smtClean="0"/>
-              <a:t>16</a:t>
+              <a:t>15</a:t>
             </a:fld>
             <a:endParaRPr lang="en-US"/>
           </a:p>
@@ -8203,7 +8477,7 @@
     </p:spTree>
     <p:extLst>
       <p:ext uri="{BB962C8B-B14F-4D97-AF65-F5344CB8AC3E}">
-        <p14:creationId xmlns:p14="http://schemas.microsoft.com/office/powerpoint/2010/main" val="2937329210"/>
+        <p14:creationId xmlns:p14="http://schemas.microsoft.com/office/powerpoint/2010/main" val="1992172667"/>
       </p:ext>
     </p:extLst>
   </p:cSld>
@@ -8259,7 +8533,7 @@
           <a:p>
             <a:r>
               <a:rPr lang="en-US" dirty="0"/>
-              <a:t>Let's discuss some tools you can use to implement these analyses. For SPSS users, Hayes' PROCESS macro is extremely popular and user-friendly.</a:t>
+              <a:t>There are several common pitfalls in mediation analysis that researchers should be aware of.</a:t>
             </a:r>
           </a:p>
           <a:p>
@@ -8268,23 +8542,25 @@
           <a:p>
             <a:r>
               <a:rPr lang="en-US" dirty="0"/>
-              <a:t>R users have several options, including the </a:t>
-            </a:r>
-            <a:r>
-              <a:rPr lang="en-US" dirty="0" err="1"/>
-              <a:t>lavaan</a:t>
-            </a:r>
+              <a:t>First, many researchers mistakenly infer causality from cross-sectional data. Remember that true mediation implies a causal chain, which is best established through experimental or longitudinal designs.</a:t>
+            </a:r>
+          </a:p>
+          <a:p>
+            <a:endParaRPr lang="en-US" dirty="0"/>
+          </a:p>
+          <a:p>
             <a:r>
               <a:rPr lang="en-US" dirty="0"/>
-              <a:t> package for SEM, the mediation package, and </a:t>
-            </a:r>
-            <a:r>
-              <a:rPr lang="en-US" dirty="0" err="1"/>
-              <a:t>semTools</a:t>
-            </a:r>
+              <a:t>Omitted variable bias occurs when you fail to include important variables that might explain the relationships you're observing.</a:t>
+            </a:r>
+          </a:p>
+          <a:p>
+            <a:endParaRPr lang="en-US" dirty="0"/>
+          </a:p>
+          <a:p>
             <a:r>
               <a:rPr lang="en-US" dirty="0"/>
-              <a:t>.</a:t>
+              <a:t>Reversed causality is another issue - sometimes what you think is Y might actually be causing X (temporal precedence helps a lot with this). </a:t>
             </a:r>
           </a:p>
           <a:p>
@@ -8293,7 +8569,16 @@
           <a:p>
             <a:r>
               <a:rPr lang="en-US" dirty="0"/>
-              <a:t>Lastly, G*Power can help you conduct power analyses to determine appropriate sample sizes for your studies.</a:t>
+              <a:t>In mediation models, third variables (confounders) can distort the mediator-outcome relationship, leading to spurious effects. For example, if a confounder influences both the mediator and the outcome, it can create the illusion that the mediator is responsible for the relationship, when it's actually the confounder at play. To avoid this, control for potential confounders, use longitudinal or experimental designs to establish causality, and perform sensitivity analyses to confirm the robustness of your findings.</a:t>
+            </a:r>
+          </a:p>
+          <a:p>
+            <a:endParaRPr lang="en-US" dirty="0"/>
+          </a:p>
+          <a:p>
+            <a:r>
+              <a:rPr lang="en-US" dirty="0"/>
+              <a:t>Finally, measurement error in your variables can attenuate your observed relationships and lead to biased estimates of mediation effects.</a:t>
             </a:r>
           </a:p>
           <a:p>
@@ -8318,7 +8603,257 @@
           <a:p>
             <a:fld id="{4A677F31-8E3C-4ED2-97DF-DE6C71117425}" type="slidenum">
               <a:rPr lang="en-US" smtClean="0"/>
+              <a:t>16</a:t>
+            </a:fld>
+            <a:endParaRPr lang="en-US"/>
+          </a:p>
+        </p:txBody>
+      </p:sp>
+    </p:spTree>
+    <p:extLst>
+      <p:ext uri="{BB962C8B-B14F-4D97-AF65-F5344CB8AC3E}">
+        <p14:creationId xmlns:p14="http://schemas.microsoft.com/office/powerpoint/2010/main" val="1628279487"/>
+      </p:ext>
+    </p:extLst>
+  </p:cSld>
+  <p:clrMapOvr>
+    <a:masterClrMapping/>
+  </p:clrMapOvr>
+</p:notes>
+</file>
+
+<file path=ppt/notesSlides/notesSlide17.xml><?xml version="1.0" encoding="utf-8"?>
+<p:notes xmlns:a="http://schemas.openxmlformats.org/drawingml/2006/main" xmlns:r="http://schemas.openxmlformats.org/officeDocument/2006/relationships" xmlns:p="http://schemas.openxmlformats.org/presentationml/2006/main">
+  <p:cSld>
+    <p:spTree>
+      <p:nvGrpSpPr>
+        <p:cNvPr id="1" name=""/>
+        <p:cNvGrpSpPr/>
+        <p:nvPr/>
+      </p:nvGrpSpPr>
+      <p:grpSpPr>
+        <a:xfrm>
+          <a:off x="0" y="0"/>
+          <a:ext cx="0" cy="0"/>
+          <a:chOff x="0" y="0"/>
+          <a:chExt cx="0" cy="0"/>
+        </a:xfrm>
+      </p:grpSpPr>
+      <p:sp>
+        <p:nvSpPr>
+          <p:cNvPr id="2" name="Slide Image Placeholder 1"/>
+          <p:cNvSpPr>
+            <a:spLocks noGrp="1" noRot="1" noChangeAspect="1"/>
+          </p:cNvSpPr>
+          <p:nvPr>
+            <p:ph type="sldImg"/>
+          </p:nvPr>
+        </p:nvSpPr>
+        <p:spPr/>
+      </p:sp>
+      <p:sp>
+        <p:nvSpPr>
+          <p:cNvPr id="3" name="Notes Placeholder 2"/>
+          <p:cNvSpPr>
+            <a:spLocks noGrp="1"/>
+          </p:cNvSpPr>
+          <p:nvPr>
+            <p:ph type="body" idx="1"/>
+          </p:nvPr>
+        </p:nvSpPr>
+        <p:spPr/>
+        <p:txBody>
+          <a:bodyPr/>
+          <a:lstStyle/>
+          <a:p>
+            <a:r>
+              <a:rPr lang="en-US" dirty="0"/>
+              <a:t>For those interested in more advanced analyses, moderated mediation combines both concepts we've discussed today. This involves testing whether the strength of an indirect effect depends on the level of a moderator.</a:t>
+            </a:r>
+          </a:p>
+          <a:p>
+            <a:endParaRPr lang="en-US" dirty="0"/>
+          </a:p>
+          <a:p>
+            <a:r>
+              <a:rPr lang="en-US" dirty="0"/>
+              <a:t>We can calculate conditional indirect effects - the strength of the indirect effect at different levels of the moderator.</a:t>
+            </a:r>
+          </a:p>
+          <a:p>
+            <a:endParaRPr lang="en-US" dirty="0"/>
+          </a:p>
+          <a:p>
+            <a:r>
+              <a:rPr lang="en-US" dirty="0"/>
+              <a:t>The index of moderated mediation tells us whether the moderation of the indirect effect is statistically significant.</a:t>
+            </a:r>
+          </a:p>
+          <a:p>
+            <a:endParaRPr lang="en-US" dirty="0"/>
+          </a:p>
+          <a:p>
+            <a:r>
+              <a:rPr lang="en-US" dirty="0"/>
+              <a:t>There are several potential models for moderated mediation, depending on which path is moderated. The moderator might affect the X to M path, the M to Y path, or both paths.</a:t>
+            </a:r>
+          </a:p>
+          <a:p>
+            <a:endParaRPr lang="en-US" dirty="0"/>
+          </a:p>
+          <a:p>
+            <a:r>
+              <a:rPr lang="en-US" dirty="0"/>
+              <a:t>Hayes' PROCESS macro includes templates for testing these different models, making them accessible to researchers without extensive programming knowledge.</a:t>
+            </a:r>
+          </a:p>
+          <a:p>
+            <a:endParaRPr lang="en-US" dirty="0"/>
+          </a:p>
+        </p:txBody>
+      </p:sp>
+      <p:sp>
+        <p:nvSpPr>
+          <p:cNvPr id="4" name="Slide Number Placeholder 3"/>
+          <p:cNvSpPr>
+            <a:spLocks noGrp="1"/>
+          </p:cNvSpPr>
+          <p:nvPr>
+            <p:ph type="sldNum" sz="quarter" idx="5"/>
+          </p:nvPr>
+        </p:nvSpPr>
+        <p:spPr/>
+        <p:txBody>
+          <a:bodyPr/>
+          <a:lstStyle/>
+          <a:p>
+            <a:fld id="{4A677F31-8E3C-4ED2-97DF-DE6C71117425}" type="slidenum">
+              <a:rPr lang="en-US" smtClean="0"/>
               <a:t>17</a:t>
+            </a:fld>
+            <a:endParaRPr lang="en-US"/>
+          </a:p>
+        </p:txBody>
+      </p:sp>
+    </p:spTree>
+    <p:extLst>
+      <p:ext uri="{BB962C8B-B14F-4D97-AF65-F5344CB8AC3E}">
+        <p14:creationId xmlns:p14="http://schemas.microsoft.com/office/powerpoint/2010/main" val="2937329210"/>
+      </p:ext>
+    </p:extLst>
+  </p:cSld>
+  <p:clrMapOvr>
+    <a:masterClrMapping/>
+  </p:clrMapOvr>
+</p:notes>
+</file>
+
+<file path=ppt/notesSlides/notesSlide18.xml><?xml version="1.0" encoding="utf-8"?>
+<p:notes xmlns:a="http://schemas.openxmlformats.org/drawingml/2006/main" xmlns:r="http://schemas.openxmlformats.org/officeDocument/2006/relationships" xmlns:p="http://schemas.openxmlformats.org/presentationml/2006/main">
+  <p:cSld>
+    <p:spTree>
+      <p:nvGrpSpPr>
+        <p:cNvPr id="1" name=""/>
+        <p:cNvGrpSpPr/>
+        <p:nvPr/>
+      </p:nvGrpSpPr>
+      <p:grpSpPr>
+        <a:xfrm>
+          <a:off x="0" y="0"/>
+          <a:ext cx="0" cy="0"/>
+          <a:chOff x="0" y="0"/>
+          <a:chExt cx="0" cy="0"/>
+        </a:xfrm>
+      </p:grpSpPr>
+      <p:sp>
+        <p:nvSpPr>
+          <p:cNvPr id="2" name="Slide Image Placeholder 1"/>
+          <p:cNvSpPr>
+            <a:spLocks noGrp="1" noRot="1" noChangeAspect="1"/>
+          </p:cNvSpPr>
+          <p:nvPr>
+            <p:ph type="sldImg"/>
+          </p:nvPr>
+        </p:nvSpPr>
+        <p:spPr/>
+      </p:sp>
+      <p:sp>
+        <p:nvSpPr>
+          <p:cNvPr id="3" name="Notes Placeholder 2"/>
+          <p:cNvSpPr>
+            <a:spLocks noGrp="1"/>
+          </p:cNvSpPr>
+          <p:nvPr>
+            <p:ph type="body" idx="1"/>
+          </p:nvPr>
+        </p:nvSpPr>
+        <p:spPr/>
+        <p:txBody>
+          <a:bodyPr/>
+          <a:lstStyle/>
+          <a:p>
+            <a:r>
+              <a:rPr lang="en-US" dirty="0"/>
+              <a:t>Let's discuss some tools you can use to implement these analyses. For SPSS users, Hayes' PROCESS macro is extremely popular and user-friendly.</a:t>
+            </a:r>
+          </a:p>
+          <a:p>
+            <a:endParaRPr lang="en-US" dirty="0"/>
+          </a:p>
+          <a:p>
+            <a:r>
+              <a:rPr lang="en-US" dirty="0"/>
+              <a:t>R users have several options, including the </a:t>
+            </a:r>
+            <a:r>
+              <a:rPr lang="en-US" dirty="0" err="1"/>
+              <a:t>lavaan</a:t>
+            </a:r>
+            <a:r>
+              <a:rPr lang="en-US" dirty="0"/>
+              <a:t> package for SEM, the mediation package, and </a:t>
+            </a:r>
+            <a:r>
+              <a:rPr lang="en-US" dirty="0" err="1"/>
+              <a:t>semTools</a:t>
+            </a:r>
+            <a:r>
+              <a:rPr lang="en-US" dirty="0"/>
+              <a:t>.</a:t>
+            </a:r>
+          </a:p>
+          <a:p>
+            <a:endParaRPr lang="en-US" dirty="0"/>
+          </a:p>
+          <a:p>
+            <a:r>
+              <a:rPr lang="en-US" dirty="0"/>
+              <a:t>Lastly, G*Power can help you conduct power analyses to determine appropriate sample sizes for your studies.</a:t>
+            </a:r>
+          </a:p>
+          <a:p>
+            <a:endParaRPr lang="en-US" dirty="0"/>
+          </a:p>
+        </p:txBody>
+      </p:sp>
+      <p:sp>
+        <p:nvSpPr>
+          <p:cNvPr id="4" name="Slide Number Placeholder 3"/>
+          <p:cNvSpPr>
+            <a:spLocks noGrp="1"/>
+          </p:cNvSpPr>
+          <p:nvPr>
+            <p:ph type="sldNum" sz="quarter" idx="5"/>
+          </p:nvPr>
+        </p:nvSpPr>
+        <p:spPr/>
+        <p:txBody>
+          <a:bodyPr/>
+          <a:lstStyle/>
+          <a:p>
+            <a:fld id="{4A677F31-8E3C-4ED2-97DF-DE6C71117425}" type="slidenum">
+              <a:rPr lang="en-US" smtClean="0"/>
+              <a:t>18</a:t>
             </a:fld>
             <a:endParaRPr lang="en-US"/>
           </a:p>
@@ -14025,6 +14560,14 @@
 <file path=ppt/slides/slide10.xml><?xml version="1.0" encoding="utf-8"?>
 <p:sld xmlns:a="http://schemas.openxmlformats.org/drawingml/2006/main" xmlns:r="http://schemas.openxmlformats.org/officeDocument/2006/relationships" xmlns:p="http://schemas.openxmlformats.org/presentationml/2006/main">
   <p:cSld>
+    <p:bg>
+      <p:bgPr>
+        <a:solidFill>
+          <a:schemeClr val="bg1"/>
+        </a:solidFill>
+        <a:effectLst/>
+      </p:bgPr>
+    </p:bg>
     <p:spTree>
       <p:nvGrpSpPr>
         <p:cNvPr id="1" name=""/>
@@ -14039,6 +14582,281 @@
           <a:chExt cx="0" cy="0"/>
         </a:xfrm>
       </p:grpSpPr>
+      <p:sp useBgFill="1">
+        <p:nvSpPr>
+          <p:cNvPr id="14" name="Slide Background">
+            <a:extLst>
+              <a:ext uri="{FF2B5EF4-FFF2-40B4-BE49-F238E27FC236}">
+                <a16:creationId xmlns:a16="http://schemas.microsoft.com/office/drawing/2014/main" id="{9F7D5CDA-D291-4307-BF55-1381FED29634}"/>
+              </a:ext>
+              <a:ext uri="{C183D7F6-B498-43B3-948B-1728B52AA6E4}">
+                <adec:decorative xmlns:adec="http://schemas.microsoft.com/office/drawing/2017/decorative" val="1"/>
+              </a:ext>
+            </a:extLst>
+          </p:cNvPr>
+          <p:cNvSpPr>
+            <a:spLocks noGrp="1" noRot="1" noChangeAspect="1" noMove="1" noResize="1" noEditPoints="1" noAdjustHandles="1" noChangeArrowheads="1" noChangeShapeType="1" noTextEdit="1"/>
+          </p:cNvSpPr>
+          <p:nvPr>
+            <p:extLst>
+              <p:ext uri="{386F3935-93C4-4BCD-93E2-E3B085C9AB24}">
+                <p16:designElem xmlns:p16="http://schemas.microsoft.com/office/powerpoint/2015/main" val="1"/>
+              </p:ext>
+            </p:extLst>
+          </p:nvPr>
+        </p:nvSpPr>
+        <p:spPr>
+          <a:xfrm>
+            <a:off x="0" y="0"/>
+            <a:ext cx="12192000" cy="6858000"/>
+          </a:xfrm>
+          <a:prstGeom prst="rect">
+            <a:avLst/>
+          </a:prstGeom>
+          <a:ln>
+            <a:noFill/>
+          </a:ln>
+        </p:spPr>
+        <p:style>
+          <a:lnRef idx="2">
+            <a:schemeClr val="accent1">
+              <a:shade val="50000"/>
+            </a:schemeClr>
+          </a:lnRef>
+          <a:fillRef idx="1">
+            <a:schemeClr val="accent1"/>
+          </a:fillRef>
+          <a:effectRef idx="0">
+            <a:schemeClr val="accent1"/>
+          </a:effectRef>
+          <a:fontRef idx="minor">
+            <a:schemeClr val="lt1"/>
+          </a:fontRef>
+        </p:style>
+        <p:txBody>
+          <a:bodyPr rtlCol="0" anchor="ctr"/>
+          <a:lstStyle/>
+          <a:p>
+            <a:pPr algn="ctr"/>
+            <a:endParaRPr lang="en-US"/>
+          </a:p>
+        </p:txBody>
+      </p:sp>
+      <p:pic>
+        <p:nvPicPr>
+          <p:cNvPr id="15" name="Picture 14">
+            <a:extLst>
+              <a:ext uri="{FF2B5EF4-FFF2-40B4-BE49-F238E27FC236}">
+                <a16:creationId xmlns:a16="http://schemas.microsoft.com/office/drawing/2014/main" id="{3AC6F006-CC36-B959-BDFE-AAD815FC43D4}"/>
+              </a:ext>
+            </a:extLst>
+          </p:cNvPr>
+          <p:cNvPicPr>
+            <a:picLocks noChangeAspect="1"/>
+          </p:cNvPicPr>
+          <p:nvPr/>
+        </p:nvPicPr>
+        <p:blipFill>
+          <a:blip r:embed="rId3"/>
+          <a:srcRect l="19235" r="23497" b="-1"/>
+          <a:stretch/>
+        </p:blipFill>
+        <p:spPr>
+          <a:xfrm>
+            <a:off x="7120558" y="11555"/>
+            <a:ext cx="6088971" cy="6857990"/>
+          </a:xfrm>
+          <a:prstGeom prst="rect">
+            <a:avLst/>
+          </a:prstGeom>
+        </p:spPr>
+      </p:pic>
+      <p:sp useBgFill="1">
+        <p:nvSpPr>
+          <p:cNvPr id="16" name="Rectangle 15">
+            <a:extLst>
+              <a:ext uri="{FF2B5EF4-FFF2-40B4-BE49-F238E27FC236}">
+                <a16:creationId xmlns:a16="http://schemas.microsoft.com/office/drawing/2014/main" id="{59B296B9-C5A5-4E4F-9B60-C907B5F1466C}"/>
+              </a:ext>
+              <a:ext uri="{C183D7F6-B498-43B3-948B-1728B52AA6E4}">
+                <adec:decorative xmlns:adec="http://schemas.microsoft.com/office/drawing/2017/decorative" val="1"/>
+              </a:ext>
+            </a:extLst>
+          </p:cNvPr>
+          <p:cNvSpPr>
+            <a:spLocks noGrp="1" noRot="1" noChangeAspect="1" noMove="1" noResize="1" noEditPoints="1" noAdjustHandles="1" noChangeArrowheads="1" noChangeShapeType="1" noTextEdit="1"/>
+          </p:cNvSpPr>
+          <p:nvPr>
+            <p:extLst>
+              <p:ext uri="{386F3935-93C4-4BCD-93E2-E3B085C9AB24}">
+                <p16:designElem xmlns:p16="http://schemas.microsoft.com/office/powerpoint/2015/main" val="1"/>
+              </p:ext>
+            </p:extLst>
+          </p:nvPr>
+        </p:nvSpPr>
+        <p:spPr>
+          <a:xfrm>
+            <a:off x="0" y="0"/>
+            <a:ext cx="6103025" cy="6858000"/>
+          </a:xfrm>
+          <a:prstGeom prst="rect">
+            <a:avLst/>
+          </a:prstGeom>
+          <a:ln>
+            <a:noFill/>
+          </a:ln>
+          <a:effectLst>
+            <a:outerShdw blurRad="889000" dist="406400" dir="21540000" sx="90000" sy="90000" algn="t" rotWithShape="0">
+              <a:srgbClr val="000000">
+                <a:alpha val="20000"/>
+              </a:srgbClr>
+            </a:outerShdw>
+          </a:effectLst>
+        </p:spPr>
+        <p:style>
+          <a:lnRef idx="2">
+            <a:schemeClr val="accent1">
+              <a:shade val="50000"/>
+            </a:schemeClr>
+          </a:lnRef>
+          <a:fillRef idx="1">
+            <a:schemeClr val="accent1"/>
+          </a:fillRef>
+          <a:effectRef idx="0">
+            <a:schemeClr val="accent1"/>
+          </a:effectRef>
+          <a:fontRef idx="minor">
+            <a:schemeClr val="lt1"/>
+          </a:fontRef>
+        </p:style>
+        <p:txBody>
+          <a:bodyPr rtlCol="0" anchor="ctr"/>
+          <a:lstStyle/>
+          <a:p>
+            <a:pPr algn="ctr"/>
+            <a:endParaRPr lang="en-US"/>
+          </a:p>
+        </p:txBody>
+      </p:sp>
+      <p:sp useBgFill="1">
+        <p:nvSpPr>
+          <p:cNvPr id="13" name="Rectangle 12">
+            <a:extLst>
+              <a:ext uri="{FF2B5EF4-FFF2-40B4-BE49-F238E27FC236}">
+                <a16:creationId xmlns:a16="http://schemas.microsoft.com/office/drawing/2014/main" id="{D0300FD3-5AF1-6305-15FA-9078072672E2}"/>
+              </a:ext>
+              <a:ext uri="{C183D7F6-B498-43B3-948B-1728B52AA6E4}">
+                <adec:decorative xmlns:adec="http://schemas.microsoft.com/office/drawing/2017/decorative" val="1"/>
+              </a:ext>
+            </a:extLst>
+          </p:cNvPr>
+          <p:cNvSpPr>
+            <a:spLocks noGrp="1" noRot="1" noChangeAspect="1" noMove="1" noResize="1" noEditPoints="1" noAdjustHandles="1" noChangeArrowheads="1" noChangeShapeType="1" noTextEdit="1"/>
+          </p:cNvSpPr>
+          <p:nvPr>
+            <p:extLst>
+              <p:ext uri="{386F3935-93C4-4BCD-93E2-E3B085C9AB24}">
+                <p16:designElem xmlns:p16="http://schemas.microsoft.com/office/powerpoint/2015/main" val="1"/>
+              </p:ext>
+            </p:extLst>
+          </p:nvPr>
+        </p:nvSpPr>
+        <p:spPr>
+          <a:xfrm>
+            <a:off x="0" y="0"/>
+            <a:ext cx="6103025" cy="2285995"/>
+          </a:xfrm>
+          <a:prstGeom prst="rect">
+            <a:avLst/>
+          </a:prstGeom>
+          <a:ln>
+            <a:noFill/>
+          </a:ln>
+          <a:effectLst>
+            <a:outerShdw blurRad="254000" dist="127000" dir="5460000" sx="92000" sy="92000" algn="t" rotWithShape="0">
+              <a:srgbClr val="000000">
+                <a:alpha val="30000"/>
+              </a:srgbClr>
+            </a:outerShdw>
+          </a:effectLst>
+        </p:spPr>
+        <p:style>
+          <a:lnRef idx="2">
+            <a:schemeClr val="accent1">
+              <a:shade val="50000"/>
+            </a:schemeClr>
+          </a:lnRef>
+          <a:fillRef idx="1">
+            <a:schemeClr val="accent1"/>
+          </a:fillRef>
+          <a:effectRef idx="0">
+            <a:schemeClr val="accent1"/>
+          </a:effectRef>
+          <a:fontRef idx="minor">
+            <a:schemeClr val="lt1"/>
+          </a:fontRef>
+        </p:style>
+        <p:txBody>
+          <a:bodyPr rtlCol="0" anchor="ctr"/>
+          <a:lstStyle/>
+          <a:p>
+            <a:pPr algn="ctr"/>
+            <a:endParaRPr lang="en-US"/>
+          </a:p>
+        </p:txBody>
+      </p:sp>
+      <p:sp>
+        <p:nvSpPr>
+          <p:cNvPr id="4" name="Rectangle 3">
+            <a:extLst>
+              <a:ext uri="{FF2B5EF4-FFF2-40B4-BE49-F238E27FC236}">
+                <a16:creationId xmlns:a16="http://schemas.microsoft.com/office/drawing/2014/main" id="{B246B1DA-DD26-E6EC-D326-8C3E10E07586}"/>
+              </a:ext>
+            </a:extLst>
+          </p:cNvPr>
+          <p:cNvSpPr/>
+          <p:nvPr/>
+        </p:nvSpPr>
+        <p:spPr>
+          <a:xfrm>
+            <a:off x="141369" y="-10"/>
+            <a:ext cx="6982703" cy="6858000"/>
+          </a:xfrm>
+          <a:prstGeom prst="rect">
+            <a:avLst/>
+          </a:prstGeom>
+          <a:solidFill>
+            <a:schemeClr val="bg1"/>
+          </a:solidFill>
+          <a:ln>
+            <a:noFill/>
+          </a:ln>
+        </p:spPr>
+        <p:style>
+          <a:lnRef idx="2">
+            <a:schemeClr val="accent1">
+              <a:shade val="15000"/>
+            </a:schemeClr>
+          </a:lnRef>
+          <a:fillRef idx="1">
+            <a:schemeClr val="accent1"/>
+          </a:fillRef>
+          <a:effectRef idx="0">
+            <a:schemeClr val="accent1"/>
+          </a:effectRef>
+          <a:fontRef idx="minor">
+            <a:schemeClr val="lt1"/>
+          </a:fontRef>
+        </p:style>
+        <p:txBody>
+          <a:bodyPr rtlCol="0" anchor="ctr"/>
+          <a:lstStyle/>
+          <a:p>
+            <a:pPr algn="ctr"/>
+            <a:endParaRPr lang="en-US"/>
+          </a:p>
+        </p:txBody>
+      </p:sp>
       <p:sp>
         <p:nvSpPr>
           <p:cNvPr id="2" name="Title 1">
@@ -14055,13 +14873,20 @@
             <p:ph type="title"/>
           </p:nvPr>
         </p:nvSpPr>
-        <p:spPr/>
+        <p:spPr>
+          <a:xfrm>
+            <a:off x="384412" y="328512"/>
+            <a:ext cx="5334199" cy="1628970"/>
+          </a:xfrm>
+        </p:spPr>
         <p:txBody>
-          <a:bodyPr/>
+          <a:bodyPr anchor="ctr">
+            <a:normAutofit/>
+          </a:bodyPr>
           <a:lstStyle/>
           <a:p>
             <a:r>
-              <a:rPr lang="en-US" dirty="0"/>
+              <a:rPr lang="en-US" sz="3700" b="1" dirty="0"/>
               <a:t>Moderation Example PROCESS Macro (SPSS)</a:t>
             </a:r>
           </a:p>
@@ -14083,22 +14908,125 @@
             <p:ph idx="1"/>
           </p:nvPr>
         </p:nvSpPr>
-        <p:spPr/>
+        <p:spPr>
+          <a:xfrm>
+            <a:off x="0" y="3483863"/>
+            <a:ext cx="7120558" cy="3374137"/>
+          </a:xfrm>
+        </p:spPr>
         <p:txBody>
-          <a:bodyPr/>
+          <a:bodyPr anchor="ctr">
+            <a:noAutofit/>
+          </a:bodyPr>
           <a:lstStyle/>
           <a:p>
             <a:r>
-              <a:rPr lang="en-US" dirty="0"/>
-              <a:t>Import </a:t>
-            </a:r>
-            <a:r>
-              <a:rPr lang="en-US"/>
-              <a:t>data_clean.csv into SPSS</a:t>
-            </a:r>
-          </a:p>
-          <a:p>
-            <a:endParaRPr lang="en-US" dirty="0"/>
+              <a:rPr lang="en-US" sz="1900" b="1" dirty="0"/>
+              <a:t>File </a:t>
+            </a:r>
+            <a:r>
+              <a:rPr lang="en-US" sz="2000" b="1" dirty="0"/>
+              <a:t>– </a:t>
+            </a:r>
+            <a:r>
+              <a:rPr lang="en-US" sz="1900" b="1" dirty="0"/>
+              <a:t>Moderation </a:t>
+            </a:r>
+            <a:r>
+              <a:rPr lang="en-US" sz="1900" b="1" dirty="0" err="1"/>
+              <a:t>Syntax.sps</a:t>
+            </a:r>
+            <a:endParaRPr lang="en-US" sz="1900" b="1" dirty="0"/>
+          </a:p>
+          <a:p>
+            <a:r>
+              <a:rPr lang="en-US" sz="1900" b="1" dirty="0"/>
+              <a:t>Import data_clean.csv into SPSS</a:t>
+            </a:r>
+          </a:p>
+          <a:p>
+            <a:r>
+              <a:rPr lang="en-US" sz="1900" b="1" dirty="0"/>
+              <a:t>Data Cleaning </a:t>
+            </a:r>
+            <a:r>
+              <a:rPr lang="en-US" sz="1900" dirty="0"/>
+              <a:t>(lines 1-34)</a:t>
+            </a:r>
+          </a:p>
+          <a:p>
+            <a:r>
+              <a:rPr lang="en-US" sz="1900" b="1" dirty="0"/>
+              <a:t>Exploratory Data Analysis </a:t>
+            </a:r>
+            <a:r>
+              <a:rPr lang="en-US" sz="1900" dirty="0"/>
+              <a:t>(lines 37-60)</a:t>
+            </a:r>
+          </a:p>
+          <a:p>
+            <a:r>
+              <a:rPr lang="en-US" sz="1900" b="1" dirty="0"/>
+              <a:t>Moderation</a:t>
+            </a:r>
+          </a:p>
+          <a:p>
+            <a:pPr lvl="1"/>
+            <a:r>
+              <a:rPr lang="en-US" sz="1900" dirty="0"/>
+              <a:t>Nominal predictor &amp; nominal moderator (point &amp; click)</a:t>
+            </a:r>
+          </a:p>
+          <a:p>
+            <a:pPr lvl="2"/>
+            <a:r>
+              <a:rPr lang="en-US" sz="1900" dirty="0"/>
+              <a:t>Interaction Plot (lines 65-74)</a:t>
+            </a:r>
+          </a:p>
+          <a:p>
+            <a:pPr lvl="1"/>
+            <a:r>
+              <a:rPr lang="en-US" sz="1900" dirty="0"/>
+              <a:t>Continuous predictor &amp; nominal moderator (point &amp; click) </a:t>
+            </a:r>
+          </a:p>
+          <a:p>
+            <a:pPr lvl="2"/>
+            <a:r>
+              <a:rPr lang="en-US" sz="1900" dirty="0"/>
+              <a:t>Mean-centering &amp; Interaction Plot (lines 80-100)</a:t>
+            </a:r>
+          </a:p>
+          <a:p>
+            <a:pPr lvl="1"/>
+            <a:r>
+              <a:rPr lang="en-US" sz="1900" dirty="0"/>
+              <a:t>Continuous predictor &amp; continuous moderator (point &amp; click)</a:t>
+            </a:r>
+          </a:p>
+          <a:p>
+            <a:pPr lvl="2"/>
+            <a:r>
+              <a:rPr lang="en-US" sz="1900" dirty="0"/>
+              <a:t>Mean-centering &amp; Interaction Plot (lines 105-129)</a:t>
+            </a:r>
+          </a:p>
+          <a:p>
+            <a:pPr lvl="1"/>
+            <a:endParaRPr lang="en-US" sz="1900" dirty="0"/>
+          </a:p>
+          <a:p>
+            <a:pPr marL="0" indent="0">
+              <a:buNone/>
+            </a:pPr>
+            <a:br>
+              <a:rPr lang="en-US" sz="1900" dirty="0"/>
+            </a:br>
+            <a:endParaRPr lang="en-US" sz="1900" dirty="0"/>
+          </a:p>
+          <a:p>
+            <a:endParaRPr lang="en-US" sz="1900" b="1" dirty="0"/>
           </a:p>
         </p:txBody>
       </p:sp>
@@ -14134,6 +15062,52 @@
       </p:grpSpPr>
       <p:sp>
         <p:nvSpPr>
+          <p:cNvPr id="4" name="Rectangle 3">
+            <a:extLst>
+              <a:ext uri="{FF2B5EF4-FFF2-40B4-BE49-F238E27FC236}">
+                <a16:creationId xmlns:a16="http://schemas.microsoft.com/office/drawing/2014/main" id="{06FC68D8-BD5A-ABBE-4157-25998CF6F91B}"/>
+              </a:ext>
+            </a:extLst>
+          </p:cNvPr>
+          <p:cNvSpPr/>
+          <p:nvPr/>
+        </p:nvSpPr>
+        <p:spPr>
+          <a:xfrm>
+            <a:off x="-648182" y="-370390"/>
+            <a:ext cx="14236860" cy="1632031"/>
+          </a:xfrm>
+          <a:prstGeom prst="rect">
+            <a:avLst/>
+          </a:prstGeom>
+        </p:spPr>
+        <p:style>
+          <a:lnRef idx="2">
+            <a:schemeClr val="accent1">
+              <a:shade val="15000"/>
+            </a:schemeClr>
+          </a:lnRef>
+          <a:fillRef idx="1">
+            <a:schemeClr val="accent1"/>
+          </a:fillRef>
+          <a:effectRef idx="0">
+            <a:schemeClr val="accent1"/>
+          </a:effectRef>
+          <a:fontRef idx="minor">
+            <a:schemeClr val="lt1"/>
+          </a:fontRef>
+        </p:style>
+        <p:txBody>
+          <a:bodyPr rtlCol="0" anchor="ctr"/>
+          <a:lstStyle/>
+          <a:p>
+            <a:pPr algn="ctr"/>
+            <a:endParaRPr lang="en-US"/>
+          </a:p>
+        </p:txBody>
+      </p:sp>
+      <p:sp>
+        <p:nvSpPr>
           <p:cNvPr id="2" name="Title 1">
             <a:extLst>
               <a:ext uri="{FF2B5EF4-FFF2-40B4-BE49-F238E27FC236}">
@@ -14159,10 +15133,18 @@
           <a:lstStyle/>
           <a:p>
             <a:r>
-              <a:rPr lang="en-US" b="1" dirty="0"/>
+              <a:rPr lang="en-US" b="1" dirty="0">
+                <a:solidFill>
+                  <a:schemeClr val="bg1"/>
+                </a:solidFill>
+              </a:rPr>
               <a:t>Introduction to Mediation</a:t>
             </a:r>
-            <a:endParaRPr lang="en-US" dirty="0"/>
+            <a:endParaRPr lang="en-US" dirty="0">
+              <a:solidFill>
+                <a:schemeClr val="bg1"/>
+              </a:solidFill>
+            </a:endParaRPr>
           </a:p>
         </p:txBody>
       </p:sp>
@@ -14184,7 +15166,7 @@
         </p:nvSpPr>
         <p:spPr>
           <a:xfrm>
-            <a:off x="163286" y="1357539"/>
+            <a:off x="163286" y="1535586"/>
             <a:ext cx="10515600" cy="4351338"/>
           </a:xfrm>
         </p:spPr>
@@ -15049,6 +16031,52 @@
       </p:grpSpPr>
       <p:sp>
         <p:nvSpPr>
+          <p:cNvPr id="28" name="Rectangle 27">
+            <a:extLst>
+              <a:ext uri="{FF2B5EF4-FFF2-40B4-BE49-F238E27FC236}">
+                <a16:creationId xmlns:a16="http://schemas.microsoft.com/office/drawing/2014/main" id="{623694F9-443A-E3C7-3DC1-12DF428A2F5F}"/>
+              </a:ext>
+            </a:extLst>
+          </p:cNvPr>
+          <p:cNvSpPr/>
+          <p:nvPr/>
+        </p:nvSpPr>
+        <p:spPr>
+          <a:xfrm>
+            <a:off x="-648182" y="-370390"/>
+            <a:ext cx="14236860" cy="1632031"/>
+          </a:xfrm>
+          <a:prstGeom prst="rect">
+            <a:avLst/>
+          </a:prstGeom>
+        </p:spPr>
+        <p:style>
+          <a:lnRef idx="2">
+            <a:schemeClr val="accent1">
+              <a:shade val="15000"/>
+            </a:schemeClr>
+          </a:lnRef>
+          <a:fillRef idx="1">
+            <a:schemeClr val="accent1"/>
+          </a:fillRef>
+          <a:effectRef idx="0">
+            <a:schemeClr val="accent1"/>
+          </a:effectRef>
+          <a:fontRef idx="minor">
+            <a:schemeClr val="lt1"/>
+          </a:fontRef>
+        </p:style>
+        <p:txBody>
+          <a:bodyPr rtlCol="0" anchor="ctr"/>
+          <a:lstStyle/>
+          <a:p>
+            <a:pPr algn="ctr"/>
+            <a:endParaRPr lang="en-US"/>
+          </a:p>
+        </p:txBody>
+      </p:sp>
+      <p:sp>
+        <p:nvSpPr>
           <p:cNvPr id="2" name="Title 1">
             <a:extLst>
               <a:ext uri="{FF2B5EF4-FFF2-40B4-BE49-F238E27FC236}">
@@ -15065,7 +16093,7 @@
         </p:nvSpPr>
         <p:spPr>
           <a:xfrm>
-            <a:off x="163286" y="-223751"/>
+            <a:off x="112486" y="13826"/>
             <a:ext cx="10515600" cy="1325563"/>
           </a:xfrm>
         </p:spPr>
@@ -15074,10 +16102,18 @@
           <a:lstStyle/>
           <a:p>
             <a:r>
-              <a:rPr lang="en-US" b="1" dirty="0"/>
-              <a:t>Full or Partial Mediation?</a:t>
-            </a:r>
-            <a:endParaRPr lang="en-US" dirty="0"/>
+              <a:rPr lang="en-US" b="1" dirty="0">
+                <a:solidFill>
+                  <a:schemeClr val="bg1"/>
+                </a:solidFill>
+              </a:rPr>
+              <a:t>Full Mediation</a:t>
+            </a:r>
+            <a:endParaRPr lang="en-US" dirty="0">
+              <a:solidFill>
+                <a:schemeClr val="bg1"/>
+              </a:solidFill>
+            </a:endParaRPr>
           </a:p>
         </p:txBody>
       </p:sp>
@@ -15099,90 +16135,58 @@
         </p:nvSpPr>
         <p:spPr>
           <a:xfrm>
-            <a:off x="163286" y="940974"/>
-            <a:ext cx="7211346" cy="4351338"/>
+            <a:off x="1817258" y="1530646"/>
+            <a:ext cx="8557484" cy="1909921"/>
           </a:xfrm>
         </p:spPr>
         <p:txBody>
-          <a:bodyPr/>
+          <a:bodyPr>
+            <a:normAutofit/>
+          </a:bodyPr>
           <a:lstStyle/>
           <a:p>
-            <a:r>
-              <a:rPr lang="en-US" b="1" dirty="0"/>
-              <a:t>Direct Effect </a:t>
-            </a:r>
+            <a:pPr marL="0" indent="0" algn="ctr">
+              <a:buNone/>
+            </a:pPr>
             <a:r>
               <a:rPr lang="en-US" dirty="0"/>
-              <a:t>= c’</a:t>
-            </a:r>
-          </a:p>
-          <a:p>
-            <a:r>
-              <a:rPr lang="en-US" b="1" dirty="0"/>
-              <a:t>Indirect Effect </a:t>
-            </a:r>
-            <a:r>
+              <a:t>Indirect Effect (a*b) is significant </a:t>
+            </a:r>
+            <a:br>
               <a:rPr lang="en-US" dirty="0"/>
-              <a:t>= a*b</a:t>
-            </a:r>
-          </a:p>
-          <a:p>
-            <a:r>
-              <a:rPr lang="en-US" b="1" dirty="0"/>
-              <a:t>Total Effect </a:t>
+            </a:br>
+            <a:r>
+              <a:rPr lang="en-US" b="1" u="sng" dirty="0"/>
+              <a:t>AND</a:t>
             </a:r>
             <a:r>
               <a:rPr lang="en-US" dirty="0"/>
-              <a:t>= c = (a*b) + c’</a:t>
-            </a:r>
-          </a:p>
-          <a:p>
-            <a:endParaRPr lang="en-US" dirty="0"/>
-          </a:p>
-          <a:p>
-            <a:endParaRPr lang="en-US" dirty="0"/>
-          </a:p>
-          <a:p>
-            <a:r>
-              <a:rPr lang="en-US" b="1" dirty="0"/>
-              <a:t>Full Mediation: </a:t>
-            </a:r>
-          </a:p>
-          <a:p>
-            <a:pPr lvl="1"/>
+              <a:t> </a:t>
+            </a:r>
+          </a:p>
+          <a:p>
+            <a:pPr marL="0" indent="0" algn="ctr">
+              <a:buNone/>
+            </a:pPr>
             <a:r>
               <a:rPr lang="en-US" dirty="0"/>
-              <a:t>(a*b) is sig. AND c’ is non-sig. when M is added</a:t>
-            </a:r>
-          </a:p>
-          <a:p>
-            <a:r>
-              <a:rPr lang="en-US" b="1" dirty="0"/>
-              <a:t>Partial Mediation:</a:t>
-            </a:r>
-          </a:p>
-          <a:p>
-            <a:pPr lvl="1"/>
-            <a:r>
-              <a:rPr lang="en-US" dirty="0"/>
-              <a:t>(a*b) is sig. BUT c’ remains sig. when M is added</a:t>
-            </a:r>
-          </a:p>
-          <a:p>
-            <a:pPr lvl="1"/>
-            <a:endParaRPr lang="en-US" b="1" dirty="0"/>
-          </a:p>
-          <a:p>
+              <a:t>Direct Effect (c’) is non-sig. when M is added</a:t>
+            </a:r>
+          </a:p>
+          <a:p>
+            <a:pPr marL="0" indent="0">
+              <a:buNone/>
+            </a:pPr>
             <a:endParaRPr lang="en-US" dirty="0"/>
           </a:p>
         </p:txBody>
       </p:sp>
       <p:grpSp>
         <p:nvGrpSpPr>
-          <p:cNvPr id="20" name="Group 19">
+          <p:cNvPr id="9" name="Group 8">
             <a:extLst>
               <a:ext uri="{FF2B5EF4-FFF2-40B4-BE49-F238E27FC236}">
-                <a16:creationId xmlns:a16="http://schemas.microsoft.com/office/drawing/2014/main" id="{6C5E399F-FAF3-5327-DFD7-D5A6E59448D6}"/>
+                <a16:creationId xmlns:a16="http://schemas.microsoft.com/office/drawing/2014/main" id="{23FB522C-61B0-D628-322B-090341B0DA3F}"/>
               </a:ext>
             </a:extLst>
           </p:cNvPr>
@@ -15191,447 +16195,434 @@
         </p:nvGrpSpPr>
         <p:grpSpPr>
           <a:xfrm>
-            <a:off x="6083732" y="493296"/>
-            <a:ext cx="5886054" cy="2935704"/>
-            <a:chOff x="4993105" y="3429000"/>
+            <a:off x="2588157" y="3252629"/>
+            <a:ext cx="7015686" cy="3390900"/>
+            <a:chOff x="5421086" y="1547396"/>
             <a:chExt cx="5886054" cy="2935704"/>
           </a:xfrm>
         </p:grpSpPr>
-        <p:sp>
-          <p:nvSpPr>
-            <p:cNvPr id="5" name="Rectangle 4">
+        <p:grpSp>
+          <p:nvGrpSpPr>
+            <p:cNvPr id="10" name="Group 9">
               <a:extLst>
                 <a:ext uri="{FF2B5EF4-FFF2-40B4-BE49-F238E27FC236}">
-                  <a16:creationId xmlns:a16="http://schemas.microsoft.com/office/drawing/2014/main" id="{E63D1431-6D25-8FB2-FAA5-FE006A8E3548}"/>
+                  <a16:creationId xmlns:a16="http://schemas.microsoft.com/office/drawing/2014/main" id="{091F2295-DD51-BCD1-4606-C5F826882F25}"/>
                 </a:ext>
               </a:extLst>
             </p:cNvPr>
-            <p:cNvSpPr/>
+            <p:cNvGrpSpPr/>
+            <p:nvPr/>
+          </p:nvGrpSpPr>
+          <p:grpSpPr>
+            <a:xfrm>
+              <a:off x="5421086" y="1547396"/>
+              <a:ext cx="5886054" cy="2935704"/>
+              <a:chOff x="4993105" y="3429000"/>
+              <a:chExt cx="5886054" cy="2935704"/>
+            </a:xfrm>
+          </p:grpSpPr>
+          <p:sp>
+            <p:nvSpPr>
+              <p:cNvPr id="16" name="Rectangle 15">
+                <a:extLst>
+                  <a:ext uri="{FF2B5EF4-FFF2-40B4-BE49-F238E27FC236}">
+                    <a16:creationId xmlns:a16="http://schemas.microsoft.com/office/drawing/2014/main" id="{9022324D-705F-425E-26A8-14D31E125CDB}"/>
+                  </a:ext>
+                </a:extLst>
+              </p:cNvPr>
+              <p:cNvSpPr/>
+              <p:nvPr/>
+            </p:nvSpPr>
+            <p:spPr>
+              <a:xfrm>
+                <a:off x="4993105" y="5356887"/>
+                <a:ext cx="1962018" cy="1007817"/>
+              </a:xfrm>
+              <a:prstGeom prst="rect">
+                <a:avLst/>
+              </a:prstGeom>
+            </p:spPr>
+            <p:style>
+              <a:lnRef idx="2">
+                <a:schemeClr val="accent1">
+                  <a:shade val="15000"/>
+                </a:schemeClr>
+              </a:lnRef>
+              <a:fillRef idx="1">
+                <a:schemeClr val="accent1"/>
+              </a:fillRef>
+              <a:effectRef idx="0">
+                <a:schemeClr val="accent1"/>
+              </a:effectRef>
+              <a:fontRef idx="minor">
+                <a:schemeClr val="lt1"/>
+              </a:fontRef>
+            </p:style>
+            <p:txBody>
+              <a:bodyPr rtlCol="0" anchor="ctr"/>
+              <a:lstStyle/>
+              <a:p>
+                <a:pPr algn="ctr"/>
+                <a:r>
+                  <a:rPr lang="en-US" dirty="0"/>
+                  <a:t>Social Media Use (X)</a:t>
+                </a:r>
+              </a:p>
+            </p:txBody>
+          </p:sp>
+          <p:sp>
+            <p:nvSpPr>
+              <p:cNvPr id="18" name="Rectangle 17">
+                <a:extLst>
+                  <a:ext uri="{FF2B5EF4-FFF2-40B4-BE49-F238E27FC236}">
+                    <a16:creationId xmlns:a16="http://schemas.microsoft.com/office/drawing/2014/main" id="{594BA135-0732-D0F9-B1D0-92496C9FCBA0}"/>
+                  </a:ext>
+                </a:extLst>
+              </p:cNvPr>
+              <p:cNvSpPr/>
+              <p:nvPr/>
+            </p:nvSpPr>
+            <p:spPr>
+              <a:xfrm>
+                <a:off x="8917141" y="5356887"/>
+                <a:ext cx="1962018" cy="1007817"/>
+              </a:xfrm>
+              <a:prstGeom prst="rect">
+                <a:avLst/>
+              </a:prstGeom>
+            </p:spPr>
+            <p:style>
+              <a:lnRef idx="2">
+                <a:schemeClr val="accent1">
+                  <a:shade val="15000"/>
+                </a:schemeClr>
+              </a:lnRef>
+              <a:fillRef idx="1">
+                <a:schemeClr val="accent1"/>
+              </a:fillRef>
+              <a:effectRef idx="0">
+                <a:schemeClr val="accent1"/>
+              </a:effectRef>
+              <a:fontRef idx="minor">
+                <a:schemeClr val="lt1"/>
+              </a:fontRef>
+            </p:style>
+            <p:txBody>
+              <a:bodyPr rtlCol="0" anchor="ctr"/>
+              <a:lstStyle/>
+              <a:p>
+                <a:pPr algn="ctr"/>
+                <a:r>
+                  <a:rPr lang="en-US" dirty="0"/>
+                  <a:t>Academic Performance (Y)</a:t>
+                </a:r>
+              </a:p>
+            </p:txBody>
+          </p:sp>
+          <p:cxnSp>
+            <p:nvCxnSpPr>
+              <p:cNvPr id="19" name="Straight Arrow Connector 18">
+                <a:extLst>
+                  <a:ext uri="{FF2B5EF4-FFF2-40B4-BE49-F238E27FC236}">
+                    <a16:creationId xmlns:a16="http://schemas.microsoft.com/office/drawing/2014/main" id="{2BECDB10-0379-A4B1-7287-272222541080}"/>
+                  </a:ext>
+                </a:extLst>
+              </p:cNvPr>
+              <p:cNvCxnSpPr>
+                <a:cxnSpLocks/>
+                <a:stCxn id="16" idx="3"/>
+                <a:endCxn id="18" idx="1"/>
+              </p:cNvCxnSpPr>
+              <p:nvPr/>
+            </p:nvCxnSpPr>
+            <p:spPr>
+              <a:xfrm>
+                <a:off x="6955123" y="5860796"/>
+                <a:ext cx="1962018" cy="0"/>
+              </a:xfrm>
+              <a:prstGeom prst="straightConnector1">
+                <a:avLst/>
+              </a:prstGeom>
+              <a:ln w="19050" cap="flat" cmpd="sng" algn="ctr">
+                <a:solidFill>
+                  <a:schemeClr val="dk1"/>
+                </a:solidFill>
+                <a:prstDash val="solid"/>
+                <a:round/>
+                <a:headEnd type="none" w="med" len="med"/>
+                <a:tailEnd type="arrow" w="med" len="med"/>
+              </a:ln>
+            </p:spPr>
+            <p:style>
+              <a:lnRef idx="0">
+                <a:scrgbClr r="0" g="0" b="0"/>
+              </a:lnRef>
+              <a:fillRef idx="0">
+                <a:scrgbClr r="0" g="0" b="0"/>
+              </a:fillRef>
+              <a:effectRef idx="0">
+                <a:scrgbClr r="0" g="0" b="0"/>
+              </a:effectRef>
+              <a:fontRef idx="minor">
+                <a:schemeClr val="tx1"/>
+              </a:fontRef>
+            </p:style>
+          </p:cxnSp>
+          <p:sp>
+            <p:nvSpPr>
+              <p:cNvPr id="25" name="Rectangle 24">
+                <a:extLst>
+                  <a:ext uri="{FF2B5EF4-FFF2-40B4-BE49-F238E27FC236}">
+                    <a16:creationId xmlns:a16="http://schemas.microsoft.com/office/drawing/2014/main" id="{E9472A8D-7B64-96D4-79D7-960948692843}"/>
+                  </a:ext>
+                </a:extLst>
+              </p:cNvPr>
+              <p:cNvSpPr/>
+              <p:nvPr/>
+            </p:nvSpPr>
+            <p:spPr>
+              <a:xfrm>
+                <a:off x="6955123" y="3429000"/>
+                <a:ext cx="1962018" cy="1007817"/>
+              </a:xfrm>
+              <a:prstGeom prst="rect">
+                <a:avLst/>
+              </a:prstGeom>
+            </p:spPr>
+            <p:style>
+              <a:lnRef idx="2">
+                <a:schemeClr val="accent1">
+                  <a:shade val="15000"/>
+                </a:schemeClr>
+              </a:lnRef>
+              <a:fillRef idx="1">
+                <a:schemeClr val="accent1"/>
+              </a:fillRef>
+              <a:effectRef idx="0">
+                <a:schemeClr val="accent1"/>
+              </a:effectRef>
+              <a:fontRef idx="minor">
+                <a:schemeClr val="lt1"/>
+              </a:fontRef>
+            </p:style>
+            <p:txBody>
+              <a:bodyPr rtlCol="0" anchor="ctr"/>
+              <a:lstStyle/>
+              <a:p>
+                <a:pPr algn="ctr"/>
+                <a:r>
+                  <a:rPr lang="en-US" dirty="0"/>
+                  <a:t>Sleep Quality (M)</a:t>
+                </a:r>
+              </a:p>
+            </p:txBody>
+          </p:sp>
+          <p:cxnSp>
+            <p:nvCxnSpPr>
+              <p:cNvPr id="26" name="Straight Arrow Connector 25">
+                <a:extLst>
+                  <a:ext uri="{FF2B5EF4-FFF2-40B4-BE49-F238E27FC236}">
+                    <a16:creationId xmlns:a16="http://schemas.microsoft.com/office/drawing/2014/main" id="{79EAA7EB-41DF-BE3A-58C1-C64C8A947CA1}"/>
+                  </a:ext>
+                </a:extLst>
+              </p:cNvPr>
+              <p:cNvCxnSpPr>
+                <a:cxnSpLocks/>
+                <a:stCxn id="16" idx="0"/>
+                <a:endCxn id="25" idx="1"/>
+              </p:cNvCxnSpPr>
+              <p:nvPr/>
+            </p:nvCxnSpPr>
+            <p:spPr>
+              <a:xfrm flipV="1">
+                <a:off x="5974114" y="3932909"/>
+                <a:ext cx="981009" cy="1423978"/>
+              </a:xfrm>
+              <a:prstGeom prst="straightConnector1">
+                <a:avLst/>
+              </a:prstGeom>
+              <a:ln w="19050" cap="flat" cmpd="sng" algn="ctr">
+                <a:solidFill>
+                  <a:schemeClr val="dk1"/>
+                </a:solidFill>
+                <a:prstDash val="solid"/>
+                <a:round/>
+                <a:headEnd type="none" w="med" len="med"/>
+                <a:tailEnd type="arrow" w="med" len="med"/>
+              </a:ln>
+            </p:spPr>
+            <p:style>
+              <a:lnRef idx="0">
+                <a:scrgbClr r="0" g="0" b="0"/>
+              </a:lnRef>
+              <a:fillRef idx="0">
+                <a:scrgbClr r="0" g="0" b="0"/>
+              </a:fillRef>
+              <a:effectRef idx="0">
+                <a:scrgbClr r="0" g="0" b="0"/>
+              </a:effectRef>
+              <a:fontRef idx="minor">
+                <a:schemeClr val="tx1"/>
+              </a:fontRef>
+            </p:style>
+          </p:cxnSp>
+          <p:cxnSp>
+            <p:nvCxnSpPr>
+              <p:cNvPr id="27" name="Straight Arrow Connector 26">
+                <a:extLst>
+                  <a:ext uri="{FF2B5EF4-FFF2-40B4-BE49-F238E27FC236}">
+                    <a16:creationId xmlns:a16="http://schemas.microsoft.com/office/drawing/2014/main" id="{93B788A1-65D9-FB20-806A-B4B81E76E4FF}"/>
+                  </a:ext>
+                </a:extLst>
+              </p:cNvPr>
+              <p:cNvCxnSpPr>
+                <a:cxnSpLocks/>
+                <a:stCxn id="25" idx="3"/>
+                <a:endCxn id="18" idx="0"/>
+              </p:cNvCxnSpPr>
+              <p:nvPr/>
+            </p:nvCxnSpPr>
+            <p:spPr>
+              <a:xfrm>
+                <a:off x="8917141" y="3932909"/>
+                <a:ext cx="981009" cy="1423978"/>
+              </a:xfrm>
+              <a:prstGeom prst="straightConnector1">
+                <a:avLst/>
+              </a:prstGeom>
+              <a:ln w="19050" cap="flat" cmpd="sng" algn="ctr">
+                <a:solidFill>
+                  <a:schemeClr val="dk1"/>
+                </a:solidFill>
+                <a:prstDash val="solid"/>
+                <a:round/>
+                <a:headEnd type="none" w="med" len="med"/>
+                <a:tailEnd type="arrow" w="med" len="med"/>
+              </a:ln>
+            </p:spPr>
+            <p:style>
+              <a:lnRef idx="0">
+                <a:scrgbClr r="0" g="0" b="0"/>
+              </a:lnRef>
+              <a:fillRef idx="0">
+                <a:scrgbClr r="0" g="0" b="0"/>
+              </a:fillRef>
+              <a:effectRef idx="0">
+                <a:scrgbClr r="0" g="0" b="0"/>
+              </a:effectRef>
+              <a:fontRef idx="minor">
+                <a:schemeClr val="tx1"/>
+              </a:fontRef>
+            </p:style>
+          </p:cxnSp>
+        </p:grpSp>
+        <p:sp>
+          <p:nvSpPr>
+            <p:cNvPr id="11" name="TextBox 10">
+              <a:extLst>
+                <a:ext uri="{FF2B5EF4-FFF2-40B4-BE49-F238E27FC236}">
+                  <a16:creationId xmlns:a16="http://schemas.microsoft.com/office/drawing/2014/main" id="{151F9E62-AF00-E145-09C9-A4EF993E171D}"/>
+                </a:ext>
+              </a:extLst>
+            </p:cNvPr>
+            <p:cNvSpPr txBox="1"/>
             <p:nvPr/>
           </p:nvSpPr>
           <p:spPr>
             <a:xfrm>
-              <a:off x="4993105" y="5356887"/>
-              <a:ext cx="1962018" cy="1007817"/>
+              <a:off x="6575864" y="2467466"/>
+              <a:ext cx="349942" cy="319753"/>
             </a:xfrm>
             <a:prstGeom prst="rect">
               <a:avLst/>
             </a:prstGeom>
+            <a:noFill/>
           </p:spPr>
-          <p:style>
-            <a:lnRef idx="2">
-              <a:schemeClr val="accent1">
-                <a:shade val="15000"/>
-              </a:schemeClr>
-            </a:lnRef>
-            <a:fillRef idx="1">
-              <a:schemeClr val="accent1"/>
-            </a:fillRef>
-            <a:effectRef idx="0">
-              <a:schemeClr val="accent1"/>
-            </a:effectRef>
-            <a:fontRef idx="minor">
-              <a:schemeClr val="lt1"/>
-            </a:fontRef>
-          </p:style>
           <p:txBody>
-            <a:bodyPr rtlCol="0" anchor="ctr"/>
+            <a:bodyPr wrap="none" rtlCol="0">
+              <a:spAutoFit/>
+            </a:bodyPr>
             <a:lstStyle/>
             <a:p>
-              <a:pPr algn="ctr"/>
               <a:r>
-                <a:rPr lang="en-US" dirty="0"/>
-                <a:t>Social Media Use (X)</a:t>
+                <a:rPr lang="en-US" b="1" dirty="0"/>
+                <a:t>a*</a:t>
               </a:r>
             </a:p>
           </p:txBody>
         </p:sp>
         <p:sp>
           <p:nvSpPr>
-            <p:cNvPr id="6" name="Rectangle 5">
+            <p:cNvPr id="13" name="TextBox 12">
               <a:extLst>
                 <a:ext uri="{FF2B5EF4-FFF2-40B4-BE49-F238E27FC236}">
-                  <a16:creationId xmlns:a16="http://schemas.microsoft.com/office/drawing/2014/main" id="{1BBDF0C9-216E-BBB2-6045-F171ADDE1C4A}"/>
+                  <a16:creationId xmlns:a16="http://schemas.microsoft.com/office/drawing/2014/main" id="{91FDEE5D-7C04-84AE-22CA-C4A2D04390CD}"/>
                 </a:ext>
               </a:extLst>
             </p:cNvPr>
-            <p:cNvSpPr/>
+            <p:cNvSpPr txBox="1"/>
             <p:nvPr/>
           </p:nvSpPr>
           <p:spPr>
             <a:xfrm>
-              <a:off x="8917141" y="5356887"/>
-              <a:ext cx="1962018" cy="1007817"/>
+              <a:off x="9850681" y="2461250"/>
+              <a:ext cx="356666" cy="319753"/>
             </a:xfrm>
             <a:prstGeom prst="rect">
               <a:avLst/>
             </a:prstGeom>
+            <a:noFill/>
           </p:spPr>
-          <p:style>
-            <a:lnRef idx="2">
-              <a:schemeClr val="accent1">
-                <a:shade val="15000"/>
-              </a:schemeClr>
-            </a:lnRef>
-            <a:fillRef idx="1">
-              <a:schemeClr val="accent1"/>
-            </a:fillRef>
-            <a:effectRef idx="0">
-              <a:schemeClr val="accent1"/>
-            </a:effectRef>
-            <a:fontRef idx="minor">
-              <a:schemeClr val="lt1"/>
-            </a:fontRef>
-          </p:style>
           <p:txBody>
-            <a:bodyPr rtlCol="0" anchor="ctr"/>
+            <a:bodyPr wrap="none" rtlCol="0">
+              <a:spAutoFit/>
+            </a:bodyPr>
+            <a:lstStyle/>
+            <a:p>
+              <a:r>
+                <a:rPr lang="en-US" b="1" dirty="0"/>
+                <a:t>b*</a:t>
+              </a:r>
+            </a:p>
+          </p:txBody>
+        </p:sp>
+        <p:sp>
+          <p:nvSpPr>
+            <p:cNvPr id="15" name="TextBox 14">
+              <a:extLst>
+                <a:ext uri="{FF2B5EF4-FFF2-40B4-BE49-F238E27FC236}">
+                  <a16:creationId xmlns:a16="http://schemas.microsoft.com/office/drawing/2014/main" id="{07D7CB43-5F3F-AEE9-BE72-C23BFB2BEF80}"/>
+                </a:ext>
+              </a:extLst>
+            </p:cNvPr>
+            <p:cNvSpPr txBox="1"/>
+            <p:nvPr/>
+          </p:nvSpPr>
+          <p:spPr>
+            <a:xfrm>
+              <a:off x="8029210" y="3979192"/>
+              <a:ext cx="669807" cy="319753"/>
+            </a:xfrm>
+            <a:prstGeom prst="rect">
+              <a:avLst/>
+            </a:prstGeom>
+            <a:noFill/>
+          </p:spPr>
+          <p:txBody>
+            <a:bodyPr wrap="square" rtlCol="0">
+              <a:spAutoFit/>
+            </a:bodyPr>
             <a:lstStyle/>
             <a:p>
               <a:pPr algn="ctr"/>
               <a:r>
                 <a:rPr lang="en-US" dirty="0"/>
-                <a:t>Academic Performance (Y)</a:t>
+                <a:t>c’</a:t>
               </a:r>
             </a:p>
           </p:txBody>
         </p:sp>
-        <p:cxnSp>
-          <p:nvCxnSpPr>
-            <p:cNvPr id="8" name="Straight Arrow Connector 7">
-              <a:extLst>
-                <a:ext uri="{FF2B5EF4-FFF2-40B4-BE49-F238E27FC236}">
-                  <a16:creationId xmlns:a16="http://schemas.microsoft.com/office/drawing/2014/main" id="{9134AD61-04A1-5805-307F-5F147F02D864}"/>
-                </a:ext>
-              </a:extLst>
-            </p:cNvPr>
-            <p:cNvCxnSpPr>
-              <a:cxnSpLocks/>
-              <a:stCxn id="5" idx="3"/>
-              <a:endCxn id="6" idx="1"/>
-            </p:cNvCxnSpPr>
-            <p:nvPr/>
-          </p:nvCxnSpPr>
-          <p:spPr>
-            <a:xfrm>
-              <a:off x="6955123" y="5860796"/>
-              <a:ext cx="1962018" cy="0"/>
-            </a:xfrm>
-            <a:prstGeom prst="straightConnector1">
-              <a:avLst/>
-            </a:prstGeom>
-            <a:ln w="19050" cap="flat" cmpd="sng" algn="ctr">
-              <a:solidFill>
-                <a:schemeClr val="dk1"/>
-              </a:solidFill>
-              <a:prstDash val="solid"/>
-              <a:round/>
-              <a:headEnd type="none" w="med" len="med"/>
-              <a:tailEnd type="arrow" w="med" len="med"/>
-            </a:ln>
-          </p:spPr>
-          <p:style>
-            <a:lnRef idx="0">
-              <a:scrgbClr r="0" g="0" b="0"/>
-            </a:lnRef>
-            <a:fillRef idx="0">
-              <a:scrgbClr r="0" g="0" b="0"/>
-            </a:fillRef>
-            <a:effectRef idx="0">
-              <a:scrgbClr r="0" g="0" b="0"/>
-            </a:effectRef>
-            <a:fontRef idx="minor">
-              <a:schemeClr val="tx1"/>
-            </a:fontRef>
-          </p:style>
-        </p:cxnSp>
-        <p:sp>
-          <p:nvSpPr>
-            <p:cNvPr id="12" name="Rectangle 11">
-              <a:extLst>
-                <a:ext uri="{FF2B5EF4-FFF2-40B4-BE49-F238E27FC236}">
-                  <a16:creationId xmlns:a16="http://schemas.microsoft.com/office/drawing/2014/main" id="{1971BB7D-660F-A023-807B-B4E1533C698F}"/>
-                </a:ext>
-              </a:extLst>
-            </p:cNvPr>
-            <p:cNvSpPr/>
-            <p:nvPr/>
-          </p:nvSpPr>
-          <p:spPr>
-            <a:xfrm>
-              <a:off x="6955123" y="3429000"/>
-              <a:ext cx="1962018" cy="1007817"/>
-            </a:xfrm>
-            <a:prstGeom prst="rect">
-              <a:avLst/>
-            </a:prstGeom>
-          </p:spPr>
-          <p:style>
-            <a:lnRef idx="2">
-              <a:schemeClr val="accent1">
-                <a:shade val="15000"/>
-              </a:schemeClr>
-            </a:lnRef>
-            <a:fillRef idx="1">
-              <a:schemeClr val="accent1"/>
-            </a:fillRef>
-            <a:effectRef idx="0">
-              <a:schemeClr val="accent1"/>
-            </a:effectRef>
-            <a:fontRef idx="minor">
-              <a:schemeClr val="lt1"/>
-            </a:fontRef>
-          </p:style>
-          <p:txBody>
-            <a:bodyPr rtlCol="0" anchor="ctr"/>
-            <a:lstStyle/>
-            <a:p>
-              <a:pPr algn="ctr"/>
-              <a:r>
-                <a:rPr lang="en-US" dirty="0"/>
-                <a:t>Sleep Quality (M)</a:t>
-              </a:r>
-            </a:p>
-          </p:txBody>
-        </p:sp>
-        <p:cxnSp>
-          <p:nvCxnSpPr>
-            <p:cNvPr id="14" name="Straight Arrow Connector 13">
-              <a:extLst>
-                <a:ext uri="{FF2B5EF4-FFF2-40B4-BE49-F238E27FC236}">
-                  <a16:creationId xmlns:a16="http://schemas.microsoft.com/office/drawing/2014/main" id="{992485D8-9420-51C3-29A9-15D6BE098E56}"/>
-                </a:ext>
-              </a:extLst>
-            </p:cNvPr>
-            <p:cNvCxnSpPr>
-              <a:cxnSpLocks/>
-              <a:stCxn id="5" idx="0"/>
-              <a:endCxn id="12" idx="1"/>
-            </p:cNvCxnSpPr>
-            <p:nvPr/>
-          </p:nvCxnSpPr>
-          <p:spPr>
-            <a:xfrm flipV="1">
-              <a:off x="5974114" y="3932909"/>
-              <a:ext cx="981009" cy="1423978"/>
-            </a:xfrm>
-            <a:prstGeom prst="straightConnector1">
-              <a:avLst/>
-            </a:prstGeom>
-            <a:ln w="19050" cap="flat" cmpd="sng" algn="ctr">
-              <a:solidFill>
-                <a:schemeClr val="dk1"/>
-              </a:solidFill>
-              <a:prstDash val="solid"/>
-              <a:round/>
-              <a:headEnd type="none" w="med" len="med"/>
-              <a:tailEnd type="arrow" w="med" len="med"/>
-            </a:ln>
-          </p:spPr>
-          <p:style>
-            <a:lnRef idx="0">
-              <a:scrgbClr r="0" g="0" b="0"/>
-            </a:lnRef>
-            <a:fillRef idx="0">
-              <a:scrgbClr r="0" g="0" b="0"/>
-            </a:fillRef>
-            <a:effectRef idx="0">
-              <a:scrgbClr r="0" g="0" b="0"/>
-            </a:effectRef>
-            <a:fontRef idx="minor">
-              <a:schemeClr val="tx1"/>
-            </a:fontRef>
-          </p:style>
-        </p:cxnSp>
-        <p:cxnSp>
-          <p:nvCxnSpPr>
-            <p:cNvPr id="17" name="Straight Arrow Connector 16">
-              <a:extLst>
-                <a:ext uri="{FF2B5EF4-FFF2-40B4-BE49-F238E27FC236}">
-                  <a16:creationId xmlns:a16="http://schemas.microsoft.com/office/drawing/2014/main" id="{2959BF34-F4C6-BC4B-5122-578B47E38D94}"/>
-                </a:ext>
-              </a:extLst>
-            </p:cNvPr>
-            <p:cNvCxnSpPr>
-              <a:cxnSpLocks/>
-              <a:stCxn id="12" idx="3"/>
-              <a:endCxn id="6" idx="0"/>
-            </p:cNvCxnSpPr>
-            <p:nvPr/>
-          </p:nvCxnSpPr>
-          <p:spPr>
-            <a:xfrm>
-              <a:off x="8917141" y="3932909"/>
-              <a:ext cx="981009" cy="1423978"/>
-            </a:xfrm>
-            <a:prstGeom prst="straightConnector1">
-              <a:avLst/>
-            </a:prstGeom>
-            <a:ln w="19050" cap="flat" cmpd="sng" algn="ctr">
-              <a:solidFill>
-                <a:schemeClr val="dk1"/>
-              </a:solidFill>
-              <a:prstDash val="solid"/>
-              <a:round/>
-              <a:headEnd type="none" w="med" len="med"/>
-              <a:tailEnd type="arrow" w="med" len="med"/>
-            </a:ln>
-          </p:spPr>
-          <p:style>
-            <a:lnRef idx="0">
-              <a:scrgbClr r="0" g="0" b="0"/>
-            </a:lnRef>
-            <a:fillRef idx="0">
-              <a:scrgbClr r="0" g="0" b="0"/>
-            </a:fillRef>
-            <a:effectRef idx="0">
-              <a:scrgbClr r="0" g="0" b="0"/>
-            </a:effectRef>
-            <a:fontRef idx="minor">
-              <a:schemeClr val="tx1"/>
-            </a:fontRef>
-          </p:style>
-        </p:cxnSp>
       </p:grpSp>
-      <p:sp>
-        <p:nvSpPr>
-          <p:cNvPr id="21" name="TextBox 20">
-            <a:extLst>
-              <a:ext uri="{FF2B5EF4-FFF2-40B4-BE49-F238E27FC236}">
-                <a16:creationId xmlns:a16="http://schemas.microsoft.com/office/drawing/2014/main" id="{09DB7CF4-9191-A730-E034-BA6332B9CC35}"/>
-              </a:ext>
-            </a:extLst>
-          </p:cNvPr>
-          <p:cNvSpPr txBox="1"/>
-          <p:nvPr/>
-        </p:nvSpPr>
-        <p:spPr>
-          <a:xfrm>
-            <a:off x="7238510" y="1413366"/>
-            <a:ext cx="308098" cy="369332"/>
-          </a:xfrm>
-          <a:prstGeom prst="rect">
-            <a:avLst/>
-          </a:prstGeom>
-          <a:noFill/>
-        </p:spPr>
-        <p:txBody>
-          <a:bodyPr wrap="none" rtlCol="0">
-            <a:spAutoFit/>
-          </a:bodyPr>
-          <a:lstStyle/>
-          <a:p>
-            <a:r>
-              <a:rPr lang="en-US" dirty="0"/>
-              <a:t>a</a:t>
-            </a:r>
-          </a:p>
-        </p:txBody>
-      </p:sp>
-      <p:sp>
-        <p:nvSpPr>
-          <p:cNvPr id="22" name="TextBox 21">
-            <a:extLst>
-              <a:ext uri="{FF2B5EF4-FFF2-40B4-BE49-F238E27FC236}">
-                <a16:creationId xmlns:a16="http://schemas.microsoft.com/office/drawing/2014/main" id="{A2E9B6C5-BCA5-1C21-2952-A4C2C4A15102}"/>
-              </a:ext>
-            </a:extLst>
-          </p:cNvPr>
-          <p:cNvSpPr txBox="1"/>
-          <p:nvPr/>
-        </p:nvSpPr>
-        <p:spPr>
-          <a:xfrm>
-            <a:off x="10513327" y="1407150"/>
-            <a:ext cx="314510" cy="369332"/>
-          </a:xfrm>
-          <a:prstGeom prst="rect">
-            <a:avLst/>
-          </a:prstGeom>
-          <a:noFill/>
-        </p:spPr>
-        <p:txBody>
-          <a:bodyPr wrap="none" rtlCol="0">
-            <a:spAutoFit/>
-          </a:bodyPr>
-          <a:lstStyle/>
-          <a:p>
-            <a:r>
-              <a:rPr lang="en-US" dirty="0"/>
-              <a:t>b</a:t>
-            </a:r>
-          </a:p>
-        </p:txBody>
-      </p:sp>
-      <p:sp>
-        <p:nvSpPr>
-          <p:cNvPr id="23" name="TextBox 22">
-            <a:extLst>
-              <a:ext uri="{FF2B5EF4-FFF2-40B4-BE49-F238E27FC236}">
-                <a16:creationId xmlns:a16="http://schemas.microsoft.com/office/drawing/2014/main" id="{0B6C2D04-CCF1-2604-2BF6-D40704C89D18}"/>
-              </a:ext>
-            </a:extLst>
-          </p:cNvPr>
-          <p:cNvSpPr txBox="1"/>
-          <p:nvPr/>
-        </p:nvSpPr>
-        <p:spPr>
-          <a:xfrm>
-            <a:off x="8869504" y="2157204"/>
-            <a:ext cx="314510" cy="369332"/>
-          </a:xfrm>
-          <a:prstGeom prst="rect">
-            <a:avLst/>
-          </a:prstGeom>
-          <a:noFill/>
-        </p:spPr>
-        <p:txBody>
-          <a:bodyPr wrap="none" rtlCol="0">
-            <a:spAutoFit/>
-          </a:bodyPr>
-          <a:lstStyle/>
-          <a:p>
-            <a:r>
-              <a:rPr lang="en-US" dirty="0"/>
-              <a:t>c</a:t>
-            </a:r>
-          </a:p>
-        </p:txBody>
-      </p:sp>
-      <p:sp>
-        <p:nvSpPr>
-          <p:cNvPr id="24" name="TextBox 23">
-            <a:extLst>
-              <a:ext uri="{FF2B5EF4-FFF2-40B4-BE49-F238E27FC236}">
-                <a16:creationId xmlns:a16="http://schemas.microsoft.com/office/drawing/2014/main" id="{123D3A7A-F30D-4BD0-3A7A-E0C5A938D4DF}"/>
-              </a:ext>
-            </a:extLst>
-          </p:cNvPr>
-          <p:cNvSpPr txBox="1"/>
-          <p:nvPr/>
-        </p:nvSpPr>
-        <p:spPr>
-          <a:xfrm>
-            <a:off x="8869504" y="2938021"/>
-            <a:ext cx="416968" cy="369332"/>
-          </a:xfrm>
-          <a:prstGeom prst="rect">
-            <a:avLst/>
-          </a:prstGeom>
-          <a:noFill/>
-        </p:spPr>
-        <p:txBody>
-          <a:bodyPr wrap="square" rtlCol="0">
-            <a:spAutoFit/>
-          </a:bodyPr>
-          <a:lstStyle/>
-          <a:p>
-            <a:r>
-              <a:rPr lang="en-US" dirty="0"/>
-              <a:t>c’</a:t>
-            </a:r>
-          </a:p>
-        </p:txBody>
-      </p:sp>
     </p:spTree>
     <p:extLst>
       <p:ext uri="{BB962C8B-B14F-4D97-AF65-F5344CB8AC3E}">
@@ -15676,7 +16667,11 @@
                                           </p:stCondLst>
                                         </p:cTn>
                                         <p:tgtEl>
-                                          <p:spTgt spid="20"/>
+                                          <p:spTgt spid="3">
+                                            <p:txEl>
+                                              <p:pRg st="0" end="0"/>
+                                            </p:txEl>
+                                          </p:spTgt>
                                         </p:tgtEl>
                                         <p:attrNameLst>
                                           <p:attrName>style.visibility</p:attrName>
@@ -15723,373 +16718,7 @@
                                         <p:tgtEl>
                                           <p:spTgt spid="3">
                                             <p:txEl>
-                                              <p:pRg st="0" end="0"/>
-                                            </p:txEl>
-                                          </p:spTgt>
-                                        </p:tgtEl>
-                                        <p:attrNameLst>
-                                          <p:attrName>style.visibility</p:attrName>
-                                        </p:attrNameLst>
-                                      </p:cBhvr>
-                                      <p:to>
-                                        <p:strVal val="visible"/>
-                                      </p:to>
-                                    </p:set>
-                                  </p:childTnLst>
-                                </p:cTn>
-                              </p:par>
-                              <p:par>
-                                <p:cTn id="11" presetID="1" presetClass="entr" presetSubtype="0" fill="hold" grpId="0" nodeType="withEffect">
-                                  <p:stCondLst>
-                                    <p:cond delay="0"/>
-                                  </p:stCondLst>
-                                  <p:childTnLst>
-                                    <p:set>
-                                      <p:cBhvr>
-                                        <p:cTn id="12" dur="1" fill="hold">
-                                          <p:stCondLst>
-                                            <p:cond delay="0"/>
-                                          </p:stCondLst>
-                                        </p:cTn>
-                                        <p:tgtEl>
-                                          <p:spTgt spid="24"/>
-                                        </p:tgtEl>
-                                        <p:attrNameLst>
-                                          <p:attrName>style.visibility</p:attrName>
-                                        </p:attrNameLst>
-                                      </p:cBhvr>
-                                      <p:to>
-                                        <p:strVal val="visible"/>
-                                      </p:to>
-                                    </p:set>
-                                  </p:childTnLst>
-                                </p:cTn>
-                              </p:par>
-                            </p:childTnLst>
-                          </p:cTn>
-                        </p:par>
-                      </p:childTnLst>
-                    </p:cTn>
-                  </p:par>
-                  <p:par>
-                    <p:cTn id="13" fill="hold">
-                      <p:stCondLst>
-                        <p:cond delay="indefinite"/>
-                      </p:stCondLst>
-                      <p:childTnLst>
-                        <p:par>
-                          <p:cTn id="14" fill="hold">
-                            <p:stCondLst>
-                              <p:cond delay="0"/>
-                            </p:stCondLst>
-                            <p:childTnLst>
-                              <p:par>
-                                <p:cTn id="15" presetID="1" presetClass="entr" presetSubtype="0" fill="hold" nodeType="clickEffect">
-                                  <p:stCondLst>
-                                    <p:cond delay="0"/>
-                                  </p:stCondLst>
-                                  <p:childTnLst>
-                                    <p:set>
-                                      <p:cBhvr>
-                                        <p:cTn id="16" dur="1" fill="hold">
-                                          <p:stCondLst>
-                                            <p:cond delay="0"/>
-                                          </p:stCondLst>
-                                        </p:cTn>
-                                        <p:tgtEl>
-                                          <p:spTgt spid="3">
-                                            <p:txEl>
                                               <p:pRg st="1" end="1"/>
-                                            </p:txEl>
-                                          </p:spTgt>
-                                        </p:tgtEl>
-                                        <p:attrNameLst>
-                                          <p:attrName>style.visibility</p:attrName>
-                                        </p:attrNameLst>
-                                      </p:cBhvr>
-                                      <p:to>
-                                        <p:strVal val="visible"/>
-                                      </p:to>
-                                    </p:set>
-                                  </p:childTnLst>
-                                </p:cTn>
-                              </p:par>
-                              <p:par>
-                                <p:cTn id="17" presetID="1" presetClass="entr" presetSubtype="0" fill="hold" grpId="0" nodeType="withEffect">
-                                  <p:stCondLst>
-                                    <p:cond delay="0"/>
-                                  </p:stCondLst>
-                                  <p:childTnLst>
-                                    <p:set>
-                                      <p:cBhvr>
-                                        <p:cTn id="18" dur="1" fill="hold">
-                                          <p:stCondLst>
-                                            <p:cond delay="0"/>
-                                          </p:stCondLst>
-                                        </p:cTn>
-                                        <p:tgtEl>
-                                          <p:spTgt spid="21"/>
-                                        </p:tgtEl>
-                                        <p:attrNameLst>
-                                          <p:attrName>style.visibility</p:attrName>
-                                        </p:attrNameLst>
-                                      </p:cBhvr>
-                                      <p:to>
-                                        <p:strVal val="visible"/>
-                                      </p:to>
-                                    </p:set>
-                                  </p:childTnLst>
-                                </p:cTn>
-                              </p:par>
-                              <p:par>
-                                <p:cTn id="19" presetID="1" presetClass="entr" presetSubtype="0" fill="hold" grpId="0" nodeType="withEffect">
-                                  <p:stCondLst>
-                                    <p:cond delay="0"/>
-                                  </p:stCondLst>
-                                  <p:childTnLst>
-                                    <p:set>
-                                      <p:cBhvr>
-                                        <p:cTn id="20" dur="1" fill="hold">
-                                          <p:stCondLst>
-                                            <p:cond delay="0"/>
-                                          </p:stCondLst>
-                                        </p:cTn>
-                                        <p:tgtEl>
-                                          <p:spTgt spid="22"/>
-                                        </p:tgtEl>
-                                        <p:attrNameLst>
-                                          <p:attrName>style.visibility</p:attrName>
-                                        </p:attrNameLst>
-                                      </p:cBhvr>
-                                      <p:to>
-                                        <p:strVal val="visible"/>
-                                      </p:to>
-                                    </p:set>
-                                  </p:childTnLst>
-                                </p:cTn>
-                              </p:par>
-                            </p:childTnLst>
-                          </p:cTn>
-                        </p:par>
-                      </p:childTnLst>
-                    </p:cTn>
-                  </p:par>
-                  <p:par>
-                    <p:cTn id="21" fill="hold">
-                      <p:stCondLst>
-                        <p:cond delay="indefinite"/>
-                      </p:stCondLst>
-                      <p:childTnLst>
-                        <p:par>
-                          <p:cTn id="22" fill="hold">
-                            <p:stCondLst>
-                              <p:cond delay="0"/>
-                            </p:stCondLst>
-                            <p:childTnLst>
-                              <p:par>
-                                <p:cTn id="23" presetID="1" presetClass="entr" presetSubtype="0" fill="hold" nodeType="clickEffect">
-                                  <p:stCondLst>
-                                    <p:cond delay="0"/>
-                                  </p:stCondLst>
-                                  <p:childTnLst>
-                                    <p:set>
-                                      <p:cBhvr>
-                                        <p:cTn id="24" dur="1" fill="hold">
-                                          <p:stCondLst>
-                                            <p:cond delay="0"/>
-                                          </p:stCondLst>
-                                        </p:cTn>
-                                        <p:tgtEl>
-                                          <p:spTgt spid="3">
-                                            <p:txEl>
-                                              <p:pRg st="2" end="2"/>
-                                            </p:txEl>
-                                          </p:spTgt>
-                                        </p:tgtEl>
-                                        <p:attrNameLst>
-                                          <p:attrName>style.visibility</p:attrName>
-                                        </p:attrNameLst>
-                                      </p:cBhvr>
-                                      <p:to>
-                                        <p:strVal val="visible"/>
-                                      </p:to>
-                                    </p:set>
-                                  </p:childTnLst>
-                                </p:cTn>
-                              </p:par>
-                              <p:par>
-                                <p:cTn id="25" presetID="1" presetClass="entr" presetSubtype="0" fill="hold" grpId="0" nodeType="withEffect">
-                                  <p:stCondLst>
-                                    <p:cond delay="0"/>
-                                  </p:stCondLst>
-                                  <p:childTnLst>
-                                    <p:set>
-                                      <p:cBhvr>
-                                        <p:cTn id="26" dur="1" fill="hold">
-                                          <p:stCondLst>
-                                            <p:cond delay="0"/>
-                                          </p:stCondLst>
-                                        </p:cTn>
-                                        <p:tgtEl>
-                                          <p:spTgt spid="23"/>
-                                        </p:tgtEl>
-                                        <p:attrNameLst>
-                                          <p:attrName>style.visibility</p:attrName>
-                                        </p:attrNameLst>
-                                      </p:cBhvr>
-                                      <p:to>
-                                        <p:strVal val="visible"/>
-                                      </p:to>
-                                    </p:set>
-                                  </p:childTnLst>
-                                </p:cTn>
-                              </p:par>
-                            </p:childTnLst>
-                          </p:cTn>
-                        </p:par>
-                      </p:childTnLst>
-                    </p:cTn>
-                  </p:par>
-                  <p:par>
-                    <p:cTn id="27" fill="hold">
-                      <p:stCondLst>
-                        <p:cond delay="indefinite"/>
-                      </p:stCondLst>
-                      <p:childTnLst>
-                        <p:par>
-                          <p:cTn id="28" fill="hold">
-                            <p:stCondLst>
-                              <p:cond delay="0"/>
-                            </p:stCondLst>
-                            <p:childTnLst>
-                              <p:par>
-                                <p:cTn id="29" presetID="1" presetClass="entr" presetSubtype="0" fill="hold" nodeType="clickEffect">
-                                  <p:stCondLst>
-                                    <p:cond delay="0"/>
-                                  </p:stCondLst>
-                                  <p:childTnLst>
-                                    <p:set>
-                                      <p:cBhvr>
-                                        <p:cTn id="30" dur="1" fill="hold">
-                                          <p:stCondLst>
-                                            <p:cond delay="0"/>
-                                          </p:stCondLst>
-                                        </p:cTn>
-                                        <p:tgtEl>
-                                          <p:spTgt spid="3">
-                                            <p:txEl>
-                                              <p:pRg st="5" end="5"/>
-                                            </p:txEl>
-                                          </p:spTgt>
-                                        </p:tgtEl>
-                                        <p:attrNameLst>
-                                          <p:attrName>style.visibility</p:attrName>
-                                        </p:attrNameLst>
-                                      </p:cBhvr>
-                                      <p:to>
-                                        <p:strVal val="visible"/>
-                                      </p:to>
-                                    </p:set>
-                                  </p:childTnLst>
-                                </p:cTn>
-                              </p:par>
-                              <p:par>
-                                <p:cTn id="31" presetID="1" presetClass="entr" presetSubtype="0" fill="hold" nodeType="withEffect">
-                                  <p:stCondLst>
-                                    <p:cond delay="0"/>
-                                  </p:stCondLst>
-                                  <p:childTnLst>
-                                    <p:set>
-                                      <p:cBhvr>
-                                        <p:cTn id="32" dur="1" fill="hold">
-                                          <p:stCondLst>
-                                            <p:cond delay="0"/>
-                                          </p:stCondLst>
-                                        </p:cTn>
-                                        <p:tgtEl>
-                                          <p:spTgt spid="3">
-                                            <p:txEl>
-                                              <p:pRg st="6" end="6"/>
-                                            </p:txEl>
-                                          </p:spTgt>
-                                        </p:tgtEl>
-                                        <p:attrNameLst>
-                                          <p:attrName>style.visibility</p:attrName>
-                                        </p:attrNameLst>
-                                      </p:cBhvr>
-                                      <p:to>
-                                        <p:strVal val="visible"/>
-                                      </p:to>
-                                    </p:set>
-                                  </p:childTnLst>
-                                </p:cTn>
-                              </p:par>
-                            </p:childTnLst>
-                          </p:cTn>
-                        </p:par>
-                      </p:childTnLst>
-                    </p:cTn>
-                  </p:par>
-                  <p:par>
-                    <p:cTn id="33" fill="hold">
-                      <p:stCondLst>
-                        <p:cond delay="indefinite"/>
-                      </p:stCondLst>
-                      <p:childTnLst>
-                        <p:par>
-                          <p:cTn id="34" fill="hold">
-                            <p:stCondLst>
-                              <p:cond delay="0"/>
-                            </p:stCondLst>
-                            <p:childTnLst>
-                              <p:par>
-                                <p:cTn id="35" presetID="1" presetClass="entr" presetSubtype="0" fill="hold" nodeType="clickEffect">
-                                  <p:stCondLst>
-                                    <p:cond delay="0"/>
-                                  </p:stCondLst>
-                                  <p:childTnLst>
-                                    <p:set>
-                                      <p:cBhvr>
-                                        <p:cTn id="36" dur="1" fill="hold">
-                                          <p:stCondLst>
-                                            <p:cond delay="0"/>
-                                          </p:stCondLst>
-                                        </p:cTn>
-                                        <p:tgtEl>
-                                          <p:spTgt spid="3">
-                                            <p:txEl>
-                                              <p:pRg st="7" end="7"/>
-                                            </p:txEl>
-                                          </p:spTgt>
-                                        </p:tgtEl>
-                                        <p:attrNameLst>
-                                          <p:attrName>style.visibility</p:attrName>
-                                        </p:attrNameLst>
-                                      </p:cBhvr>
-                                      <p:to>
-                                        <p:strVal val="visible"/>
-                                      </p:to>
-                                    </p:set>
-                                  </p:childTnLst>
-                                </p:cTn>
-                              </p:par>
-                              <p:par>
-                                <p:cTn id="37" presetID="1" presetClass="entr" presetSubtype="0" fill="hold" nodeType="withEffect">
-                                  <p:stCondLst>
-                                    <p:cond delay="0"/>
-                                  </p:stCondLst>
-                                  <p:childTnLst>
-                                    <p:set>
-                                      <p:cBhvr>
-                                        <p:cTn id="38" dur="1" fill="hold">
-                                          <p:stCondLst>
-                                            <p:cond delay="0"/>
-                                          </p:stCondLst>
-                                        </p:cTn>
-                                        <p:tgtEl>
-                                          <p:spTgt spid="3">
-                                            <p:txEl>
-                                              <p:pRg st="8" end="8"/>
                                             </p:txEl>
                                           </p:spTgt>
                                         </p:tgtEl>
@@ -16131,12 +16760,6 @@
         </p:cTn>
       </p:par>
     </p:tnLst>
-    <p:bldLst>
-      <p:bldP spid="21" grpId="0"/>
-      <p:bldP spid="22" grpId="0"/>
-      <p:bldP spid="23" grpId="0"/>
-      <p:bldP spid="24" grpId="0"/>
-    </p:bldLst>
   </p:timing>
 </p:sld>
 </file>
@@ -16146,7 +16769,13 @@
   <p:cSld>
     <p:spTree>
       <p:nvGrpSpPr>
-        <p:cNvPr id="1" name=""/>
+        <p:cNvPr id="1" name="">
+          <a:extLst>
+            <a:ext uri="{FF2B5EF4-FFF2-40B4-BE49-F238E27FC236}">
+              <a16:creationId xmlns:a16="http://schemas.microsoft.com/office/drawing/2014/main" id="{7B70AB8A-7E3B-E783-F086-09D40B1ADB50}"/>
+            </a:ext>
+          </a:extLst>
+        </p:cNvPr>
         <p:cNvGrpSpPr/>
         <p:nvPr/>
       </p:nvGrpSpPr>
@@ -16160,10 +16789,56 @@
       </p:grpSpPr>
       <p:sp>
         <p:nvSpPr>
+          <p:cNvPr id="4" name="Rectangle 3">
+            <a:extLst>
+              <a:ext uri="{FF2B5EF4-FFF2-40B4-BE49-F238E27FC236}">
+                <a16:creationId xmlns:a16="http://schemas.microsoft.com/office/drawing/2014/main" id="{22053343-2199-87C4-1F37-EB9D8C89B704}"/>
+              </a:ext>
+            </a:extLst>
+          </p:cNvPr>
+          <p:cNvSpPr/>
+          <p:nvPr/>
+        </p:nvSpPr>
+        <p:spPr>
+          <a:xfrm>
+            <a:off x="-648182" y="-370390"/>
+            <a:ext cx="14236860" cy="1632031"/>
+          </a:xfrm>
+          <a:prstGeom prst="rect">
+            <a:avLst/>
+          </a:prstGeom>
+        </p:spPr>
+        <p:style>
+          <a:lnRef idx="2">
+            <a:schemeClr val="accent1">
+              <a:shade val="15000"/>
+            </a:schemeClr>
+          </a:lnRef>
+          <a:fillRef idx="1">
+            <a:schemeClr val="accent1"/>
+          </a:fillRef>
+          <a:effectRef idx="0">
+            <a:schemeClr val="accent1"/>
+          </a:effectRef>
+          <a:fontRef idx="minor">
+            <a:schemeClr val="lt1"/>
+          </a:fontRef>
+        </p:style>
+        <p:txBody>
+          <a:bodyPr rtlCol="0" anchor="ctr"/>
+          <a:lstStyle/>
+          <a:p>
+            <a:pPr algn="ctr"/>
+            <a:endParaRPr lang="en-US"/>
+          </a:p>
+        </p:txBody>
+      </p:sp>
+      <p:sp>
+        <p:nvSpPr>
           <p:cNvPr id="2" name="Title 1">
             <a:extLst>
               <a:ext uri="{FF2B5EF4-FFF2-40B4-BE49-F238E27FC236}">
-                <a16:creationId xmlns:a16="http://schemas.microsoft.com/office/drawing/2014/main" id="{8F5F3EF2-511F-A7A3-C71A-43524975D087}"/>
+                <a16:creationId xmlns:a16="http://schemas.microsoft.com/office/drawing/2014/main" id="{87DE2420-DE26-B42F-2532-492981EBEBED}"/>
               </a:ext>
             </a:extLst>
           </p:cNvPr>
@@ -16174,15 +16849,29 @@
             <p:ph type="title"/>
           </p:nvPr>
         </p:nvSpPr>
-        <p:spPr/>
+        <p:spPr>
+          <a:xfrm>
+            <a:off x="137886" y="9612"/>
+            <a:ext cx="10515600" cy="1325563"/>
+          </a:xfrm>
+        </p:spPr>
         <p:txBody>
           <a:bodyPr/>
           <a:lstStyle/>
           <a:p>
             <a:r>
-              <a:rPr lang="en-US" b="1" dirty="0"/>
-              <a:t>Statistical Methods for Testing Mediation</a:t>
-            </a:r>
+              <a:rPr lang="en-US" b="1" dirty="0">
+                <a:solidFill>
+                  <a:schemeClr val="bg1"/>
+                </a:solidFill>
+              </a:rPr>
+              <a:t>Partial Mediation</a:t>
+            </a:r>
+            <a:endParaRPr lang="en-US" dirty="0">
+              <a:solidFill>
+                <a:schemeClr val="bg1"/>
+              </a:solidFill>
+            </a:endParaRPr>
           </a:p>
         </p:txBody>
       </p:sp>
@@ -16191,7 +16880,7 @@
           <p:cNvPr id="3" name="Content Placeholder 2">
             <a:extLst>
               <a:ext uri="{FF2B5EF4-FFF2-40B4-BE49-F238E27FC236}">
-                <a16:creationId xmlns:a16="http://schemas.microsoft.com/office/drawing/2014/main" id="{A2953D99-CF80-C181-F1FE-115170C2DC57}"/>
+                <a16:creationId xmlns:a16="http://schemas.microsoft.com/office/drawing/2014/main" id="{450E7BD1-DB00-8D35-0E09-12303359087E}"/>
               </a:ext>
             </a:extLst>
           </p:cNvPr>
@@ -16204,57 +16893,492 @@
         </p:nvSpPr>
         <p:spPr>
           <a:xfrm>
-            <a:off x="419100" y="1690688"/>
-            <a:ext cx="11353800" cy="4351338"/>
+            <a:off x="1817258" y="1506606"/>
+            <a:ext cx="8557484" cy="1909921"/>
           </a:xfrm>
         </p:spPr>
         <p:txBody>
-          <a:bodyPr/>
+          <a:bodyPr>
+            <a:normAutofit/>
+          </a:bodyPr>
           <a:lstStyle/>
           <a:p>
+            <a:pPr marL="0" indent="0" algn="ctr">
+              <a:buNone/>
+            </a:pPr>
             <a:r>
               <a:rPr lang="en-US" dirty="0"/>
-              <a:t>Baron &amp; Kenny's causal steps approach (historical)</a:t>
-            </a:r>
-          </a:p>
-          <a:p>
-            <a:r>
+              <a:t>Indirect Effect (a*b) is significant </a:t>
+            </a:r>
+            <a:br>
               <a:rPr lang="en-US" dirty="0"/>
-              <a:t>Modern approaches: Bootstrapping indirect effects (Hayes' PROCESS)</a:t>
-            </a:r>
-          </a:p>
-          <a:p>
+            </a:br>
+            <a:r>
+              <a:rPr lang="en-US" b="1" u="sng" dirty="0"/>
+              <a:t>BUT</a:t>
+            </a:r>
             <a:r>
               <a:rPr lang="en-US" dirty="0"/>
-              <a:t>Structural Equation Modeling (SEM)</a:t>
-            </a:r>
-          </a:p>
-          <a:p>
+              <a:t> </a:t>
+            </a:r>
+          </a:p>
+          <a:p>
+            <a:pPr marL="0" indent="0" algn="ctr">
+              <a:buNone/>
+            </a:pPr>
             <a:r>
               <a:rPr lang="en-US" dirty="0"/>
-              <a:t>Testing significance of indirect effect (</a:t>
-            </a:r>
-            <a:r>
-              <a:rPr lang="en-US" dirty="0" err="1"/>
-              <a:t>a×b</a:t>
-            </a:r>
-            <a:r>
-              <a:rPr lang="en-US" dirty="0"/>
-              <a:t>)</a:t>
-            </a:r>
-          </a:p>
-          <a:p>
-            <a:r>
-              <a:rPr lang="en-US" dirty="0"/>
-              <a:t>Partial vs. complete mediation</a:t>
+              <a:t>Direct Effect (c’) is still significant when M is added</a:t>
             </a:r>
           </a:p>
         </p:txBody>
       </p:sp>
+      <p:grpSp>
+        <p:nvGrpSpPr>
+          <p:cNvPr id="9" name="Group 8">
+            <a:extLst>
+              <a:ext uri="{FF2B5EF4-FFF2-40B4-BE49-F238E27FC236}">
+                <a16:creationId xmlns:a16="http://schemas.microsoft.com/office/drawing/2014/main" id="{1F6538A5-02AE-0882-5F19-C363E785197A}"/>
+              </a:ext>
+            </a:extLst>
+          </p:cNvPr>
+          <p:cNvGrpSpPr/>
+          <p:nvPr/>
+        </p:nvGrpSpPr>
+        <p:grpSpPr>
+          <a:xfrm>
+            <a:off x="2588157" y="3265329"/>
+            <a:ext cx="7015686" cy="3390900"/>
+            <a:chOff x="5421086" y="1547396"/>
+            <a:chExt cx="5886054" cy="2935704"/>
+          </a:xfrm>
+        </p:grpSpPr>
+        <p:grpSp>
+          <p:nvGrpSpPr>
+            <p:cNvPr id="10" name="Group 9">
+              <a:extLst>
+                <a:ext uri="{FF2B5EF4-FFF2-40B4-BE49-F238E27FC236}">
+                  <a16:creationId xmlns:a16="http://schemas.microsoft.com/office/drawing/2014/main" id="{02157656-4241-3AE4-DB80-9118CEC8B235}"/>
+                </a:ext>
+              </a:extLst>
+            </p:cNvPr>
+            <p:cNvGrpSpPr/>
+            <p:nvPr/>
+          </p:nvGrpSpPr>
+          <p:grpSpPr>
+            <a:xfrm>
+              <a:off x="5421086" y="1547396"/>
+              <a:ext cx="5886054" cy="2935704"/>
+              <a:chOff x="4993105" y="3429000"/>
+              <a:chExt cx="5886054" cy="2935704"/>
+            </a:xfrm>
+          </p:grpSpPr>
+          <p:sp>
+            <p:nvSpPr>
+              <p:cNvPr id="16" name="Rectangle 15">
+                <a:extLst>
+                  <a:ext uri="{FF2B5EF4-FFF2-40B4-BE49-F238E27FC236}">
+                    <a16:creationId xmlns:a16="http://schemas.microsoft.com/office/drawing/2014/main" id="{DD892F33-0097-FD02-B5A8-9EF376B6186B}"/>
+                  </a:ext>
+                </a:extLst>
+              </p:cNvPr>
+              <p:cNvSpPr/>
+              <p:nvPr/>
+            </p:nvSpPr>
+            <p:spPr>
+              <a:xfrm>
+                <a:off x="4993105" y="5356887"/>
+                <a:ext cx="1962018" cy="1007817"/>
+              </a:xfrm>
+              <a:prstGeom prst="rect">
+                <a:avLst/>
+              </a:prstGeom>
+            </p:spPr>
+            <p:style>
+              <a:lnRef idx="2">
+                <a:schemeClr val="accent1">
+                  <a:shade val="15000"/>
+                </a:schemeClr>
+              </a:lnRef>
+              <a:fillRef idx="1">
+                <a:schemeClr val="accent1"/>
+              </a:fillRef>
+              <a:effectRef idx="0">
+                <a:schemeClr val="accent1"/>
+              </a:effectRef>
+              <a:fontRef idx="minor">
+                <a:schemeClr val="lt1"/>
+              </a:fontRef>
+            </p:style>
+            <p:txBody>
+              <a:bodyPr rtlCol="0" anchor="ctr"/>
+              <a:lstStyle/>
+              <a:p>
+                <a:pPr algn="ctr"/>
+                <a:r>
+                  <a:rPr lang="en-US" dirty="0"/>
+                  <a:t>Social Media Use (X)</a:t>
+                </a:r>
+              </a:p>
+            </p:txBody>
+          </p:sp>
+          <p:sp>
+            <p:nvSpPr>
+              <p:cNvPr id="18" name="Rectangle 17">
+                <a:extLst>
+                  <a:ext uri="{FF2B5EF4-FFF2-40B4-BE49-F238E27FC236}">
+                    <a16:creationId xmlns:a16="http://schemas.microsoft.com/office/drawing/2014/main" id="{A7F5451F-4D08-E183-DA0E-7A88708247F6}"/>
+                  </a:ext>
+                </a:extLst>
+              </p:cNvPr>
+              <p:cNvSpPr/>
+              <p:nvPr/>
+            </p:nvSpPr>
+            <p:spPr>
+              <a:xfrm>
+                <a:off x="8917141" y="5356887"/>
+                <a:ext cx="1962018" cy="1007817"/>
+              </a:xfrm>
+              <a:prstGeom prst="rect">
+                <a:avLst/>
+              </a:prstGeom>
+            </p:spPr>
+            <p:style>
+              <a:lnRef idx="2">
+                <a:schemeClr val="accent1">
+                  <a:shade val="15000"/>
+                </a:schemeClr>
+              </a:lnRef>
+              <a:fillRef idx="1">
+                <a:schemeClr val="accent1"/>
+              </a:fillRef>
+              <a:effectRef idx="0">
+                <a:schemeClr val="accent1"/>
+              </a:effectRef>
+              <a:fontRef idx="minor">
+                <a:schemeClr val="lt1"/>
+              </a:fontRef>
+            </p:style>
+            <p:txBody>
+              <a:bodyPr rtlCol="0" anchor="ctr"/>
+              <a:lstStyle/>
+              <a:p>
+                <a:pPr algn="ctr"/>
+                <a:r>
+                  <a:rPr lang="en-US" dirty="0"/>
+                  <a:t>Academic Performance (Y)</a:t>
+                </a:r>
+              </a:p>
+            </p:txBody>
+          </p:sp>
+          <p:cxnSp>
+            <p:nvCxnSpPr>
+              <p:cNvPr id="19" name="Straight Arrow Connector 18">
+                <a:extLst>
+                  <a:ext uri="{FF2B5EF4-FFF2-40B4-BE49-F238E27FC236}">
+                    <a16:creationId xmlns:a16="http://schemas.microsoft.com/office/drawing/2014/main" id="{D97584A7-2559-BE84-E71F-73A74AF53BFB}"/>
+                  </a:ext>
+                </a:extLst>
+              </p:cNvPr>
+              <p:cNvCxnSpPr>
+                <a:cxnSpLocks/>
+                <a:stCxn id="16" idx="3"/>
+                <a:endCxn id="18" idx="1"/>
+              </p:cNvCxnSpPr>
+              <p:nvPr/>
+            </p:nvCxnSpPr>
+            <p:spPr>
+              <a:xfrm>
+                <a:off x="6955123" y="5860796"/>
+                <a:ext cx="1962018" cy="0"/>
+              </a:xfrm>
+              <a:prstGeom prst="straightConnector1">
+                <a:avLst/>
+              </a:prstGeom>
+              <a:ln w="19050" cap="flat" cmpd="sng" algn="ctr">
+                <a:solidFill>
+                  <a:schemeClr val="dk1"/>
+                </a:solidFill>
+                <a:prstDash val="solid"/>
+                <a:round/>
+                <a:headEnd type="none" w="med" len="med"/>
+                <a:tailEnd type="arrow" w="med" len="med"/>
+              </a:ln>
+            </p:spPr>
+            <p:style>
+              <a:lnRef idx="0">
+                <a:scrgbClr r="0" g="0" b="0"/>
+              </a:lnRef>
+              <a:fillRef idx="0">
+                <a:scrgbClr r="0" g="0" b="0"/>
+              </a:fillRef>
+              <a:effectRef idx="0">
+                <a:scrgbClr r="0" g="0" b="0"/>
+              </a:effectRef>
+              <a:fontRef idx="minor">
+                <a:schemeClr val="tx1"/>
+              </a:fontRef>
+            </p:style>
+          </p:cxnSp>
+          <p:sp>
+            <p:nvSpPr>
+              <p:cNvPr id="25" name="Rectangle 24">
+                <a:extLst>
+                  <a:ext uri="{FF2B5EF4-FFF2-40B4-BE49-F238E27FC236}">
+                    <a16:creationId xmlns:a16="http://schemas.microsoft.com/office/drawing/2014/main" id="{150C2D58-97DE-06A7-F759-407A52957EC1}"/>
+                  </a:ext>
+                </a:extLst>
+              </p:cNvPr>
+              <p:cNvSpPr/>
+              <p:nvPr/>
+            </p:nvSpPr>
+            <p:spPr>
+              <a:xfrm>
+                <a:off x="6955123" y="3429000"/>
+                <a:ext cx="1962018" cy="1007817"/>
+              </a:xfrm>
+              <a:prstGeom prst="rect">
+                <a:avLst/>
+              </a:prstGeom>
+            </p:spPr>
+            <p:style>
+              <a:lnRef idx="2">
+                <a:schemeClr val="accent1">
+                  <a:shade val="15000"/>
+                </a:schemeClr>
+              </a:lnRef>
+              <a:fillRef idx="1">
+                <a:schemeClr val="accent1"/>
+              </a:fillRef>
+              <a:effectRef idx="0">
+                <a:schemeClr val="accent1"/>
+              </a:effectRef>
+              <a:fontRef idx="minor">
+                <a:schemeClr val="lt1"/>
+              </a:fontRef>
+            </p:style>
+            <p:txBody>
+              <a:bodyPr rtlCol="0" anchor="ctr"/>
+              <a:lstStyle/>
+              <a:p>
+                <a:pPr algn="ctr"/>
+                <a:r>
+                  <a:rPr lang="en-US" dirty="0"/>
+                  <a:t>Sleep Quality (M)</a:t>
+                </a:r>
+              </a:p>
+            </p:txBody>
+          </p:sp>
+          <p:cxnSp>
+            <p:nvCxnSpPr>
+              <p:cNvPr id="26" name="Straight Arrow Connector 25">
+                <a:extLst>
+                  <a:ext uri="{FF2B5EF4-FFF2-40B4-BE49-F238E27FC236}">
+                    <a16:creationId xmlns:a16="http://schemas.microsoft.com/office/drawing/2014/main" id="{CB67740A-0345-9AC7-AFCD-0AC51C59C912}"/>
+                  </a:ext>
+                </a:extLst>
+              </p:cNvPr>
+              <p:cNvCxnSpPr>
+                <a:cxnSpLocks/>
+                <a:stCxn id="16" idx="0"/>
+                <a:endCxn id="25" idx="1"/>
+              </p:cNvCxnSpPr>
+              <p:nvPr/>
+            </p:nvCxnSpPr>
+            <p:spPr>
+              <a:xfrm flipV="1">
+                <a:off x="5974114" y="3932909"/>
+                <a:ext cx="981009" cy="1423978"/>
+              </a:xfrm>
+              <a:prstGeom prst="straightConnector1">
+                <a:avLst/>
+              </a:prstGeom>
+              <a:ln w="19050" cap="flat" cmpd="sng" algn="ctr">
+                <a:solidFill>
+                  <a:schemeClr val="dk1"/>
+                </a:solidFill>
+                <a:prstDash val="solid"/>
+                <a:round/>
+                <a:headEnd type="none" w="med" len="med"/>
+                <a:tailEnd type="arrow" w="med" len="med"/>
+              </a:ln>
+            </p:spPr>
+            <p:style>
+              <a:lnRef idx="0">
+                <a:scrgbClr r="0" g="0" b="0"/>
+              </a:lnRef>
+              <a:fillRef idx="0">
+                <a:scrgbClr r="0" g="0" b="0"/>
+              </a:fillRef>
+              <a:effectRef idx="0">
+                <a:scrgbClr r="0" g="0" b="0"/>
+              </a:effectRef>
+              <a:fontRef idx="minor">
+                <a:schemeClr val="tx1"/>
+              </a:fontRef>
+            </p:style>
+          </p:cxnSp>
+          <p:cxnSp>
+            <p:nvCxnSpPr>
+              <p:cNvPr id="27" name="Straight Arrow Connector 26">
+                <a:extLst>
+                  <a:ext uri="{FF2B5EF4-FFF2-40B4-BE49-F238E27FC236}">
+                    <a16:creationId xmlns:a16="http://schemas.microsoft.com/office/drawing/2014/main" id="{C7ED76E5-F069-56B6-FFE5-BC8CC015D100}"/>
+                  </a:ext>
+                </a:extLst>
+              </p:cNvPr>
+              <p:cNvCxnSpPr>
+                <a:cxnSpLocks/>
+                <a:stCxn id="25" idx="3"/>
+                <a:endCxn id="18" idx="0"/>
+              </p:cNvCxnSpPr>
+              <p:nvPr/>
+            </p:nvCxnSpPr>
+            <p:spPr>
+              <a:xfrm>
+                <a:off x="8917141" y="3932909"/>
+                <a:ext cx="981009" cy="1423978"/>
+              </a:xfrm>
+              <a:prstGeom prst="straightConnector1">
+                <a:avLst/>
+              </a:prstGeom>
+              <a:ln w="19050" cap="flat" cmpd="sng" algn="ctr">
+                <a:solidFill>
+                  <a:schemeClr val="dk1"/>
+                </a:solidFill>
+                <a:prstDash val="solid"/>
+                <a:round/>
+                <a:headEnd type="none" w="med" len="med"/>
+                <a:tailEnd type="arrow" w="med" len="med"/>
+              </a:ln>
+            </p:spPr>
+            <p:style>
+              <a:lnRef idx="0">
+                <a:scrgbClr r="0" g="0" b="0"/>
+              </a:lnRef>
+              <a:fillRef idx="0">
+                <a:scrgbClr r="0" g="0" b="0"/>
+              </a:fillRef>
+              <a:effectRef idx="0">
+                <a:scrgbClr r="0" g="0" b="0"/>
+              </a:effectRef>
+              <a:fontRef idx="minor">
+                <a:schemeClr val="tx1"/>
+              </a:fontRef>
+            </p:style>
+          </p:cxnSp>
+        </p:grpSp>
+        <p:sp>
+          <p:nvSpPr>
+            <p:cNvPr id="11" name="TextBox 10">
+              <a:extLst>
+                <a:ext uri="{FF2B5EF4-FFF2-40B4-BE49-F238E27FC236}">
+                  <a16:creationId xmlns:a16="http://schemas.microsoft.com/office/drawing/2014/main" id="{5C1B130C-B7AD-4127-7328-192F95F96258}"/>
+                </a:ext>
+              </a:extLst>
+            </p:cNvPr>
+            <p:cNvSpPr txBox="1"/>
+            <p:nvPr/>
+          </p:nvSpPr>
+          <p:spPr>
+            <a:xfrm>
+              <a:off x="6575864" y="2467466"/>
+              <a:ext cx="349942" cy="319753"/>
+            </a:xfrm>
+            <a:prstGeom prst="rect">
+              <a:avLst/>
+            </a:prstGeom>
+            <a:noFill/>
+          </p:spPr>
+          <p:txBody>
+            <a:bodyPr wrap="none" rtlCol="0">
+              <a:spAutoFit/>
+            </a:bodyPr>
+            <a:lstStyle/>
+            <a:p>
+              <a:r>
+                <a:rPr lang="en-US" b="1" dirty="0"/>
+                <a:t>a*</a:t>
+              </a:r>
+            </a:p>
+          </p:txBody>
+        </p:sp>
+        <p:sp>
+          <p:nvSpPr>
+            <p:cNvPr id="13" name="TextBox 12">
+              <a:extLst>
+                <a:ext uri="{FF2B5EF4-FFF2-40B4-BE49-F238E27FC236}">
+                  <a16:creationId xmlns:a16="http://schemas.microsoft.com/office/drawing/2014/main" id="{DDCED3C1-2805-4617-E47F-C60A44121C59}"/>
+                </a:ext>
+              </a:extLst>
+            </p:cNvPr>
+            <p:cNvSpPr txBox="1"/>
+            <p:nvPr/>
+          </p:nvSpPr>
+          <p:spPr>
+            <a:xfrm>
+              <a:off x="9850681" y="2461250"/>
+              <a:ext cx="356666" cy="319753"/>
+            </a:xfrm>
+            <a:prstGeom prst="rect">
+              <a:avLst/>
+            </a:prstGeom>
+            <a:noFill/>
+          </p:spPr>
+          <p:txBody>
+            <a:bodyPr wrap="none" rtlCol="0">
+              <a:spAutoFit/>
+            </a:bodyPr>
+            <a:lstStyle/>
+            <a:p>
+              <a:r>
+                <a:rPr lang="en-US" b="1" dirty="0"/>
+                <a:t>b*</a:t>
+              </a:r>
+            </a:p>
+          </p:txBody>
+        </p:sp>
+        <p:sp>
+          <p:nvSpPr>
+            <p:cNvPr id="15" name="TextBox 14">
+              <a:extLst>
+                <a:ext uri="{FF2B5EF4-FFF2-40B4-BE49-F238E27FC236}">
+                  <a16:creationId xmlns:a16="http://schemas.microsoft.com/office/drawing/2014/main" id="{5C119E5A-6991-E5C7-78AD-3EE3D38ABD7D}"/>
+                </a:ext>
+              </a:extLst>
+            </p:cNvPr>
+            <p:cNvSpPr txBox="1"/>
+            <p:nvPr/>
+          </p:nvSpPr>
+          <p:spPr>
+            <a:xfrm>
+              <a:off x="8029211" y="3979192"/>
+              <a:ext cx="669807" cy="319753"/>
+            </a:xfrm>
+            <a:prstGeom prst="rect">
+              <a:avLst/>
+            </a:prstGeom>
+            <a:noFill/>
+          </p:spPr>
+          <p:txBody>
+            <a:bodyPr wrap="square" rtlCol="0">
+              <a:spAutoFit/>
+            </a:bodyPr>
+            <a:lstStyle/>
+            <a:p>
+              <a:pPr algn="ctr"/>
+              <a:r>
+                <a:rPr lang="en-US" b="1" dirty="0"/>
+                <a:t>c’*</a:t>
+              </a:r>
+            </a:p>
+          </p:txBody>
+        </p:sp>
+      </p:grpSp>
     </p:spTree>
     <p:extLst>
       <p:ext uri="{BB962C8B-B14F-4D97-AF65-F5344CB8AC3E}">
-        <p14:creationId xmlns:p14="http://schemas.microsoft.com/office/powerpoint/2010/main" val="1686856827"/>
+        <p14:creationId xmlns:p14="http://schemas.microsoft.com/office/powerpoint/2010/main" val="2967797731"/>
       </p:ext>
     </p:extLst>
   </p:cSld>
@@ -16283,10 +17407,56 @@
       </p:grpSpPr>
       <p:sp>
         <p:nvSpPr>
+          <p:cNvPr id="4" name="Rectangle 3">
+            <a:extLst>
+              <a:ext uri="{FF2B5EF4-FFF2-40B4-BE49-F238E27FC236}">
+                <a16:creationId xmlns:a16="http://schemas.microsoft.com/office/drawing/2014/main" id="{37CA3292-C8AA-2657-3FE7-CBB92C6E4EB4}"/>
+              </a:ext>
+            </a:extLst>
+          </p:cNvPr>
+          <p:cNvSpPr/>
+          <p:nvPr/>
+        </p:nvSpPr>
+        <p:spPr>
+          <a:xfrm>
+            <a:off x="0" y="0"/>
+            <a:ext cx="12192000" cy="1134641"/>
+          </a:xfrm>
+          <a:prstGeom prst="rect">
+            <a:avLst/>
+          </a:prstGeom>
+        </p:spPr>
+        <p:style>
+          <a:lnRef idx="2">
+            <a:schemeClr val="accent1">
+              <a:shade val="15000"/>
+            </a:schemeClr>
+          </a:lnRef>
+          <a:fillRef idx="1">
+            <a:schemeClr val="accent1"/>
+          </a:fillRef>
+          <a:effectRef idx="0">
+            <a:schemeClr val="accent1"/>
+          </a:effectRef>
+          <a:fontRef idx="minor">
+            <a:schemeClr val="lt1"/>
+          </a:fontRef>
+        </p:style>
+        <p:txBody>
+          <a:bodyPr rtlCol="0" anchor="ctr"/>
+          <a:lstStyle/>
+          <a:p>
+            <a:pPr algn="ctr"/>
+            <a:endParaRPr lang="en-US"/>
+          </a:p>
+        </p:txBody>
+      </p:sp>
+      <p:sp>
+        <p:nvSpPr>
           <p:cNvPr id="2" name="Title 1">
             <a:extLst>
               <a:ext uri="{FF2B5EF4-FFF2-40B4-BE49-F238E27FC236}">
-                <a16:creationId xmlns:a16="http://schemas.microsoft.com/office/drawing/2014/main" id="{72FA8032-D36A-3A43-12C3-7C158C60BF68}"/>
+                <a16:creationId xmlns:a16="http://schemas.microsoft.com/office/drawing/2014/main" id="{8F5F3EF2-511F-A7A3-C71A-43524975D087}"/>
               </a:ext>
             </a:extLst>
           </p:cNvPr>
@@ -16297,14 +17467,24 @@
             <p:ph type="title"/>
           </p:nvPr>
         </p:nvSpPr>
-        <p:spPr/>
+        <p:spPr>
+          <a:xfrm>
+            <a:off x="0" y="0"/>
+            <a:ext cx="12192000" cy="1325563"/>
+          </a:xfrm>
+        </p:spPr>
         <p:txBody>
           <a:bodyPr/>
           <a:lstStyle/>
           <a:p>
-            <a:r>
-              <a:rPr lang="en-US" b="1" dirty="0"/>
-              <a:t>Data Preparation for Mediation Analysis</a:t>
+            <a:pPr algn="ctr"/>
+            <a:r>
+              <a:rPr lang="en-US" b="1" dirty="0">
+                <a:solidFill>
+                  <a:schemeClr val="bg1"/>
+                </a:solidFill>
+              </a:rPr>
+              <a:t>Statistical Methods for Testing Mediation</a:t>
             </a:r>
           </a:p>
         </p:txBody>
@@ -16314,7 +17494,7 @@
           <p:cNvPr id="3" name="Content Placeholder 2">
             <a:extLst>
               <a:ext uri="{FF2B5EF4-FFF2-40B4-BE49-F238E27FC236}">
-                <a16:creationId xmlns:a16="http://schemas.microsoft.com/office/drawing/2014/main" id="{C121A2CD-7C8B-9E4C-3446-C85FEE9A9D65}"/>
+                <a16:creationId xmlns:a16="http://schemas.microsoft.com/office/drawing/2014/main" id="{A2953D99-CF80-C181-F1FE-115170C2DC57}"/>
               </a:ext>
             </a:extLst>
           </p:cNvPr>
@@ -16325,38 +17505,65 @@
             <p:ph idx="1"/>
           </p:nvPr>
         </p:nvSpPr>
-        <p:spPr/>
+        <p:spPr>
+          <a:xfrm>
+            <a:off x="419099" y="1887458"/>
+            <a:ext cx="10060405" cy="4351338"/>
+          </a:xfrm>
+        </p:spPr>
         <p:txBody>
           <a:bodyPr/>
           <a:lstStyle/>
           <a:p>
             <a:r>
+              <a:rPr lang="en-US" b="1" dirty="0"/>
+              <a:t>Historical Approach(es)</a:t>
+            </a:r>
+          </a:p>
+          <a:p>
+            <a:pPr lvl="1"/>
+            <a:r>
               <a:rPr lang="en-US" dirty="0"/>
-              <a:t>Temporal precedence: X must precede M which must precede Y</a:t>
-            </a:r>
-          </a:p>
-          <a:p>
+              <a:t>Baron &amp; Kenny's causal steps</a:t>
+            </a:r>
+          </a:p>
+          <a:p>
+            <a:pPr lvl="1"/>
             <a:r>
               <a:rPr lang="en-US" dirty="0"/>
-              <a:t>Avoid multicollinearity to prevent suppression effects</a:t>
-            </a:r>
-          </a:p>
-          <a:p>
-            <a:r>
+              <a:t>Sobel’s Test</a:t>
+            </a:r>
+            <a:br>
               <a:rPr lang="en-US" dirty="0"/>
-              <a:t>Required sample size (power considerations)</a:t>
-            </a:r>
-          </a:p>
-          <a:p>
+            </a:br>
+            <a:endParaRPr lang="en-US" dirty="0"/>
+          </a:p>
+          <a:p>
+            <a:r>
+              <a:rPr lang="en-US" b="1" dirty="0"/>
+              <a:t>Modern approaches: Bootstrapping indirect effects</a:t>
+            </a:r>
+          </a:p>
+          <a:p>
+            <a:pPr lvl="1"/>
             <a:r>
               <a:rPr lang="en-US" dirty="0"/>
-              <a:t>Assumption of normal distribution of indirect effects</a:t>
-            </a:r>
-          </a:p>
-          <a:p>
+              <a:t>Process MACRO (SPSS)</a:t>
+            </a:r>
+          </a:p>
+          <a:p>
+            <a:pPr lvl="1"/>
             <a:r>
               <a:rPr lang="en-US" dirty="0"/>
-              <a:t>Testing for outliers and influential cases</a:t>
+              <a:t>Structural Equation Modeling (SEM) using </a:t>
+            </a:r>
+            <a:r>
+              <a:rPr lang="en-US" dirty="0" err="1"/>
+              <a:t>lavaan</a:t>
+            </a:r>
+            <a:r>
+              <a:rPr lang="en-US" dirty="0"/>
+              <a:t> (RStudio)</a:t>
             </a:r>
           </a:p>
         </p:txBody>
@@ -16364,7 +17571,7 @@
     </p:spTree>
     <p:extLst>
       <p:ext uri="{BB962C8B-B14F-4D97-AF65-F5344CB8AC3E}">
-        <p14:creationId xmlns:p14="http://schemas.microsoft.com/office/powerpoint/2010/main" val="2341048306"/>
+        <p14:creationId xmlns:p14="http://schemas.microsoft.com/office/powerpoint/2010/main" val="1686856827"/>
       </p:ext>
     </p:extLst>
   </p:cSld>
@@ -16393,6 +17600,451 @@
       </p:grpSpPr>
       <p:sp>
         <p:nvSpPr>
+          <p:cNvPr id="4" name="Rectangle 3">
+            <a:extLst>
+              <a:ext uri="{FF2B5EF4-FFF2-40B4-BE49-F238E27FC236}">
+                <a16:creationId xmlns:a16="http://schemas.microsoft.com/office/drawing/2014/main" id="{E20AD55E-A97F-A879-244F-D5F95D51082D}"/>
+              </a:ext>
+            </a:extLst>
+          </p:cNvPr>
+          <p:cNvSpPr/>
+          <p:nvPr/>
+        </p:nvSpPr>
+        <p:spPr>
+          <a:xfrm>
+            <a:off x="0" y="0"/>
+            <a:ext cx="12192000" cy="1134641"/>
+          </a:xfrm>
+          <a:prstGeom prst="rect">
+            <a:avLst/>
+          </a:prstGeom>
+        </p:spPr>
+        <p:style>
+          <a:lnRef idx="2">
+            <a:schemeClr val="accent1">
+              <a:shade val="15000"/>
+            </a:schemeClr>
+          </a:lnRef>
+          <a:fillRef idx="1">
+            <a:schemeClr val="accent1"/>
+          </a:fillRef>
+          <a:effectRef idx="0">
+            <a:schemeClr val="accent1"/>
+          </a:effectRef>
+          <a:fontRef idx="minor">
+            <a:schemeClr val="lt1"/>
+          </a:fontRef>
+        </p:style>
+        <p:txBody>
+          <a:bodyPr rtlCol="0" anchor="ctr"/>
+          <a:lstStyle/>
+          <a:p>
+            <a:pPr algn="ctr"/>
+            <a:endParaRPr lang="en-US"/>
+          </a:p>
+        </p:txBody>
+      </p:sp>
+      <p:sp>
+        <p:nvSpPr>
+          <p:cNvPr id="2" name="Title 1">
+            <a:extLst>
+              <a:ext uri="{FF2B5EF4-FFF2-40B4-BE49-F238E27FC236}">
+                <a16:creationId xmlns:a16="http://schemas.microsoft.com/office/drawing/2014/main" id="{72FA8032-D36A-3A43-12C3-7C158C60BF68}"/>
+              </a:ext>
+            </a:extLst>
+          </p:cNvPr>
+          <p:cNvSpPr>
+            <a:spLocks noGrp="1"/>
+          </p:cNvSpPr>
+          <p:nvPr>
+            <p:ph type="title"/>
+          </p:nvPr>
+        </p:nvSpPr>
+        <p:spPr>
+          <a:xfrm>
+            <a:off x="0" y="0"/>
+            <a:ext cx="12192000" cy="1325563"/>
+          </a:xfrm>
+        </p:spPr>
+        <p:txBody>
+          <a:bodyPr/>
+          <a:lstStyle/>
+          <a:p>
+            <a:pPr algn="ctr"/>
+            <a:r>
+              <a:rPr lang="en-US" b="1" dirty="0">
+                <a:solidFill>
+                  <a:schemeClr val="bg1"/>
+                </a:solidFill>
+              </a:rPr>
+              <a:t>Data Preparation for Mediation Analysis</a:t>
+            </a:r>
+          </a:p>
+        </p:txBody>
+      </p:sp>
+      <p:sp>
+        <p:nvSpPr>
+          <p:cNvPr id="3" name="Content Placeholder 2">
+            <a:extLst>
+              <a:ext uri="{FF2B5EF4-FFF2-40B4-BE49-F238E27FC236}">
+                <a16:creationId xmlns:a16="http://schemas.microsoft.com/office/drawing/2014/main" id="{C121A2CD-7C8B-9E4C-3446-C85FEE9A9D65}"/>
+              </a:ext>
+            </a:extLst>
+          </p:cNvPr>
+          <p:cNvSpPr>
+            <a:spLocks noGrp="1"/>
+          </p:cNvSpPr>
+          <p:nvPr>
+            <p:ph idx="1"/>
+          </p:nvPr>
+        </p:nvSpPr>
+        <p:spPr/>
+        <p:txBody>
+          <a:bodyPr>
+            <a:normAutofit lnSpcReduction="10000"/>
+          </a:bodyPr>
+          <a:lstStyle/>
+          <a:p>
+            <a:pPr marL="0" indent="0" algn="ctr">
+              <a:buNone/>
+            </a:pPr>
+            <a:r>
+              <a:rPr lang="en-US" b="1" u="sng" dirty="0"/>
+              <a:t>MLR Assumptions must be satisfied!</a:t>
+            </a:r>
+          </a:p>
+          <a:p>
+            <a:pPr marL="0" indent="0">
+              <a:buNone/>
+            </a:pPr>
+            <a:endParaRPr lang="en-US" b="1" u="sng" dirty="0"/>
+          </a:p>
+          <a:p>
+            <a:pPr marL="0" indent="0">
+              <a:buNone/>
+            </a:pPr>
+            <a:r>
+              <a:rPr lang="en-US" sz="3200" b="1" dirty="0"/>
+              <a:t>Critical Mediation Assumptions</a:t>
+            </a:r>
+          </a:p>
+          <a:p>
+            <a:pPr marL="514350" indent="-514350">
+              <a:buFont typeface="+mj-lt"/>
+              <a:buAutoNum type="arabicPeriod"/>
+            </a:pPr>
+            <a:r>
+              <a:rPr lang="en-US" b="1" dirty="0"/>
+              <a:t>Temporal precedence: </a:t>
+            </a:r>
+          </a:p>
+          <a:p>
+            <a:pPr lvl="1"/>
+            <a:r>
+              <a:rPr lang="en-US" dirty="0"/>
+              <a:t>X must precede M which must precede Y</a:t>
+            </a:r>
+          </a:p>
+          <a:p>
+            <a:pPr marL="514350" indent="-514350">
+              <a:buFont typeface="+mj-lt"/>
+              <a:buAutoNum type="arabicPeriod"/>
+            </a:pPr>
+            <a:r>
+              <a:rPr lang="en-US" b="1" dirty="0"/>
+              <a:t>No Multicollinearity</a:t>
+            </a:r>
+          </a:p>
+          <a:p>
+            <a:pPr lvl="1"/>
+            <a:r>
+              <a:rPr lang="en-US" dirty="0"/>
+              <a:t>Prevents suppression effects</a:t>
+            </a:r>
+          </a:p>
+          <a:p>
+            <a:pPr marL="514350" indent="-514350">
+              <a:buFont typeface="+mj-lt"/>
+              <a:buAutoNum type="arabicPeriod"/>
+            </a:pPr>
+            <a:r>
+              <a:rPr lang="en-US" b="1" dirty="0"/>
+              <a:t>No Influential Outliers</a:t>
+            </a:r>
+          </a:p>
+          <a:p>
+            <a:pPr marL="514350" indent="-514350">
+              <a:buFont typeface="+mj-lt"/>
+              <a:buAutoNum type="arabicPeriod"/>
+            </a:pPr>
+            <a:r>
+              <a:rPr lang="en-US" b="1" dirty="0"/>
+              <a:t>Adequate Power (required sample size?) </a:t>
+            </a:r>
+          </a:p>
+        </p:txBody>
+      </p:sp>
+    </p:spTree>
+    <p:extLst>
+      <p:ext uri="{BB962C8B-B14F-4D97-AF65-F5344CB8AC3E}">
+        <p14:creationId xmlns:p14="http://schemas.microsoft.com/office/powerpoint/2010/main" val="2341048306"/>
+      </p:ext>
+    </p:extLst>
+  </p:cSld>
+  <p:clrMapOvr>
+    <a:masterClrMapping/>
+  </p:clrMapOvr>
+</p:sld>
+</file>
+
+<file path=ppt/slides/slide16.xml><?xml version="1.0" encoding="utf-8"?>
+<p:sld xmlns:a="http://schemas.openxmlformats.org/drawingml/2006/main" xmlns:r="http://schemas.openxmlformats.org/officeDocument/2006/relationships" xmlns:p="http://schemas.openxmlformats.org/presentationml/2006/main">
+  <p:cSld>
+    <p:bg>
+      <p:bgPr>
+        <a:solidFill>
+          <a:schemeClr val="bg1"/>
+        </a:solidFill>
+        <a:effectLst/>
+      </p:bgPr>
+    </p:bg>
+    <p:spTree>
+      <p:nvGrpSpPr>
+        <p:cNvPr id="1" name=""/>
+        <p:cNvGrpSpPr/>
+        <p:nvPr/>
+      </p:nvGrpSpPr>
+      <p:grpSpPr>
+        <a:xfrm>
+          <a:off x="0" y="0"/>
+          <a:ext cx="0" cy="0"/>
+          <a:chOff x="0" y="0"/>
+          <a:chExt cx="0" cy="0"/>
+        </a:xfrm>
+      </p:grpSpPr>
+      <p:sp useBgFill="1">
+        <p:nvSpPr>
+          <p:cNvPr id="9" name="Slide Background">
+            <a:extLst>
+              <a:ext uri="{FF2B5EF4-FFF2-40B4-BE49-F238E27FC236}">
+                <a16:creationId xmlns:a16="http://schemas.microsoft.com/office/drawing/2014/main" id="{C0763A76-9F1C-4FC5-82B7-DD475DA461B2}"/>
+              </a:ext>
+              <a:ext uri="{C183D7F6-B498-43B3-948B-1728B52AA6E4}">
+                <adec:decorative xmlns:adec="http://schemas.microsoft.com/office/drawing/2017/decorative" val="1"/>
+              </a:ext>
+            </a:extLst>
+          </p:cNvPr>
+          <p:cNvSpPr>
+            <a:spLocks noGrp="1" noRot="1" noChangeAspect="1" noMove="1" noResize="1" noEditPoints="1" noAdjustHandles="1" noChangeArrowheads="1" noChangeShapeType="1" noTextEdit="1"/>
+          </p:cNvSpPr>
+          <p:nvPr>
+            <p:extLst>
+              <p:ext uri="{386F3935-93C4-4BCD-93E2-E3B085C9AB24}">
+                <p16:designElem xmlns:p16="http://schemas.microsoft.com/office/powerpoint/2015/main" val="1"/>
+              </p:ext>
+            </p:extLst>
+          </p:nvPr>
+        </p:nvSpPr>
+        <p:spPr bwMode="white">
+          <a:xfrm>
+            <a:off x="-1" y="0"/>
+            <a:ext cx="12191999" cy="6858000"/>
+          </a:xfrm>
+          <a:prstGeom prst="rect">
+            <a:avLst/>
+          </a:prstGeom>
+          <a:ln>
+            <a:noFill/>
+          </a:ln>
+        </p:spPr>
+        <p:style>
+          <a:lnRef idx="2">
+            <a:schemeClr val="accent1">
+              <a:shade val="50000"/>
+            </a:schemeClr>
+          </a:lnRef>
+          <a:fillRef idx="1">
+            <a:schemeClr val="accent1"/>
+          </a:fillRef>
+          <a:effectRef idx="0">
+            <a:schemeClr val="accent1"/>
+          </a:effectRef>
+          <a:fontRef idx="minor">
+            <a:schemeClr val="lt1"/>
+          </a:fontRef>
+        </p:style>
+        <p:txBody>
+          <a:bodyPr rtlCol="0" anchor="ctr"/>
+          <a:lstStyle>
+            <a:defPPr>
+              <a:defRPr lang="en-US"/>
+            </a:defPPr>
+            <a:lvl1pPr marL="0" algn="l" defTabSz="914400" rtl="0" eaLnBrk="1" latinLnBrk="0" hangingPunct="1">
+              <a:defRPr sz="1800" kern="1200">
+                <a:solidFill>
+                  <a:schemeClr val="lt1"/>
+                </a:solidFill>
+                <a:latin typeface="+mn-lt"/>
+                <a:ea typeface="+mn-ea"/>
+                <a:cs typeface="+mn-cs"/>
+              </a:defRPr>
+            </a:lvl1pPr>
+            <a:lvl2pPr marL="457200" algn="l" defTabSz="914400" rtl="0" eaLnBrk="1" latinLnBrk="0" hangingPunct="1">
+              <a:defRPr sz="1800" kern="1200">
+                <a:solidFill>
+                  <a:schemeClr val="lt1"/>
+                </a:solidFill>
+                <a:latin typeface="+mn-lt"/>
+                <a:ea typeface="+mn-ea"/>
+                <a:cs typeface="+mn-cs"/>
+              </a:defRPr>
+            </a:lvl2pPr>
+            <a:lvl3pPr marL="914400" algn="l" defTabSz="914400" rtl="0" eaLnBrk="1" latinLnBrk="0" hangingPunct="1">
+              <a:defRPr sz="1800" kern="1200">
+                <a:solidFill>
+                  <a:schemeClr val="lt1"/>
+                </a:solidFill>
+                <a:latin typeface="+mn-lt"/>
+                <a:ea typeface="+mn-ea"/>
+                <a:cs typeface="+mn-cs"/>
+              </a:defRPr>
+            </a:lvl3pPr>
+            <a:lvl4pPr marL="1371600" algn="l" defTabSz="914400" rtl="0" eaLnBrk="1" latinLnBrk="0" hangingPunct="1">
+              <a:defRPr sz="1800" kern="1200">
+                <a:solidFill>
+                  <a:schemeClr val="lt1"/>
+                </a:solidFill>
+                <a:latin typeface="+mn-lt"/>
+                <a:ea typeface="+mn-ea"/>
+                <a:cs typeface="+mn-cs"/>
+              </a:defRPr>
+            </a:lvl4pPr>
+            <a:lvl5pPr marL="1828800" algn="l" defTabSz="914400" rtl="0" eaLnBrk="1" latinLnBrk="0" hangingPunct="1">
+              <a:defRPr sz="1800" kern="1200">
+                <a:solidFill>
+                  <a:schemeClr val="lt1"/>
+                </a:solidFill>
+                <a:latin typeface="+mn-lt"/>
+                <a:ea typeface="+mn-ea"/>
+                <a:cs typeface="+mn-cs"/>
+              </a:defRPr>
+            </a:lvl5pPr>
+            <a:lvl6pPr marL="2286000" algn="l" defTabSz="914400" rtl="0" eaLnBrk="1" latinLnBrk="0" hangingPunct="1">
+              <a:defRPr sz="1800" kern="1200">
+                <a:solidFill>
+                  <a:schemeClr val="lt1"/>
+                </a:solidFill>
+                <a:latin typeface="+mn-lt"/>
+                <a:ea typeface="+mn-ea"/>
+                <a:cs typeface="+mn-cs"/>
+              </a:defRPr>
+            </a:lvl6pPr>
+            <a:lvl7pPr marL="2743200" algn="l" defTabSz="914400" rtl="0" eaLnBrk="1" latinLnBrk="0" hangingPunct="1">
+              <a:defRPr sz="1800" kern="1200">
+                <a:solidFill>
+                  <a:schemeClr val="lt1"/>
+                </a:solidFill>
+                <a:latin typeface="+mn-lt"/>
+                <a:ea typeface="+mn-ea"/>
+                <a:cs typeface="+mn-cs"/>
+              </a:defRPr>
+            </a:lvl7pPr>
+            <a:lvl8pPr marL="3200400" algn="l" defTabSz="914400" rtl="0" eaLnBrk="1" latinLnBrk="0" hangingPunct="1">
+              <a:defRPr sz="1800" kern="1200">
+                <a:solidFill>
+                  <a:schemeClr val="lt1"/>
+                </a:solidFill>
+                <a:latin typeface="+mn-lt"/>
+                <a:ea typeface="+mn-ea"/>
+                <a:cs typeface="+mn-cs"/>
+              </a:defRPr>
+            </a:lvl8pPr>
+            <a:lvl9pPr marL="3657600" algn="l" defTabSz="914400" rtl="0" eaLnBrk="1" latinLnBrk="0" hangingPunct="1">
+              <a:defRPr sz="1800" kern="1200">
+                <a:solidFill>
+                  <a:schemeClr val="lt1"/>
+                </a:solidFill>
+                <a:latin typeface="+mn-lt"/>
+                <a:ea typeface="+mn-ea"/>
+                <a:cs typeface="+mn-cs"/>
+              </a:defRPr>
+            </a:lvl9pPr>
+          </a:lstStyle>
+          <a:p>
+            <a:pPr algn="ctr"/>
+            <a:endParaRPr lang="en-US"/>
+          </a:p>
+        </p:txBody>
+      </p:sp>
+      <p:sp useBgFill="1">
+        <p:nvSpPr>
+          <p:cNvPr id="11" name="Rectangle 10">
+            <a:extLst>
+              <a:ext uri="{FF2B5EF4-FFF2-40B4-BE49-F238E27FC236}">
+                <a16:creationId xmlns:a16="http://schemas.microsoft.com/office/drawing/2014/main" id="{E81BF4F6-F2CF-4984-9D14-D6966D92F99F}"/>
+              </a:ext>
+              <a:ext uri="{C183D7F6-B498-43B3-948B-1728B52AA6E4}">
+                <adec:decorative xmlns:adec="http://schemas.microsoft.com/office/drawing/2017/decorative" val="1"/>
+              </a:ext>
+            </a:extLst>
+          </p:cNvPr>
+          <p:cNvSpPr>
+            <a:spLocks noGrp="1" noRot="1" noChangeAspect="1" noMove="1" noResize="1" noEditPoints="1" noAdjustHandles="1" noChangeArrowheads="1" noChangeShapeType="1" noTextEdit="1"/>
+          </p:cNvSpPr>
+          <p:nvPr>
+            <p:extLst>
+              <p:ext uri="{386F3935-93C4-4BCD-93E2-E3B085C9AB24}">
+                <p16:designElem xmlns:p16="http://schemas.microsoft.com/office/powerpoint/2015/main" val="1"/>
+              </p:ext>
+            </p:extLst>
+          </p:nvPr>
+        </p:nvSpPr>
+        <p:spPr>
+          <a:xfrm>
+            <a:off x="1" y="0"/>
+            <a:ext cx="8522446" cy="2285999"/>
+          </a:xfrm>
+          <a:prstGeom prst="rect">
+            <a:avLst/>
+          </a:prstGeom>
+          <a:ln>
+            <a:noFill/>
+          </a:ln>
+          <a:effectLst>
+            <a:outerShdw blurRad="596900" dist="304800" dir="7140000" sx="90000" sy="90000" algn="t" rotWithShape="0">
+              <a:srgbClr val="000000">
+                <a:alpha val="15000"/>
+              </a:srgbClr>
+            </a:outerShdw>
+          </a:effectLst>
+        </p:spPr>
+        <p:style>
+          <a:lnRef idx="2">
+            <a:schemeClr val="accent1">
+              <a:shade val="50000"/>
+            </a:schemeClr>
+          </a:lnRef>
+          <a:fillRef idx="1">
+            <a:schemeClr val="accent1"/>
+          </a:fillRef>
+          <a:effectRef idx="0">
+            <a:schemeClr val="accent1"/>
+          </a:effectRef>
+          <a:fontRef idx="minor">
+            <a:schemeClr val="lt1"/>
+          </a:fontRef>
+        </p:style>
+        <p:txBody>
+          <a:bodyPr rtlCol="0" anchor="ctr"/>
+          <a:lstStyle/>
+          <a:p>
+            <a:pPr algn="ctr"/>
+            <a:endParaRPr lang="en-US"/>
+          </a:p>
+        </p:txBody>
+      </p:sp>
+      <p:sp>
+        <p:nvSpPr>
           <p:cNvPr id="2" name="Title 1">
             <a:extLst>
               <a:ext uri="{FF2B5EF4-FFF2-40B4-BE49-F238E27FC236}">
@@ -16407,13 +18059,20 @@
             <p:ph type="title"/>
           </p:nvPr>
         </p:nvSpPr>
-        <p:spPr/>
+        <p:spPr>
+          <a:xfrm>
+            <a:off x="761803" y="350196"/>
+            <a:ext cx="4646904" cy="1624520"/>
+          </a:xfrm>
+        </p:spPr>
         <p:txBody>
-          <a:bodyPr/>
+          <a:bodyPr anchor="ctr">
+            <a:normAutofit/>
+          </a:bodyPr>
           <a:lstStyle/>
           <a:p>
             <a:r>
-              <a:rPr lang="en-US" b="1" dirty="0"/>
+              <a:rPr lang="en-US" sz="4000" b="1"/>
               <a:t>Common Pitfalls in Mediation Analysis</a:t>
             </a:r>
           </a:p>
@@ -16435,42 +18094,85 @@
             <p:ph idx="1"/>
           </p:nvPr>
         </p:nvSpPr>
-        <p:spPr/>
+        <p:spPr>
+          <a:xfrm>
+            <a:off x="74508" y="2133600"/>
+            <a:ext cx="5919891" cy="3892549"/>
+          </a:xfrm>
+        </p:spPr>
         <p:txBody>
-          <a:bodyPr/>
+          <a:bodyPr anchor="ctr">
+            <a:normAutofit/>
+          </a:bodyPr>
           <a:lstStyle/>
           <a:p>
             <a:r>
-              <a:rPr lang="en-US" dirty="0"/>
-              <a:t>Assuming causality from cross-sectional data</a:t>
-            </a:r>
-          </a:p>
-          <a:p>
-            <a:r>
-              <a:rPr lang="en-US" dirty="0"/>
+              <a:rPr lang="en-US" sz="2500" dirty="0"/>
+              <a:t>Assuming causality from </a:t>
+            </a:r>
+            <a:br>
+              <a:rPr lang="en-US" sz="2500" dirty="0"/>
+            </a:br>
+            <a:r>
+              <a:rPr lang="en-US" sz="2500" dirty="0"/>
+              <a:t>cross-sectional data</a:t>
+            </a:r>
+          </a:p>
+          <a:p>
+            <a:r>
+              <a:rPr lang="en-US" sz="2500" dirty="0"/>
               <a:t>Omitted variable bias</a:t>
             </a:r>
           </a:p>
           <a:p>
             <a:r>
-              <a:rPr lang="en-US" dirty="0"/>
+              <a:rPr lang="en-US" sz="2500" dirty="0"/>
               <a:t>Reversed causality</a:t>
             </a:r>
           </a:p>
           <a:p>
             <a:r>
-              <a:rPr lang="en-US" dirty="0"/>
+              <a:rPr lang="en-US" sz="2500" dirty="0"/>
               <a:t>Confounding mediator-outcome relationship</a:t>
             </a:r>
           </a:p>
           <a:p>
             <a:r>
-              <a:rPr lang="en-US" dirty="0"/>
+              <a:rPr lang="en-US" sz="2500" dirty="0"/>
               <a:t>Ignoring measurement error</a:t>
             </a:r>
           </a:p>
         </p:txBody>
       </p:sp>
+      <p:pic>
+        <p:nvPicPr>
+          <p:cNvPr id="5" name="Picture 4" descr="Magnifying glass showing decling performance">
+            <a:extLst>
+              <a:ext uri="{FF2B5EF4-FFF2-40B4-BE49-F238E27FC236}">
+                <a16:creationId xmlns:a16="http://schemas.microsoft.com/office/drawing/2014/main" id="{23CEA657-B2F3-ED4D-445E-94A477DCB8FA}"/>
+              </a:ext>
+            </a:extLst>
+          </p:cNvPr>
+          <p:cNvPicPr>
+            <a:picLocks noChangeAspect="1"/>
+          </p:cNvPicPr>
+          <p:nvPr/>
+        </p:nvPicPr>
+        <p:blipFill>
+          <a:blip r:embed="rId3"/>
+          <a:srcRect l="5018" r="35581" b="-2"/>
+          <a:stretch/>
+        </p:blipFill>
+        <p:spPr>
+          <a:xfrm>
+            <a:off x="6096000" y="1"/>
+            <a:ext cx="6102825" cy="6858000"/>
+          </a:xfrm>
+          <a:prstGeom prst="rect">
+            <a:avLst/>
+          </a:prstGeom>
+        </p:spPr>
+      </p:pic>
     </p:spTree>
     <p:extLst>
       <p:ext uri="{BB962C8B-B14F-4D97-AF65-F5344CB8AC3E}">
@@ -16484,7 +18186,7 @@
 </p:sld>
 </file>
 
-<file path=ppt/slides/slide16.xml><?xml version="1.0" encoding="utf-8"?>
+<file path=ppt/slides/slide17.xml><?xml version="1.0" encoding="utf-8"?>
 <p:sld xmlns:a="http://schemas.openxmlformats.org/drawingml/2006/main" xmlns:r="http://schemas.openxmlformats.org/officeDocument/2006/relationships" xmlns:p="http://schemas.openxmlformats.org/presentationml/2006/main">
   <p:cSld>
     <p:spTree>
@@ -16609,7 +18311,7 @@
 </p:sld>
 </file>
 
-<file path=ppt/slides/slide17.xml><?xml version="1.0" encoding="utf-8"?>
+<file path=ppt/slides/slide18.xml><?xml version="1.0" encoding="utf-8"?>
 <p:sld xmlns:a="http://schemas.openxmlformats.org/drawingml/2006/main" xmlns:r="http://schemas.openxmlformats.org/officeDocument/2006/relationships" xmlns:p="http://schemas.openxmlformats.org/presentationml/2006/main">
   <p:cSld>
     <p:spTree>
@@ -17061,6 +18763,52 @@
       </p:grpSpPr>
       <p:sp>
         <p:nvSpPr>
+          <p:cNvPr id="4" name="Rectangle 3">
+            <a:extLst>
+              <a:ext uri="{FF2B5EF4-FFF2-40B4-BE49-F238E27FC236}">
+                <a16:creationId xmlns:a16="http://schemas.microsoft.com/office/drawing/2014/main" id="{AC56CE8C-E519-269B-BD97-32C85F416C40}"/>
+              </a:ext>
+            </a:extLst>
+          </p:cNvPr>
+          <p:cNvSpPr/>
+          <p:nvPr/>
+        </p:nvSpPr>
+        <p:spPr>
+          <a:xfrm>
+            <a:off x="-648182" y="-370390"/>
+            <a:ext cx="14236860" cy="1632031"/>
+          </a:xfrm>
+          <a:prstGeom prst="rect">
+            <a:avLst/>
+          </a:prstGeom>
+        </p:spPr>
+        <p:style>
+          <a:lnRef idx="2">
+            <a:schemeClr val="accent1">
+              <a:shade val="15000"/>
+            </a:schemeClr>
+          </a:lnRef>
+          <a:fillRef idx="1">
+            <a:schemeClr val="accent1"/>
+          </a:fillRef>
+          <a:effectRef idx="0">
+            <a:schemeClr val="accent1"/>
+          </a:effectRef>
+          <a:fontRef idx="minor">
+            <a:schemeClr val="lt1"/>
+          </a:fontRef>
+        </p:style>
+        <p:txBody>
+          <a:bodyPr rtlCol="0" anchor="ctr"/>
+          <a:lstStyle/>
+          <a:p>
+            <a:pPr algn="ctr"/>
+            <a:endParaRPr lang="en-US"/>
+          </a:p>
+        </p:txBody>
+      </p:sp>
+      <p:sp>
+        <p:nvSpPr>
           <p:cNvPr id="2" name="Title 1">
             <a:extLst>
               <a:ext uri="{FF2B5EF4-FFF2-40B4-BE49-F238E27FC236}">
@@ -17077,7 +18825,7 @@
         </p:nvSpPr>
         <p:spPr>
           <a:xfrm>
-            <a:off x="838200" y="18255"/>
+            <a:off x="664580" y="18255"/>
             <a:ext cx="10515600" cy="1325563"/>
           </a:xfrm>
         </p:spPr>
@@ -17086,7 +18834,11 @@
           <a:lstStyle/>
           <a:p>
             <a:r>
-              <a:rPr lang="en-US" b="1" dirty="0"/>
+              <a:rPr lang="en-US" b="1" dirty="0">
+                <a:solidFill>
+                  <a:schemeClr val="bg1"/>
+                </a:solidFill>
+              </a:rPr>
               <a:t>Introduction to Moderation</a:t>
             </a:r>
           </a:p>
@@ -17110,7 +18862,7 @@
         </p:nvSpPr>
         <p:spPr>
           <a:xfrm>
-            <a:off x="419100" y="1343818"/>
+            <a:off x="419100" y="1732463"/>
             <a:ext cx="11353800" cy="4351338"/>
           </a:xfrm>
         </p:spPr>
@@ -19303,8 +21055,8 @@
           </a:p>
         </p:txBody>
       </p:sp>
-      <mc:AlternateContent xmlns:mc="http://schemas.openxmlformats.org/markup-compatibility/2006">
-        <mc:Choice xmlns:a14="http://schemas.microsoft.com/office/drawing/2010/main" Requires="a14">
+      <mc:AlternateContent xmlns:mc="http://schemas.openxmlformats.org/markup-compatibility/2006" xmlns:a14="http://schemas.microsoft.com/office/drawing/2010/main">
+        <mc:Choice Requires="a14">
           <p:sp>
             <p:nvSpPr>
               <p:cNvPr id="3" name="Content Placeholder 2">
@@ -19669,7 +21421,7 @@
             </p:txBody>
           </p:sp>
         </mc:Choice>
-        <mc:Fallback>
+        <mc:Fallback xmlns="">
           <p:sp>
             <p:nvSpPr>
               <p:cNvPr id="3" name="Content Placeholder 2">
@@ -20890,7 +22642,7 @@
         </p:spPr>
         <p:txBody>
           <a:bodyPr anchor="ctr">
-            <a:normAutofit fontScale="92500" lnSpcReduction="10000"/>
+            <a:normAutofit fontScale="92500" lnSpcReduction="20000"/>
           </a:bodyPr>
           <a:lstStyle/>
           <a:p>
@@ -20936,10 +22688,17 @@
               <a:rPr lang="en-US" sz="1900" dirty="0"/>
               <a:t>(lines 117-176)</a:t>
             </a:r>
+          </a:p>
+          <a:p>
+            <a:pPr lvl="1"/>
+            <a:r>
+              <a:rPr lang="en-US" sz="1500" dirty="0"/>
+              <a:t>Save Clean Data for Import into SPSS</a:t>
+            </a:r>
             <a:br>
-              <a:rPr lang="en-US" sz="1900" dirty="0"/>
+              <a:rPr lang="en-US" sz="1500" dirty="0"/>
             </a:br>
-            <a:endParaRPr lang="en-US" sz="1900" dirty="0"/>
+            <a:endParaRPr lang="en-US" sz="1500" dirty="0"/>
           </a:p>
           <a:p>
             <a:r>

--- a/Data Analysis II - Mediation and Moderation.pptx
+++ b/Data Analysis II - Mediation and Moderation.pptx
@@ -24,7 +24,7 @@
     <p:sldId id="261" r:id="rId15"/>
     <p:sldId id="262" r:id="rId16"/>
     <p:sldId id="264" r:id="rId17"/>
-    <p:sldId id="266" r:id="rId18"/>
+    <p:sldId id="275" r:id="rId18"/>
     <p:sldId id="267" r:id="rId19"/>
   </p:sldIdLst>
   <p:sldSz cx="12192000" cy="6858000"/>
@@ -153,11 +153,7 @@
             <p14:sldId id="261"/>
             <p14:sldId id="262"/>
             <p14:sldId id="264"/>
-          </p14:sldIdLst>
-        </p14:section>
-        <p14:section name="Advanced Topics" id="{B5D32D9A-7BA6-42B8-ACDB-D96266668C3A}">
-          <p14:sldIdLst>
-            <p14:sldId id="266"/>
+            <p14:sldId id="275"/>
           </p14:sldIdLst>
         </p14:section>
         <p14:section name="Software &amp; Tools" id="{A2C2FC1A-6E52-4EF3-ACF2-0007060E7A6B}">
@@ -1705,6 +1701,753 @@
     <dgm:fillClrLst meth="repeat">
       <a:schemeClr val="accent2">
         <a:tint val="40000"/>
+      </a:schemeClr>
+    </dgm:fillClrLst>
+    <dgm:linClrLst meth="repeat">
+      <a:schemeClr val="lt1"/>
+    </dgm:linClrLst>
+    <dgm:effectClrLst/>
+    <dgm:txLinClrLst/>
+    <dgm:txFillClrLst meth="repeat">
+      <a:schemeClr val="dk1"/>
+    </dgm:txFillClrLst>
+    <dgm:txEffectClrLst/>
+  </dgm:styleLbl>
+  <dgm:styleLbl name="revTx">
+    <dgm:fillClrLst meth="repeat">
+      <a:schemeClr val="lt1">
+        <a:alpha val="0"/>
+      </a:schemeClr>
+    </dgm:fillClrLst>
+    <dgm:linClrLst meth="repeat">
+      <a:schemeClr val="dk1">
+        <a:alpha val="0"/>
+      </a:schemeClr>
+    </dgm:linClrLst>
+    <dgm:effectClrLst/>
+    <dgm:txLinClrLst/>
+    <dgm:txFillClrLst meth="repeat">
+      <a:schemeClr val="tx1"/>
+    </dgm:txFillClrLst>
+    <dgm:txEffectClrLst/>
+  </dgm:styleLbl>
+</dgm:colorsDef>
+</file>
+
+<file path=ppt/diagrams/colors3.xml><?xml version="1.0" encoding="utf-8"?>
+<dgm:colorsDef xmlns:dgm="http://schemas.openxmlformats.org/drawingml/2006/diagram" xmlns:a="http://schemas.openxmlformats.org/drawingml/2006/main" uniqueId="urn:microsoft.com/office/officeart/2005/8/colors/accent1_2">
+  <dgm:title val=""/>
+  <dgm:desc val=""/>
+  <dgm:catLst>
+    <dgm:cat type="accent1" pri="11200"/>
+  </dgm:catLst>
+  <dgm:styleLbl name="node0">
+    <dgm:fillClrLst meth="repeat">
+      <a:schemeClr val="accent1"/>
+    </dgm:fillClrLst>
+    <dgm:linClrLst meth="repeat">
+      <a:schemeClr val="lt1"/>
+    </dgm:linClrLst>
+    <dgm:effectClrLst/>
+    <dgm:txLinClrLst/>
+    <dgm:txFillClrLst/>
+    <dgm:txEffectClrLst/>
+  </dgm:styleLbl>
+  <dgm:styleLbl name="alignNode1">
+    <dgm:fillClrLst meth="repeat">
+      <a:schemeClr val="accent1"/>
+    </dgm:fillClrLst>
+    <dgm:linClrLst meth="repeat">
+      <a:schemeClr val="accent1"/>
+    </dgm:linClrLst>
+    <dgm:effectClrLst/>
+    <dgm:txLinClrLst/>
+    <dgm:txFillClrLst/>
+    <dgm:txEffectClrLst/>
+  </dgm:styleLbl>
+  <dgm:styleLbl name="node1">
+    <dgm:fillClrLst meth="repeat">
+      <a:schemeClr val="accent1"/>
+    </dgm:fillClrLst>
+    <dgm:linClrLst meth="repeat">
+      <a:schemeClr val="lt1"/>
+    </dgm:linClrLst>
+    <dgm:effectClrLst/>
+    <dgm:txLinClrLst/>
+    <dgm:txFillClrLst/>
+    <dgm:txEffectClrLst/>
+  </dgm:styleLbl>
+  <dgm:styleLbl name="lnNode1">
+    <dgm:fillClrLst meth="repeat">
+      <a:schemeClr val="accent1"/>
+    </dgm:fillClrLst>
+    <dgm:linClrLst meth="repeat">
+      <a:schemeClr val="lt1"/>
+    </dgm:linClrLst>
+    <dgm:effectClrLst/>
+    <dgm:txLinClrLst/>
+    <dgm:txFillClrLst/>
+    <dgm:txEffectClrLst/>
+  </dgm:styleLbl>
+  <dgm:styleLbl name="vennNode1">
+    <dgm:fillClrLst meth="repeat">
+      <a:schemeClr val="accent1">
+        <a:alpha val="50000"/>
+      </a:schemeClr>
+    </dgm:fillClrLst>
+    <dgm:linClrLst meth="repeat">
+      <a:schemeClr val="lt1"/>
+    </dgm:linClrLst>
+    <dgm:effectClrLst/>
+    <dgm:txLinClrLst/>
+    <dgm:txFillClrLst/>
+    <dgm:txEffectClrLst/>
+  </dgm:styleLbl>
+  <dgm:styleLbl name="node2">
+    <dgm:fillClrLst meth="repeat">
+      <a:schemeClr val="accent1"/>
+    </dgm:fillClrLst>
+    <dgm:linClrLst meth="repeat">
+      <a:schemeClr val="lt1"/>
+    </dgm:linClrLst>
+    <dgm:effectClrLst/>
+    <dgm:txLinClrLst/>
+    <dgm:txFillClrLst/>
+    <dgm:txEffectClrLst/>
+  </dgm:styleLbl>
+  <dgm:styleLbl name="node3">
+    <dgm:fillClrLst meth="repeat">
+      <a:schemeClr val="accent1"/>
+    </dgm:fillClrLst>
+    <dgm:linClrLst meth="repeat">
+      <a:schemeClr val="lt1"/>
+    </dgm:linClrLst>
+    <dgm:effectClrLst/>
+    <dgm:txLinClrLst/>
+    <dgm:txFillClrLst/>
+    <dgm:txEffectClrLst/>
+  </dgm:styleLbl>
+  <dgm:styleLbl name="node4">
+    <dgm:fillClrLst meth="repeat">
+      <a:schemeClr val="accent1"/>
+    </dgm:fillClrLst>
+    <dgm:linClrLst meth="repeat">
+      <a:schemeClr val="lt1"/>
+    </dgm:linClrLst>
+    <dgm:effectClrLst/>
+    <dgm:txLinClrLst/>
+    <dgm:txFillClrLst/>
+    <dgm:txEffectClrLst/>
+  </dgm:styleLbl>
+  <dgm:styleLbl name="fgImgPlace1">
+    <dgm:fillClrLst meth="repeat">
+      <a:schemeClr val="accent1">
+        <a:tint val="50000"/>
+      </a:schemeClr>
+    </dgm:fillClrLst>
+    <dgm:linClrLst meth="repeat">
+      <a:schemeClr val="lt1"/>
+    </dgm:linClrLst>
+    <dgm:effectClrLst/>
+    <dgm:txLinClrLst/>
+    <dgm:txFillClrLst meth="repeat">
+      <a:schemeClr val="lt1"/>
+    </dgm:txFillClrLst>
+    <dgm:txEffectClrLst/>
+  </dgm:styleLbl>
+  <dgm:styleLbl name="alignImgPlace1">
+    <dgm:fillClrLst meth="repeat">
+      <a:schemeClr val="accent1">
+        <a:tint val="50000"/>
+      </a:schemeClr>
+    </dgm:fillClrLst>
+    <dgm:linClrLst meth="repeat">
+      <a:schemeClr val="lt1"/>
+    </dgm:linClrLst>
+    <dgm:effectClrLst/>
+    <dgm:txLinClrLst/>
+    <dgm:txFillClrLst meth="repeat">
+      <a:schemeClr val="lt1"/>
+    </dgm:txFillClrLst>
+    <dgm:txEffectClrLst/>
+  </dgm:styleLbl>
+  <dgm:styleLbl name="bgImgPlace1">
+    <dgm:fillClrLst meth="repeat">
+      <a:schemeClr val="accent1">
+        <a:tint val="50000"/>
+      </a:schemeClr>
+    </dgm:fillClrLst>
+    <dgm:linClrLst meth="repeat">
+      <a:schemeClr val="lt1"/>
+    </dgm:linClrLst>
+    <dgm:effectClrLst/>
+    <dgm:txLinClrLst/>
+    <dgm:txFillClrLst meth="repeat">
+      <a:schemeClr val="lt1"/>
+    </dgm:txFillClrLst>
+    <dgm:txEffectClrLst/>
+  </dgm:styleLbl>
+  <dgm:styleLbl name="sibTrans2D1">
+    <dgm:fillClrLst meth="repeat">
+      <a:schemeClr val="accent1">
+        <a:tint val="60000"/>
+      </a:schemeClr>
+    </dgm:fillClrLst>
+    <dgm:linClrLst meth="repeat">
+      <a:schemeClr val="accent1">
+        <a:tint val="60000"/>
+      </a:schemeClr>
+    </dgm:linClrLst>
+    <dgm:effectClrLst/>
+    <dgm:txLinClrLst/>
+    <dgm:txFillClrLst/>
+    <dgm:txEffectClrLst/>
+  </dgm:styleLbl>
+  <dgm:styleLbl name="fgSibTrans2D1">
+    <dgm:fillClrLst meth="repeat">
+      <a:schemeClr val="accent1">
+        <a:tint val="60000"/>
+      </a:schemeClr>
+    </dgm:fillClrLst>
+    <dgm:linClrLst meth="repeat">
+      <a:schemeClr val="accent1">
+        <a:tint val="60000"/>
+      </a:schemeClr>
+    </dgm:linClrLst>
+    <dgm:effectClrLst/>
+    <dgm:txLinClrLst/>
+    <dgm:txFillClrLst/>
+    <dgm:txEffectClrLst/>
+  </dgm:styleLbl>
+  <dgm:styleLbl name="bgSibTrans2D1">
+    <dgm:fillClrLst meth="repeat">
+      <a:schemeClr val="accent1">
+        <a:tint val="60000"/>
+      </a:schemeClr>
+    </dgm:fillClrLst>
+    <dgm:linClrLst meth="repeat">
+      <a:schemeClr val="accent1">
+        <a:tint val="60000"/>
+      </a:schemeClr>
+    </dgm:linClrLst>
+    <dgm:effectClrLst/>
+    <dgm:txLinClrLst/>
+    <dgm:txFillClrLst/>
+    <dgm:txEffectClrLst/>
+  </dgm:styleLbl>
+  <dgm:styleLbl name="sibTrans1D1">
+    <dgm:fillClrLst meth="repeat">
+      <a:schemeClr val="accent1"/>
+    </dgm:fillClrLst>
+    <dgm:linClrLst meth="repeat">
+      <a:schemeClr val="accent1"/>
+    </dgm:linClrLst>
+    <dgm:effectClrLst/>
+    <dgm:txLinClrLst/>
+    <dgm:txFillClrLst meth="repeat">
+      <a:schemeClr val="tx1"/>
+    </dgm:txFillClrLst>
+    <dgm:txEffectClrLst/>
+  </dgm:styleLbl>
+  <dgm:styleLbl name="callout">
+    <dgm:fillClrLst meth="repeat">
+      <a:schemeClr val="accent1"/>
+    </dgm:fillClrLst>
+    <dgm:linClrLst meth="repeat">
+      <a:schemeClr val="accent1">
+        <a:tint val="50000"/>
+      </a:schemeClr>
+    </dgm:linClrLst>
+    <dgm:effectClrLst/>
+    <dgm:txLinClrLst/>
+    <dgm:txFillClrLst meth="repeat">
+      <a:schemeClr val="tx1"/>
+    </dgm:txFillClrLst>
+    <dgm:txEffectClrLst/>
+  </dgm:styleLbl>
+  <dgm:styleLbl name="asst0">
+    <dgm:fillClrLst meth="repeat">
+      <a:schemeClr val="accent1"/>
+    </dgm:fillClrLst>
+    <dgm:linClrLst meth="repeat">
+      <a:schemeClr val="lt1"/>
+    </dgm:linClrLst>
+    <dgm:effectClrLst/>
+    <dgm:txLinClrLst/>
+    <dgm:txFillClrLst/>
+    <dgm:txEffectClrLst/>
+  </dgm:styleLbl>
+  <dgm:styleLbl name="asst1">
+    <dgm:fillClrLst meth="repeat">
+      <a:schemeClr val="accent1"/>
+    </dgm:fillClrLst>
+    <dgm:linClrLst meth="repeat">
+      <a:schemeClr val="lt1"/>
+    </dgm:linClrLst>
+    <dgm:effectClrLst/>
+    <dgm:txLinClrLst/>
+    <dgm:txFillClrLst/>
+    <dgm:txEffectClrLst/>
+  </dgm:styleLbl>
+  <dgm:styleLbl name="asst2">
+    <dgm:fillClrLst meth="repeat">
+      <a:schemeClr val="accent1"/>
+    </dgm:fillClrLst>
+    <dgm:linClrLst meth="repeat">
+      <a:schemeClr val="lt1"/>
+    </dgm:linClrLst>
+    <dgm:effectClrLst/>
+    <dgm:txLinClrLst/>
+    <dgm:txFillClrLst/>
+    <dgm:txEffectClrLst/>
+  </dgm:styleLbl>
+  <dgm:styleLbl name="asst3">
+    <dgm:fillClrLst meth="repeat">
+      <a:schemeClr val="accent1"/>
+    </dgm:fillClrLst>
+    <dgm:linClrLst meth="repeat">
+      <a:schemeClr val="lt1"/>
+    </dgm:linClrLst>
+    <dgm:effectClrLst/>
+    <dgm:txLinClrLst/>
+    <dgm:txFillClrLst/>
+    <dgm:txEffectClrLst/>
+  </dgm:styleLbl>
+  <dgm:styleLbl name="asst4">
+    <dgm:fillClrLst meth="repeat">
+      <a:schemeClr val="accent1"/>
+    </dgm:fillClrLst>
+    <dgm:linClrLst meth="repeat">
+      <a:schemeClr val="lt1"/>
+    </dgm:linClrLst>
+    <dgm:effectClrLst/>
+    <dgm:txLinClrLst/>
+    <dgm:txFillClrLst/>
+    <dgm:txEffectClrLst/>
+  </dgm:styleLbl>
+  <dgm:styleLbl name="parChTrans2D1">
+    <dgm:fillClrLst meth="repeat">
+      <a:schemeClr val="accent1">
+        <a:tint val="60000"/>
+      </a:schemeClr>
+    </dgm:fillClrLst>
+    <dgm:linClrLst meth="repeat">
+      <a:schemeClr val="accent1">
+        <a:tint val="60000"/>
+      </a:schemeClr>
+    </dgm:linClrLst>
+    <dgm:effectClrLst/>
+    <dgm:txLinClrLst/>
+    <dgm:txFillClrLst meth="repeat">
+      <a:schemeClr val="lt1"/>
+    </dgm:txFillClrLst>
+    <dgm:txEffectClrLst/>
+  </dgm:styleLbl>
+  <dgm:styleLbl name="parChTrans2D2">
+    <dgm:fillClrLst meth="repeat">
+      <a:schemeClr val="accent1"/>
+    </dgm:fillClrLst>
+    <dgm:linClrLst meth="repeat">
+      <a:schemeClr val="accent1"/>
+    </dgm:linClrLst>
+    <dgm:effectClrLst/>
+    <dgm:txLinClrLst/>
+    <dgm:txFillClrLst meth="repeat">
+      <a:schemeClr val="lt1"/>
+    </dgm:txFillClrLst>
+    <dgm:txEffectClrLst/>
+  </dgm:styleLbl>
+  <dgm:styleLbl name="parChTrans2D3">
+    <dgm:fillClrLst meth="repeat">
+      <a:schemeClr val="accent1"/>
+    </dgm:fillClrLst>
+    <dgm:linClrLst meth="repeat">
+      <a:schemeClr val="accent1"/>
+    </dgm:linClrLst>
+    <dgm:effectClrLst/>
+    <dgm:txLinClrLst/>
+    <dgm:txFillClrLst meth="repeat">
+      <a:schemeClr val="lt1"/>
+    </dgm:txFillClrLst>
+    <dgm:txEffectClrLst/>
+  </dgm:styleLbl>
+  <dgm:styleLbl name="parChTrans2D4">
+    <dgm:fillClrLst meth="repeat">
+      <a:schemeClr val="accent1"/>
+    </dgm:fillClrLst>
+    <dgm:linClrLst meth="repeat">
+      <a:schemeClr val="accent1"/>
+    </dgm:linClrLst>
+    <dgm:effectClrLst/>
+    <dgm:txLinClrLst/>
+    <dgm:txFillClrLst meth="repeat">
+      <a:schemeClr val="lt1"/>
+    </dgm:txFillClrLst>
+    <dgm:txEffectClrLst/>
+  </dgm:styleLbl>
+  <dgm:styleLbl name="parChTrans1D1">
+    <dgm:fillClrLst meth="repeat">
+      <a:schemeClr val="accent1"/>
+    </dgm:fillClrLst>
+    <dgm:linClrLst meth="repeat">
+      <a:schemeClr val="accent1">
+        <a:shade val="60000"/>
+      </a:schemeClr>
+    </dgm:linClrLst>
+    <dgm:effectClrLst/>
+    <dgm:txLinClrLst/>
+    <dgm:txFillClrLst meth="repeat">
+      <a:schemeClr val="tx1"/>
+    </dgm:txFillClrLst>
+    <dgm:txEffectClrLst/>
+  </dgm:styleLbl>
+  <dgm:styleLbl name="parChTrans1D2">
+    <dgm:fillClrLst meth="repeat">
+      <a:schemeClr val="accent1"/>
+    </dgm:fillClrLst>
+    <dgm:linClrLst meth="repeat">
+      <a:schemeClr val="accent1">
+        <a:shade val="60000"/>
+      </a:schemeClr>
+    </dgm:linClrLst>
+    <dgm:effectClrLst/>
+    <dgm:txLinClrLst/>
+    <dgm:txFillClrLst meth="repeat">
+      <a:schemeClr val="tx1"/>
+    </dgm:txFillClrLst>
+    <dgm:txEffectClrLst/>
+  </dgm:styleLbl>
+  <dgm:styleLbl name="parChTrans1D3">
+    <dgm:fillClrLst meth="repeat">
+      <a:schemeClr val="accent1"/>
+    </dgm:fillClrLst>
+    <dgm:linClrLst meth="repeat">
+      <a:schemeClr val="accent1">
+        <a:shade val="80000"/>
+      </a:schemeClr>
+    </dgm:linClrLst>
+    <dgm:effectClrLst/>
+    <dgm:txLinClrLst/>
+    <dgm:txFillClrLst meth="repeat">
+      <a:schemeClr val="tx1"/>
+    </dgm:txFillClrLst>
+    <dgm:txEffectClrLst/>
+  </dgm:styleLbl>
+  <dgm:styleLbl name="parChTrans1D4">
+    <dgm:fillClrLst meth="repeat">
+      <a:schemeClr val="accent1"/>
+    </dgm:fillClrLst>
+    <dgm:linClrLst meth="repeat">
+      <a:schemeClr val="accent1">
+        <a:shade val="80000"/>
+      </a:schemeClr>
+    </dgm:linClrLst>
+    <dgm:effectClrLst/>
+    <dgm:txLinClrLst/>
+    <dgm:txFillClrLst meth="repeat">
+      <a:schemeClr val="tx1"/>
+    </dgm:txFillClrLst>
+    <dgm:txEffectClrLst/>
+  </dgm:styleLbl>
+  <dgm:styleLbl name="fgAcc1">
+    <dgm:fillClrLst meth="repeat">
+      <a:schemeClr val="lt1">
+        <a:alpha val="90000"/>
+      </a:schemeClr>
+    </dgm:fillClrLst>
+    <dgm:linClrLst meth="repeat">
+      <a:schemeClr val="accent1"/>
+    </dgm:linClrLst>
+    <dgm:effectClrLst/>
+    <dgm:txLinClrLst/>
+    <dgm:txFillClrLst meth="repeat">
+      <a:schemeClr val="dk1"/>
+    </dgm:txFillClrLst>
+    <dgm:txEffectClrLst/>
+  </dgm:styleLbl>
+  <dgm:styleLbl name="conFgAcc1">
+    <dgm:fillClrLst meth="repeat">
+      <a:schemeClr val="lt1">
+        <a:alpha val="90000"/>
+      </a:schemeClr>
+    </dgm:fillClrLst>
+    <dgm:linClrLst meth="repeat">
+      <a:schemeClr val="accent1"/>
+    </dgm:linClrLst>
+    <dgm:effectClrLst/>
+    <dgm:txLinClrLst/>
+    <dgm:txFillClrLst meth="repeat">
+      <a:schemeClr val="dk1"/>
+    </dgm:txFillClrLst>
+    <dgm:txEffectClrLst/>
+  </dgm:styleLbl>
+  <dgm:styleLbl name="alignAcc1">
+    <dgm:fillClrLst meth="repeat">
+      <a:schemeClr val="lt1">
+        <a:alpha val="90000"/>
+      </a:schemeClr>
+    </dgm:fillClrLst>
+    <dgm:linClrLst meth="repeat">
+      <a:schemeClr val="accent1"/>
+    </dgm:linClrLst>
+    <dgm:effectClrLst/>
+    <dgm:txLinClrLst/>
+    <dgm:txFillClrLst meth="repeat">
+      <a:schemeClr val="dk1"/>
+    </dgm:txFillClrLst>
+    <dgm:txEffectClrLst/>
+  </dgm:styleLbl>
+  <dgm:styleLbl name="trAlignAcc1">
+    <dgm:fillClrLst meth="repeat">
+      <a:schemeClr val="lt1">
+        <a:alpha val="40000"/>
+      </a:schemeClr>
+    </dgm:fillClrLst>
+    <dgm:linClrLst meth="repeat">
+      <a:schemeClr val="accent1"/>
+    </dgm:linClrLst>
+    <dgm:effectClrLst/>
+    <dgm:txLinClrLst/>
+    <dgm:txFillClrLst meth="repeat">
+      <a:schemeClr val="dk1"/>
+    </dgm:txFillClrLst>
+    <dgm:txEffectClrLst/>
+  </dgm:styleLbl>
+  <dgm:styleLbl name="bgAcc1">
+    <dgm:fillClrLst meth="repeat">
+      <a:schemeClr val="lt1">
+        <a:alpha val="90000"/>
+      </a:schemeClr>
+    </dgm:fillClrLst>
+    <dgm:linClrLst meth="repeat">
+      <a:schemeClr val="accent1"/>
+    </dgm:linClrLst>
+    <dgm:effectClrLst/>
+    <dgm:txLinClrLst/>
+    <dgm:txFillClrLst meth="repeat">
+      <a:schemeClr val="dk1"/>
+    </dgm:txFillClrLst>
+    <dgm:txEffectClrLst/>
+  </dgm:styleLbl>
+  <dgm:styleLbl name="solidFgAcc1">
+    <dgm:fillClrLst meth="repeat">
+      <a:schemeClr val="lt1"/>
+    </dgm:fillClrLst>
+    <dgm:linClrLst meth="repeat">
+      <a:schemeClr val="accent1"/>
+    </dgm:linClrLst>
+    <dgm:effectClrLst/>
+    <dgm:txLinClrLst/>
+    <dgm:txFillClrLst meth="repeat">
+      <a:schemeClr val="dk1"/>
+    </dgm:txFillClrLst>
+    <dgm:txEffectClrLst/>
+  </dgm:styleLbl>
+  <dgm:styleLbl name="solidAlignAcc1">
+    <dgm:fillClrLst meth="repeat">
+      <a:schemeClr val="lt1"/>
+    </dgm:fillClrLst>
+    <dgm:linClrLst meth="repeat">
+      <a:schemeClr val="accent1"/>
+    </dgm:linClrLst>
+    <dgm:effectClrLst/>
+    <dgm:txLinClrLst/>
+    <dgm:txFillClrLst meth="repeat">
+      <a:schemeClr val="dk1"/>
+    </dgm:txFillClrLst>
+    <dgm:txEffectClrLst/>
+  </dgm:styleLbl>
+  <dgm:styleLbl name="solidBgAcc1">
+    <dgm:fillClrLst meth="repeat">
+      <a:schemeClr val="lt1"/>
+    </dgm:fillClrLst>
+    <dgm:linClrLst meth="repeat">
+      <a:schemeClr val="accent1"/>
+    </dgm:linClrLst>
+    <dgm:effectClrLst/>
+    <dgm:txLinClrLst/>
+    <dgm:txFillClrLst meth="repeat">
+      <a:schemeClr val="dk1"/>
+    </dgm:txFillClrLst>
+    <dgm:txEffectClrLst/>
+  </dgm:styleLbl>
+  <dgm:styleLbl name="fgAccFollowNode1">
+    <dgm:fillClrLst meth="repeat">
+      <a:schemeClr val="accent1">
+        <a:alpha val="90000"/>
+        <a:tint val="40000"/>
+      </a:schemeClr>
+    </dgm:fillClrLst>
+    <dgm:linClrLst meth="repeat">
+      <a:schemeClr val="accent1">
+        <a:alpha val="90000"/>
+        <a:tint val="40000"/>
+      </a:schemeClr>
+    </dgm:linClrLst>
+    <dgm:effectClrLst/>
+    <dgm:txLinClrLst/>
+    <dgm:txFillClrLst meth="repeat">
+      <a:schemeClr val="dk1"/>
+    </dgm:txFillClrLst>
+    <dgm:txEffectClrLst/>
+  </dgm:styleLbl>
+  <dgm:styleLbl name="alignAccFollowNode1">
+    <dgm:fillClrLst meth="repeat">
+      <a:schemeClr val="accent1">
+        <a:alpha val="90000"/>
+        <a:tint val="40000"/>
+      </a:schemeClr>
+    </dgm:fillClrLst>
+    <dgm:linClrLst meth="repeat">
+      <a:schemeClr val="accent1">
+        <a:alpha val="90000"/>
+        <a:tint val="40000"/>
+      </a:schemeClr>
+    </dgm:linClrLst>
+    <dgm:effectClrLst/>
+    <dgm:txLinClrLst/>
+    <dgm:txFillClrLst meth="repeat">
+      <a:schemeClr val="dk1"/>
+    </dgm:txFillClrLst>
+    <dgm:txEffectClrLst/>
+  </dgm:styleLbl>
+  <dgm:styleLbl name="bgAccFollowNode1">
+    <dgm:fillClrLst meth="repeat">
+      <a:schemeClr val="accent1">
+        <a:alpha val="90000"/>
+        <a:tint val="40000"/>
+      </a:schemeClr>
+    </dgm:fillClrLst>
+    <dgm:linClrLst meth="repeat">
+      <a:schemeClr val="accent1">
+        <a:alpha val="90000"/>
+        <a:tint val="40000"/>
+      </a:schemeClr>
+    </dgm:linClrLst>
+    <dgm:effectClrLst/>
+    <dgm:txLinClrLst/>
+    <dgm:txFillClrLst meth="repeat">
+      <a:schemeClr val="dk1"/>
+    </dgm:txFillClrLst>
+    <dgm:txEffectClrLst/>
+  </dgm:styleLbl>
+  <dgm:styleLbl name="fgAcc0">
+    <dgm:fillClrLst meth="repeat">
+      <a:schemeClr val="lt1">
+        <a:alpha val="90000"/>
+      </a:schemeClr>
+    </dgm:fillClrLst>
+    <dgm:linClrLst meth="repeat">
+      <a:schemeClr val="accent1"/>
+    </dgm:linClrLst>
+    <dgm:effectClrLst/>
+    <dgm:txLinClrLst/>
+    <dgm:txFillClrLst meth="repeat">
+      <a:schemeClr val="dk1"/>
+    </dgm:txFillClrLst>
+    <dgm:txEffectClrLst/>
+  </dgm:styleLbl>
+  <dgm:styleLbl name="fgAcc2">
+    <dgm:fillClrLst meth="repeat">
+      <a:schemeClr val="lt1">
+        <a:alpha val="90000"/>
+      </a:schemeClr>
+    </dgm:fillClrLst>
+    <dgm:linClrLst meth="repeat">
+      <a:schemeClr val="accent1"/>
+    </dgm:linClrLst>
+    <dgm:effectClrLst/>
+    <dgm:txLinClrLst/>
+    <dgm:txFillClrLst meth="repeat">
+      <a:schemeClr val="dk1"/>
+    </dgm:txFillClrLst>
+    <dgm:txEffectClrLst/>
+  </dgm:styleLbl>
+  <dgm:styleLbl name="fgAcc3">
+    <dgm:fillClrLst meth="repeat">
+      <a:schemeClr val="lt1">
+        <a:alpha val="90000"/>
+      </a:schemeClr>
+    </dgm:fillClrLst>
+    <dgm:linClrLst meth="repeat">
+      <a:schemeClr val="accent1"/>
+    </dgm:linClrLst>
+    <dgm:effectClrLst/>
+    <dgm:txLinClrLst/>
+    <dgm:txFillClrLst meth="repeat">
+      <a:schemeClr val="dk1"/>
+    </dgm:txFillClrLst>
+    <dgm:txEffectClrLst/>
+  </dgm:styleLbl>
+  <dgm:styleLbl name="fgAcc4">
+    <dgm:fillClrLst meth="repeat">
+      <a:schemeClr val="lt1">
+        <a:alpha val="90000"/>
+      </a:schemeClr>
+    </dgm:fillClrLst>
+    <dgm:linClrLst meth="repeat">
+      <a:schemeClr val="accent1"/>
+    </dgm:linClrLst>
+    <dgm:effectClrLst/>
+    <dgm:txLinClrLst/>
+    <dgm:txFillClrLst meth="repeat">
+      <a:schemeClr val="dk1"/>
+    </dgm:txFillClrLst>
+    <dgm:txEffectClrLst/>
+  </dgm:styleLbl>
+  <dgm:styleLbl name="bgShp">
+    <dgm:fillClrLst meth="repeat">
+      <a:schemeClr val="accent1">
+        <a:tint val="40000"/>
+      </a:schemeClr>
+    </dgm:fillClrLst>
+    <dgm:linClrLst meth="repeat">
+      <a:schemeClr val="accent1"/>
+    </dgm:linClrLst>
+    <dgm:effectClrLst/>
+    <dgm:txLinClrLst/>
+    <dgm:txFillClrLst meth="repeat">
+      <a:schemeClr val="dk1"/>
+    </dgm:txFillClrLst>
+    <dgm:txEffectClrLst/>
+  </dgm:styleLbl>
+  <dgm:styleLbl name="dkBgShp">
+    <dgm:fillClrLst meth="repeat">
+      <a:schemeClr val="accent1">
+        <a:shade val="80000"/>
+      </a:schemeClr>
+    </dgm:fillClrLst>
+    <dgm:linClrLst meth="repeat">
+      <a:schemeClr val="accent1"/>
+    </dgm:linClrLst>
+    <dgm:effectClrLst/>
+    <dgm:txLinClrLst/>
+    <dgm:txFillClrLst meth="repeat">
+      <a:schemeClr val="lt1"/>
+    </dgm:txFillClrLst>
+    <dgm:txEffectClrLst/>
+  </dgm:styleLbl>
+  <dgm:styleLbl name="trBgShp">
+    <dgm:fillClrLst meth="repeat">
+      <a:schemeClr val="accent1">
+        <a:tint val="50000"/>
+        <a:alpha val="40000"/>
+      </a:schemeClr>
+    </dgm:fillClrLst>
+    <dgm:linClrLst meth="repeat">
+      <a:schemeClr val="accent1"/>
+    </dgm:linClrLst>
+    <dgm:effectClrLst/>
+    <dgm:txLinClrLst/>
+    <dgm:txFillClrLst meth="repeat">
+      <a:schemeClr val="lt1"/>
+    </dgm:txFillClrLst>
+    <dgm:txEffectClrLst/>
+  </dgm:styleLbl>
+  <dgm:styleLbl name="fgShp">
+    <dgm:fillClrLst meth="repeat">
+      <a:schemeClr val="accent1">
+        <a:tint val="60000"/>
       </a:schemeClr>
     </dgm:fillClrLst>
     <dgm:linClrLst meth="repeat">
@@ -2529,6 +3272,201 @@
     <dgm:cxn modelId="{297DD36A-25A0-415E-B56C-860DA6160ED2}" type="presParOf" srcId="{9A87A131-EE31-489C-AA5D-20AF87C13F11}" destId="{7D563B5D-AE22-469F-9726-A73EABA84640}" srcOrd="9" destOrd="0" presId="urn:microsoft.com/office/officeart/2008/layout/LinedList"/>
     <dgm:cxn modelId="{8EAA743B-F16A-408D-945B-DAAA0B385B89}" type="presParOf" srcId="{7D563B5D-AE22-469F-9726-A73EABA84640}" destId="{30F73364-1F86-473C-9BD6-60DF4F4E3305}" srcOrd="0" destOrd="0" presId="urn:microsoft.com/office/officeart/2008/layout/LinedList"/>
     <dgm:cxn modelId="{E211F9CC-35A5-4CD8-BA08-C2916A4A12D2}" type="presParOf" srcId="{7D563B5D-AE22-469F-9726-A73EABA84640}" destId="{17919B0A-7F85-4E6C-AF35-BC9BBA18FABA}" srcOrd="1" destOrd="0" presId="urn:microsoft.com/office/officeart/2008/layout/LinedList"/>
+  </dgm:cxnLst>
+  <dgm:bg/>
+  <dgm:whole/>
+  <dgm:extLst>
+    <a:ext uri="http://schemas.microsoft.com/office/drawing/2008/diagram">
+      <dsp:dataModelExt xmlns:dsp="http://schemas.microsoft.com/office/drawing/2008/diagram" relId="rId8" minVer="http://schemas.openxmlformats.org/drawingml/2006/diagram"/>
+    </a:ext>
+  </dgm:extLst>
+</dgm:dataModel>
+</file>
+
+<file path=ppt/diagrams/data3.xml><?xml version="1.0" encoding="utf-8"?>
+<dgm:dataModel xmlns:dgm="http://schemas.openxmlformats.org/drawingml/2006/diagram" xmlns:a="http://schemas.openxmlformats.org/drawingml/2006/main">
+  <dgm:ptLst>
+    <dgm:pt modelId="{4D0B5D71-F62E-4C43-8016-2ABA20377A03}" type="doc">
+      <dgm:prSet loTypeId="urn:microsoft.com/office/officeart/2005/8/layout/default" loCatId="list" qsTypeId="urn:microsoft.com/office/officeart/2005/8/quickstyle/simple5" qsCatId="simple" csTypeId="urn:microsoft.com/office/officeart/2005/8/colors/accent1_2" csCatId="accent1" phldr="1"/>
+      <dgm:spPr/>
+      <dgm:t>
+        <a:bodyPr/>
+        <a:lstStyle/>
+        <a:p>
+          <a:endParaRPr lang="en-US"/>
+        </a:p>
+      </dgm:t>
+    </dgm:pt>
+    <dgm:pt modelId="{15F29506-BC29-40D3-A45B-D81C6C3FC27A}">
+      <dgm:prSet/>
+      <dgm:spPr/>
+      <dgm:t>
+        <a:bodyPr/>
+        <a:lstStyle/>
+        <a:p>
+          <a:r>
+            <a:rPr lang="en-US"/>
+            <a:t>R packages: lavaan, semPlot, semhelpinghands</a:t>
+          </a:r>
+        </a:p>
+      </dgm:t>
+    </dgm:pt>
+    <dgm:pt modelId="{063AADA3-DB23-4027-8DE2-B9202376A785}" type="parTrans" cxnId="{758B6610-690F-4296-8CE3-3E79F70A2EA3}">
+      <dgm:prSet/>
+      <dgm:spPr/>
+      <dgm:t>
+        <a:bodyPr/>
+        <a:lstStyle/>
+        <a:p>
+          <a:endParaRPr lang="en-US"/>
+        </a:p>
+      </dgm:t>
+    </dgm:pt>
+    <dgm:pt modelId="{A06F7833-75DD-4A02-9479-E9DC8BA66BE3}" type="sibTrans" cxnId="{758B6610-690F-4296-8CE3-3E79F70A2EA3}">
+      <dgm:prSet/>
+      <dgm:spPr/>
+      <dgm:t>
+        <a:bodyPr/>
+        <a:lstStyle/>
+        <a:p>
+          <a:endParaRPr lang="en-US"/>
+        </a:p>
+      </dgm:t>
+    </dgm:pt>
+    <dgm:pt modelId="{FC9B1570-5A26-45C8-8E58-8DFBC38C48F2}">
+      <dgm:prSet/>
+      <dgm:spPr/>
+      <dgm:t>
+        <a:bodyPr/>
+        <a:lstStyle/>
+        <a:p>
+          <a:r>
+            <a:rPr lang="en-US" dirty="0"/>
+            <a:t>SPSS </a:t>
+          </a:r>
+          <a:br>
+            <a:rPr lang="en-US" dirty="0"/>
+          </a:br>
+          <a:r>
+            <a:rPr lang="en-US" dirty="0"/>
+            <a:t>PROCESS macro</a:t>
+          </a:r>
+        </a:p>
+      </dgm:t>
+    </dgm:pt>
+    <dgm:pt modelId="{DF211AA8-AC32-4D73-8ECF-7AB0F770B3A0}" type="parTrans" cxnId="{619EF3FC-1814-4354-A89B-E4D6D6276DD2}">
+      <dgm:prSet/>
+      <dgm:spPr/>
+      <dgm:t>
+        <a:bodyPr/>
+        <a:lstStyle/>
+        <a:p>
+          <a:endParaRPr lang="en-US"/>
+        </a:p>
+      </dgm:t>
+    </dgm:pt>
+    <dgm:pt modelId="{7C54B99D-9670-4AC1-8CD1-AF5BE7C6D242}" type="sibTrans" cxnId="{619EF3FC-1814-4354-A89B-E4D6D6276DD2}">
+      <dgm:prSet/>
+      <dgm:spPr/>
+      <dgm:t>
+        <a:bodyPr/>
+        <a:lstStyle/>
+        <a:p>
+          <a:endParaRPr lang="en-US"/>
+        </a:p>
+      </dgm:t>
+    </dgm:pt>
+    <dgm:pt modelId="{F1FDD81C-8E48-4EC7-9796-E7CFD706A7F5}">
+      <dgm:prSet/>
+      <dgm:spPr/>
+      <dgm:t>
+        <a:bodyPr/>
+        <a:lstStyle/>
+        <a:p>
+          <a:r>
+            <a:rPr lang="en-US" dirty="0"/>
+            <a:t>G*Power for Power Analysis</a:t>
+          </a:r>
+        </a:p>
+      </dgm:t>
+    </dgm:pt>
+    <dgm:pt modelId="{510162CB-6DF7-49D8-8ABD-98725009F0FB}" type="parTrans" cxnId="{5ED0EC00-FD43-487A-9606-991BCDD4CA44}">
+      <dgm:prSet/>
+      <dgm:spPr/>
+      <dgm:t>
+        <a:bodyPr/>
+        <a:lstStyle/>
+        <a:p>
+          <a:endParaRPr lang="en-US"/>
+        </a:p>
+      </dgm:t>
+    </dgm:pt>
+    <dgm:pt modelId="{DA12DACD-1CBB-42B9-9D3F-AD2DE0F8A679}" type="sibTrans" cxnId="{5ED0EC00-FD43-487A-9606-991BCDD4CA44}">
+      <dgm:prSet/>
+      <dgm:spPr/>
+      <dgm:t>
+        <a:bodyPr/>
+        <a:lstStyle/>
+        <a:p>
+          <a:endParaRPr lang="en-US"/>
+        </a:p>
+      </dgm:t>
+    </dgm:pt>
+    <dgm:pt modelId="{3473609B-762B-471B-99AA-689614F01808}" type="pres">
+      <dgm:prSet presAssocID="{4D0B5D71-F62E-4C43-8016-2ABA20377A03}" presName="diagram" presStyleCnt="0">
+        <dgm:presLayoutVars>
+          <dgm:dir/>
+          <dgm:resizeHandles val="exact"/>
+        </dgm:presLayoutVars>
+      </dgm:prSet>
+      <dgm:spPr/>
+    </dgm:pt>
+    <dgm:pt modelId="{AF5FA7C7-869E-4BCC-8E94-B34AA328AEFF}" type="pres">
+      <dgm:prSet presAssocID="{15F29506-BC29-40D3-A45B-D81C6C3FC27A}" presName="node" presStyleLbl="node1" presStyleIdx="0" presStyleCnt="3">
+        <dgm:presLayoutVars>
+          <dgm:bulletEnabled val="1"/>
+        </dgm:presLayoutVars>
+      </dgm:prSet>
+      <dgm:spPr/>
+    </dgm:pt>
+    <dgm:pt modelId="{5F5D8928-0F48-4B4E-B804-11FF3DE6E156}" type="pres">
+      <dgm:prSet presAssocID="{A06F7833-75DD-4A02-9479-E9DC8BA66BE3}" presName="sibTrans" presStyleCnt="0"/>
+      <dgm:spPr/>
+    </dgm:pt>
+    <dgm:pt modelId="{5A3CBBA2-0E5A-4D6A-B37B-8BE57A7B8699}" type="pres">
+      <dgm:prSet presAssocID="{FC9B1570-5A26-45C8-8E58-8DFBC38C48F2}" presName="node" presStyleLbl="node1" presStyleIdx="1" presStyleCnt="3">
+        <dgm:presLayoutVars>
+          <dgm:bulletEnabled val="1"/>
+        </dgm:presLayoutVars>
+      </dgm:prSet>
+      <dgm:spPr/>
+    </dgm:pt>
+    <dgm:pt modelId="{6138731B-7042-4F65-AD11-7621E81C9193}" type="pres">
+      <dgm:prSet presAssocID="{7C54B99D-9670-4AC1-8CD1-AF5BE7C6D242}" presName="sibTrans" presStyleCnt="0"/>
+      <dgm:spPr/>
+    </dgm:pt>
+    <dgm:pt modelId="{F28462B0-BADB-4D18-9836-9B92AD305CF1}" type="pres">
+      <dgm:prSet presAssocID="{F1FDD81C-8E48-4EC7-9796-E7CFD706A7F5}" presName="node" presStyleLbl="node1" presStyleIdx="2" presStyleCnt="3">
+        <dgm:presLayoutVars>
+          <dgm:bulletEnabled val="1"/>
+        </dgm:presLayoutVars>
+      </dgm:prSet>
+      <dgm:spPr/>
+    </dgm:pt>
+  </dgm:ptLst>
+  <dgm:cxnLst>
+    <dgm:cxn modelId="{5ED0EC00-FD43-487A-9606-991BCDD4CA44}" srcId="{4D0B5D71-F62E-4C43-8016-2ABA20377A03}" destId="{F1FDD81C-8E48-4EC7-9796-E7CFD706A7F5}" srcOrd="2" destOrd="0" parTransId="{510162CB-6DF7-49D8-8ABD-98725009F0FB}" sibTransId="{DA12DACD-1CBB-42B9-9D3F-AD2DE0F8A679}"/>
+    <dgm:cxn modelId="{758B6610-690F-4296-8CE3-3E79F70A2EA3}" srcId="{4D0B5D71-F62E-4C43-8016-2ABA20377A03}" destId="{15F29506-BC29-40D3-A45B-D81C6C3FC27A}" srcOrd="0" destOrd="0" parTransId="{063AADA3-DB23-4027-8DE2-B9202376A785}" sibTransId="{A06F7833-75DD-4A02-9479-E9DC8BA66BE3}"/>
+    <dgm:cxn modelId="{CA7C5531-55E1-4E72-B831-F3DDB205546C}" type="presOf" srcId="{4D0B5D71-F62E-4C43-8016-2ABA20377A03}" destId="{3473609B-762B-471B-99AA-689614F01808}" srcOrd="0" destOrd="0" presId="urn:microsoft.com/office/officeart/2005/8/layout/default"/>
+    <dgm:cxn modelId="{1BBF4A38-DFFF-4C93-BDD0-891AEBC659CA}" type="presOf" srcId="{FC9B1570-5A26-45C8-8E58-8DFBC38C48F2}" destId="{5A3CBBA2-0E5A-4D6A-B37B-8BE57A7B8699}" srcOrd="0" destOrd="0" presId="urn:microsoft.com/office/officeart/2005/8/layout/default"/>
+    <dgm:cxn modelId="{99ED8D85-D652-42BB-9A5C-82169117D4F6}" type="presOf" srcId="{15F29506-BC29-40D3-A45B-D81C6C3FC27A}" destId="{AF5FA7C7-869E-4BCC-8E94-B34AA328AEFF}" srcOrd="0" destOrd="0" presId="urn:microsoft.com/office/officeart/2005/8/layout/default"/>
+    <dgm:cxn modelId="{84F76BDA-5767-4E39-A4A3-D3495394FE75}" type="presOf" srcId="{F1FDD81C-8E48-4EC7-9796-E7CFD706A7F5}" destId="{F28462B0-BADB-4D18-9836-9B92AD305CF1}" srcOrd="0" destOrd="0" presId="urn:microsoft.com/office/officeart/2005/8/layout/default"/>
+    <dgm:cxn modelId="{619EF3FC-1814-4354-A89B-E4D6D6276DD2}" srcId="{4D0B5D71-F62E-4C43-8016-2ABA20377A03}" destId="{FC9B1570-5A26-45C8-8E58-8DFBC38C48F2}" srcOrd="1" destOrd="0" parTransId="{DF211AA8-AC32-4D73-8ECF-7AB0F770B3A0}" sibTransId="{7C54B99D-9670-4AC1-8CD1-AF5BE7C6D242}"/>
+    <dgm:cxn modelId="{E5FAC2B7-B8D8-4748-B465-A6CFBBF3F9D7}" type="presParOf" srcId="{3473609B-762B-471B-99AA-689614F01808}" destId="{AF5FA7C7-869E-4BCC-8E94-B34AA328AEFF}" srcOrd="0" destOrd="0" presId="urn:microsoft.com/office/officeart/2005/8/layout/default"/>
+    <dgm:cxn modelId="{6A81487E-5328-43C0-8616-F667A9A00065}" type="presParOf" srcId="{3473609B-762B-471B-99AA-689614F01808}" destId="{5F5D8928-0F48-4B4E-B804-11FF3DE6E156}" srcOrd="1" destOrd="0" presId="urn:microsoft.com/office/officeart/2005/8/layout/default"/>
+    <dgm:cxn modelId="{9E2B5F5A-008B-4F1E-933F-7F17514A57B9}" type="presParOf" srcId="{3473609B-762B-471B-99AA-689614F01808}" destId="{5A3CBBA2-0E5A-4D6A-B37B-8BE57A7B8699}" srcOrd="2" destOrd="0" presId="urn:microsoft.com/office/officeart/2005/8/layout/default"/>
+    <dgm:cxn modelId="{AC4C6F18-C67E-4C26-8276-BD523B32C11C}" type="presParOf" srcId="{3473609B-762B-471B-99AA-689614F01808}" destId="{6138731B-7042-4F65-AD11-7621E81C9193}" srcOrd="3" destOrd="0" presId="urn:microsoft.com/office/officeart/2005/8/layout/default"/>
+    <dgm:cxn modelId="{E44C90A1-A59C-4393-A960-356A40C07790}" type="presParOf" srcId="{3473609B-762B-471B-99AA-689614F01808}" destId="{F28462B0-BADB-4D18-9836-9B92AD305CF1}" srcOrd="4" destOrd="0" presId="urn:microsoft.com/office/officeart/2005/8/layout/default"/>
   </dgm:cxnLst>
   <dgm:bg/>
   <dgm:whole/>
@@ -4161,6 +5099,340 @@
 </dsp:drawing>
 </file>
 
+<file path=ppt/diagrams/drawing3.xml><?xml version="1.0" encoding="utf-8"?>
+<dsp:drawing xmlns:dgm="http://schemas.openxmlformats.org/drawingml/2006/diagram" xmlns:dsp="http://schemas.microsoft.com/office/drawing/2008/diagram" xmlns:a="http://schemas.openxmlformats.org/drawingml/2006/main">
+  <dsp:spTree>
+    <dsp:nvGrpSpPr>
+      <dsp:cNvPr id="0" name=""/>
+      <dsp:cNvGrpSpPr/>
+    </dsp:nvGrpSpPr>
+    <dsp:grpSpPr/>
+    <dsp:sp modelId="{AF5FA7C7-869E-4BCC-8E94-B34AA328AEFF}">
+      <dsp:nvSpPr>
+        <dsp:cNvPr id="0" name=""/>
+        <dsp:cNvSpPr/>
+      </dsp:nvSpPr>
+      <dsp:spPr>
+        <a:xfrm>
+          <a:off x="1748064" y="2975"/>
+          <a:ext cx="3342605" cy="2005563"/>
+        </a:xfrm>
+        <a:prstGeom prst="rect">
+          <a:avLst/>
+        </a:prstGeom>
+        <a:gradFill rotWithShape="0">
+          <a:gsLst>
+            <a:gs pos="0">
+              <a:schemeClr val="accent1">
+                <a:hueOff val="0"/>
+                <a:satOff val="0"/>
+                <a:lumOff val="0"/>
+                <a:alphaOff val="0"/>
+                <a:satMod val="103000"/>
+                <a:lumMod val="102000"/>
+                <a:tint val="94000"/>
+              </a:schemeClr>
+            </a:gs>
+            <a:gs pos="50000">
+              <a:schemeClr val="accent1">
+                <a:hueOff val="0"/>
+                <a:satOff val="0"/>
+                <a:lumOff val="0"/>
+                <a:alphaOff val="0"/>
+                <a:satMod val="110000"/>
+                <a:lumMod val="100000"/>
+                <a:shade val="100000"/>
+              </a:schemeClr>
+            </a:gs>
+            <a:gs pos="100000">
+              <a:schemeClr val="accent1">
+                <a:hueOff val="0"/>
+                <a:satOff val="0"/>
+                <a:lumOff val="0"/>
+                <a:alphaOff val="0"/>
+                <a:lumMod val="99000"/>
+                <a:satMod val="120000"/>
+                <a:shade val="78000"/>
+              </a:schemeClr>
+            </a:gs>
+          </a:gsLst>
+          <a:lin ang="5400000" scaled="0"/>
+        </a:gradFill>
+        <a:ln>
+          <a:noFill/>
+        </a:ln>
+        <a:effectLst>
+          <a:outerShdw blurRad="57150" dist="19050" dir="5400000" algn="ctr" rotWithShape="0">
+            <a:srgbClr val="000000">
+              <a:alpha val="63000"/>
+            </a:srgbClr>
+          </a:outerShdw>
+        </a:effectLst>
+      </dsp:spPr>
+      <dsp:style>
+        <a:lnRef idx="0">
+          <a:scrgbClr r="0" g="0" b="0"/>
+        </a:lnRef>
+        <a:fillRef idx="3">
+          <a:scrgbClr r="0" g="0" b="0"/>
+        </a:fillRef>
+        <a:effectRef idx="3">
+          <a:scrgbClr r="0" g="0" b="0"/>
+        </a:effectRef>
+        <a:fontRef idx="minor">
+          <a:schemeClr val="lt1"/>
+        </a:fontRef>
+      </dsp:style>
+      <dsp:txBody>
+        <a:bodyPr spcFirstLastPara="0" vert="horz" wrap="square" lIns="118110" tIns="118110" rIns="118110" bIns="118110" numCol="1" spcCol="1270" anchor="ctr" anchorCtr="0">
+          <a:noAutofit/>
+        </a:bodyPr>
+        <a:lstStyle/>
+        <a:p>
+          <a:pPr marL="0" lvl="0" indent="0" algn="ctr" defTabSz="1377950">
+            <a:lnSpc>
+              <a:spcPct val="90000"/>
+            </a:lnSpc>
+            <a:spcBef>
+              <a:spcPct val="0"/>
+            </a:spcBef>
+            <a:spcAft>
+              <a:spcPct val="35000"/>
+            </a:spcAft>
+            <a:buNone/>
+          </a:pPr>
+          <a:r>
+            <a:rPr lang="en-US" sz="3100" kern="1200"/>
+            <a:t>R packages: lavaan, semPlot, semhelpinghands</a:t>
+          </a:r>
+        </a:p>
+      </dsp:txBody>
+      <dsp:txXfrm>
+        <a:off x="1748064" y="2975"/>
+        <a:ext cx="3342605" cy="2005563"/>
+      </dsp:txXfrm>
+    </dsp:sp>
+    <dsp:sp modelId="{5A3CBBA2-0E5A-4D6A-B37B-8BE57A7B8699}">
+      <dsp:nvSpPr>
+        <dsp:cNvPr id="0" name=""/>
+        <dsp:cNvSpPr/>
+      </dsp:nvSpPr>
+      <dsp:spPr>
+        <a:xfrm>
+          <a:off x="5424930" y="2975"/>
+          <a:ext cx="3342605" cy="2005563"/>
+        </a:xfrm>
+        <a:prstGeom prst="rect">
+          <a:avLst/>
+        </a:prstGeom>
+        <a:gradFill rotWithShape="0">
+          <a:gsLst>
+            <a:gs pos="0">
+              <a:schemeClr val="accent1">
+                <a:hueOff val="0"/>
+                <a:satOff val="0"/>
+                <a:lumOff val="0"/>
+                <a:alphaOff val="0"/>
+                <a:satMod val="103000"/>
+                <a:lumMod val="102000"/>
+                <a:tint val="94000"/>
+              </a:schemeClr>
+            </a:gs>
+            <a:gs pos="50000">
+              <a:schemeClr val="accent1">
+                <a:hueOff val="0"/>
+                <a:satOff val="0"/>
+                <a:lumOff val="0"/>
+                <a:alphaOff val="0"/>
+                <a:satMod val="110000"/>
+                <a:lumMod val="100000"/>
+                <a:shade val="100000"/>
+              </a:schemeClr>
+            </a:gs>
+            <a:gs pos="100000">
+              <a:schemeClr val="accent1">
+                <a:hueOff val="0"/>
+                <a:satOff val="0"/>
+                <a:lumOff val="0"/>
+                <a:alphaOff val="0"/>
+                <a:lumMod val="99000"/>
+                <a:satMod val="120000"/>
+                <a:shade val="78000"/>
+              </a:schemeClr>
+            </a:gs>
+          </a:gsLst>
+          <a:lin ang="5400000" scaled="0"/>
+        </a:gradFill>
+        <a:ln>
+          <a:noFill/>
+        </a:ln>
+        <a:effectLst>
+          <a:outerShdw blurRad="57150" dist="19050" dir="5400000" algn="ctr" rotWithShape="0">
+            <a:srgbClr val="000000">
+              <a:alpha val="63000"/>
+            </a:srgbClr>
+          </a:outerShdw>
+        </a:effectLst>
+      </dsp:spPr>
+      <dsp:style>
+        <a:lnRef idx="0">
+          <a:scrgbClr r="0" g="0" b="0"/>
+        </a:lnRef>
+        <a:fillRef idx="3">
+          <a:scrgbClr r="0" g="0" b="0"/>
+        </a:fillRef>
+        <a:effectRef idx="3">
+          <a:scrgbClr r="0" g="0" b="0"/>
+        </a:effectRef>
+        <a:fontRef idx="minor">
+          <a:schemeClr val="lt1"/>
+        </a:fontRef>
+      </dsp:style>
+      <dsp:txBody>
+        <a:bodyPr spcFirstLastPara="0" vert="horz" wrap="square" lIns="118110" tIns="118110" rIns="118110" bIns="118110" numCol="1" spcCol="1270" anchor="ctr" anchorCtr="0">
+          <a:noAutofit/>
+        </a:bodyPr>
+        <a:lstStyle/>
+        <a:p>
+          <a:pPr marL="0" lvl="0" indent="0" algn="ctr" defTabSz="1377950">
+            <a:lnSpc>
+              <a:spcPct val="90000"/>
+            </a:lnSpc>
+            <a:spcBef>
+              <a:spcPct val="0"/>
+            </a:spcBef>
+            <a:spcAft>
+              <a:spcPct val="35000"/>
+            </a:spcAft>
+            <a:buNone/>
+          </a:pPr>
+          <a:r>
+            <a:rPr lang="en-US" sz="3100" kern="1200" dirty="0"/>
+            <a:t>SPSS </a:t>
+          </a:r>
+          <a:br>
+            <a:rPr lang="en-US" sz="3100" kern="1200" dirty="0"/>
+          </a:br>
+          <a:r>
+            <a:rPr lang="en-US" sz="3100" kern="1200" dirty="0"/>
+            <a:t>PROCESS macro</a:t>
+          </a:r>
+        </a:p>
+      </dsp:txBody>
+      <dsp:txXfrm>
+        <a:off x="5424930" y="2975"/>
+        <a:ext cx="3342605" cy="2005563"/>
+      </dsp:txXfrm>
+    </dsp:sp>
+    <dsp:sp modelId="{F28462B0-BADB-4D18-9836-9B92AD305CF1}">
+      <dsp:nvSpPr>
+        <dsp:cNvPr id="0" name=""/>
+        <dsp:cNvSpPr/>
+      </dsp:nvSpPr>
+      <dsp:spPr>
+        <a:xfrm>
+          <a:off x="3586497" y="2342799"/>
+          <a:ext cx="3342605" cy="2005563"/>
+        </a:xfrm>
+        <a:prstGeom prst="rect">
+          <a:avLst/>
+        </a:prstGeom>
+        <a:gradFill rotWithShape="0">
+          <a:gsLst>
+            <a:gs pos="0">
+              <a:schemeClr val="accent1">
+                <a:hueOff val="0"/>
+                <a:satOff val="0"/>
+                <a:lumOff val="0"/>
+                <a:alphaOff val="0"/>
+                <a:satMod val="103000"/>
+                <a:lumMod val="102000"/>
+                <a:tint val="94000"/>
+              </a:schemeClr>
+            </a:gs>
+            <a:gs pos="50000">
+              <a:schemeClr val="accent1">
+                <a:hueOff val="0"/>
+                <a:satOff val="0"/>
+                <a:lumOff val="0"/>
+                <a:alphaOff val="0"/>
+                <a:satMod val="110000"/>
+                <a:lumMod val="100000"/>
+                <a:shade val="100000"/>
+              </a:schemeClr>
+            </a:gs>
+            <a:gs pos="100000">
+              <a:schemeClr val="accent1">
+                <a:hueOff val="0"/>
+                <a:satOff val="0"/>
+                <a:lumOff val="0"/>
+                <a:alphaOff val="0"/>
+                <a:lumMod val="99000"/>
+                <a:satMod val="120000"/>
+                <a:shade val="78000"/>
+              </a:schemeClr>
+            </a:gs>
+          </a:gsLst>
+          <a:lin ang="5400000" scaled="0"/>
+        </a:gradFill>
+        <a:ln>
+          <a:noFill/>
+        </a:ln>
+        <a:effectLst>
+          <a:outerShdw blurRad="57150" dist="19050" dir="5400000" algn="ctr" rotWithShape="0">
+            <a:srgbClr val="000000">
+              <a:alpha val="63000"/>
+            </a:srgbClr>
+          </a:outerShdw>
+        </a:effectLst>
+      </dsp:spPr>
+      <dsp:style>
+        <a:lnRef idx="0">
+          <a:scrgbClr r="0" g="0" b="0"/>
+        </a:lnRef>
+        <a:fillRef idx="3">
+          <a:scrgbClr r="0" g="0" b="0"/>
+        </a:fillRef>
+        <a:effectRef idx="3">
+          <a:scrgbClr r="0" g="0" b="0"/>
+        </a:effectRef>
+        <a:fontRef idx="minor">
+          <a:schemeClr val="lt1"/>
+        </a:fontRef>
+      </dsp:style>
+      <dsp:txBody>
+        <a:bodyPr spcFirstLastPara="0" vert="horz" wrap="square" lIns="118110" tIns="118110" rIns="118110" bIns="118110" numCol="1" spcCol="1270" anchor="ctr" anchorCtr="0">
+          <a:noAutofit/>
+        </a:bodyPr>
+        <a:lstStyle/>
+        <a:p>
+          <a:pPr marL="0" lvl="0" indent="0" algn="ctr" defTabSz="1377950">
+            <a:lnSpc>
+              <a:spcPct val="90000"/>
+            </a:lnSpc>
+            <a:spcBef>
+              <a:spcPct val="0"/>
+            </a:spcBef>
+            <a:spcAft>
+              <a:spcPct val="35000"/>
+            </a:spcAft>
+            <a:buNone/>
+          </a:pPr>
+          <a:r>
+            <a:rPr lang="en-US" sz="3100" kern="1200" dirty="0"/>
+            <a:t>G*Power for Power Analysis</a:t>
+          </a:r>
+        </a:p>
+      </dsp:txBody>
+      <dsp:txXfrm>
+        <a:off x="3586497" y="2342799"/>
+        <a:ext cx="3342605" cy="2005563"/>
+      </dsp:txXfrm>
+    </dsp:sp>
+  </dsp:spTree>
+</dsp:drawing>
+</file>
+
 <file path=ppt/diagrams/layout1.xml><?xml version="1.0" encoding="utf-8"?>
 <dgm:layoutDef xmlns:dgm="http://schemas.openxmlformats.org/drawingml/2006/diagram" xmlns:a="http://schemas.openxmlformats.org/drawingml/2006/main" uniqueId="urn:microsoft.com/office/officeart/2016/7/layout/BasicLinearProcessNumbered">
   <dgm:title val="Basic Linear Process Numbered"/>
@@ -4904,6 +6176,153 @@
 </dgm:layoutDef>
 </file>
 
+<file path=ppt/diagrams/layout3.xml><?xml version="1.0" encoding="utf-8"?>
+<dgm:layoutDef xmlns:dgm="http://schemas.openxmlformats.org/drawingml/2006/diagram" xmlns:a="http://schemas.openxmlformats.org/drawingml/2006/main" uniqueId="urn:microsoft.com/office/officeart/2005/8/layout/default">
+  <dgm:title val=""/>
+  <dgm:desc val=""/>
+  <dgm:catLst>
+    <dgm:cat type="list" pri="400"/>
+  </dgm:catLst>
+  <dgm:sampData>
+    <dgm:dataModel>
+      <dgm:ptLst>
+        <dgm:pt modelId="0" type="doc"/>
+        <dgm:pt modelId="1">
+          <dgm:prSet phldr="1"/>
+        </dgm:pt>
+        <dgm:pt modelId="2">
+          <dgm:prSet phldr="1"/>
+        </dgm:pt>
+        <dgm:pt modelId="3">
+          <dgm:prSet phldr="1"/>
+        </dgm:pt>
+        <dgm:pt modelId="4">
+          <dgm:prSet phldr="1"/>
+        </dgm:pt>
+        <dgm:pt modelId="5">
+          <dgm:prSet phldr="1"/>
+        </dgm:pt>
+      </dgm:ptLst>
+      <dgm:cxnLst>
+        <dgm:cxn modelId="6" srcId="0" destId="1" srcOrd="0" destOrd="0"/>
+        <dgm:cxn modelId="7" srcId="0" destId="2" srcOrd="1" destOrd="0"/>
+        <dgm:cxn modelId="8" srcId="0" destId="3" srcOrd="2" destOrd="0"/>
+        <dgm:cxn modelId="9" srcId="0" destId="4" srcOrd="3" destOrd="0"/>
+        <dgm:cxn modelId="10" srcId="0" destId="5" srcOrd="4" destOrd="0"/>
+      </dgm:cxnLst>
+      <dgm:bg/>
+      <dgm:whole/>
+    </dgm:dataModel>
+  </dgm:sampData>
+  <dgm:styleData>
+    <dgm:dataModel>
+      <dgm:ptLst>
+        <dgm:pt modelId="0" type="doc"/>
+        <dgm:pt modelId="1"/>
+        <dgm:pt modelId="2"/>
+      </dgm:ptLst>
+      <dgm:cxnLst>
+        <dgm:cxn modelId="3" srcId="0" destId="1" srcOrd="0" destOrd="0"/>
+        <dgm:cxn modelId="4" srcId="0" destId="2" srcOrd="1" destOrd="0"/>
+      </dgm:cxnLst>
+      <dgm:bg/>
+      <dgm:whole/>
+    </dgm:dataModel>
+  </dgm:styleData>
+  <dgm:clrData>
+    <dgm:dataModel>
+      <dgm:ptLst>
+        <dgm:pt modelId="0" type="doc"/>
+        <dgm:pt modelId="1"/>
+        <dgm:pt modelId="2"/>
+        <dgm:pt modelId="3"/>
+        <dgm:pt modelId="4"/>
+        <dgm:pt modelId="5"/>
+        <dgm:pt modelId="6"/>
+      </dgm:ptLst>
+      <dgm:cxnLst>
+        <dgm:cxn modelId="7" srcId="0" destId="1" srcOrd="0" destOrd="0"/>
+        <dgm:cxn modelId="8" srcId="0" destId="2" srcOrd="1" destOrd="0"/>
+        <dgm:cxn modelId="9" srcId="0" destId="3" srcOrd="2" destOrd="0"/>
+        <dgm:cxn modelId="10" srcId="0" destId="4" srcOrd="3" destOrd="0"/>
+        <dgm:cxn modelId="11" srcId="0" destId="5" srcOrd="4" destOrd="0"/>
+        <dgm:cxn modelId="12" srcId="0" destId="6" srcOrd="5" destOrd="0"/>
+      </dgm:cxnLst>
+      <dgm:bg/>
+      <dgm:whole/>
+    </dgm:dataModel>
+  </dgm:clrData>
+  <dgm:layoutNode name="diagram">
+    <dgm:varLst>
+      <dgm:dir/>
+      <dgm:resizeHandles val="exact"/>
+    </dgm:varLst>
+    <dgm:choose name="Name0">
+      <dgm:if name="Name1" func="var" arg="dir" op="equ" val="norm">
+        <dgm:alg type="snake">
+          <dgm:param type="grDir" val="tL"/>
+          <dgm:param type="flowDir" val="row"/>
+          <dgm:param type="contDir" val="sameDir"/>
+          <dgm:param type="off" val="ctr"/>
+        </dgm:alg>
+      </dgm:if>
+      <dgm:else name="Name2">
+        <dgm:alg type="snake">
+          <dgm:param type="grDir" val="tR"/>
+          <dgm:param type="flowDir" val="row"/>
+          <dgm:param type="contDir" val="sameDir"/>
+          <dgm:param type="off" val="ctr"/>
+        </dgm:alg>
+      </dgm:else>
+    </dgm:choose>
+    <dgm:shape xmlns:r="http://schemas.openxmlformats.org/officeDocument/2006/relationships" r:blip="">
+      <dgm:adjLst/>
+    </dgm:shape>
+    <dgm:presOf/>
+    <dgm:constrLst>
+      <dgm:constr type="w" for="ch" forName="node" refType="w"/>
+      <dgm:constr type="h" for="ch" forName="node" refType="w" refFor="ch" refForName="node" fact="0.6"/>
+      <dgm:constr type="w" for="ch" forName="sibTrans" refType="w" refFor="ch" refForName="node" fact="0.1"/>
+      <dgm:constr type="sp" refType="w" refFor="ch" refForName="sibTrans"/>
+      <dgm:constr type="primFontSz" for="ch" forName="node" op="equ" val="65"/>
+    </dgm:constrLst>
+    <dgm:ruleLst/>
+    <dgm:forEach name="Name3" axis="ch" ptType="node">
+      <dgm:layoutNode name="node">
+        <dgm:varLst>
+          <dgm:bulletEnabled val="1"/>
+        </dgm:varLst>
+        <dgm:alg type="tx"/>
+        <dgm:shape xmlns:r="http://schemas.openxmlformats.org/officeDocument/2006/relationships" type="rect" r:blip="">
+          <dgm:adjLst/>
+        </dgm:shape>
+        <dgm:presOf axis="desOrSelf" ptType="node"/>
+        <dgm:constrLst>
+          <dgm:constr type="lMarg" refType="primFontSz" fact="0.3"/>
+          <dgm:constr type="rMarg" refType="primFontSz" fact="0.3"/>
+          <dgm:constr type="tMarg" refType="primFontSz" fact="0.3"/>
+          <dgm:constr type="bMarg" refType="primFontSz" fact="0.3"/>
+        </dgm:constrLst>
+        <dgm:ruleLst>
+          <dgm:rule type="primFontSz" val="5" fact="NaN" max="NaN"/>
+        </dgm:ruleLst>
+      </dgm:layoutNode>
+      <dgm:forEach name="Name4" axis="followSib" ptType="sibTrans" cnt="1">
+        <dgm:layoutNode name="sibTrans">
+          <dgm:alg type="sp"/>
+          <dgm:shape xmlns:r="http://schemas.openxmlformats.org/officeDocument/2006/relationships" r:blip="">
+            <dgm:adjLst/>
+          </dgm:shape>
+          <dgm:presOf/>
+          <dgm:constrLst/>
+          <dgm:ruleLst/>
+        </dgm:layoutNode>
+      </dgm:forEach>
+    </dgm:forEach>
+  </dgm:layoutNode>
+</dgm:layoutDef>
+</file>
+
 <file path=ppt/diagrams/quickStyle1.xml><?xml version="1.0" encoding="utf-8"?>
 <dgm:styleDef xmlns:dgm="http://schemas.openxmlformats.org/drawingml/2006/diagram" xmlns:a="http://schemas.openxmlformats.org/drawingml/2006/main" uniqueId="urn:microsoft.com/office/officeart/2005/8/quickstyle/simple2">
   <dgm:title val=""/>
@@ -6944,6 +8363,1040 @@
         <a:scrgbClr r="0" g="0" b="0"/>
       </a:fillRef>
       <a:effectRef idx="0">
+        <a:scrgbClr r="0" g="0" b="0"/>
+      </a:effectRef>
+      <a:fontRef idx="minor"/>
+    </dgm:style>
+  </dgm:styleLbl>
+  <dgm:styleLbl name="revTx">
+    <dgm:scene3d>
+      <a:camera prst="orthographicFront"/>
+      <a:lightRig rig="threePt" dir="t"/>
+    </dgm:scene3d>
+    <dgm:sp3d/>
+    <dgm:txPr/>
+    <dgm:style>
+      <a:lnRef idx="0">
+        <a:scrgbClr r="0" g="0" b="0"/>
+      </a:lnRef>
+      <a:fillRef idx="0">
+        <a:scrgbClr r="0" g="0" b="0"/>
+      </a:fillRef>
+      <a:effectRef idx="0">
+        <a:scrgbClr r="0" g="0" b="0"/>
+      </a:effectRef>
+      <a:fontRef idx="minor"/>
+    </dgm:style>
+  </dgm:styleLbl>
+</dgm:styleDef>
+</file>
+
+<file path=ppt/diagrams/quickStyle3.xml><?xml version="1.0" encoding="utf-8"?>
+<dgm:styleDef xmlns:dgm="http://schemas.openxmlformats.org/drawingml/2006/diagram" xmlns:a="http://schemas.openxmlformats.org/drawingml/2006/main" uniqueId="urn:microsoft.com/office/officeart/2005/8/quickstyle/simple5">
+  <dgm:title val=""/>
+  <dgm:desc val=""/>
+  <dgm:catLst>
+    <dgm:cat type="simple" pri="10500"/>
+  </dgm:catLst>
+  <dgm:scene3d>
+    <a:camera prst="orthographicFront"/>
+    <a:lightRig rig="threePt" dir="t"/>
+  </dgm:scene3d>
+  <dgm:styleLbl name="node0">
+    <dgm:scene3d>
+      <a:camera prst="orthographicFront"/>
+      <a:lightRig rig="threePt" dir="t"/>
+    </dgm:scene3d>
+    <dgm:sp3d/>
+    <dgm:txPr/>
+    <dgm:style>
+      <a:lnRef idx="0">
+        <a:scrgbClr r="0" g="0" b="0"/>
+      </a:lnRef>
+      <a:fillRef idx="3">
+        <a:scrgbClr r="0" g="0" b="0"/>
+      </a:fillRef>
+      <a:effectRef idx="3">
+        <a:scrgbClr r="0" g="0" b="0"/>
+      </a:effectRef>
+      <a:fontRef idx="minor">
+        <a:schemeClr val="lt1"/>
+      </a:fontRef>
+    </dgm:style>
+  </dgm:styleLbl>
+  <dgm:styleLbl name="lnNode1">
+    <dgm:scene3d>
+      <a:camera prst="orthographicFront"/>
+      <a:lightRig rig="threePt" dir="t"/>
+    </dgm:scene3d>
+    <dgm:sp3d/>
+    <dgm:txPr/>
+    <dgm:style>
+      <a:lnRef idx="0">
+        <a:scrgbClr r="0" g="0" b="0"/>
+      </a:lnRef>
+      <a:fillRef idx="3">
+        <a:scrgbClr r="0" g="0" b="0"/>
+      </a:fillRef>
+      <a:effectRef idx="3">
+        <a:scrgbClr r="0" g="0" b="0"/>
+      </a:effectRef>
+      <a:fontRef idx="minor">
+        <a:schemeClr val="lt1"/>
+      </a:fontRef>
+    </dgm:style>
+  </dgm:styleLbl>
+  <dgm:styleLbl name="vennNode1">
+    <dgm:scene3d>
+      <a:camera prst="orthographicFront"/>
+      <a:lightRig rig="threePt" dir="t"/>
+    </dgm:scene3d>
+    <dgm:sp3d/>
+    <dgm:txPr/>
+    <dgm:style>
+      <a:lnRef idx="0">
+        <a:scrgbClr r="0" g="0" b="0"/>
+      </a:lnRef>
+      <a:fillRef idx="3">
+        <a:scrgbClr r="0" g="0" b="0"/>
+      </a:fillRef>
+      <a:effectRef idx="3">
+        <a:scrgbClr r="0" g="0" b="0"/>
+      </a:effectRef>
+      <a:fontRef idx="minor">
+        <a:schemeClr val="tx1"/>
+      </a:fontRef>
+    </dgm:style>
+  </dgm:styleLbl>
+  <dgm:styleLbl name="alignNode1">
+    <dgm:scene3d>
+      <a:camera prst="orthographicFront"/>
+      <a:lightRig rig="threePt" dir="t"/>
+    </dgm:scene3d>
+    <dgm:sp3d/>
+    <dgm:txPr/>
+    <dgm:style>
+      <a:lnRef idx="1">
+        <a:scrgbClr r="0" g="0" b="0"/>
+      </a:lnRef>
+      <a:fillRef idx="3">
+        <a:scrgbClr r="0" g="0" b="0"/>
+      </a:fillRef>
+      <a:effectRef idx="3">
+        <a:scrgbClr r="0" g="0" b="0"/>
+      </a:effectRef>
+      <a:fontRef idx="minor">
+        <a:schemeClr val="lt1"/>
+      </a:fontRef>
+    </dgm:style>
+  </dgm:styleLbl>
+  <dgm:styleLbl name="node1">
+    <dgm:scene3d>
+      <a:camera prst="orthographicFront"/>
+      <a:lightRig rig="threePt" dir="t"/>
+    </dgm:scene3d>
+    <dgm:sp3d/>
+    <dgm:txPr/>
+    <dgm:style>
+      <a:lnRef idx="0">
+        <a:scrgbClr r="0" g="0" b="0"/>
+      </a:lnRef>
+      <a:fillRef idx="3">
+        <a:scrgbClr r="0" g="0" b="0"/>
+      </a:fillRef>
+      <a:effectRef idx="3">
+        <a:scrgbClr r="0" g="0" b="0"/>
+      </a:effectRef>
+      <a:fontRef idx="minor">
+        <a:schemeClr val="lt1"/>
+      </a:fontRef>
+    </dgm:style>
+  </dgm:styleLbl>
+  <dgm:styleLbl name="node2">
+    <dgm:scene3d>
+      <a:camera prst="orthographicFront"/>
+      <a:lightRig rig="threePt" dir="t"/>
+    </dgm:scene3d>
+    <dgm:sp3d/>
+    <dgm:txPr/>
+    <dgm:style>
+      <a:lnRef idx="0">
+        <a:scrgbClr r="0" g="0" b="0"/>
+      </a:lnRef>
+      <a:fillRef idx="3">
+        <a:scrgbClr r="0" g="0" b="0"/>
+      </a:fillRef>
+      <a:effectRef idx="3">
+        <a:scrgbClr r="0" g="0" b="0"/>
+      </a:effectRef>
+      <a:fontRef idx="minor">
+        <a:schemeClr val="lt1"/>
+      </a:fontRef>
+    </dgm:style>
+  </dgm:styleLbl>
+  <dgm:styleLbl name="node3">
+    <dgm:scene3d>
+      <a:camera prst="orthographicFront"/>
+      <a:lightRig rig="threePt" dir="t"/>
+    </dgm:scene3d>
+    <dgm:sp3d/>
+    <dgm:txPr/>
+    <dgm:style>
+      <a:lnRef idx="0">
+        <a:scrgbClr r="0" g="0" b="0"/>
+      </a:lnRef>
+      <a:fillRef idx="3">
+        <a:scrgbClr r="0" g="0" b="0"/>
+      </a:fillRef>
+      <a:effectRef idx="3">
+        <a:scrgbClr r="0" g="0" b="0"/>
+      </a:effectRef>
+      <a:fontRef idx="minor">
+        <a:schemeClr val="lt1"/>
+      </a:fontRef>
+    </dgm:style>
+  </dgm:styleLbl>
+  <dgm:styleLbl name="node4">
+    <dgm:scene3d>
+      <a:camera prst="orthographicFront"/>
+      <a:lightRig rig="threePt" dir="t"/>
+    </dgm:scene3d>
+    <dgm:sp3d/>
+    <dgm:txPr/>
+    <dgm:style>
+      <a:lnRef idx="0">
+        <a:scrgbClr r="0" g="0" b="0"/>
+      </a:lnRef>
+      <a:fillRef idx="3">
+        <a:scrgbClr r="0" g="0" b="0"/>
+      </a:fillRef>
+      <a:effectRef idx="3">
+        <a:scrgbClr r="0" g="0" b="0"/>
+      </a:effectRef>
+      <a:fontRef idx="minor">
+        <a:schemeClr val="lt1"/>
+      </a:fontRef>
+    </dgm:style>
+  </dgm:styleLbl>
+  <dgm:styleLbl name="fgImgPlace1">
+    <dgm:scene3d>
+      <a:camera prst="orthographicFront"/>
+      <a:lightRig rig="threePt" dir="t"/>
+    </dgm:scene3d>
+    <dgm:sp3d/>
+    <dgm:txPr/>
+    <dgm:style>
+      <a:lnRef idx="0">
+        <a:scrgbClr r="0" g="0" b="0"/>
+      </a:lnRef>
+      <a:fillRef idx="1">
+        <a:scrgbClr r="0" g="0" b="0"/>
+      </a:fillRef>
+      <a:effectRef idx="3">
+        <a:scrgbClr r="0" g="0" b="0"/>
+      </a:effectRef>
+      <a:fontRef idx="minor"/>
+    </dgm:style>
+  </dgm:styleLbl>
+  <dgm:styleLbl name="alignImgPlace1">
+    <dgm:scene3d>
+      <a:camera prst="orthographicFront"/>
+      <a:lightRig rig="threePt" dir="t"/>
+    </dgm:scene3d>
+    <dgm:sp3d/>
+    <dgm:txPr/>
+    <dgm:style>
+      <a:lnRef idx="0">
+        <a:scrgbClr r="0" g="0" b="0"/>
+      </a:lnRef>
+      <a:fillRef idx="1">
+        <a:scrgbClr r="0" g="0" b="0"/>
+      </a:fillRef>
+      <a:effectRef idx="3">
+        <a:scrgbClr r="0" g="0" b="0"/>
+      </a:effectRef>
+      <a:fontRef idx="minor"/>
+    </dgm:style>
+  </dgm:styleLbl>
+  <dgm:styleLbl name="bgImgPlace1">
+    <dgm:scene3d>
+      <a:camera prst="orthographicFront"/>
+      <a:lightRig rig="threePt" dir="t"/>
+    </dgm:scene3d>
+    <dgm:sp3d/>
+    <dgm:txPr/>
+    <dgm:style>
+      <a:lnRef idx="0">
+        <a:scrgbClr r="0" g="0" b="0"/>
+      </a:lnRef>
+      <a:fillRef idx="1">
+        <a:scrgbClr r="0" g="0" b="0"/>
+      </a:fillRef>
+      <a:effectRef idx="3">
+        <a:scrgbClr r="0" g="0" b="0"/>
+      </a:effectRef>
+      <a:fontRef idx="minor"/>
+    </dgm:style>
+  </dgm:styleLbl>
+  <dgm:styleLbl name="sibTrans2D1">
+    <dgm:scene3d>
+      <a:camera prst="orthographicFront"/>
+      <a:lightRig rig="threePt" dir="t"/>
+    </dgm:scene3d>
+    <dgm:sp3d/>
+    <dgm:txPr/>
+    <dgm:style>
+      <a:lnRef idx="0">
+        <a:scrgbClr r="0" g="0" b="0"/>
+      </a:lnRef>
+      <a:fillRef idx="3">
+        <a:scrgbClr r="0" g="0" b="0"/>
+      </a:fillRef>
+      <a:effectRef idx="3">
+        <a:scrgbClr r="0" g="0" b="0"/>
+      </a:effectRef>
+      <a:fontRef idx="minor">
+        <a:schemeClr val="lt1"/>
+      </a:fontRef>
+    </dgm:style>
+  </dgm:styleLbl>
+  <dgm:styleLbl name="fgSibTrans2D1">
+    <dgm:scene3d>
+      <a:camera prst="orthographicFront"/>
+      <a:lightRig rig="threePt" dir="t"/>
+    </dgm:scene3d>
+    <dgm:sp3d/>
+    <dgm:txPr/>
+    <dgm:style>
+      <a:lnRef idx="0">
+        <a:scrgbClr r="0" g="0" b="0"/>
+      </a:lnRef>
+      <a:fillRef idx="3">
+        <a:scrgbClr r="0" g="0" b="0"/>
+      </a:fillRef>
+      <a:effectRef idx="3">
+        <a:scrgbClr r="0" g="0" b="0"/>
+      </a:effectRef>
+      <a:fontRef idx="minor">
+        <a:schemeClr val="lt1"/>
+      </a:fontRef>
+    </dgm:style>
+  </dgm:styleLbl>
+  <dgm:styleLbl name="bgSibTrans2D1">
+    <dgm:scene3d>
+      <a:camera prst="orthographicFront"/>
+      <a:lightRig rig="threePt" dir="t"/>
+    </dgm:scene3d>
+    <dgm:sp3d/>
+    <dgm:txPr/>
+    <dgm:style>
+      <a:lnRef idx="0">
+        <a:scrgbClr r="0" g="0" b="0"/>
+      </a:lnRef>
+      <a:fillRef idx="3">
+        <a:scrgbClr r="0" g="0" b="0"/>
+      </a:fillRef>
+      <a:effectRef idx="3">
+        <a:scrgbClr r="0" g="0" b="0"/>
+      </a:effectRef>
+      <a:fontRef idx="minor">
+        <a:schemeClr val="lt1"/>
+      </a:fontRef>
+    </dgm:style>
+  </dgm:styleLbl>
+  <dgm:styleLbl name="sibTrans1D1">
+    <dgm:scene3d>
+      <a:camera prst="orthographicFront"/>
+      <a:lightRig rig="threePt" dir="t"/>
+    </dgm:scene3d>
+    <dgm:sp3d/>
+    <dgm:txPr/>
+    <dgm:style>
+      <a:lnRef idx="1">
+        <a:scrgbClr r="0" g="0" b="0"/>
+      </a:lnRef>
+      <a:fillRef idx="0">
+        <a:scrgbClr r="0" g="0" b="0"/>
+      </a:fillRef>
+      <a:effectRef idx="0">
+        <a:scrgbClr r="0" g="0" b="0"/>
+      </a:effectRef>
+      <a:fontRef idx="minor"/>
+    </dgm:style>
+  </dgm:styleLbl>
+  <dgm:styleLbl name="callout">
+    <dgm:scene3d>
+      <a:camera prst="orthographicFront"/>
+      <a:lightRig rig="threePt" dir="t"/>
+    </dgm:scene3d>
+    <dgm:sp3d/>
+    <dgm:txPr/>
+    <dgm:style>
+      <a:lnRef idx="1">
+        <a:scrgbClr r="0" g="0" b="0"/>
+      </a:lnRef>
+      <a:fillRef idx="0">
+        <a:scrgbClr r="0" g="0" b="0"/>
+      </a:fillRef>
+      <a:effectRef idx="1">
+        <a:scrgbClr r="0" g="0" b="0"/>
+      </a:effectRef>
+      <a:fontRef idx="minor"/>
+    </dgm:style>
+  </dgm:styleLbl>
+  <dgm:styleLbl name="asst0">
+    <dgm:scene3d>
+      <a:camera prst="orthographicFront"/>
+      <a:lightRig rig="threePt" dir="t"/>
+    </dgm:scene3d>
+    <dgm:sp3d/>
+    <dgm:txPr/>
+    <dgm:style>
+      <a:lnRef idx="0">
+        <a:scrgbClr r="0" g="0" b="0"/>
+      </a:lnRef>
+      <a:fillRef idx="3">
+        <a:scrgbClr r="0" g="0" b="0"/>
+      </a:fillRef>
+      <a:effectRef idx="3">
+        <a:scrgbClr r="0" g="0" b="0"/>
+      </a:effectRef>
+      <a:fontRef idx="minor">
+        <a:schemeClr val="lt1"/>
+      </a:fontRef>
+    </dgm:style>
+  </dgm:styleLbl>
+  <dgm:styleLbl name="asst1">
+    <dgm:scene3d>
+      <a:camera prst="orthographicFront"/>
+      <a:lightRig rig="threePt" dir="t"/>
+    </dgm:scene3d>
+    <dgm:sp3d/>
+    <dgm:txPr/>
+    <dgm:style>
+      <a:lnRef idx="0">
+        <a:scrgbClr r="0" g="0" b="0"/>
+      </a:lnRef>
+      <a:fillRef idx="3">
+        <a:scrgbClr r="0" g="0" b="0"/>
+      </a:fillRef>
+      <a:effectRef idx="3">
+        <a:scrgbClr r="0" g="0" b="0"/>
+      </a:effectRef>
+      <a:fontRef idx="minor">
+        <a:schemeClr val="lt1"/>
+      </a:fontRef>
+    </dgm:style>
+  </dgm:styleLbl>
+  <dgm:styleLbl name="asst2">
+    <dgm:scene3d>
+      <a:camera prst="orthographicFront"/>
+      <a:lightRig rig="threePt" dir="t"/>
+    </dgm:scene3d>
+    <dgm:sp3d/>
+    <dgm:txPr/>
+    <dgm:style>
+      <a:lnRef idx="0">
+        <a:scrgbClr r="0" g="0" b="0"/>
+      </a:lnRef>
+      <a:fillRef idx="3">
+        <a:scrgbClr r="0" g="0" b="0"/>
+      </a:fillRef>
+      <a:effectRef idx="3">
+        <a:scrgbClr r="0" g="0" b="0"/>
+      </a:effectRef>
+      <a:fontRef idx="minor">
+        <a:schemeClr val="lt1"/>
+      </a:fontRef>
+    </dgm:style>
+  </dgm:styleLbl>
+  <dgm:styleLbl name="asst3">
+    <dgm:scene3d>
+      <a:camera prst="orthographicFront"/>
+      <a:lightRig rig="threePt" dir="t"/>
+    </dgm:scene3d>
+    <dgm:sp3d/>
+    <dgm:txPr/>
+    <dgm:style>
+      <a:lnRef idx="0">
+        <a:scrgbClr r="0" g="0" b="0"/>
+      </a:lnRef>
+      <a:fillRef idx="3">
+        <a:scrgbClr r="0" g="0" b="0"/>
+      </a:fillRef>
+      <a:effectRef idx="3">
+        <a:scrgbClr r="0" g="0" b="0"/>
+      </a:effectRef>
+      <a:fontRef idx="minor">
+        <a:schemeClr val="lt1"/>
+      </a:fontRef>
+    </dgm:style>
+  </dgm:styleLbl>
+  <dgm:styleLbl name="asst4">
+    <dgm:scene3d>
+      <a:camera prst="orthographicFront"/>
+      <a:lightRig rig="threePt" dir="t"/>
+    </dgm:scene3d>
+    <dgm:sp3d/>
+    <dgm:txPr/>
+    <dgm:style>
+      <a:lnRef idx="0">
+        <a:scrgbClr r="0" g="0" b="0"/>
+      </a:lnRef>
+      <a:fillRef idx="3">
+        <a:scrgbClr r="0" g="0" b="0"/>
+      </a:fillRef>
+      <a:effectRef idx="3">
+        <a:scrgbClr r="0" g="0" b="0"/>
+      </a:effectRef>
+      <a:fontRef idx="minor">
+        <a:schemeClr val="lt1"/>
+      </a:fontRef>
+    </dgm:style>
+  </dgm:styleLbl>
+  <dgm:styleLbl name="parChTrans2D1">
+    <dgm:scene3d>
+      <a:camera prst="orthographicFront"/>
+      <a:lightRig rig="threePt" dir="t"/>
+    </dgm:scene3d>
+    <dgm:sp3d/>
+    <dgm:txPr/>
+    <dgm:style>
+      <a:lnRef idx="0">
+        <a:scrgbClr r="0" g="0" b="0"/>
+      </a:lnRef>
+      <a:fillRef idx="3">
+        <a:scrgbClr r="0" g="0" b="0"/>
+      </a:fillRef>
+      <a:effectRef idx="3">
+        <a:scrgbClr r="0" g="0" b="0"/>
+      </a:effectRef>
+      <a:fontRef idx="minor">
+        <a:schemeClr val="lt1"/>
+      </a:fontRef>
+    </dgm:style>
+  </dgm:styleLbl>
+  <dgm:styleLbl name="parChTrans2D2">
+    <dgm:scene3d>
+      <a:camera prst="orthographicFront"/>
+      <a:lightRig rig="threePt" dir="t"/>
+    </dgm:scene3d>
+    <dgm:sp3d/>
+    <dgm:txPr/>
+    <dgm:style>
+      <a:lnRef idx="0">
+        <a:scrgbClr r="0" g="0" b="0"/>
+      </a:lnRef>
+      <a:fillRef idx="3">
+        <a:scrgbClr r="0" g="0" b="0"/>
+      </a:fillRef>
+      <a:effectRef idx="3">
+        <a:scrgbClr r="0" g="0" b="0"/>
+      </a:effectRef>
+      <a:fontRef idx="minor">
+        <a:schemeClr val="lt1"/>
+      </a:fontRef>
+    </dgm:style>
+  </dgm:styleLbl>
+  <dgm:styleLbl name="parChTrans2D3">
+    <dgm:scene3d>
+      <a:camera prst="orthographicFront"/>
+      <a:lightRig rig="threePt" dir="t"/>
+    </dgm:scene3d>
+    <dgm:sp3d/>
+    <dgm:txPr/>
+    <dgm:style>
+      <a:lnRef idx="0">
+        <a:scrgbClr r="0" g="0" b="0"/>
+      </a:lnRef>
+      <a:fillRef idx="3">
+        <a:scrgbClr r="0" g="0" b="0"/>
+      </a:fillRef>
+      <a:effectRef idx="3">
+        <a:scrgbClr r="0" g="0" b="0"/>
+      </a:effectRef>
+      <a:fontRef idx="minor">
+        <a:schemeClr val="lt1"/>
+      </a:fontRef>
+    </dgm:style>
+  </dgm:styleLbl>
+  <dgm:styleLbl name="parChTrans2D4">
+    <dgm:scene3d>
+      <a:camera prst="orthographicFront"/>
+      <a:lightRig rig="threePt" dir="t"/>
+    </dgm:scene3d>
+    <dgm:sp3d/>
+    <dgm:txPr/>
+    <dgm:style>
+      <a:lnRef idx="0">
+        <a:scrgbClr r="0" g="0" b="0"/>
+      </a:lnRef>
+      <a:fillRef idx="3">
+        <a:scrgbClr r="0" g="0" b="0"/>
+      </a:fillRef>
+      <a:effectRef idx="3">
+        <a:scrgbClr r="0" g="0" b="0"/>
+      </a:effectRef>
+      <a:fontRef idx="minor">
+        <a:schemeClr val="lt1"/>
+      </a:fontRef>
+    </dgm:style>
+  </dgm:styleLbl>
+  <dgm:styleLbl name="parChTrans1D1">
+    <dgm:scene3d>
+      <a:camera prst="orthographicFront"/>
+      <a:lightRig rig="threePt" dir="t"/>
+    </dgm:scene3d>
+    <dgm:sp3d/>
+    <dgm:txPr/>
+    <dgm:style>
+      <a:lnRef idx="2">
+        <a:scrgbClr r="0" g="0" b="0"/>
+      </a:lnRef>
+      <a:fillRef idx="0">
+        <a:scrgbClr r="0" g="0" b="0"/>
+      </a:fillRef>
+      <a:effectRef idx="0">
+        <a:scrgbClr r="0" g="0" b="0"/>
+      </a:effectRef>
+      <a:fontRef idx="minor"/>
+    </dgm:style>
+  </dgm:styleLbl>
+  <dgm:styleLbl name="parChTrans1D2">
+    <dgm:scene3d>
+      <a:camera prst="orthographicFront"/>
+      <a:lightRig rig="threePt" dir="t"/>
+    </dgm:scene3d>
+    <dgm:sp3d/>
+    <dgm:txPr/>
+    <dgm:style>
+      <a:lnRef idx="2">
+        <a:scrgbClr r="0" g="0" b="0"/>
+      </a:lnRef>
+      <a:fillRef idx="0">
+        <a:scrgbClr r="0" g="0" b="0"/>
+      </a:fillRef>
+      <a:effectRef idx="0">
+        <a:scrgbClr r="0" g="0" b="0"/>
+      </a:effectRef>
+      <a:fontRef idx="minor"/>
+    </dgm:style>
+  </dgm:styleLbl>
+  <dgm:styleLbl name="parChTrans1D3">
+    <dgm:scene3d>
+      <a:camera prst="orthographicFront"/>
+      <a:lightRig rig="threePt" dir="t"/>
+    </dgm:scene3d>
+    <dgm:sp3d/>
+    <dgm:txPr/>
+    <dgm:style>
+      <a:lnRef idx="2">
+        <a:scrgbClr r="0" g="0" b="0"/>
+      </a:lnRef>
+      <a:fillRef idx="0">
+        <a:scrgbClr r="0" g="0" b="0"/>
+      </a:fillRef>
+      <a:effectRef idx="0">
+        <a:scrgbClr r="0" g="0" b="0"/>
+      </a:effectRef>
+      <a:fontRef idx="minor"/>
+    </dgm:style>
+  </dgm:styleLbl>
+  <dgm:styleLbl name="parChTrans1D4">
+    <dgm:scene3d>
+      <a:camera prst="orthographicFront"/>
+      <a:lightRig rig="threePt" dir="t"/>
+    </dgm:scene3d>
+    <dgm:sp3d/>
+    <dgm:txPr/>
+    <dgm:style>
+      <a:lnRef idx="2">
+        <a:scrgbClr r="0" g="0" b="0"/>
+      </a:lnRef>
+      <a:fillRef idx="0">
+        <a:scrgbClr r="0" g="0" b="0"/>
+      </a:fillRef>
+      <a:effectRef idx="0">
+        <a:scrgbClr r="0" g="0" b="0"/>
+      </a:effectRef>
+      <a:fontRef idx="minor"/>
+    </dgm:style>
+  </dgm:styleLbl>
+  <dgm:styleLbl name="fgAcc1">
+    <dgm:scene3d>
+      <a:camera prst="orthographicFront"/>
+      <a:lightRig rig="threePt" dir="t"/>
+    </dgm:scene3d>
+    <dgm:sp3d/>
+    <dgm:txPr/>
+    <dgm:style>
+      <a:lnRef idx="1">
+        <a:scrgbClr r="0" g="0" b="0"/>
+      </a:lnRef>
+      <a:fillRef idx="1">
+        <a:scrgbClr r="0" g="0" b="0"/>
+      </a:fillRef>
+      <a:effectRef idx="2">
+        <a:scrgbClr r="0" g="0" b="0"/>
+      </a:effectRef>
+      <a:fontRef idx="minor"/>
+    </dgm:style>
+  </dgm:styleLbl>
+  <dgm:styleLbl name="conFgAcc1">
+    <dgm:scene3d>
+      <a:camera prst="orthographicFront"/>
+      <a:lightRig rig="threePt" dir="t"/>
+    </dgm:scene3d>
+    <dgm:sp3d/>
+    <dgm:txPr/>
+    <dgm:style>
+      <a:lnRef idx="1">
+        <a:scrgbClr r="0" g="0" b="0"/>
+      </a:lnRef>
+      <a:fillRef idx="1">
+        <a:scrgbClr r="0" g="0" b="0"/>
+      </a:fillRef>
+      <a:effectRef idx="2">
+        <a:scrgbClr r="0" g="0" b="0"/>
+      </a:effectRef>
+      <a:fontRef idx="minor"/>
+    </dgm:style>
+  </dgm:styleLbl>
+  <dgm:styleLbl name="alignAcc1">
+    <dgm:scene3d>
+      <a:camera prst="orthographicFront"/>
+      <a:lightRig rig="threePt" dir="t"/>
+    </dgm:scene3d>
+    <dgm:sp3d/>
+    <dgm:txPr/>
+    <dgm:style>
+      <a:lnRef idx="1">
+        <a:scrgbClr r="0" g="0" b="0"/>
+      </a:lnRef>
+      <a:fillRef idx="1">
+        <a:scrgbClr r="0" g="0" b="0"/>
+      </a:fillRef>
+      <a:effectRef idx="2">
+        <a:scrgbClr r="0" g="0" b="0"/>
+      </a:effectRef>
+      <a:fontRef idx="minor"/>
+    </dgm:style>
+  </dgm:styleLbl>
+  <dgm:styleLbl name="trAlignAcc1">
+    <dgm:scene3d>
+      <a:camera prst="orthographicFront"/>
+      <a:lightRig rig="threePt" dir="t"/>
+    </dgm:scene3d>
+    <dgm:sp3d/>
+    <dgm:txPr/>
+    <dgm:style>
+      <a:lnRef idx="1">
+        <a:scrgbClr r="0" g="0" b="0"/>
+      </a:lnRef>
+      <a:fillRef idx="1">
+        <a:scrgbClr r="0" g="0" b="0"/>
+      </a:fillRef>
+      <a:effectRef idx="0">
+        <a:scrgbClr r="0" g="0" b="0"/>
+      </a:effectRef>
+      <a:fontRef idx="minor"/>
+    </dgm:style>
+  </dgm:styleLbl>
+  <dgm:styleLbl name="bgAcc1">
+    <dgm:scene3d>
+      <a:camera prst="orthographicFront"/>
+      <a:lightRig rig="threePt" dir="t"/>
+    </dgm:scene3d>
+    <dgm:sp3d/>
+    <dgm:txPr/>
+    <dgm:style>
+      <a:lnRef idx="1">
+        <a:scrgbClr r="0" g="0" b="0"/>
+      </a:lnRef>
+      <a:fillRef idx="1">
+        <a:scrgbClr r="0" g="0" b="0"/>
+      </a:fillRef>
+      <a:effectRef idx="2">
+        <a:scrgbClr r="0" g="0" b="0"/>
+      </a:effectRef>
+      <a:fontRef idx="minor"/>
+    </dgm:style>
+  </dgm:styleLbl>
+  <dgm:styleLbl name="solidFgAcc1">
+    <dgm:scene3d>
+      <a:camera prst="orthographicFront"/>
+      <a:lightRig rig="threePt" dir="t"/>
+    </dgm:scene3d>
+    <dgm:sp3d/>
+    <dgm:txPr/>
+    <dgm:style>
+      <a:lnRef idx="1">
+        <a:scrgbClr r="0" g="0" b="0"/>
+      </a:lnRef>
+      <a:fillRef idx="1">
+        <a:scrgbClr r="0" g="0" b="0"/>
+      </a:fillRef>
+      <a:effectRef idx="2">
+        <a:scrgbClr r="0" g="0" b="0"/>
+      </a:effectRef>
+      <a:fontRef idx="minor"/>
+    </dgm:style>
+  </dgm:styleLbl>
+  <dgm:styleLbl name="solidAlignAcc1">
+    <dgm:scene3d>
+      <a:camera prst="orthographicFront"/>
+      <a:lightRig rig="threePt" dir="t"/>
+    </dgm:scene3d>
+    <dgm:sp3d/>
+    <dgm:txPr/>
+    <dgm:style>
+      <a:lnRef idx="1">
+        <a:scrgbClr r="0" g="0" b="0"/>
+      </a:lnRef>
+      <a:fillRef idx="1">
+        <a:scrgbClr r="0" g="0" b="0"/>
+      </a:fillRef>
+      <a:effectRef idx="3">
+        <a:scrgbClr r="0" g="0" b="0"/>
+      </a:effectRef>
+      <a:fontRef idx="minor"/>
+    </dgm:style>
+  </dgm:styleLbl>
+  <dgm:styleLbl name="solidBgAcc1">
+    <dgm:scene3d>
+      <a:camera prst="orthographicFront"/>
+      <a:lightRig rig="threePt" dir="t"/>
+    </dgm:scene3d>
+    <dgm:sp3d/>
+    <dgm:txPr/>
+    <dgm:style>
+      <a:lnRef idx="1">
+        <a:scrgbClr r="0" g="0" b="0"/>
+      </a:lnRef>
+      <a:fillRef idx="1">
+        <a:scrgbClr r="0" g="0" b="0"/>
+      </a:fillRef>
+      <a:effectRef idx="3">
+        <a:scrgbClr r="0" g="0" b="0"/>
+      </a:effectRef>
+      <a:fontRef idx="minor"/>
+    </dgm:style>
+  </dgm:styleLbl>
+  <dgm:styleLbl name="fgAccFollowNode1">
+    <dgm:scene3d>
+      <a:camera prst="orthographicFront"/>
+      <a:lightRig rig="threePt" dir="t"/>
+    </dgm:scene3d>
+    <dgm:sp3d/>
+    <dgm:txPr/>
+    <dgm:style>
+      <a:lnRef idx="1">
+        <a:scrgbClr r="0" g="0" b="0"/>
+      </a:lnRef>
+      <a:fillRef idx="1">
+        <a:scrgbClr r="0" g="0" b="0"/>
+      </a:fillRef>
+      <a:effectRef idx="2">
+        <a:scrgbClr r="0" g="0" b="0"/>
+      </a:effectRef>
+      <a:fontRef idx="minor"/>
+    </dgm:style>
+  </dgm:styleLbl>
+  <dgm:styleLbl name="alignAccFollowNode1">
+    <dgm:scene3d>
+      <a:camera prst="orthographicFront"/>
+      <a:lightRig rig="threePt" dir="t"/>
+    </dgm:scene3d>
+    <dgm:sp3d/>
+    <dgm:txPr/>
+    <dgm:style>
+      <a:lnRef idx="1">
+        <a:scrgbClr r="0" g="0" b="0"/>
+      </a:lnRef>
+      <a:fillRef idx="1">
+        <a:scrgbClr r="0" g="0" b="0"/>
+      </a:fillRef>
+      <a:effectRef idx="2">
+        <a:scrgbClr r="0" g="0" b="0"/>
+      </a:effectRef>
+      <a:fontRef idx="minor"/>
+    </dgm:style>
+  </dgm:styleLbl>
+  <dgm:styleLbl name="bgAccFollowNode1">
+    <dgm:scene3d>
+      <a:camera prst="orthographicFront"/>
+      <a:lightRig rig="threePt" dir="t"/>
+    </dgm:scene3d>
+    <dgm:sp3d/>
+    <dgm:txPr/>
+    <dgm:style>
+      <a:lnRef idx="1">
+        <a:scrgbClr r="0" g="0" b="0"/>
+      </a:lnRef>
+      <a:fillRef idx="1">
+        <a:scrgbClr r="0" g="0" b="0"/>
+      </a:fillRef>
+      <a:effectRef idx="2">
+        <a:scrgbClr r="0" g="0" b="0"/>
+      </a:effectRef>
+      <a:fontRef idx="minor"/>
+    </dgm:style>
+  </dgm:styleLbl>
+  <dgm:styleLbl name="fgAcc0">
+    <dgm:scene3d>
+      <a:camera prst="orthographicFront"/>
+      <a:lightRig rig="threePt" dir="t"/>
+    </dgm:scene3d>
+    <dgm:sp3d/>
+    <dgm:txPr/>
+    <dgm:style>
+      <a:lnRef idx="1">
+        <a:scrgbClr r="0" g="0" b="0"/>
+      </a:lnRef>
+      <a:fillRef idx="1">
+        <a:scrgbClr r="0" g="0" b="0"/>
+      </a:fillRef>
+      <a:effectRef idx="2">
+        <a:scrgbClr r="0" g="0" b="0"/>
+      </a:effectRef>
+      <a:fontRef idx="minor"/>
+    </dgm:style>
+  </dgm:styleLbl>
+  <dgm:styleLbl name="fgAcc2">
+    <dgm:scene3d>
+      <a:camera prst="orthographicFront"/>
+      <a:lightRig rig="threePt" dir="t"/>
+    </dgm:scene3d>
+    <dgm:sp3d/>
+    <dgm:txPr/>
+    <dgm:style>
+      <a:lnRef idx="1">
+        <a:scrgbClr r="0" g="0" b="0"/>
+      </a:lnRef>
+      <a:fillRef idx="1">
+        <a:scrgbClr r="0" g="0" b="0"/>
+      </a:fillRef>
+      <a:effectRef idx="2">
+        <a:scrgbClr r="0" g="0" b="0"/>
+      </a:effectRef>
+      <a:fontRef idx="minor"/>
+    </dgm:style>
+  </dgm:styleLbl>
+  <dgm:styleLbl name="fgAcc3">
+    <dgm:scene3d>
+      <a:camera prst="orthographicFront"/>
+      <a:lightRig rig="threePt" dir="t"/>
+    </dgm:scene3d>
+    <dgm:sp3d/>
+    <dgm:txPr/>
+    <dgm:style>
+      <a:lnRef idx="1">
+        <a:scrgbClr r="0" g="0" b="0"/>
+      </a:lnRef>
+      <a:fillRef idx="1">
+        <a:scrgbClr r="0" g="0" b="0"/>
+      </a:fillRef>
+      <a:effectRef idx="2">
+        <a:scrgbClr r="0" g="0" b="0"/>
+      </a:effectRef>
+      <a:fontRef idx="minor"/>
+    </dgm:style>
+  </dgm:styleLbl>
+  <dgm:styleLbl name="fgAcc4">
+    <dgm:scene3d>
+      <a:camera prst="orthographicFront"/>
+      <a:lightRig rig="threePt" dir="t"/>
+    </dgm:scene3d>
+    <dgm:sp3d/>
+    <dgm:txPr/>
+    <dgm:style>
+      <a:lnRef idx="1">
+        <a:scrgbClr r="0" g="0" b="0"/>
+      </a:lnRef>
+      <a:fillRef idx="1">
+        <a:scrgbClr r="0" g="0" b="0"/>
+      </a:fillRef>
+      <a:effectRef idx="2">
+        <a:scrgbClr r="0" g="0" b="0"/>
+      </a:effectRef>
+      <a:fontRef idx="minor"/>
+    </dgm:style>
+  </dgm:styleLbl>
+  <dgm:styleLbl name="bgShp">
+    <dgm:scene3d>
+      <a:camera prst="orthographicFront"/>
+      <a:lightRig rig="threePt" dir="t"/>
+    </dgm:scene3d>
+    <dgm:sp3d/>
+    <dgm:txPr/>
+    <dgm:style>
+      <a:lnRef idx="0">
+        <a:scrgbClr r="0" g="0" b="0"/>
+      </a:lnRef>
+      <a:fillRef idx="1">
+        <a:scrgbClr r="0" g="0" b="0"/>
+      </a:fillRef>
+      <a:effectRef idx="2">
+        <a:scrgbClr r="0" g="0" b="0"/>
+      </a:effectRef>
+      <a:fontRef idx="minor"/>
+    </dgm:style>
+  </dgm:styleLbl>
+  <dgm:styleLbl name="dkBgShp">
+    <dgm:scene3d>
+      <a:camera prst="orthographicFront"/>
+      <a:lightRig rig="threePt" dir="t"/>
+    </dgm:scene3d>
+    <dgm:sp3d/>
+    <dgm:txPr/>
+    <dgm:style>
+      <a:lnRef idx="0">
+        <a:scrgbClr r="0" g="0" b="0"/>
+      </a:lnRef>
+      <a:fillRef idx="1">
+        <a:scrgbClr r="0" g="0" b="0"/>
+      </a:fillRef>
+      <a:effectRef idx="3">
+        <a:scrgbClr r="0" g="0" b="0"/>
+      </a:effectRef>
+      <a:fontRef idx="minor"/>
+    </dgm:style>
+  </dgm:styleLbl>
+  <dgm:styleLbl name="trBgShp">
+    <dgm:scene3d>
+      <a:camera prst="orthographicFront"/>
+      <a:lightRig rig="threePt" dir="t"/>
+    </dgm:scene3d>
+    <dgm:sp3d/>
+    <dgm:txPr/>
+    <dgm:style>
+      <a:lnRef idx="0">
+        <a:scrgbClr r="0" g="0" b="0"/>
+      </a:lnRef>
+      <a:fillRef idx="1">
+        <a:scrgbClr r="0" g="0" b="0"/>
+      </a:fillRef>
+      <a:effectRef idx="0">
+        <a:scrgbClr r="0" g="0" b="0"/>
+      </a:effectRef>
+      <a:fontRef idx="minor"/>
+    </dgm:style>
+  </dgm:styleLbl>
+  <dgm:styleLbl name="fgShp">
+    <dgm:scene3d>
+      <a:camera prst="orthographicFront"/>
+      <a:lightRig rig="threePt" dir="t"/>
+    </dgm:scene3d>
+    <dgm:sp3d/>
+    <dgm:txPr/>
+    <dgm:style>
+      <a:lnRef idx="0">
+        <a:scrgbClr r="0" g="0" b="0"/>
+      </a:lnRef>
+      <a:fillRef idx="3">
+        <a:scrgbClr r="0" g="0" b="0"/>
+      </a:fillRef>
+      <a:effectRef idx="3">
         <a:scrgbClr r="0" g="0" b="0"/>
       </a:effectRef>
       <a:fontRef idx="minor"/>
@@ -7054,7 +9507,7 @@
           <a:p>
             <a:fld id="{28CC861E-B6D9-488A-A2BB-167EDD0112EE}" type="datetimeFigureOut">
               <a:rPr lang="en-US" smtClean="0"/>
-              <a:t>3/24/2025</a:t>
+              <a:t>3/25/2025</a:t>
             </a:fld>
             <a:endParaRPr lang="en-US"/>
           </a:p>
@@ -8668,132 +11121,6 @@
           <a:p>
             <a:r>
               <a:rPr lang="en-US" dirty="0"/>
-              <a:t>For those interested in more advanced analyses, moderated mediation combines both concepts we've discussed today. This involves testing whether the strength of an indirect effect depends on the level of a moderator.</a:t>
-            </a:r>
-          </a:p>
-          <a:p>
-            <a:endParaRPr lang="en-US" dirty="0"/>
-          </a:p>
-          <a:p>
-            <a:r>
-              <a:rPr lang="en-US" dirty="0"/>
-              <a:t>We can calculate conditional indirect effects - the strength of the indirect effect at different levels of the moderator.</a:t>
-            </a:r>
-          </a:p>
-          <a:p>
-            <a:endParaRPr lang="en-US" dirty="0"/>
-          </a:p>
-          <a:p>
-            <a:r>
-              <a:rPr lang="en-US" dirty="0"/>
-              <a:t>The index of moderated mediation tells us whether the moderation of the indirect effect is statistically significant.</a:t>
-            </a:r>
-          </a:p>
-          <a:p>
-            <a:endParaRPr lang="en-US" dirty="0"/>
-          </a:p>
-          <a:p>
-            <a:r>
-              <a:rPr lang="en-US" dirty="0"/>
-              <a:t>There are several potential models for moderated mediation, depending on which path is moderated. The moderator might affect the X to M path, the M to Y path, or both paths.</a:t>
-            </a:r>
-          </a:p>
-          <a:p>
-            <a:endParaRPr lang="en-US" dirty="0"/>
-          </a:p>
-          <a:p>
-            <a:r>
-              <a:rPr lang="en-US" dirty="0"/>
-              <a:t>Hayes' PROCESS macro includes templates for testing these different models, making them accessible to researchers without extensive programming knowledge.</a:t>
-            </a:r>
-          </a:p>
-          <a:p>
-            <a:endParaRPr lang="en-US" dirty="0"/>
-          </a:p>
-        </p:txBody>
-      </p:sp>
-      <p:sp>
-        <p:nvSpPr>
-          <p:cNvPr id="4" name="Slide Number Placeholder 3"/>
-          <p:cNvSpPr>
-            <a:spLocks noGrp="1"/>
-          </p:cNvSpPr>
-          <p:nvPr>
-            <p:ph type="sldNum" sz="quarter" idx="5"/>
-          </p:nvPr>
-        </p:nvSpPr>
-        <p:spPr/>
-        <p:txBody>
-          <a:bodyPr/>
-          <a:lstStyle/>
-          <a:p>
-            <a:fld id="{4A677F31-8E3C-4ED2-97DF-DE6C71117425}" type="slidenum">
-              <a:rPr lang="en-US" smtClean="0"/>
-              <a:t>17</a:t>
-            </a:fld>
-            <a:endParaRPr lang="en-US"/>
-          </a:p>
-        </p:txBody>
-      </p:sp>
-    </p:spTree>
-    <p:extLst>
-      <p:ext uri="{BB962C8B-B14F-4D97-AF65-F5344CB8AC3E}">
-        <p14:creationId xmlns:p14="http://schemas.microsoft.com/office/powerpoint/2010/main" val="2937329210"/>
-      </p:ext>
-    </p:extLst>
-  </p:cSld>
-  <p:clrMapOvr>
-    <a:masterClrMapping/>
-  </p:clrMapOvr>
-</p:notes>
-</file>
-
-<file path=ppt/notesSlides/notesSlide18.xml><?xml version="1.0" encoding="utf-8"?>
-<p:notes xmlns:a="http://schemas.openxmlformats.org/drawingml/2006/main" xmlns:r="http://schemas.openxmlformats.org/officeDocument/2006/relationships" xmlns:p="http://schemas.openxmlformats.org/presentationml/2006/main">
-  <p:cSld>
-    <p:spTree>
-      <p:nvGrpSpPr>
-        <p:cNvPr id="1" name=""/>
-        <p:cNvGrpSpPr/>
-        <p:nvPr/>
-      </p:nvGrpSpPr>
-      <p:grpSpPr>
-        <a:xfrm>
-          <a:off x="0" y="0"/>
-          <a:ext cx="0" cy="0"/>
-          <a:chOff x="0" y="0"/>
-          <a:chExt cx="0" cy="0"/>
-        </a:xfrm>
-      </p:grpSpPr>
-      <p:sp>
-        <p:nvSpPr>
-          <p:cNvPr id="2" name="Slide Image Placeholder 1"/>
-          <p:cNvSpPr>
-            <a:spLocks noGrp="1" noRot="1" noChangeAspect="1"/>
-          </p:cNvSpPr>
-          <p:nvPr>
-            <p:ph type="sldImg"/>
-          </p:nvPr>
-        </p:nvSpPr>
-        <p:spPr/>
-      </p:sp>
-      <p:sp>
-        <p:nvSpPr>
-          <p:cNvPr id="3" name="Notes Placeholder 2"/>
-          <p:cNvSpPr>
-            <a:spLocks noGrp="1"/>
-          </p:cNvSpPr>
-          <p:nvPr>
-            <p:ph type="body" idx="1"/>
-          </p:nvPr>
-        </p:nvSpPr>
-        <p:spPr/>
-        <p:txBody>
-          <a:bodyPr/>
-          <a:lstStyle/>
-          <a:p>
-            <a:r>
-              <a:rPr lang="en-US" dirty="0"/>
               <a:t>Let's discuss some tools you can use to implement these analyses. For SPSS users, Hayes' PROCESS macro is extremely popular and user-friendly.</a:t>
             </a:r>
           </a:p>
@@ -10064,7 +12391,7 @@
           <a:p>
             <a:fld id="{06DC2E43-ADF2-4A74-A59C-D9F5E954D886}" type="datetimeFigureOut">
               <a:rPr lang="en-US" smtClean="0"/>
-              <a:t>3/24/2025</a:t>
+              <a:t>3/25/2025</a:t>
             </a:fld>
             <a:endParaRPr lang="en-US"/>
           </a:p>
@@ -10262,7 +12589,7 @@
           <a:p>
             <a:fld id="{06DC2E43-ADF2-4A74-A59C-D9F5E954D886}" type="datetimeFigureOut">
               <a:rPr lang="en-US" smtClean="0"/>
-              <a:t>3/24/2025</a:t>
+              <a:t>3/25/2025</a:t>
             </a:fld>
             <a:endParaRPr lang="en-US"/>
           </a:p>
@@ -10470,7 +12797,7 @@
           <a:p>
             <a:fld id="{06DC2E43-ADF2-4A74-A59C-D9F5E954D886}" type="datetimeFigureOut">
               <a:rPr lang="en-US" smtClean="0"/>
-              <a:t>3/24/2025</a:t>
+              <a:t>3/25/2025</a:t>
             </a:fld>
             <a:endParaRPr lang="en-US"/>
           </a:p>
@@ -10668,7 +12995,7 @@
           <a:p>
             <a:fld id="{06DC2E43-ADF2-4A74-A59C-D9F5E954D886}" type="datetimeFigureOut">
               <a:rPr lang="en-US" smtClean="0"/>
-              <a:t>3/24/2025</a:t>
+              <a:t>3/25/2025</a:t>
             </a:fld>
             <a:endParaRPr lang="en-US"/>
           </a:p>
@@ -10943,7 +13270,7 @@
           <a:p>
             <a:fld id="{06DC2E43-ADF2-4A74-A59C-D9F5E954D886}" type="datetimeFigureOut">
               <a:rPr lang="en-US" smtClean="0"/>
-              <a:t>3/24/2025</a:t>
+              <a:t>3/25/2025</a:t>
             </a:fld>
             <a:endParaRPr lang="en-US"/>
           </a:p>
@@ -11208,7 +13535,7 @@
           <a:p>
             <a:fld id="{06DC2E43-ADF2-4A74-A59C-D9F5E954D886}" type="datetimeFigureOut">
               <a:rPr lang="en-US" smtClean="0"/>
-              <a:t>3/24/2025</a:t>
+              <a:t>3/25/2025</a:t>
             </a:fld>
             <a:endParaRPr lang="en-US"/>
           </a:p>
@@ -11620,7 +13947,7 @@
           <a:p>
             <a:fld id="{06DC2E43-ADF2-4A74-A59C-D9F5E954D886}" type="datetimeFigureOut">
               <a:rPr lang="en-US" smtClean="0"/>
-              <a:t>3/24/2025</a:t>
+              <a:t>3/25/2025</a:t>
             </a:fld>
             <a:endParaRPr lang="en-US"/>
           </a:p>
@@ -11761,7 +14088,7 @@
           <a:p>
             <a:fld id="{06DC2E43-ADF2-4A74-A59C-D9F5E954D886}" type="datetimeFigureOut">
               <a:rPr lang="en-US" smtClean="0"/>
-              <a:t>3/24/2025</a:t>
+              <a:t>3/25/2025</a:t>
             </a:fld>
             <a:endParaRPr lang="en-US"/>
           </a:p>
@@ -11874,7 +14201,7 @@
           <a:p>
             <a:fld id="{06DC2E43-ADF2-4A74-A59C-D9F5E954D886}" type="datetimeFigureOut">
               <a:rPr lang="en-US" smtClean="0"/>
-              <a:t>3/24/2025</a:t>
+              <a:t>3/25/2025</a:t>
             </a:fld>
             <a:endParaRPr lang="en-US"/>
           </a:p>
@@ -12185,7 +14512,7 @@
           <a:p>
             <a:fld id="{06DC2E43-ADF2-4A74-A59C-D9F5E954D886}" type="datetimeFigureOut">
               <a:rPr lang="en-US" smtClean="0"/>
-              <a:t>3/24/2025</a:t>
+              <a:t>3/25/2025</a:t>
             </a:fld>
             <a:endParaRPr lang="en-US"/>
           </a:p>
@@ -12473,7 +14800,7 @@
           <a:p>
             <a:fld id="{06DC2E43-ADF2-4A74-A59C-D9F5E954D886}" type="datetimeFigureOut">
               <a:rPr lang="en-US" smtClean="0"/>
-              <a:t>3/24/2025</a:t>
+              <a:t>3/25/2025</a:t>
             </a:fld>
             <a:endParaRPr lang="en-US"/>
           </a:p>
@@ -12714,7 +15041,7 @@
           <a:p>
             <a:fld id="{06DC2E43-ADF2-4A74-A59C-D9F5E954D886}" type="datetimeFigureOut">
               <a:rPr lang="en-US" smtClean="0"/>
-              <a:t>3/24/2025</a:t>
+              <a:t>3/25/2025</a:t>
             </a:fld>
             <a:endParaRPr lang="en-US"/>
           </a:p>
@@ -14875,7 +17202,7 @@
         </p:nvSpPr>
         <p:spPr>
           <a:xfrm>
-            <a:off x="384412" y="328512"/>
+            <a:off x="128208" y="79018"/>
             <a:ext cx="5334199" cy="1628970"/>
           </a:xfrm>
         </p:spPr>
@@ -14910,8 +17237,8 @@
         </p:nvSpPr>
         <p:spPr>
           <a:xfrm>
-            <a:off x="0" y="3483863"/>
-            <a:ext cx="7120558" cy="3374137"/>
+            <a:off x="0" y="1694265"/>
+            <a:ext cx="7120558" cy="4888964"/>
           </a:xfrm>
         </p:spPr>
         <p:txBody>
@@ -15011,21 +17338,6 @@
               <a:rPr lang="en-US" sz="1900" dirty="0"/>
               <a:t>Mean-centering &amp; Interaction Plot (lines 105-129)</a:t>
             </a:r>
-          </a:p>
-          <a:p>
-            <a:pPr lvl="1"/>
-            <a:endParaRPr lang="en-US" sz="1900" dirty="0"/>
-          </a:p>
-          <a:p>
-            <a:pPr marL="0" indent="0">
-              <a:buNone/>
-            </a:pPr>
-            <a:br>
-              <a:rPr lang="en-US" sz="1900" dirty="0"/>
-            </a:br>
-            <a:endParaRPr lang="en-US" sz="1900" dirty="0"/>
-          </a:p>
-          <a:p>
             <a:endParaRPr lang="en-US" sz="1900" b="1" dirty="0"/>
           </a:p>
         </p:txBody>
@@ -15074,8 +17386,8 @@
         </p:nvSpPr>
         <p:spPr>
           <a:xfrm>
-            <a:off x="-648182" y="-370390"/>
-            <a:ext cx="14236860" cy="1632031"/>
+            <a:off x="0" y="-63922"/>
+            <a:ext cx="12192000" cy="1325563"/>
           </a:xfrm>
           <a:prstGeom prst="rect">
             <a:avLst/>
@@ -16043,8 +18355,8 @@
         </p:nvSpPr>
         <p:spPr>
           <a:xfrm>
-            <a:off x="-648182" y="-370390"/>
-            <a:ext cx="14236860" cy="1632031"/>
+            <a:off x="-14514" y="-33980"/>
+            <a:ext cx="12206514" cy="1325563"/>
           </a:xfrm>
           <a:prstGeom prst="rect">
             <a:avLst/>
@@ -16801,8 +19113,8 @@
         </p:nvSpPr>
         <p:spPr>
           <a:xfrm>
-            <a:off x="-648182" y="-370390"/>
-            <a:ext cx="14236860" cy="1632031"/>
+            <a:off x="0" y="0"/>
+            <a:ext cx="12192000" cy="1335175"/>
           </a:xfrm>
           <a:prstGeom prst="rect">
             <a:avLst/>
@@ -18097,7 +20409,7 @@
         <p:spPr>
           <a:xfrm>
             <a:off x="74508" y="2133600"/>
-            <a:ext cx="5919891" cy="3892549"/>
+            <a:ext cx="6102825" cy="3892549"/>
           </a:xfrm>
         </p:spPr>
         <p:txBody>
@@ -18140,6 +20452,27 @@
             <a:r>
               <a:rPr lang="en-US" sz="2500" dirty="0"/>
               <a:t>Ignoring measurement error</a:t>
+            </a:r>
+          </a:p>
+          <a:p>
+            <a:r>
+              <a:rPr lang="en-US" sz="2500" dirty="0"/>
+              <a:t>Using </a:t>
+            </a:r>
+            <a:r>
+              <a:rPr lang="en-US" sz="2500" i="1" dirty="0"/>
+              <a:t>p</a:t>
+            </a:r>
+            <a:r>
+              <a:rPr lang="en-US" sz="2500" dirty="0"/>
+              <a:t>-values to infer</a:t>
+            </a:r>
+            <a:br>
+              <a:rPr lang="en-US" sz="2500" dirty="0"/>
+            </a:br>
+            <a:r>
+              <a:rPr lang="en-US" sz="2500" dirty="0"/>
+              <a:t>statistical significance</a:t>
             </a:r>
           </a:p>
         </p:txBody>
@@ -18205,10 +20538,56 @@
       </p:grpSpPr>
       <p:sp>
         <p:nvSpPr>
+          <p:cNvPr id="5" name="Rectangle 4">
+            <a:extLst>
+              <a:ext uri="{FF2B5EF4-FFF2-40B4-BE49-F238E27FC236}">
+                <a16:creationId xmlns:a16="http://schemas.microsoft.com/office/drawing/2014/main" id="{ADECB9C1-C52F-8AB7-834B-E5D1A0DD683D}"/>
+              </a:ext>
+            </a:extLst>
+          </p:cNvPr>
+          <p:cNvSpPr/>
+          <p:nvPr/>
+        </p:nvSpPr>
+        <p:spPr>
+          <a:xfrm>
+            <a:off x="0" y="0"/>
+            <a:ext cx="12192000" cy="1325563"/>
+          </a:xfrm>
+          <a:prstGeom prst="rect">
+            <a:avLst/>
+          </a:prstGeom>
+        </p:spPr>
+        <p:style>
+          <a:lnRef idx="2">
+            <a:schemeClr val="accent1">
+              <a:shade val="15000"/>
+            </a:schemeClr>
+          </a:lnRef>
+          <a:fillRef idx="1">
+            <a:schemeClr val="accent1"/>
+          </a:fillRef>
+          <a:effectRef idx="0">
+            <a:schemeClr val="accent1"/>
+          </a:effectRef>
+          <a:fontRef idx="minor">
+            <a:schemeClr val="lt1"/>
+          </a:fontRef>
+        </p:style>
+        <p:txBody>
+          <a:bodyPr rtlCol="0" anchor="ctr"/>
+          <a:lstStyle/>
+          <a:p>
+            <a:pPr algn="ctr"/>
+            <a:endParaRPr lang="en-US"/>
+          </a:p>
+        </p:txBody>
+      </p:sp>
+      <p:sp>
+        <p:nvSpPr>
           <p:cNvPr id="2" name="Title 1">
             <a:extLst>
               <a:ext uri="{FF2B5EF4-FFF2-40B4-BE49-F238E27FC236}">
-                <a16:creationId xmlns:a16="http://schemas.microsoft.com/office/drawing/2014/main" id="{FBFDBC1A-9850-AEEB-833B-6691457904C2}"/>
+                <a16:creationId xmlns:a16="http://schemas.microsoft.com/office/drawing/2014/main" id="{1BFB98E2-6B64-8385-72A7-252D911D484A}"/>
               </a:ext>
             </a:extLst>
           </p:cNvPr>
@@ -18219,14 +20598,56 @@
             <p:ph type="title"/>
           </p:nvPr>
         </p:nvSpPr>
-        <p:spPr/>
+        <p:spPr>
+          <a:xfrm>
+            <a:off x="0" y="0"/>
+            <a:ext cx="10515600" cy="1325563"/>
+          </a:xfrm>
+        </p:spPr>
         <p:txBody>
-          <a:bodyPr/>
+          <a:bodyPr>
+            <a:normAutofit/>
+          </a:bodyPr>
           <a:lstStyle/>
           <a:p>
             <a:r>
-              <a:rPr lang="en-US" b="1" dirty="0"/>
-              <a:t>Advanced Topics: Moderated Mediation</a:t>
+              <a:rPr lang="en-US" b="1" dirty="0">
+                <a:solidFill>
+                  <a:schemeClr val="bg1"/>
+                </a:solidFill>
+              </a:rPr>
+              <a:t>Why not </a:t>
+            </a:r>
+            <a:r>
+              <a:rPr lang="en-US" b="1" i="1" dirty="0">
+                <a:solidFill>
+                  <a:schemeClr val="bg1"/>
+                </a:solidFill>
+              </a:rPr>
+              <a:t>p</a:t>
+            </a:r>
+            <a:r>
+              <a:rPr lang="en-US" b="1" dirty="0">
+                <a:solidFill>
+                  <a:schemeClr val="bg1"/>
+                </a:solidFill>
+              </a:rPr>
+              <a:t>-values in Mediation?</a:t>
+            </a:r>
+            <a:br>
+              <a:rPr lang="en-US" dirty="0">
+                <a:solidFill>
+                  <a:schemeClr val="bg1"/>
+                </a:solidFill>
+              </a:rPr>
+            </a:br>
+            <a:r>
+              <a:rPr lang="en-US" i="1" dirty="0">
+                <a:solidFill>
+                  <a:schemeClr val="bg1"/>
+                </a:solidFill>
+              </a:rPr>
+              <a:t>Bootstrapped Coefficients</a:t>
             </a:r>
           </a:p>
         </p:txBody>
@@ -18236,7 +20657,7 @@
           <p:cNvPr id="3" name="Content Placeholder 2">
             <a:extLst>
               <a:ext uri="{FF2B5EF4-FFF2-40B4-BE49-F238E27FC236}">
-                <a16:creationId xmlns:a16="http://schemas.microsoft.com/office/drawing/2014/main" id="{98B4F9F8-E995-26EC-EB3E-C7094451AE94}"/>
+                <a16:creationId xmlns:a16="http://schemas.microsoft.com/office/drawing/2014/main" id="{BE47C8AA-FD7F-A3CF-36FE-1944FAB9E758}"/>
               </a:ext>
             </a:extLst>
           </p:cNvPr>
@@ -18247,53 +20668,183 @@
             <p:ph idx="1"/>
           </p:nvPr>
         </p:nvSpPr>
-        <p:spPr/>
+        <p:spPr>
+          <a:xfrm>
+            <a:off x="415119" y="1395673"/>
+            <a:ext cx="11049000" cy="4807187"/>
+          </a:xfrm>
+        </p:spPr>
         <p:txBody>
-          <a:bodyPr/>
+          <a:bodyPr>
+            <a:normAutofit/>
+          </a:bodyPr>
           <a:lstStyle/>
           <a:p>
             <a:r>
+              <a:rPr lang="en-US" b="1" dirty="0"/>
+              <a:t>Non-normal Indirect Effect (i.e., mediation path)</a:t>
+            </a:r>
+          </a:p>
+          <a:p>
+            <a:pPr lvl="1"/>
+            <a:r>
               <a:rPr lang="en-US" dirty="0"/>
-              <a:t>Combining moderation and mediation</a:t>
-            </a:r>
-          </a:p>
-          <a:p>
+              <a:t>A product of two coefficients (a × b)</a:t>
+            </a:r>
+          </a:p>
+          <a:p>
+            <a:pPr lvl="1"/>
             <a:r>
               <a:rPr lang="en-US" dirty="0"/>
-              <a:t>Conditional indirect effects</a:t>
-            </a:r>
-          </a:p>
-          <a:p>
+              <a:t>Rarely normally distributed!</a:t>
+            </a:r>
+          </a:p>
+          <a:p>
+            <a:r>
+              <a:rPr lang="en-US" b="1" dirty="0"/>
+              <a:t>Why Not p-Values?</a:t>
+            </a:r>
+          </a:p>
+          <a:p>
+            <a:pPr lvl="1"/>
             <a:r>
               <a:rPr lang="en-US" dirty="0"/>
-              <a:t>Index of moderated mediation</a:t>
-            </a:r>
-          </a:p>
-          <a:p>
+              <a:t>Assumes normality and a large sample size</a:t>
+            </a:r>
+          </a:p>
+          <a:p>
+            <a:pPr lvl="1"/>
             <a:r>
               <a:rPr lang="en-US" dirty="0"/>
-              <a:t>Examples of potential models:</a:t>
+              <a:t>Violated assumptions </a:t>
+            </a:r>
+            <a:r>
+              <a:rPr lang="en-US" b="0" i="0" dirty="0">
+                <a:effectLst/>
+                <a:latin typeface="Google Sans"/>
+              </a:rPr>
+              <a:t>→</a:t>
+            </a:r>
+            <a:r>
+              <a:rPr lang="en-US" dirty="0"/>
+              <a:t> biased inferences</a:t>
+            </a:r>
+          </a:p>
+          <a:p>
+            <a:r>
+              <a:rPr lang="en-US" b="1" dirty="0"/>
+              <a:t>Bootstrapped Confidence Intervals (CIs) vs. </a:t>
+            </a:r>
+            <a:r>
+              <a:rPr lang="en-US" b="1" i="1" dirty="0"/>
+              <a:t>p</a:t>
+            </a:r>
+            <a:r>
+              <a:rPr lang="en-US" b="1" dirty="0"/>
+              <a:t>-Values</a:t>
             </a:r>
           </a:p>
           <a:p>
             <a:pPr lvl="1"/>
             <a:r>
+              <a:rPr lang="en-US" b="1" dirty="0"/>
+              <a:t>Delta Method </a:t>
+            </a:r>
+            <a:r>
+              <a:rPr lang="en-US" u="sng" dirty="0"/>
+              <a:t>(</a:t>
+            </a:r>
+            <a:r>
+              <a:rPr lang="en-US" u="sng" dirty="0" err="1"/>
+              <a:t>lavaan</a:t>
+            </a:r>
+            <a:r>
+              <a:rPr lang="en-US" u="sng" dirty="0"/>
+              <a:t> default): </a:t>
+            </a:r>
+            <a:r>
               <a:rPr lang="en-US" dirty="0"/>
-              <a:t>Moderator affects X→M path</a:t>
+              <a:t>Taylor series approximations for standard errors and </a:t>
+            </a:r>
+            <a:r>
+              <a:rPr lang="en-US" b="1" u="sng" dirty="0"/>
+              <a:t>relies on normality assumptions  :/</a:t>
             </a:r>
           </a:p>
           <a:p>
             <a:pPr lvl="1"/>
             <a:r>
+              <a:rPr lang="en-US" b="1" dirty="0"/>
+              <a:t>Non-Parametric Bootstrapping</a:t>
+            </a:r>
+            <a:r>
               <a:rPr lang="en-US" dirty="0"/>
-              <a:t>Moderator affects M→Y path</a:t>
-            </a:r>
-          </a:p>
-          <a:p>
-            <a:pPr lvl="1"/>
+              <a:t>: Resamples data to empirically derive confidence intervals (available in R and default on PROCESS Macro)</a:t>
+            </a:r>
+          </a:p>
+        </p:txBody>
+      </p:sp>
+      <p:sp>
+        <p:nvSpPr>
+          <p:cNvPr id="4" name="Rectangle 3">
+            <a:extLst>
+              <a:ext uri="{FF2B5EF4-FFF2-40B4-BE49-F238E27FC236}">
+                <a16:creationId xmlns:a16="http://schemas.microsoft.com/office/drawing/2014/main" id="{2ADC12D2-B923-39AE-8300-E250ED909F48}"/>
+              </a:ext>
+            </a:extLst>
+          </p:cNvPr>
+          <p:cNvSpPr/>
+          <p:nvPr/>
+        </p:nvSpPr>
+        <p:spPr>
+          <a:xfrm>
+            <a:off x="727881" y="6080030"/>
+            <a:ext cx="11049000" cy="580030"/>
+          </a:xfrm>
+          <a:prstGeom prst="rect">
+            <a:avLst/>
+          </a:prstGeom>
+          <a:solidFill>
+            <a:schemeClr val="tx1"/>
+          </a:solidFill>
+          <a:ln>
+            <a:solidFill>
+              <a:schemeClr val="tx1"/>
+            </a:solidFill>
+          </a:ln>
+        </p:spPr>
+        <p:style>
+          <a:lnRef idx="2">
+            <a:schemeClr val="accent1">
+              <a:shade val="15000"/>
+            </a:schemeClr>
+          </a:lnRef>
+          <a:fillRef idx="1">
+            <a:schemeClr val="accent1"/>
+          </a:fillRef>
+          <a:effectRef idx="0">
+            <a:schemeClr val="accent1"/>
+          </a:effectRef>
+          <a:fontRef idx="minor">
+            <a:schemeClr val="lt1"/>
+          </a:fontRef>
+        </p:style>
+        <p:txBody>
+          <a:bodyPr rtlCol="0" anchor="ctr"/>
+          <a:lstStyle/>
+          <a:p>
+            <a:pPr algn="ctr"/>
             <a:r>
               <a:rPr lang="en-US" dirty="0"/>
-              <a:t>Moderator affects both paths</a:t>
+              <a:t>A </a:t>
+            </a:r>
+            <a:r>
+              <a:rPr lang="en-US" i="1" dirty="0"/>
+              <a:t>p</a:t>
+            </a:r>
+            <a:r>
+              <a:rPr lang="en-US" dirty="0"/>
+              <a:t>-value might suggest non-significance, but if the bootstrapped CI does not cross 0, the effect is significant.</a:t>
             </a:r>
           </a:p>
         </p:txBody>
@@ -18301,7 +20852,7 @@
     </p:spTree>
     <p:extLst>
       <p:ext uri="{BB962C8B-B14F-4D97-AF65-F5344CB8AC3E}">
-        <p14:creationId xmlns:p14="http://schemas.microsoft.com/office/powerpoint/2010/main" val="1254821175"/>
+        <p14:creationId xmlns:p14="http://schemas.microsoft.com/office/powerpoint/2010/main" val="2354327811"/>
       </p:ext>
     </p:extLst>
   </p:cSld>
@@ -18314,6 +20865,14 @@
 <file path=ppt/slides/slide18.xml><?xml version="1.0" encoding="utf-8"?>
 <p:sld xmlns:a="http://schemas.openxmlformats.org/drawingml/2006/main" xmlns:r="http://schemas.openxmlformats.org/officeDocument/2006/relationships" xmlns:p="http://schemas.openxmlformats.org/presentationml/2006/main">
   <p:cSld>
+    <p:bg>
+      <p:bgPr>
+        <a:solidFill>
+          <a:schemeClr val="bg1"/>
+        </a:solidFill>
+        <a:effectLst/>
+      </p:bgPr>
+    </p:bg>
     <p:spTree>
       <p:nvGrpSpPr>
         <p:cNvPr id="1" name=""/>
@@ -18328,6 +20887,120 @@
           <a:chExt cx="0" cy="0"/>
         </a:xfrm>
       </p:grpSpPr>
+      <p:pic>
+        <p:nvPicPr>
+          <p:cNvPr id="6" name="Picture 5">
+            <a:extLst>
+              <a:ext uri="{FF2B5EF4-FFF2-40B4-BE49-F238E27FC236}">
+                <a16:creationId xmlns:a16="http://schemas.microsoft.com/office/drawing/2014/main" id="{C168EEBD-BC28-A5BD-CC83-5B9AA176E2D3}"/>
+              </a:ext>
+            </a:extLst>
+          </p:cNvPr>
+          <p:cNvPicPr>
+            <a:picLocks noChangeAspect="1"/>
+          </p:cNvPicPr>
+          <p:nvPr/>
+        </p:nvPicPr>
+        <p:blipFill>
+          <a:blip r:embed="rId3">
+            <a:duotone>
+              <a:schemeClr val="bg2">
+                <a:shade val="45000"/>
+                <a:satMod val="135000"/>
+              </a:schemeClr>
+              <a:prstClr val="white"/>
+            </a:duotone>
+          </a:blip>
+          <a:srcRect b="15730"/>
+          <a:stretch/>
+        </p:blipFill>
+        <p:spPr>
+          <a:xfrm>
+            <a:off x="20" y="10"/>
+            <a:ext cx="12191980" cy="6857990"/>
+          </a:xfrm>
+          <a:prstGeom prst="rect">
+            <a:avLst/>
+          </a:prstGeom>
+        </p:spPr>
+      </p:pic>
+      <p:sp>
+        <p:nvSpPr>
+          <p:cNvPr id="10" name="Rectangle 9">
+            <a:extLst>
+              <a:ext uri="{FF2B5EF4-FFF2-40B4-BE49-F238E27FC236}">
+                <a16:creationId xmlns:a16="http://schemas.microsoft.com/office/drawing/2014/main" id="{B50AB553-2A96-4A92-96F2-93548E096954}"/>
+              </a:ext>
+              <a:ext uri="{C183D7F6-B498-43B3-948B-1728B52AA6E4}">
+                <adec:decorative xmlns:adec="http://schemas.microsoft.com/office/drawing/2017/decorative" val="1"/>
+              </a:ext>
+            </a:extLst>
+          </p:cNvPr>
+          <p:cNvSpPr>
+            <a:spLocks noGrp="1" noRot="1" noChangeAspect="1" noMove="1" noResize="1" noEditPoints="1" noAdjustHandles="1" noChangeArrowheads="1" noChangeShapeType="1" noTextEdit="1"/>
+          </p:cNvSpPr>
+          <p:nvPr>
+            <p:extLst>
+              <p:ext uri="{386F3935-93C4-4BCD-93E2-E3B085C9AB24}">
+                <p16:designElem xmlns:p16="http://schemas.microsoft.com/office/powerpoint/2015/main" val="1"/>
+              </p:ext>
+            </p:extLst>
+          </p:nvPr>
+        </p:nvSpPr>
+        <p:spPr>
+          <a:xfrm>
+            <a:off x="0" y="0"/>
+            <a:ext cx="12192000" cy="6858000"/>
+          </a:xfrm>
+          <a:prstGeom prst="rect">
+            <a:avLst/>
+          </a:prstGeom>
+          <a:gradFill>
+            <a:gsLst>
+              <a:gs pos="10000">
+                <a:schemeClr val="bg2">
+                  <a:alpha val="68000"/>
+                </a:schemeClr>
+              </a:gs>
+              <a:gs pos="85000">
+                <a:schemeClr val="bg2">
+                  <a:alpha val="97000"/>
+                </a:schemeClr>
+              </a:gs>
+            </a:gsLst>
+            <a:path path="circle">
+              <a:fillToRect l="50000" t="50000" r="50000" b="50000"/>
+            </a:path>
+          </a:gradFill>
+          <a:ln>
+            <a:noFill/>
+          </a:ln>
+        </p:spPr>
+        <p:style>
+          <a:lnRef idx="2">
+            <a:schemeClr val="accent1">
+              <a:shade val="50000"/>
+            </a:schemeClr>
+          </a:lnRef>
+          <a:fillRef idx="1">
+            <a:schemeClr val="accent1"/>
+          </a:fillRef>
+          <a:effectRef idx="0">
+            <a:schemeClr val="accent1"/>
+          </a:effectRef>
+          <a:fontRef idx="minor">
+            <a:schemeClr val="lt1"/>
+          </a:fontRef>
+        </p:style>
+        <p:txBody>
+          <a:bodyPr rtlCol="0" anchor="ctr"/>
+          <a:lstStyle/>
+          <a:p>
+            <a:pPr algn="ctr"/>
+            <a:endParaRPr lang="en-US"/>
+          </a:p>
+        </p:txBody>
+      </p:sp>
       <p:sp>
         <p:nvSpPr>
           <p:cNvPr id="2" name="Title 1">
@@ -18344,9 +21017,16 @@
             <p:ph type="title"/>
           </p:nvPr>
         </p:nvSpPr>
-        <p:spPr/>
+        <p:spPr>
+          <a:xfrm>
+            <a:off x="838200" y="365125"/>
+            <a:ext cx="10515600" cy="1325563"/>
+          </a:xfrm>
+        </p:spPr>
         <p:txBody>
-          <a:bodyPr/>
+          <a:bodyPr>
+            <a:normAutofit/>
+          </a:bodyPr>
           <a:lstStyle/>
           <a:p>
             <a:r>
@@ -18357,59 +21037,37 @@
           </a:p>
         </p:txBody>
       </p:sp>
-      <p:sp>
-        <p:nvSpPr>
-          <p:cNvPr id="3" name="Content Placeholder 2">
+      <p:graphicFrame>
+        <p:nvGraphicFramePr>
+          <p:cNvPr id="5" name="Content Placeholder 2">
             <a:extLst>
               <a:ext uri="{FF2B5EF4-FFF2-40B4-BE49-F238E27FC236}">
-                <a16:creationId xmlns:a16="http://schemas.microsoft.com/office/drawing/2014/main" id="{B8712231-6E9A-4B5D-AC0E-7C1FCC60AAB7}"/>
+                <a16:creationId xmlns:a16="http://schemas.microsoft.com/office/drawing/2014/main" id="{FDE80EC5-EDB4-E34F-D1AB-3F182902A9B3}"/>
               </a:ext>
             </a:extLst>
           </p:cNvPr>
-          <p:cNvSpPr>
-            <a:spLocks noGrp="1"/>
-          </p:cNvSpPr>
+          <p:cNvGraphicFramePr>
+            <a:graphicFrameLocks noGrp="1"/>
+          </p:cNvGraphicFramePr>
           <p:nvPr>
             <p:ph idx="1"/>
+            <p:extLst>
+              <p:ext uri="{D42A27DB-BD31-4B8C-83A1-F6EECF244321}">
+                <p14:modId xmlns:p14="http://schemas.microsoft.com/office/powerpoint/2010/main" val="1796810814"/>
+              </p:ext>
+            </p:extLst>
           </p:nvPr>
-        </p:nvSpPr>
-        <p:spPr/>
-        <p:txBody>
-          <a:bodyPr/>
-          <a:lstStyle/>
-          <a:p>
-            <a:r>
-              <a:rPr lang="en-US" dirty="0"/>
-              <a:t>SPSS with PROCESS macro</a:t>
-            </a:r>
-          </a:p>
-          <a:p>
-            <a:r>
-              <a:rPr lang="en-US" dirty="0"/>
-              <a:t>R packages: </a:t>
-            </a:r>
-            <a:r>
-              <a:rPr lang="en-US" dirty="0" err="1"/>
-              <a:t>lavaan</a:t>
-            </a:r>
-            <a:r>
-              <a:rPr lang="en-US" dirty="0"/>
-              <a:t>, mediation, </a:t>
-            </a:r>
-            <a:r>
-              <a:rPr lang="en-US" dirty="0" err="1"/>
-              <a:t>semTools</a:t>
-            </a:r>
-            <a:endParaRPr lang="en-US" dirty="0"/>
-          </a:p>
-          <a:p>
-            <a:r>
-              <a:rPr lang="en-US" dirty="0"/>
-              <a:t>G*Power for power analysis</a:t>
-            </a:r>
-          </a:p>
-        </p:txBody>
-      </p:sp>
+        </p:nvGraphicFramePr>
+        <p:xfrm>
+          <a:off x="838200" y="1825625"/>
+          <a:ext cx="10515600" cy="4351338"/>
+        </p:xfrm>
+        <a:graphic>
+          <a:graphicData uri="http://schemas.openxmlformats.org/drawingml/2006/diagram">
+            <dgm:relIds xmlns:dgm="http://schemas.openxmlformats.org/drawingml/2006/diagram" xmlns:r="http://schemas.openxmlformats.org/officeDocument/2006/relationships" r:dm="rId4" r:lo="rId5" r:qs="rId6" r:cs="rId7"/>
+          </a:graphicData>
+        </a:graphic>
+      </p:graphicFrame>
     </p:spTree>
     <p:extLst>
       <p:ext uri="{BB962C8B-B14F-4D97-AF65-F5344CB8AC3E}">
@@ -22202,7 +24860,7 @@
         </p:spPr>
         <p:txBody>
           <a:bodyPr anchor="ctr">
-            <a:normAutofit/>
+            <a:normAutofit lnSpcReduction="10000"/>
           </a:bodyPr>
           <a:lstStyle/>
           <a:p>
@@ -22224,6 +24882,10 @@
               <a:rPr lang="en-US" dirty="0"/>
               <a:t>Makes interpretation more meaningful</a:t>
             </a:r>
+          </a:p>
+          <a:p>
+            <a:pPr lvl="1"/>
+            <a:endParaRPr lang="en-US" dirty="0"/>
           </a:p>
           <a:p>
             <a:r>

--- a/Data Analysis II - Mediation and Moderation.pptx
+++ b/Data Analysis II - Mediation and Moderation.pptx
@@ -5,7 +5,7 @@
     <p:sldMasterId id="2147483648" r:id="rId1"/>
   </p:sldMasterIdLst>
   <p:notesMasterIdLst>
-    <p:notesMasterId r:id="rId23"/>
+    <p:notesMasterId r:id="rId26"/>
   </p:notesMasterIdLst>
   <p:sldIdLst>
     <p:sldId id="256" r:id="rId2"/>
@@ -27,8 +27,11 @@
     <p:sldId id="262" r:id="rId18"/>
     <p:sldId id="264" r:id="rId19"/>
     <p:sldId id="275" r:id="rId20"/>
-    <p:sldId id="278" r:id="rId21"/>
-    <p:sldId id="267" r:id="rId22"/>
+    <p:sldId id="279" r:id="rId21"/>
+    <p:sldId id="280" r:id="rId22"/>
+    <p:sldId id="281" r:id="rId23"/>
+    <p:sldId id="278" r:id="rId24"/>
+    <p:sldId id="267" r:id="rId25"/>
   </p:sldIdLst>
   <p:sldSz cx="12192000" cy="6858000"/>
   <p:notesSz cx="6858000" cy="9144000"/>
@@ -159,6 +162,9 @@
             <p14:sldId id="262"/>
             <p14:sldId id="264"/>
             <p14:sldId id="275"/>
+            <p14:sldId id="279"/>
+            <p14:sldId id="280"/>
+            <p14:sldId id="281"/>
             <p14:sldId id="278"/>
           </p14:sldIdLst>
         </p14:section>
@@ -7056,7 +7062,7 @@
           <a:p>
             <a:fld id="{28CC861E-B6D9-488A-A2BB-167EDD0112EE}" type="datetimeFigureOut">
               <a:rPr lang="en-US" smtClean="0"/>
-              <a:t>4/10/2025</a:t>
+              <a:t>4/11/2025</a:t>
             </a:fld>
             <a:endParaRPr lang="en-US"/>
           </a:p>
@@ -8857,7 +8863,16 @@
           <a:p>
             <a:r>
               <a:rPr lang="en-US" dirty="0"/>
-              <a:t>Finally, always check for outliers and influential cases that might drive your results.</a:t>
+              <a:t>You should always check for outliers and influential cases that might be biasing your results.</a:t>
+            </a:r>
+          </a:p>
+          <a:p>
+            <a:endParaRPr lang="en-US" dirty="0"/>
+          </a:p>
+          <a:p>
+            <a:r>
+              <a:rPr lang="en-US" dirty="0"/>
+              <a:t>Lastly, you should ensure you check to see if your sample size is the large enough to afford you the statistical power you need to be confident that your results are valid! If we have time at the end, I’ll go over statistical power. Otherwise, I’ll add it as a chapter to the end of the video before uploading on YouTube.</a:t>
             </a:r>
           </a:p>
         </p:txBody>
@@ -8989,7 +9004,23 @@
           <a:p>
             <a:r>
               <a:rPr lang="en-US" dirty="0"/>
-              <a:t>Finally, measurement error in your variables can attenuate your observed relationships and lead to biased estimates of mediation effects.</a:t>
+              <a:t>Another is failing to investigate suppression. The most problematic forms of suppression occur when the direct effect has a different sign (i.e., positive vs. negative) compared to the indirect effect or total effect. </a:t>
+            </a:r>
+            <a:br>
+              <a:rPr lang="en-US" dirty="0"/>
+            </a:br>
+            <a:r>
+              <a:rPr lang="en-US" dirty="0"/>
+              <a:t>The example we’ll do today has non-problematic suppression, so I’ll take you through the steps needed to investigate suppression.</a:t>
+            </a:r>
+          </a:p>
+          <a:p>
+            <a:endParaRPr lang="en-US" dirty="0"/>
+          </a:p>
+          <a:p>
+            <a:r>
+              <a:rPr lang="en-US" dirty="0"/>
+              <a:t>Finally, measurement error in your variables can attenuate your observed relationships and lead to biased estimates of mediation effects, so you need to make sure that the instruments you are using adequately measure the construct in your sample (literature review and/or CFA). </a:t>
             </a:r>
           </a:p>
           <a:p>
@@ -9493,7 +9524,13 @@
   <p:cSld>
     <p:spTree>
       <p:nvGrpSpPr>
-        <p:cNvPr id="1" name=""/>
+        <p:cNvPr id="1" name="">
+          <a:extLst>
+            <a:ext uri="{FF2B5EF4-FFF2-40B4-BE49-F238E27FC236}">
+              <a16:creationId xmlns:a16="http://schemas.microsoft.com/office/drawing/2014/main" id="{2F004203-EB5C-FE1D-E308-982AD21428CD}"/>
+            </a:ext>
+          </a:extLst>
+        </p:cNvPr>
         <p:cNvGrpSpPr/>
         <p:nvPr/>
       </p:nvGrpSpPr>
@@ -9507,7 +9544,13 @@
       </p:grpSpPr>
       <p:sp>
         <p:nvSpPr>
-          <p:cNvPr id="2" name="Slide Image Placeholder 1"/>
+          <p:cNvPr id="2" name="Slide Image Placeholder 1">
+            <a:extLst>
+              <a:ext uri="{FF2B5EF4-FFF2-40B4-BE49-F238E27FC236}">
+                <a16:creationId xmlns:a16="http://schemas.microsoft.com/office/drawing/2014/main" id="{0613A719-6151-9F2C-070A-541CEB7792E9}"/>
+              </a:ext>
+            </a:extLst>
+          </p:cNvPr>
           <p:cNvSpPr>
             <a:spLocks noGrp="1" noRot="1" noChangeAspect="1"/>
           </p:cNvSpPr>
@@ -9519,7 +9562,13 @@
       </p:sp>
       <p:sp>
         <p:nvSpPr>
-          <p:cNvPr id="3" name="Notes Placeholder 2"/>
+          <p:cNvPr id="3" name="Notes Placeholder 2">
+            <a:extLst>
+              <a:ext uri="{FF2B5EF4-FFF2-40B4-BE49-F238E27FC236}">
+                <a16:creationId xmlns:a16="http://schemas.microsoft.com/office/drawing/2014/main" id="{84D3E3A2-1BE6-8BEF-FE9C-7D5AC75CF25B}"/>
+              </a:ext>
+            </a:extLst>
+          </p:cNvPr>
           <p:cNvSpPr>
             <a:spLocks noGrp="1"/>
           </p:cNvSpPr>
@@ -9532,306 +9581,51 @@
           <a:bodyPr/>
           <a:lstStyle/>
           <a:p>
-            <a:pPr>
-              <a:buFont typeface="Arial" panose="020B0604020202020204" pitchFamily="34" charset="0"/>
-              <a:buChar char="•"/>
-            </a:pPr>
             <a:r>
               <a:rPr lang="en-US" dirty="0"/>
-              <a:t>This slide presents the results of our bootstrapped mediation analysis.</a:t>
-            </a:r>
-          </a:p>
-          <a:p>
-            <a:pPr>
-              <a:buFont typeface="Arial" panose="020B0604020202020204" pitchFamily="34" charset="0"/>
-              <a:buChar char="•"/>
-            </a:pPr>
+              <a:t>So now we’re going to jump into the Moderation example in R.</a:t>
+            </a:r>
+            <a:br>
+              <a:rPr lang="en-US" dirty="0"/>
+            </a:br>
+            <a:br>
+              <a:rPr lang="en-US" dirty="0"/>
+            </a:br>
+            <a:r>
+              <a:rPr lang="en-US" dirty="0"/>
+              <a:t>We’ll start with R for data preparation and missing data analysis before running the analyses in R and SPSS, side-by-side. </a:t>
+            </a:r>
+            <a:br>
+              <a:rPr lang="en-US" dirty="0"/>
+            </a:br>
+            <a:br>
+              <a:rPr lang="en-US" dirty="0"/>
+            </a:br>
+            <a:r>
+              <a:rPr lang="en-US" dirty="0"/>
+              <a:t>I’ll add into the chat screenshots of the R and SPSS slides so you can reference them as we go. </a:t>
+            </a:r>
+          </a:p>
+          <a:p>
             <a:endParaRPr lang="en-US" dirty="0"/>
           </a:p>
           <a:p>
-            <a:pPr>
-              <a:buFont typeface="Arial" panose="020B0604020202020204" pitchFamily="34" charset="0"/>
-              <a:buChar char="•"/>
-            </a:pPr>
-            <a:r>
-              <a:rPr lang="en-US" dirty="0"/>
-              <a:t>First, we examine the relationship between alcohol use in the past 30 days (Alc30D) and depression symptoms (phq9_total), testing whether alcohol-related problems (</a:t>
-            </a:r>
-            <a:r>
-              <a:rPr lang="en-US" dirty="0" err="1"/>
-              <a:t>audit_total_mc</a:t>
-            </a:r>
-            <a:r>
-              <a:rPr lang="en-US" dirty="0"/>
-              <a:t>) mediate this association.</a:t>
-            </a:r>
-          </a:p>
-          <a:p>
-            <a:pPr>
-              <a:buFont typeface="Arial" panose="020B0604020202020204" pitchFamily="34" charset="0"/>
-              <a:buChar char="•"/>
-            </a:pPr>
-            <a:endParaRPr lang="en-US" dirty="0"/>
-          </a:p>
-          <a:p>
-            <a:pPr>
-              <a:buFont typeface="Arial" panose="020B0604020202020204" pitchFamily="34" charset="0"/>
-              <a:buChar char="•"/>
-            </a:pPr>
-            <a:r>
-              <a:rPr lang="en-US" dirty="0"/>
-              <a:t>The first equation (mediator model) shows that Alc30D significantly predicts </a:t>
-            </a:r>
-            <a:r>
-              <a:rPr lang="en-US" dirty="0" err="1"/>
-              <a:t>audit_total_mc</a:t>
-            </a:r>
-            <a:r>
-              <a:rPr lang="en-US" dirty="0"/>
-              <a:t> (</a:t>
-            </a:r>
-            <a:r>
-              <a:rPr lang="en-US" b="1" dirty="0"/>
-              <a:t>p &lt; .001</a:t>
-            </a:r>
-            <a:r>
-              <a:rPr lang="en-US" dirty="0"/>
-              <a:t>), suggesting that increased alcohol use is associated with greater alcohol-related problems.</a:t>
-            </a:r>
-          </a:p>
-          <a:p>
-            <a:pPr>
-              <a:buFont typeface="Arial" panose="020B0604020202020204" pitchFamily="34" charset="0"/>
-              <a:buChar char="•"/>
-            </a:pPr>
-            <a:endParaRPr lang="en-US" dirty="0"/>
-          </a:p>
-          <a:p>
-            <a:pPr>
-              <a:buFont typeface="Arial" panose="020B0604020202020204" pitchFamily="34" charset="0"/>
-              <a:buChar char="•"/>
-            </a:pPr>
-            <a:r>
-              <a:rPr lang="en-US" dirty="0"/>
-              <a:t>The second equation (outcome model) examines the effects of both alcohol use and alcohol-related problems on depression.</a:t>
-            </a:r>
-          </a:p>
-          <a:p>
-            <a:pPr>
-              <a:buFont typeface="Arial" panose="020B0604020202020204" pitchFamily="34" charset="0"/>
-              <a:buChar char="•"/>
-            </a:pPr>
-            <a:endParaRPr lang="en-US" dirty="0"/>
-          </a:p>
-          <a:p>
-            <a:pPr marL="742950" lvl="1" indent="-285750">
-              <a:buFont typeface="Arial" panose="020B0604020202020204" pitchFamily="34" charset="0"/>
-              <a:buChar char="•"/>
-            </a:pPr>
-            <a:r>
-              <a:rPr lang="en-US" dirty="0"/>
-              <a:t>The direct effect of alcohol use on depression is </a:t>
-            </a:r>
-            <a:r>
-              <a:rPr lang="en-US" b="1" dirty="0"/>
-              <a:t>not significant</a:t>
-            </a:r>
-            <a:r>
-              <a:rPr lang="en-US" dirty="0"/>
-              <a:t> (</a:t>
-            </a:r>
-            <a:r>
-              <a:rPr lang="en-US" b="1" dirty="0"/>
-              <a:t>p = .297</a:t>
-            </a:r>
-            <a:r>
-              <a:rPr lang="en-US" dirty="0"/>
-              <a:t>).</a:t>
-            </a:r>
-          </a:p>
-          <a:p>
-            <a:pPr marL="742950" lvl="1" indent="-285750">
-              <a:buFont typeface="Arial" panose="020B0604020202020204" pitchFamily="34" charset="0"/>
-              <a:buChar char="•"/>
-            </a:pPr>
-            <a:r>
-              <a:rPr lang="en-US" dirty="0"/>
-              <a:t>The effect of alcohol-related problems on depression is also </a:t>
-            </a:r>
-            <a:r>
-              <a:rPr lang="en-US" b="1" dirty="0"/>
-              <a:t>not significant</a:t>
-            </a:r>
-            <a:r>
-              <a:rPr lang="en-US" dirty="0"/>
-              <a:t> (</a:t>
-            </a:r>
-            <a:r>
-              <a:rPr lang="en-US" b="1" dirty="0"/>
-              <a:t>p = .164</a:t>
-            </a:r>
-            <a:r>
-              <a:rPr lang="en-US" dirty="0"/>
-              <a:t>), meaning that </a:t>
-            </a:r>
-            <a:r>
-              <a:rPr lang="en-US" dirty="0" err="1"/>
-              <a:t>audit_total_mc</a:t>
-            </a:r>
-            <a:r>
-              <a:rPr lang="en-US" dirty="0"/>
-              <a:t> does not strongly predict depression in this model.</a:t>
-            </a:r>
-          </a:p>
-          <a:p>
-            <a:pPr marL="742950" lvl="1" indent="-285750">
-              <a:buFont typeface="Arial" panose="020B0604020202020204" pitchFamily="34" charset="0"/>
-              <a:buChar char="•"/>
-            </a:pPr>
-            <a:endParaRPr lang="en-US" dirty="0"/>
-          </a:p>
-          <a:p>
-            <a:pPr>
-              <a:buFont typeface="Arial" panose="020B0604020202020204" pitchFamily="34" charset="0"/>
-              <a:buChar char="•"/>
-            </a:pPr>
-            <a:r>
-              <a:rPr lang="en-US" dirty="0"/>
-              <a:t>The mediation results show that the indirect effect (</a:t>
-            </a:r>
-            <a:r>
-              <a:rPr lang="en-US" b="1" dirty="0"/>
-              <a:t>a × b</a:t>
-            </a:r>
-            <a:r>
-              <a:rPr lang="en-US" dirty="0"/>
-              <a:t>) is </a:t>
-            </a:r>
-            <a:r>
-              <a:rPr lang="en-US" b="1" dirty="0"/>
-              <a:t>0.157</a:t>
-            </a:r>
-            <a:r>
-              <a:rPr lang="en-US" dirty="0"/>
-              <a:t> with a </a:t>
-            </a:r>
-            <a:r>
-              <a:rPr lang="en-US" b="1" dirty="0"/>
-              <a:t>p-value of 0.077</a:t>
-            </a:r>
-            <a:r>
-              <a:rPr lang="en-US" dirty="0"/>
-              <a:t>, which approaches significance. A 1-SD-unit increase in drinking days significantly predicts a 0.157 SD-unit increase in Depression scores THROUGH increased risky drinking behaviors (AUDIT).</a:t>
-            </a:r>
-          </a:p>
-          <a:p>
-            <a:pPr>
-              <a:buFont typeface="Arial" panose="020B0604020202020204" pitchFamily="34" charset="0"/>
-              <a:buChar char="•"/>
-            </a:pPr>
-            <a:endParaRPr lang="en-US" dirty="0"/>
-          </a:p>
-          <a:p>
-            <a:pPr>
-              <a:buFont typeface="Arial" panose="020B0604020202020204" pitchFamily="34" charset="0"/>
-              <a:buChar char="•"/>
-            </a:pPr>
-            <a:r>
-              <a:rPr lang="en-US" dirty="0"/>
-              <a:t>This suggests a potential mediating role of alcohol-related problems in the relationship between alcohol use and depression but does not reach conventional statistical significance.</a:t>
-            </a:r>
-          </a:p>
-          <a:p>
-            <a:pPr>
-              <a:buFont typeface="Arial" panose="020B0604020202020204" pitchFamily="34" charset="0"/>
-              <a:buChar char="•"/>
-            </a:pPr>
-            <a:endParaRPr lang="en-US" dirty="0"/>
-          </a:p>
-          <a:p>
-            <a:pPr>
-              <a:buFont typeface="Arial" panose="020B0604020202020204" pitchFamily="34" charset="0"/>
-              <a:buChar char="•"/>
-            </a:pPr>
-            <a:r>
-              <a:rPr lang="en-US" dirty="0"/>
-              <a:t>Since the total effect is non-significant (</a:t>
-            </a:r>
-            <a:r>
-              <a:rPr lang="en-US" b="1" dirty="0"/>
-              <a:t>p = .855</a:t>
-            </a:r>
-            <a:r>
-              <a:rPr lang="en-US" dirty="0"/>
-              <a:t>), this indicates that neither direct nor indirect effects contribute strongly to the overall variance in depression scores.</a:t>
-            </a:r>
-          </a:p>
-          <a:p>
-            <a:pPr>
-              <a:buFont typeface="Arial" panose="020B0604020202020204" pitchFamily="34" charset="0"/>
-              <a:buChar char="•"/>
-            </a:pPr>
-            <a:endParaRPr lang="en-US" dirty="0"/>
-          </a:p>
-          <a:p>
-            <a:pPr>
-              <a:buFont typeface="Arial" panose="020B0604020202020204" pitchFamily="34" charset="0"/>
-              <a:buChar char="•"/>
-            </a:pPr>
-            <a:r>
-              <a:rPr lang="en-US" dirty="0"/>
-              <a:t>Lastly, the R² values indicate that alcohol use and alcohol-related problems explain </a:t>
-            </a:r>
-            <a:r>
-              <a:rPr lang="en-US" b="1" dirty="0"/>
-              <a:t>21% of the variance</a:t>
-            </a:r>
-            <a:r>
-              <a:rPr lang="en-US" dirty="0"/>
-              <a:t> in </a:t>
-            </a:r>
-            <a:r>
-              <a:rPr lang="en-US" dirty="0" err="1"/>
-              <a:t>audit_total_mc</a:t>
-            </a:r>
-            <a:r>
-              <a:rPr lang="en-US" dirty="0"/>
-              <a:t> but only </a:t>
-            </a:r>
-            <a:r>
-              <a:rPr lang="en-US" b="1" dirty="0"/>
-              <a:t>4.1% of the variance</a:t>
-            </a:r>
-            <a:r>
-              <a:rPr lang="en-US" dirty="0"/>
-              <a:t> in depression symptoms.</a:t>
-            </a:r>
-          </a:p>
-          <a:p>
-            <a:pPr>
-              <a:buFont typeface="Arial" panose="020B0604020202020204" pitchFamily="34" charset="0"/>
-              <a:buChar char="•"/>
-            </a:pPr>
-            <a:endParaRPr lang="en-US" dirty="0"/>
-          </a:p>
-          <a:p>
-            <a:pPr>
-              <a:buFont typeface="Arial" panose="020B0604020202020204" pitchFamily="34" charset="0"/>
-              <a:buChar char="•"/>
-            </a:pPr>
-            <a:r>
-              <a:rPr lang="en-US" dirty="0"/>
-              <a:t>Overall, while there is some evidence of mediation, the effects are relatively weak and not statistically robust in this sample.</a:t>
-            </a:r>
-          </a:p>
-          <a:p>
-            <a:endParaRPr lang="en-US" dirty="0"/>
+            <a:r>
+              <a:rPr lang="en-US" b="1" u="sng" dirty="0"/>
+              <a:t>20-minutes in!</a:t>
+            </a:r>
           </a:p>
         </p:txBody>
       </p:sp>
       <p:sp>
         <p:nvSpPr>
-          <p:cNvPr id="4" name="Slide Number Placeholder 3"/>
+          <p:cNvPr id="4" name="Slide Number Placeholder 3">
+            <a:extLst>
+              <a:ext uri="{FF2B5EF4-FFF2-40B4-BE49-F238E27FC236}">
+                <a16:creationId xmlns:a16="http://schemas.microsoft.com/office/drawing/2014/main" id="{BF418BD6-AA1D-4729-E7F8-70657EFDE628}"/>
+              </a:ext>
+            </a:extLst>
+          </p:cNvPr>
           <p:cNvSpPr>
             <a:spLocks noGrp="1"/>
           </p:cNvSpPr>
@@ -9855,7 +9649,7 @@
     </p:spTree>
     <p:extLst>
       <p:ext uri="{BB962C8B-B14F-4D97-AF65-F5344CB8AC3E}">
-        <p14:creationId xmlns:p14="http://schemas.microsoft.com/office/powerpoint/2010/main" val="3210114252"/>
+        <p14:creationId xmlns:p14="http://schemas.microsoft.com/office/powerpoint/2010/main" val="3619049832"/>
       </p:ext>
     </p:extLst>
   </p:cSld>
@@ -9866,6 +9660,114 @@
 </file>
 
 <file path=ppt/notesSlides/notesSlide21.xml><?xml version="1.0" encoding="utf-8"?>
+<p:notes xmlns:a="http://schemas.openxmlformats.org/drawingml/2006/main" xmlns:r="http://schemas.openxmlformats.org/officeDocument/2006/relationships" xmlns:p="http://schemas.openxmlformats.org/presentationml/2006/main">
+  <p:cSld>
+    <p:spTree>
+      <p:nvGrpSpPr>
+        <p:cNvPr id="1" name="">
+          <a:extLst>
+            <a:ext uri="{FF2B5EF4-FFF2-40B4-BE49-F238E27FC236}">
+              <a16:creationId xmlns:a16="http://schemas.microsoft.com/office/drawing/2014/main" id="{DBFA3D05-3462-9DEB-9C0E-5BC4C2F08349}"/>
+            </a:ext>
+          </a:extLst>
+        </p:cNvPr>
+        <p:cNvGrpSpPr/>
+        <p:nvPr/>
+      </p:nvGrpSpPr>
+      <p:grpSpPr>
+        <a:xfrm>
+          <a:off x="0" y="0"/>
+          <a:ext cx="0" cy="0"/>
+          <a:chOff x="0" y="0"/>
+          <a:chExt cx="0" cy="0"/>
+        </a:xfrm>
+      </p:grpSpPr>
+      <p:sp>
+        <p:nvSpPr>
+          <p:cNvPr id="2" name="Slide Image Placeholder 1">
+            <a:extLst>
+              <a:ext uri="{FF2B5EF4-FFF2-40B4-BE49-F238E27FC236}">
+                <a16:creationId xmlns:a16="http://schemas.microsoft.com/office/drawing/2014/main" id="{97694303-6C0C-E711-890B-3E077CB3E9FB}"/>
+              </a:ext>
+            </a:extLst>
+          </p:cNvPr>
+          <p:cNvSpPr>
+            <a:spLocks noGrp="1" noRot="1" noChangeAspect="1"/>
+          </p:cNvSpPr>
+          <p:nvPr>
+            <p:ph type="sldImg"/>
+          </p:nvPr>
+        </p:nvSpPr>
+        <p:spPr/>
+      </p:sp>
+      <p:sp>
+        <p:nvSpPr>
+          <p:cNvPr id="3" name="Notes Placeholder 2">
+            <a:extLst>
+              <a:ext uri="{FF2B5EF4-FFF2-40B4-BE49-F238E27FC236}">
+                <a16:creationId xmlns:a16="http://schemas.microsoft.com/office/drawing/2014/main" id="{96838A51-BB74-324F-7017-06252AE8E097}"/>
+              </a:ext>
+            </a:extLst>
+          </p:cNvPr>
+          <p:cNvSpPr>
+            <a:spLocks noGrp="1"/>
+          </p:cNvSpPr>
+          <p:nvPr>
+            <p:ph type="body" idx="1"/>
+          </p:nvPr>
+        </p:nvSpPr>
+        <p:spPr/>
+        <p:txBody>
+          <a:bodyPr/>
+          <a:lstStyle/>
+          <a:p>
+            <a:endParaRPr lang="en-US" dirty="0"/>
+          </a:p>
+        </p:txBody>
+      </p:sp>
+      <p:sp>
+        <p:nvSpPr>
+          <p:cNvPr id="4" name="Slide Number Placeholder 3">
+            <a:extLst>
+              <a:ext uri="{FF2B5EF4-FFF2-40B4-BE49-F238E27FC236}">
+                <a16:creationId xmlns:a16="http://schemas.microsoft.com/office/drawing/2014/main" id="{69A2B9A7-4137-065F-3A82-2AE07DB90A51}"/>
+              </a:ext>
+            </a:extLst>
+          </p:cNvPr>
+          <p:cNvSpPr>
+            <a:spLocks noGrp="1"/>
+          </p:cNvSpPr>
+          <p:nvPr>
+            <p:ph type="sldNum" sz="quarter" idx="5"/>
+          </p:nvPr>
+        </p:nvSpPr>
+        <p:spPr/>
+        <p:txBody>
+          <a:bodyPr/>
+          <a:lstStyle/>
+          <a:p>
+            <a:fld id="{4A677F31-8E3C-4ED2-97DF-DE6C71117425}" type="slidenum">
+              <a:rPr lang="en-US" smtClean="0"/>
+              <a:t>21</a:t>
+            </a:fld>
+            <a:endParaRPr lang="en-US"/>
+          </a:p>
+        </p:txBody>
+      </p:sp>
+    </p:spTree>
+    <p:extLst>
+      <p:ext uri="{BB962C8B-B14F-4D97-AF65-F5344CB8AC3E}">
+        <p14:creationId xmlns:p14="http://schemas.microsoft.com/office/powerpoint/2010/main" val="454586839"/>
+      </p:ext>
+    </p:extLst>
+  </p:cSld>
+  <p:clrMapOvr>
+    <a:masterClrMapping/>
+  </p:clrMapOvr>
+</p:notes>
+</file>
+
+<file path=ppt/notesSlides/notesSlide22.xml><?xml version="1.0" encoding="utf-8"?>
 <p:notes xmlns:a="http://schemas.openxmlformats.org/drawingml/2006/main" xmlns:r="http://schemas.openxmlformats.org/officeDocument/2006/relationships" xmlns:p="http://schemas.openxmlformats.org/presentationml/2006/main">
   <p:cSld>
     <p:spTree>
@@ -9909,43 +9811,113 @@
           <a:bodyPr/>
           <a:lstStyle/>
           <a:p>
+            <a:pPr marL="0" marR="0" lvl="0" indent="0" algn="l" defTabSz="914400" rtl="0" eaLnBrk="1" fontAlgn="auto" latinLnBrk="0" hangingPunct="1">
+              <a:lnSpc>
+                <a:spcPct val="100000"/>
+              </a:lnSpc>
+              <a:spcBef>
+                <a:spcPts val="0"/>
+              </a:spcBef>
+              <a:spcAft>
+                <a:spcPts val="0"/>
+              </a:spcAft>
+              <a:buClrTx/>
+              <a:buSzTx/>
+              <a:buFontTx/>
+              <a:buNone/>
+              <a:tabLst/>
+              <a:defRPr/>
+            </a:pPr>
+            <a:r>
+              <a:rPr lang="en-US" sz="1200" b="1" dirty="0"/>
+              <a:t>Suppression: </a:t>
+            </a:r>
+            <a:r>
+              <a:rPr lang="en-US" sz="1200" dirty="0"/>
+              <a:t>When the direct and indirect effects have opposite signs, or the direct effect is stronger than the total effect.</a:t>
+            </a:r>
+          </a:p>
+          <a:p>
+            <a:endParaRPr lang="en-US" dirty="0"/>
+          </a:p>
+          <a:p>
+            <a:endParaRPr lang="en-US" dirty="0"/>
+          </a:p>
+          <a:p>
+            <a:pPr>
+              <a:buFont typeface="Arial" panose="020B0604020202020204" pitchFamily="34" charset="0"/>
+              <a:buChar char="•"/>
+            </a:pPr>
+            <a:r>
+              <a:rPr lang="en-US" i="1" dirty="0"/>
+              <a:t>Identification:</a:t>
+            </a:r>
             <a:r>
               <a:rPr lang="en-US" dirty="0"/>
-              <a:t>Let's discuss some tools you can use to implement these analyses. For SPSS users, Hayes' PROCESS macro is extremely popular and user-friendly.</a:t>
-            </a:r>
-          </a:p>
-          <a:p>
+              <a:t> We look for two key signs—opposite effect directions and a stronger direct effect than the total effect.</a:t>
+            </a:r>
+          </a:p>
+          <a:p>
+            <a:pPr>
+              <a:buFont typeface="Arial" panose="020B0604020202020204" pitchFamily="34" charset="0"/>
+              <a:buChar char="•"/>
+            </a:pPr>
             <a:endParaRPr lang="en-US" dirty="0"/>
           </a:p>
           <a:p>
+            <a:pPr>
+              <a:buFont typeface="Arial" panose="020B0604020202020204" pitchFamily="34" charset="0"/>
+              <a:buChar char="•"/>
+            </a:pPr>
+            <a:r>
+              <a:rPr lang="en-US" i="1" dirty="0"/>
+              <a:t>Problematic Suppression:</a:t>
+            </a:r>
             <a:r>
               <a:rPr lang="en-US" dirty="0"/>
-              <a:t>R users have several options, including the </a:t>
-            </a:r>
-            <a:r>
-              <a:rPr lang="en-US" dirty="0" err="1"/>
-              <a:t>lavaan</a:t>
+              <a:t> If adding a mediator changes the significance of the direct effect or if high multicollinearity exists, results may be biased.</a:t>
+            </a:r>
+          </a:p>
+          <a:p>
+            <a:pPr>
+              <a:buFont typeface="Arial" panose="020B0604020202020204" pitchFamily="34" charset="0"/>
+              <a:buChar char="•"/>
+            </a:pPr>
+            <a:endParaRPr lang="en-US" dirty="0"/>
+          </a:p>
+          <a:p>
+            <a:pPr>
+              <a:buFont typeface="Arial" panose="020B0604020202020204" pitchFamily="34" charset="0"/>
+              <a:buChar char="•"/>
+            </a:pPr>
+            <a:r>
+              <a:rPr lang="en-US" i="1" dirty="0"/>
+              <a:t>Model Fit:</a:t>
             </a:r>
             <a:r>
               <a:rPr lang="en-US" dirty="0"/>
-              <a:t> package for SEM, the mediation package, and </a:t>
-            </a:r>
-            <a:r>
-              <a:rPr lang="en-US" dirty="0" err="1"/>
-              <a:t>semTools</a:t>
+              <a:t> We check AIC; a better fit in the direct effect-only model suggests suppression may be distorting conclusions.</a:t>
+            </a:r>
+          </a:p>
+          <a:p>
+            <a:pPr>
+              <a:buFont typeface="Arial" panose="020B0604020202020204" pitchFamily="34" charset="0"/>
+              <a:buChar char="•"/>
+            </a:pPr>
+            <a:endParaRPr lang="en-US" dirty="0"/>
+          </a:p>
+          <a:p>
+            <a:pPr>
+              <a:buFont typeface="Arial" panose="020B0604020202020204" pitchFamily="34" charset="0"/>
+              <a:buChar char="•"/>
+            </a:pPr>
+            <a:r>
+              <a:rPr lang="en-US" i="1" dirty="0"/>
+              <a:t>Final Thought:</a:t>
             </a:r>
             <a:r>
               <a:rPr lang="en-US" dirty="0"/>
-              <a:t>.</a:t>
-            </a:r>
-          </a:p>
-          <a:p>
-            <a:endParaRPr lang="en-US" dirty="0"/>
-          </a:p>
-          <a:p>
-            <a:r>
-              <a:rPr lang="en-US" dirty="0"/>
-              <a:t>Lastly, G*Power can help you conduct power analyses to determine appropriate sample sizes for your studies.</a:t>
+              <a:t> Suppression isn’t always problematic—it can reveal meaningful relationships. In our case, severe alcohol problems may heighten depressive symptoms, influencing how recent alcohol use appears to affect depression.</a:t>
             </a:r>
           </a:p>
           <a:p>
@@ -9970,7 +9942,508 @@
           <a:p>
             <a:fld id="{4A677F31-8E3C-4ED2-97DF-DE6C71117425}" type="slidenum">
               <a:rPr lang="en-US" smtClean="0"/>
-              <a:t>21</a:t>
+              <a:t>22</a:t>
+            </a:fld>
+            <a:endParaRPr lang="en-US"/>
+          </a:p>
+        </p:txBody>
+      </p:sp>
+    </p:spTree>
+    <p:extLst>
+      <p:ext uri="{BB962C8B-B14F-4D97-AF65-F5344CB8AC3E}">
+        <p14:creationId xmlns:p14="http://schemas.microsoft.com/office/powerpoint/2010/main" val="3849195705"/>
+      </p:ext>
+    </p:extLst>
+  </p:cSld>
+  <p:clrMapOvr>
+    <a:masterClrMapping/>
+  </p:clrMapOvr>
+</p:notes>
+</file>
+
+<file path=ppt/notesSlides/notesSlide23.xml><?xml version="1.0" encoding="utf-8"?>
+<p:notes xmlns:a="http://schemas.openxmlformats.org/drawingml/2006/main" xmlns:r="http://schemas.openxmlformats.org/officeDocument/2006/relationships" xmlns:p="http://schemas.openxmlformats.org/presentationml/2006/main">
+  <p:cSld>
+    <p:spTree>
+      <p:nvGrpSpPr>
+        <p:cNvPr id="1" name=""/>
+        <p:cNvGrpSpPr/>
+        <p:nvPr/>
+      </p:nvGrpSpPr>
+      <p:grpSpPr>
+        <a:xfrm>
+          <a:off x="0" y="0"/>
+          <a:ext cx="0" cy="0"/>
+          <a:chOff x="0" y="0"/>
+          <a:chExt cx="0" cy="0"/>
+        </a:xfrm>
+      </p:grpSpPr>
+      <p:sp>
+        <p:nvSpPr>
+          <p:cNvPr id="2" name="Slide Image Placeholder 1"/>
+          <p:cNvSpPr>
+            <a:spLocks noGrp="1" noRot="1" noChangeAspect="1"/>
+          </p:cNvSpPr>
+          <p:nvPr>
+            <p:ph type="sldImg"/>
+          </p:nvPr>
+        </p:nvSpPr>
+        <p:spPr/>
+      </p:sp>
+      <p:sp>
+        <p:nvSpPr>
+          <p:cNvPr id="3" name="Notes Placeholder 2"/>
+          <p:cNvSpPr>
+            <a:spLocks noGrp="1"/>
+          </p:cNvSpPr>
+          <p:nvPr>
+            <p:ph type="body" idx="1"/>
+          </p:nvPr>
+        </p:nvSpPr>
+        <p:spPr/>
+        <p:txBody>
+          <a:bodyPr/>
+          <a:lstStyle/>
+          <a:p>
+            <a:pPr>
+              <a:buFont typeface="Arial" panose="020B0604020202020204" pitchFamily="34" charset="0"/>
+              <a:buChar char="•"/>
+            </a:pPr>
+            <a:r>
+              <a:rPr lang="en-US" dirty="0"/>
+              <a:t>This slide presents the results of our bootstrapped mediation analysis.</a:t>
+            </a:r>
+          </a:p>
+          <a:p>
+            <a:pPr>
+              <a:buFont typeface="Arial" panose="020B0604020202020204" pitchFamily="34" charset="0"/>
+              <a:buChar char="•"/>
+            </a:pPr>
+            <a:endParaRPr lang="en-US" dirty="0"/>
+          </a:p>
+          <a:p>
+            <a:pPr>
+              <a:buFont typeface="Arial" panose="020B0604020202020204" pitchFamily="34" charset="0"/>
+              <a:buChar char="•"/>
+            </a:pPr>
+            <a:r>
+              <a:rPr lang="en-US" dirty="0"/>
+              <a:t>First, we examine the relationship between alcohol use in the past 30 days (Alc30D) and depression symptoms (phq9_total), testing whether alcohol-related problems (</a:t>
+            </a:r>
+            <a:r>
+              <a:rPr lang="en-US" dirty="0" err="1"/>
+              <a:t>audit_total_mc</a:t>
+            </a:r>
+            <a:r>
+              <a:rPr lang="en-US" dirty="0"/>
+              <a:t>) mediate this association.</a:t>
+            </a:r>
+          </a:p>
+          <a:p>
+            <a:pPr>
+              <a:buFont typeface="Arial" panose="020B0604020202020204" pitchFamily="34" charset="0"/>
+              <a:buChar char="•"/>
+            </a:pPr>
+            <a:endParaRPr lang="en-US" dirty="0"/>
+          </a:p>
+          <a:p>
+            <a:pPr>
+              <a:buFont typeface="Arial" panose="020B0604020202020204" pitchFamily="34" charset="0"/>
+              <a:buChar char="•"/>
+            </a:pPr>
+            <a:r>
+              <a:rPr lang="en-US" dirty="0"/>
+              <a:t>The first equation (mediator model) shows that Alc30D significantly predicts </a:t>
+            </a:r>
+            <a:r>
+              <a:rPr lang="en-US" dirty="0" err="1"/>
+              <a:t>audit_total_mc</a:t>
+            </a:r>
+            <a:r>
+              <a:rPr lang="en-US" dirty="0"/>
+              <a:t> (</a:t>
+            </a:r>
+            <a:r>
+              <a:rPr lang="en-US" b="1" dirty="0"/>
+              <a:t>p &lt; .001</a:t>
+            </a:r>
+            <a:r>
+              <a:rPr lang="en-US" dirty="0"/>
+              <a:t>), suggesting that increased alcohol use is associated with greater alcohol-related problems.</a:t>
+            </a:r>
+          </a:p>
+          <a:p>
+            <a:pPr>
+              <a:buFont typeface="Arial" panose="020B0604020202020204" pitchFamily="34" charset="0"/>
+              <a:buChar char="•"/>
+            </a:pPr>
+            <a:endParaRPr lang="en-US" dirty="0"/>
+          </a:p>
+          <a:p>
+            <a:pPr>
+              <a:buFont typeface="Arial" panose="020B0604020202020204" pitchFamily="34" charset="0"/>
+              <a:buChar char="•"/>
+            </a:pPr>
+            <a:r>
+              <a:rPr lang="en-US" dirty="0"/>
+              <a:t>The second equation (outcome model) examines the effects of both alcohol use and alcohol-related problems on depression.</a:t>
+            </a:r>
+          </a:p>
+          <a:p>
+            <a:pPr>
+              <a:buFont typeface="Arial" panose="020B0604020202020204" pitchFamily="34" charset="0"/>
+              <a:buChar char="•"/>
+            </a:pPr>
+            <a:endParaRPr lang="en-US" dirty="0"/>
+          </a:p>
+          <a:p>
+            <a:pPr marL="742950" lvl="1" indent="-285750">
+              <a:buFont typeface="Arial" panose="020B0604020202020204" pitchFamily="34" charset="0"/>
+              <a:buChar char="•"/>
+            </a:pPr>
+            <a:r>
+              <a:rPr lang="en-US" dirty="0"/>
+              <a:t>The direct effect of alcohol use on depression is </a:t>
+            </a:r>
+            <a:r>
+              <a:rPr lang="en-US" b="1" dirty="0"/>
+              <a:t>not significant</a:t>
+            </a:r>
+            <a:r>
+              <a:rPr lang="en-US" dirty="0"/>
+              <a:t> (</a:t>
+            </a:r>
+            <a:r>
+              <a:rPr lang="en-US" b="1" dirty="0"/>
+              <a:t>p = .297</a:t>
+            </a:r>
+            <a:r>
+              <a:rPr lang="en-US" dirty="0"/>
+              <a:t>).</a:t>
+            </a:r>
+          </a:p>
+          <a:p>
+            <a:pPr marL="742950" lvl="1" indent="-285750">
+              <a:buFont typeface="Arial" panose="020B0604020202020204" pitchFamily="34" charset="0"/>
+              <a:buChar char="•"/>
+            </a:pPr>
+            <a:r>
+              <a:rPr lang="en-US" dirty="0"/>
+              <a:t>The effect of alcohol-related problems on depression is also </a:t>
+            </a:r>
+            <a:r>
+              <a:rPr lang="en-US" b="1" dirty="0"/>
+              <a:t>not significant</a:t>
+            </a:r>
+            <a:r>
+              <a:rPr lang="en-US" dirty="0"/>
+              <a:t> (</a:t>
+            </a:r>
+            <a:r>
+              <a:rPr lang="en-US" b="1" dirty="0"/>
+              <a:t>p = .164</a:t>
+            </a:r>
+            <a:r>
+              <a:rPr lang="en-US" dirty="0"/>
+              <a:t>), meaning that </a:t>
+            </a:r>
+            <a:r>
+              <a:rPr lang="en-US" dirty="0" err="1"/>
+              <a:t>audit_total_mc</a:t>
+            </a:r>
+            <a:r>
+              <a:rPr lang="en-US" dirty="0"/>
+              <a:t> does not strongly predict depression in this model.</a:t>
+            </a:r>
+          </a:p>
+          <a:p>
+            <a:pPr marL="742950" lvl="1" indent="-285750">
+              <a:buFont typeface="Arial" panose="020B0604020202020204" pitchFamily="34" charset="0"/>
+              <a:buChar char="•"/>
+            </a:pPr>
+            <a:endParaRPr lang="en-US" dirty="0"/>
+          </a:p>
+          <a:p>
+            <a:pPr>
+              <a:buFont typeface="Arial" panose="020B0604020202020204" pitchFamily="34" charset="0"/>
+              <a:buChar char="•"/>
+            </a:pPr>
+            <a:r>
+              <a:rPr lang="en-US" dirty="0"/>
+              <a:t>The mediation results show that the indirect effect (</a:t>
+            </a:r>
+            <a:r>
+              <a:rPr lang="en-US" b="1" dirty="0"/>
+              <a:t>a × b</a:t>
+            </a:r>
+            <a:r>
+              <a:rPr lang="en-US" dirty="0"/>
+              <a:t>) is </a:t>
+            </a:r>
+            <a:r>
+              <a:rPr lang="en-US" b="1" dirty="0"/>
+              <a:t>0.157</a:t>
+            </a:r>
+            <a:r>
+              <a:rPr lang="en-US" dirty="0"/>
+              <a:t> with a </a:t>
+            </a:r>
+            <a:r>
+              <a:rPr lang="en-US" b="1" dirty="0"/>
+              <a:t>p-value of 0.077</a:t>
+            </a:r>
+            <a:r>
+              <a:rPr lang="en-US" dirty="0"/>
+              <a:t>, which approaches significance. A 1-SD-unit increase in drinking days significantly predicts a 0.157 SD-unit increase in Depression scores THROUGH increased risky drinking behaviors (AUDIT).</a:t>
+            </a:r>
+          </a:p>
+          <a:p>
+            <a:pPr>
+              <a:buFont typeface="Arial" panose="020B0604020202020204" pitchFamily="34" charset="0"/>
+              <a:buChar char="•"/>
+            </a:pPr>
+            <a:endParaRPr lang="en-US" dirty="0"/>
+          </a:p>
+          <a:p>
+            <a:pPr>
+              <a:buFont typeface="Arial" panose="020B0604020202020204" pitchFamily="34" charset="0"/>
+              <a:buChar char="•"/>
+            </a:pPr>
+            <a:r>
+              <a:rPr lang="en-US" dirty="0"/>
+              <a:t>This suggests a potential mediating role of alcohol-related problems in the relationship between alcohol use and depression but does not reach conventional statistical significance.</a:t>
+            </a:r>
+          </a:p>
+          <a:p>
+            <a:pPr>
+              <a:buFont typeface="Arial" panose="020B0604020202020204" pitchFamily="34" charset="0"/>
+              <a:buChar char="•"/>
+            </a:pPr>
+            <a:endParaRPr lang="en-US" dirty="0"/>
+          </a:p>
+          <a:p>
+            <a:pPr>
+              <a:buFont typeface="Arial" panose="020B0604020202020204" pitchFamily="34" charset="0"/>
+              <a:buChar char="•"/>
+            </a:pPr>
+            <a:r>
+              <a:rPr lang="en-US" dirty="0"/>
+              <a:t>Since the total effect is non-significant (</a:t>
+            </a:r>
+            <a:r>
+              <a:rPr lang="en-US" b="1" dirty="0"/>
+              <a:t>p = .855</a:t>
+            </a:r>
+            <a:r>
+              <a:rPr lang="en-US" dirty="0"/>
+              <a:t>), this indicates that neither direct nor indirect effects contribute strongly to the overall variance in depression scores.</a:t>
+            </a:r>
+          </a:p>
+          <a:p>
+            <a:pPr>
+              <a:buFont typeface="Arial" panose="020B0604020202020204" pitchFamily="34" charset="0"/>
+              <a:buChar char="•"/>
+            </a:pPr>
+            <a:endParaRPr lang="en-US" dirty="0"/>
+          </a:p>
+          <a:p>
+            <a:pPr>
+              <a:buFont typeface="Arial" panose="020B0604020202020204" pitchFamily="34" charset="0"/>
+              <a:buChar char="•"/>
+            </a:pPr>
+            <a:r>
+              <a:rPr lang="en-US" dirty="0"/>
+              <a:t>Lastly, the R² values indicate that alcohol use and alcohol-related problems explain </a:t>
+            </a:r>
+            <a:r>
+              <a:rPr lang="en-US" b="1" dirty="0"/>
+              <a:t>21% of the variance</a:t>
+            </a:r>
+            <a:r>
+              <a:rPr lang="en-US" dirty="0"/>
+              <a:t> in </a:t>
+            </a:r>
+            <a:r>
+              <a:rPr lang="en-US" dirty="0" err="1"/>
+              <a:t>audit_total_mc</a:t>
+            </a:r>
+            <a:r>
+              <a:rPr lang="en-US" dirty="0"/>
+              <a:t> but only </a:t>
+            </a:r>
+            <a:r>
+              <a:rPr lang="en-US" b="1" dirty="0"/>
+              <a:t>4.1% of the variance</a:t>
+            </a:r>
+            <a:r>
+              <a:rPr lang="en-US" dirty="0"/>
+              <a:t> in depression symptoms.</a:t>
+            </a:r>
+          </a:p>
+          <a:p>
+            <a:pPr>
+              <a:buFont typeface="Arial" panose="020B0604020202020204" pitchFamily="34" charset="0"/>
+              <a:buChar char="•"/>
+            </a:pPr>
+            <a:endParaRPr lang="en-US" dirty="0"/>
+          </a:p>
+          <a:p>
+            <a:pPr>
+              <a:buFont typeface="Arial" panose="020B0604020202020204" pitchFamily="34" charset="0"/>
+              <a:buChar char="•"/>
+            </a:pPr>
+            <a:r>
+              <a:rPr lang="en-US" dirty="0"/>
+              <a:t>Overall, while there is some evidence of mediation, the effects are relatively weak and not statistically robust in this sample.</a:t>
+            </a:r>
+          </a:p>
+          <a:p>
+            <a:endParaRPr lang="en-US" dirty="0"/>
+          </a:p>
+        </p:txBody>
+      </p:sp>
+      <p:sp>
+        <p:nvSpPr>
+          <p:cNvPr id="4" name="Slide Number Placeholder 3"/>
+          <p:cNvSpPr>
+            <a:spLocks noGrp="1"/>
+          </p:cNvSpPr>
+          <p:nvPr>
+            <p:ph type="sldNum" sz="quarter" idx="5"/>
+          </p:nvPr>
+        </p:nvSpPr>
+        <p:spPr/>
+        <p:txBody>
+          <a:bodyPr/>
+          <a:lstStyle/>
+          <a:p>
+            <a:fld id="{4A677F31-8E3C-4ED2-97DF-DE6C71117425}" type="slidenum">
+              <a:rPr lang="en-US" smtClean="0"/>
+              <a:t>23</a:t>
+            </a:fld>
+            <a:endParaRPr lang="en-US"/>
+          </a:p>
+        </p:txBody>
+      </p:sp>
+    </p:spTree>
+    <p:extLst>
+      <p:ext uri="{BB962C8B-B14F-4D97-AF65-F5344CB8AC3E}">
+        <p14:creationId xmlns:p14="http://schemas.microsoft.com/office/powerpoint/2010/main" val="3210114252"/>
+      </p:ext>
+    </p:extLst>
+  </p:cSld>
+  <p:clrMapOvr>
+    <a:masterClrMapping/>
+  </p:clrMapOvr>
+</p:notes>
+</file>
+
+<file path=ppt/notesSlides/notesSlide24.xml><?xml version="1.0" encoding="utf-8"?>
+<p:notes xmlns:a="http://schemas.openxmlformats.org/drawingml/2006/main" xmlns:r="http://schemas.openxmlformats.org/officeDocument/2006/relationships" xmlns:p="http://schemas.openxmlformats.org/presentationml/2006/main">
+  <p:cSld>
+    <p:spTree>
+      <p:nvGrpSpPr>
+        <p:cNvPr id="1" name=""/>
+        <p:cNvGrpSpPr/>
+        <p:nvPr/>
+      </p:nvGrpSpPr>
+      <p:grpSpPr>
+        <a:xfrm>
+          <a:off x="0" y="0"/>
+          <a:ext cx="0" cy="0"/>
+          <a:chOff x="0" y="0"/>
+          <a:chExt cx="0" cy="0"/>
+        </a:xfrm>
+      </p:grpSpPr>
+      <p:sp>
+        <p:nvSpPr>
+          <p:cNvPr id="2" name="Slide Image Placeholder 1"/>
+          <p:cNvSpPr>
+            <a:spLocks noGrp="1" noRot="1" noChangeAspect="1"/>
+          </p:cNvSpPr>
+          <p:nvPr>
+            <p:ph type="sldImg"/>
+          </p:nvPr>
+        </p:nvSpPr>
+        <p:spPr/>
+      </p:sp>
+      <p:sp>
+        <p:nvSpPr>
+          <p:cNvPr id="3" name="Notes Placeholder 2"/>
+          <p:cNvSpPr>
+            <a:spLocks noGrp="1"/>
+          </p:cNvSpPr>
+          <p:nvPr>
+            <p:ph type="body" idx="1"/>
+          </p:nvPr>
+        </p:nvSpPr>
+        <p:spPr/>
+        <p:txBody>
+          <a:bodyPr/>
+          <a:lstStyle/>
+          <a:p>
+            <a:r>
+              <a:rPr lang="en-US" dirty="0"/>
+              <a:t>Let's discuss some tools you can use to implement these analyses. For SPSS users, Hayes' PROCESS macro is extremely popular and user-friendly.</a:t>
+            </a:r>
+          </a:p>
+          <a:p>
+            <a:endParaRPr lang="en-US" dirty="0"/>
+          </a:p>
+          <a:p>
+            <a:r>
+              <a:rPr lang="en-US" dirty="0"/>
+              <a:t>R users have several options, including the </a:t>
+            </a:r>
+            <a:r>
+              <a:rPr lang="en-US" dirty="0" err="1"/>
+              <a:t>lavaan</a:t>
+            </a:r>
+            <a:r>
+              <a:rPr lang="en-US" dirty="0"/>
+              <a:t> package for SEM, the mediation package, and </a:t>
+            </a:r>
+            <a:r>
+              <a:rPr lang="en-US" dirty="0" err="1"/>
+              <a:t>semTools</a:t>
+            </a:r>
+            <a:r>
+              <a:rPr lang="en-US" dirty="0"/>
+              <a:t>.</a:t>
+            </a:r>
+          </a:p>
+          <a:p>
+            <a:endParaRPr lang="en-US" dirty="0"/>
+          </a:p>
+          <a:p>
+            <a:r>
+              <a:rPr lang="en-US" dirty="0"/>
+              <a:t>Lastly, G*Power can help you conduct power analyses to determine appropriate sample sizes for your studies.</a:t>
+            </a:r>
+          </a:p>
+          <a:p>
+            <a:endParaRPr lang="en-US" dirty="0"/>
+          </a:p>
+        </p:txBody>
+      </p:sp>
+      <p:sp>
+        <p:nvSpPr>
+          <p:cNvPr id="4" name="Slide Number Placeholder 3"/>
+          <p:cNvSpPr>
+            <a:spLocks noGrp="1"/>
+          </p:cNvSpPr>
+          <p:nvPr>
+            <p:ph type="sldNum" sz="quarter" idx="5"/>
+          </p:nvPr>
+        </p:nvSpPr>
+        <p:spPr/>
+        <p:txBody>
+          <a:bodyPr/>
+          <a:lstStyle/>
+          <a:p>
+            <a:fld id="{4A677F31-8E3C-4ED2-97DF-DE6C71117425}" type="slidenum">
+              <a:rPr lang="en-US" smtClean="0"/>
+              <a:t>24</a:t>
             </a:fld>
             <a:endParaRPr lang="en-US"/>
           </a:p>
@@ -11467,7 +11940,7 @@
           <a:p>
             <a:fld id="{06DC2E43-ADF2-4A74-A59C-D9F5E954D886}" type="datetimeFigureOut">
               <a:rPr lang="en-US" smtClean="0"/>
-              <a:t>4/10/2025</a:t>
+              <a:t>4/11/2025</a:t>
             </a:fld>
             <a:endParaRPr lang="en-US"/>
           </a:p>
@@ -11665,7 +12138,7 @@
           <a:p>
             <a:fld id="{06DC2E43-ADF2-4A74-A59C-D9F5E954D886}" type="datetimeFigureOut">
               <a:rPr lang="en-US" smtClean="0"/>
-              <a:t>4/10/2025</a:t>
+              <a:t>4/11/2025</a:t>
             </a:fld>
             <a:endParaRPr lang="en-US"/>
           </a:p>
@@ -11873,7 +12346,7 @@
           <a:p>
             <a:fld id="{06DC2E43-ADF2-4A74-A59C-D9F5E954D886}" type="datetimeFigureOut">
               <a:rPr lang="en-US" smtClean="0"/>
-              <a:t>4/10/2025</a:t>
+              <a:t>4/11/2025</a:t>
             </a:fld>
             <a:endParaRPr lang="en-US"/>
           </a:p>
@@ -12071,7 +12544,7 @@
           <a:p>
             <a:fld id="{06DC2E43-ADF2-4A74-A59C-D9F5E954D886}" type="datetimeFigureOut">
               <a:rPr lang="en-US" smtClean="0"/>
-              <a:t>4/10/2025</a:t>
+              <a:t>4/11/2025</a:t>
             </a:fld>
             <a:endParaRPr lang="en-US"/>
           </a:p>
@@ -12346,7 +12819,7 @@
           <a:p>
             <a:fld id="{06DC2E43-ADF2-4A74-A59C-D9F5E954D886}" type="datetimeFigureOut">
               <a:rPr lang="en-US" smtClean="0"/>
-              <a:t>4/10/2025</a:t>
+              <a:t>4/11/2025</a:t>
             </a:fld>
             <a:endParaRPr lang="en-US"/>
           </a:p>
@@ -12611,7 +13084,7 @@
           <a:p>
             <a:fld id="{06DC2E43-ADF2-4A74-A59C-D9F5E954D886}" type="datetimeFigureOut">
               <a:rPr lang="en-US" smtClean="0"/>
-              <a:t>4/10/2025</a:t>
+              <a:t>4/11/2025</a:t>
             </a:fld>
             <a:endParaRPr lang="en-US"/>
           </a:p>
@@ -13023,7 +13496,7 @@
           <a:p>
             <a:fld id="{06DC2E43-ADF2-4A74-A59C-D9F5E954D886}" type="datetimeFigureOut">
               <a:rPr lang="en-US" smtClean="0"/>
-              <a:t>4/10/2025</a:t>
+              <a:t>4/11/2025</a:t>
             </a:fld>
             <a:endParaRPr lang="en-US"/>
           </a:p>
@@ -13164,7 +13637,7 @@
           <a:p>
             <a:fld id="{06DC2E43-ADF2-4A74-A59C-D9F5E954D886}" type="datetimeFigureOut">
               <a:rPr lang="en-US" smtClean="0"/>
-              <a:t>4/10/2025</a:t>
+              <a:t>4/11/2025</a:t>
             </a:fld>
             <a:endParaRPr lang="en-US"/>
           </a:p>
@@ -13277,7 +13750,7 @@
           <a:p>
             <a:fld id="{06DC2E43-ADF2-4A74-A59C-D9F5E954D886}" type="datetimeFigureOut">
               <a:rPr lang="en-US" smtClean="0"/>
-              <a:t>4/10/2025</a:t>
+              <a:t>4/11/2025</a:t>
             </a:fld>
             <a:endParaRPr lang="en-US"/>
           </a:p>
@@ -13588,7 +14061,7 @@
           <a:p>
             <a:fld id="{06DC2E43-ADF2-4A74-A59C-D9F5E954D886}" type="datetimeFigureOut">
               <a:rPr lang="en-US" smtClean="0"/>
-              <a:t>4/10/2025</a:t>
+              <a:t>4/11/2025</a:t>
             </a:fld>
             <a:endParaRPr lang="en-US"/>
           </a:p>
@@ -13876,7 +14349,7 @@
           <a:p>
             <a:fld id="{06DC2E43-ADF2-4A74-A59C-D9F5E954D886}" type="datetimeFigureOut">
               <a:rPr lang="en-US" smtClean="0"/>
-              <a:t>4/10/2025</a:t>
+              <a:t>4/11/2025</a:t>
             </a:fld>
             <a:endParaRPr lang="en-US"/>
           </a:p>
@@ -14117,7 +14590,7 @@
           <a:p>
             <a:fld id="{06DC2E43-ADF2-4A74-A59C-D9F5E954D886}" type="datetimeFigureOut">
               <a:rPr lang="en-US" smtClean="0"/>
-              <a:t>4/10/2025</a:t>
+              <a:t>4/11/2025</a:t>
             </a:fld>
             <a:endParaRPr lang="en-US"/>
           </a:p>
@@ -24871,7 +25344,7 @@
         </p:spPr>
         <p:txBody>
           <a:bodyPr anchor="ctr">
-            <a:normAutofit/>
+            <a:normAutofit fontScale="92500"/>
           </a:bodyPr>
           <a:lstStyle/>
           <a:p>
@@ -24903,6 +25376,12 @@
             <a:r>
               <a:rPr lang="en-US" sz="2500" dirty="0"/>
               <a:t>Confounding mediator-outcome relationship</a:t>
+            </a:r>
+          </a:p>
+          <a:p>
+            <a:r>
+              <a:rPr lang="en-US" sz="2500" dirty="0"/>
+              <a:t>Failing to investigate suppression</a:t>
             </a:r>
           </a:p>
           <a:p>
@@ -25190,15 +25669,7 @@
           <a:p>
             <a:r>
               <a:rPr lang="en-US" b="1" dirty="0"/>
-              <a:t>Bootstrapped Confidence Intervals (CIs) vs. </a:t>
-            </a:r>
-            <a:r>
-              <a:rPr lang="en-US" b="1" i="1" dirty="0"/>
-              <a:t>p</a:t>
-            </a:r>
-            <a:r>
-              <a:rPr lang="en-US" b="1" dirty="0"/>
-              <a:t>-Values</a:t>
+              <a:t>Methods for Bootstrapped Confidence Intervals (CIs)</a:t>
             </a:r>
           </a:p>
           <a:p>
@@ -25645,6 +26116,1165 @@
   <p:cSld>
     <p:spTree>
       <p:nvGrpSpPr>
+        <p:cNvPr id="1" name="">
+          <a:extLst>
+            <a:ext uri="{FF2B5EF4-FFF2-40B4-BE49-F238E27FC236}">
+              <a16:creationId xmlns:a16="http://schemas.microsoft.com/office/drawing/2014/main" id="{A5A16EAC-911B-34B0-06B8-E3D82FFFB1A6}"/>
+            </a:ext>
+          </a:extLst>
+        </p:cNvPr>
+        <p:cNvGrpSpPr/>
+        <p:nvPr/>
+      </p:nvGrpSpPr>
+      <p:grpSpPr>
+        <a:xfrm>
+          <a:off x="0" y="0"/>
+          <a:ext cx="0" cy="0"/>
+          <a:chOff x="0" y="0"/>
+          <a:chExt cx="0" cy="0"/>
+        </a:xfrm>
+      </p:grpSpPr>
+      <p:sp>
+        <p:nvSpPr>
+          <p:cNvPr id="2" name="Title 1">
+            <a:extLst>
+              <a:ext uri="{FF2B5EF4-FFF2-40B4-BE49-F238E27FC236}">
+                <a16:creationId xmlns:a16="http://schemas.microsoft.com/office/drawing/2014/main" id="{AF52324D-1BEC-F277-BF14-363AE79A919F}"/>
+              </a:ext>
+            </a:extLst>
+          </p:cNvPr>
+          <p:cNvSpPr>
+            <a:spLocks noGrp="1"/>
+          </p:cNvSpPr>
+          <p:nvPr>
+            <p:ph type="title"/>
+          </p:nvPr>
+        </p:nvSpPr>
+        <p:spPr>
+          <a:xfrm>
+            <a:off x="141314" y="163287"/>
+            <a:ext cx="5954686" cy="1708242"/>
+          </a:xfrm>
+        </p:spPr>
+        <p:txBody>
+          <a:bodyPr anchor="ctr">
+            <a:normAutofit/>
+          </a:bodyPr>
+          <a:lstStyle/>
+          <a:p>
+            <a:r>
+              <a:rPr lang="en-US" sz="4000" b="1" dirty="0"/>
+              <a:t>Mediation Example in R</a:t>
+            </a:r>
+          </a:p>
+        </p:txBody>
+      </p:sp>
+      <p:sp>
+        <p:nvSpPr>
+          <p:cNvPr id="3" name="Content Placeholder 2">
+            <a:extLst>
+              <a:ext uri="{FF2B5EF4-FFF2-40B4-BE49-F238E27FC236}">
+                <a16:creationId xmlns:a16="http://schemas.microsoft.com/office/drawing/2014/main" id="{6BE045CD-A3C7-6262-E7DA-7945B35A5E5B}"/>
+              </a:ext>
+            </a:extLst>
+          </p:cNvPr>
+          <p:cNvSpPr>
+            <a:spLocks noGrp="1"/>
+          </p:cNvSpPr>
+          <p:nvPr>
+            <p:ph idx="1"/>
+          </p:nvPr>
+        </p:nvSpPr>
+        <p:spPr>
+          <a:xfrm>
+            <a:off x="0" y="1727450"/>
+            <a:ext cx="8088285" cy="3769835"/>
+          </a:xfrm>
+        </p:spPr>
+        <p:txBody>
+          <a:bodyPr anchor="ctr">
+            <a:normAutofit fontScale="92500" lnSpcReduction="20000"/>
+          </a:bodyPr>
+          <a:lstStyle/>
+          <a:p>
+            <a:pPr marL="0" indent="0">
+              <a:buNone/>
+            </a:pPr>
+            <a:r>
+              <a:rPr lang="en-US" sz="2600" b="1" dirty="0"/>
+              <a:t>File: 3 – </a:t>
+            </a:r>
+            <a:r>
+              <a:rPr lang="en-US" sz="2600" b="1" dirty="0" err="1"/>
+              <a:t>Mediation.R</a:t>
+            </a:r>
+            <a:endParaRPr lang="en-US" sz="2600" b="1" dirty="0"/>
+          </a:p>
+          <a:p>
+            <a:pPr marL="0" indent="0">
+              <a:buNone/>
+            </a:pPr>
+            <a:endParaRPr lang="en-US" sz="1900" b="1" dirty="0"/>
+          </a:p>
+          <a:p>
+            <a:r>
+              <a:rPr lang="en-US" sz="1900" b="1" dirty="0"/>
+              <a:t>Data Cleaning &amp; MLR Prep </a:t>
+            </a:r>
+            <a:r>
+              <a:rPr lang="en-US" sz="1900" dirty="0"/>
+              <a:t>(lines 19-92)</a:t>
+            </a:r>
+            <a:br>
+              <a:rPr lang="en-US" sz="1900" dirty="0"/>
+            </a:br>
+            <a:endParaRPr lang="en-US" sz="1900" dirty="0"/>
+          </a:p>
+          <a:p>
+            <a:r>
+              <a:rPr lang="en-US" sz="1900" b="1" dirty="0"/>
+              <a:t>Missing Data Analysis </a:t>
+            </a:r>
+            <a:r>
+              <a:rPr lang="en-US" sz="1900" dirty="0"/>
+              <a:t>(lines 105-166)</a:t>
+            </a:r>
+          </a:p>
+          <a:p>
+            <a:pPr lvl="1"/>
+            <a:r>
+              <a:rPr lang="en-US" sz="1500" dirty="0"/>
+              <a:t>Save Clean Data for Import into SPSS</a:t>
+            </a:r>
+            <a:br>
+              <a:rPr lang="en-US" sz="1500" dirty="0"/>
+            </a:br>
+            <a:endParaRPr lang="en-US" sz="1500" dirty="0"/>
+          </a:p>
+          <a:p>
+            <a:r>
+              <a:rPr lang="en-US" sz="1900" b="1" dirty="0"/>
+              <a:t>Exploratory Data Analysis </a:t>
+            </a:r>
+            <a:r>
+              <a:rPr lang="en-US" sz="1900" dirty="0"/>
+              <a:t>(lines 171-182)</a:t>
+            </a:r>
+            <a:br>
+              <a:rPr lang="en-US" sz="1900" dirty="0"/>
+            </a:br>
+            <a:endParaRPr lang="en-US" sz="1900" dirty="0"/>
+          </a:p>
+          <a:p>
+            <a:r>
+              <a:rPr lang="en-US" sz="1900" b="1" dirty="0"/>
+              <a:t>Mediation</a:t>
+            </a:r>
+          </a:p>
+          <a:p>
+            <a:pPr lvl="1"/>
+            <a:r>
+              <a:rPr lang="en-US" sz="1900" dirty="0"/>
+              <a:t>Mediation Data Preparation: (lines 217-221)</a:t>
+            </a:r>
+          </a:p>
+          <a:p>
+            <a:pPr lvl="1"/>
+            <a:r>
+              <a:rPr lang="en-US" sz="1900" dirty="0"/>
+              <a:t>Specify and fit bootstrapped model using SEM (lines 228-257)</a:t>
+            </a:r>
+          </a:p>
+          <a:p>
+            <a:pPr lvl="1"/>
+            <a:r>
+              <a:rPr lang="en-US" sz="1900" dirty="0"/>
+              <a:t>Examine bootstrapped results and plot mediation (lines 271-326)</a:t>
+            </a:r>
+          </a:p>
+          <a:p>
+            <a:pPr lvl="1"/>
+            <a:r>
+              <a:rPr lang="en-US" sz="1900" dirty="0"/>
+              <a:t>Investigate Suppression (lines 330-378) </a:t>
+            </a:r>
+          </a:p>
+        </p:txBody>
+      </p:sp>
+      <p:pic>
+        <p:nvPicPr>
+          <p:cNvPr id="5" name="Picture 4" descr="Zigzag indicator line">
+            <a:extLst>
+              <a:ext uri="{FF2B5EF4-FFF2-40B4-BE49-F238E27FC236}">
+                <a16:creationId xmlns:a16="http://schemas.microsoft.com/office/drawing/2014/main" id="{743A0DE2-8794-E0F3-527D-2B79968B5938}"/>
+              </a:ext>
+            </a:extLst>
+          </p:cNvPr>
+          <p:cNvPicPr>
+            <a:picLocks noChangeAspect="1"/>
+          </p:cNvPicPr>
+          <p:nvPr/>
+        </p:nvPicPr>
+        <p:blipFill>
+          <a:blip r:embed="rId3"/>
+          <a:srcRect l="21658" r="26505" b="-1"/>
+          <a:stretch/>
+        </p:blipFill>
+        <p:spPr>
+          <a:xfrm>
+            <a:off x="7358539" y="0"/>
+            <a:ext cx="5334204" cy="6868886"/>
+          </a:xfrm>
+          <a:prstGeom prst="rect">
+            <a:avLst/>
+          </a:prstGeom>
+          <a:effectLst>
+            <a:outerShdw blurRad="127000" dist="50800" dir="10800000" sx="99000" sy="99000" algn="r" rotWithShape="0">
+              <a:prstClr val="black">
+                <a:alpha val="40000"/>
+              </a:prstClr>
+            </a:outerShdw>
+          </a:effectLst>
+        </p:spPr>
+      </p:pic>
+    </p:spTree>
+    <p:extLst>
+      <p:ext uri="{BB962C8B-B14F-4D97-AF65-F5344CB8AC3E}">
+        <p14:creationId xmlns:p14="http://schemas.microsoft.com/office/powerpoint/2010/main" val="629206556"/>
+      </p:ext>
+    </p:extLst>
+  </p:cSld>
+  <p:clrMapOvr>
+    <a:masterClrMapping/>
+  </p:clrMapOvr>
+</p:sld>
+</file>
+
+<file path=ppt/slides/slide21.xml><?xml version="1.0" encoding="utf-8"?>
+<p:sld xmlns:a="http://schemas.openxmlformats.org/drawingml/2006/main" xmlns:r="http://schemas.openxmlformats.org/officeDocument/2006/relationships" xmlns:p="http://schemas.openxmlformats.org/presentationml/2006/main">
+  <p:cSld>
+    <p:spTree>
+      <p:nvGrpSpPr>
+        <p:cNvPr id="1" name="">
+          <a:extLst>
+            <a:ext uri="{FF2B5EF4-FFF2-40B4-BE49-F238E27FC236}">
+              <a16:creationId xmlns:a16="http://schemas.microsoft.com/office/drawing/2014/main" id="{DD63D98A-0A45-DA8B-2AC4-5CA95FAE9205}"/>
+            </a:ext>
+          </a:extLst>
+        </p:cNvPr>
+        <p:cNvGrpSpPr/>
+        <p:nvPr/>
+      </p:nvGrpSpPr>
+      <p:grpSpPr>
+        <a:xfrm>
+          <a:off x="0" y="0"/>
+          <a:ext cx="0" cy="0"/>
+          <a:chOff x="0" y="0"/>
+          <a:chExt cx="0" cy="0"/>
+        </a:xfrm>
+      </p:grpSpPr>
+      <p:pic>
+        <p:nvPicPr>
+          <p:cNvPr id="15" name="Picture 14">
+            <a:extLst>
+              <a:ext uri="{FF2B5EF4-FFF2-40B4-BE49-F238E27FC236}">
+                <a16:creationId xmlns:a16="http://schemas.microsoft.com/office/drawing/2014/main" id="{05DA9F50-1F47-AD1B-3C79-BC294A0E03A2}"/>
+              </a:ext>
+            </a:extLst>
+          </p:cNvPr>
+          <p:cNvPicPr>
+            <a:picLocks noChangeAspect="1"/>
+          </p:cNvPicPr>
+          <p:nvPr/>
+        </p:nvPicPr>
+        <p:blipFill>
+          <a:blip r:embed="rId3"/>
+          <a:srcRect l="19235" r="23497" b="-1"/>
+          <a:stretch/>
+        </p:blipFill>
+        <p:spPr>
+          <a:xfrm>
+            <a:off x="7120558" y="11555"/>
+            <a:ext cx="6088971" cy="6857990"/>
+          </a:xfrm>
+          <a:prstGeom prst="rect">
+            <a:avLst/>
+          </a:prstGeom>
+        </p:spPr>
+      </p:pic>
+      <p:sp>
+        <p:nvSpPr>
+          <p:cNvPr id="4" name="Rectangle 3">
+            <a:extLst>
+              <a:ext uri="{FF2B5EF4-FFF2-40B4-BE49-F238E27FC236}">
+                <a16:creationId xmlns:a16="http://schemas.microsoft.com/office/drawing/2014/main" id="{2B47CD67-908F-4510-D78A-92D8D6983DE3}"/>
+              </a:ext>
+            </a:extLst>
+          </p:cNvPr>
+          <p:cNvSpPr/>
+          <p:nvPr/>
+        </p:nvSpPr>
+        <p:spPr>
+          <a:xfrm>
+            <a:off x="141369" y="-10"/>
+            <a:ext cx="6982703" cy="6858000"/>
+          </a:xfrm>
+          <a:prstGeom prst="rect">
+            <a:avLst/>
+          </a:prstGeom>
+          <a:solidFill>
+            <a:schemeClr val="bg1"/>
+          </a:solidFill>
+          <a:ln>
+            <a:noFill/>
+          </a:ln>
+        </p:spPr>
+        <p:style>
+          <a:lnRef idx="2">
+            <a:schemeClr val="accent1">
+              <a:shade val="15000"/>
+            </a:schemeClr>
+          </a:lnRef>
+          <a:fillRef idx="1">
+            <a:schemeClr val="accent1"/>
+          </a:fillRef>
+          <a:effectRef idx="0">
+            <a:schemeClr val="accent1"/>
+          </a:effectRef>
+          <a:fontRef idx="minor">
+            <a:schemeClr val="lt1"/>
+          </a:fontRef>
+        </p:style>
+        <p:txBody>
+          <a:bodyPr rtlCol="0" anchor="ctr"/>
+          <a:lstStyle/>
+          <a:p>
+            <a:pPr algn="ctr"/>
+            <a:endParaRPr lang="en-US"/>
+          </a:p>
+        </p:txBody>
+      </p:sp>
+      <p:sp>
+        <p:nvSpPr>
+          <p:cNvPr id="2" name="Title 1">
+            <a:extLst>
+              <a:ext uri="{FF2B5EF4-FFF2-40B4-BE49-F238E27FC236}">
+                <a16:creationId xmlns:a16="http://schemas.microsoft.com/office/drawing/2014/main" id="{14AFA12A-4798-CD7A-C355-F8998BCB7605}"/>
+              </a:ext>
+            </a:extLst>
+          </p:cNvPr>
+          <p:cNvSpPr>
+            <a:spLocks noGrp="1"/>
+          </p:cNvSpPr>
+          <p:nvPr>
+            <p:ph type="title"/>
+          </p:nvPr>
+        </p:nvSpPr>
+        <p:spPr>
+          <a:xfrm>
+            <a:off x="128208" y="79018"/>
+            <a:ext cx="5334199" cy="1628970"/>
+          </a:xfrm>
+        </p:spPr>
+        <p:txBody>
+          <a:bodyPr anchor="ctr">
+            <a:normAutofit/>
+          </a:bodyPr>
+          <a:lstStyle/>
+          <a:p>
+            <a:r>
+              <a:rPr lang="en-US" sz="3700" b="1" dirty="0"/>
+              <a:t>Mediation Example PROCESS Macro (SPSS)</a:t>
+            </a:r>
+          </a:p>
+        </p:txBody>
+      </p:sp>
+      <p:sp>
+        <p:nvSpPr>
+          <p:cNvPr id="3" name="Content Placeholder 2">
+            <a:extLst>
+              <a:ext uri="{FF2B5EF4-FFF2-40B4-BE49-F238E27FC236}">
+                <a16:creationId xmlns:a16="http://schemas.microsoft.com/office/drawing/2014/main" id="{B09E41AE-B239-8447-CF3E-7472E5FAE134}"/>
+              </a:ext>
+            </a:extLst>
+          </p:cNvPr>
+          <p:cNvSpPr>
+            <a:spLocks noGrp="1"/>
+          </p:cNvSpPr>
+          <p:nvPr>
+            <p:ph idx="1"/>
+          </p:nvPr>
+        </p:nvSpPr>
+        <p:spPr>
+          <a:xfrm>
+            <a:off x="0" y="812233"/>
+            <a:ext cx="7120558" cy="4888964"/>
+          </a:xfrm>
+        </p:spPr>
+        <p:txBody>
+          <a:bodyPr anchor="ctr">
+            <a:noAutofit/>
+          </a:bodyPr>
+          <a:lstStyle/>
+          <a:p>
+            <a:r>
+              <a:rPr lang="en-US" sz="1900" b="1" dirty="0"/>
+              <a:t>File </a:t>
+            </a:r>
+            <a:r>
+              <a:rPr lang="en-US" sz="2000" b="1" dirty="0"/>
+              <a:t>– </a:t>
+            </a:r>
+            <a:r>
+              <a:rPr lang="en-US" sz="1900" b="1" dirty="0"/>
+              <a:t>Mediation </a:t>
+            </a:r>
+            <a:r>
+              <a:rPr lang="en-US" sz="1900" b="1" dirty="0" err="1"/>
+              <a:t>Syntax.sps</a:t>
+            </a:r>
+            <a:endParaRPr lang="en-US" sz="1900" b="1" dirty="0"/>
+          </a:p>
+          <a:p>
+            <a:r>
+              <a:rPr lang="en-US" sz="1900" b="1" dirty="0"/>
+              <a:t>Import data_clean.csv into SPSS</a:t>
+            </a:r>
+          </a:p>
+          <a:p>
+            <a:r>
+              <a:rPr lang="en-US" sz="1900" b="1" dirty="0"/>
+              <a:t>Data Cleaning </a:t>
+            </a:r>
+            <a:r>
+              <a:rPr lang="en-US" sz="1900" dirty="0"/>
+              <a:t>(lines 1-34)</a:t>
+            </a:r>
+          </a:p>
+          <a:p>
+            <a:r>
+              <a:rPr lang="en-US" sz="1900" b="1" dirty="0"/>
+              <a:t>Exploratory Data Analysis </a:t>
+            </a:r>
+            <a:r>
+              <a:rPr lang="en-US" sz="1900" dirty="0"/>
+              <a:t>(lines 37-60)</a:t>
+            </a:r>
+          </a:p>
+          <a:p>
+            <a:r>
+              <a:rPr lang="en-US" sz="1900" b="1" dirty="0"/>
+              <a:t>Mediation</a:t>
+            </a:r>
+          </a:p>
+          <a:p>
+            <a:pPr lvl="1"/>
+            <a:r>
+              <a:rPr lang="en-US" sz="1900" dirty="0"/>
+              <a:t>All point-and-click</a:t>
+            </a:r>
+            <a:endParaRPr lang="en-US" sz="1900" b="1" dirty="0"/>
+          </a:p>
+        </p:txBody>
+      </p:sp>
+    </p:spTree>
+    <p:extLst>
+      <p:ext uri="{BB962C8B-B14F-4D97-AF65-F5344CB8AC3E}">
+        <p14:creationId xmlns:p14="http://schemas.microsoft.com/office/powerpoint/2010/main" val="616123647"/>
+      </p:ext>
+    </p:extLst>
+  </p:cSld>
+  <p:clrMapOvr>
+    <a:masterClrMapping/>
+  </p:clrMapOvr>
+</p:sld>
+</file>
+
+<file path=ppt/slides/slide22.xml><?xml version="1.0" encoding="utf-8"?>
+<p:sld xmlns:a="http://schemas.openxmlformats.org/drawingml/2006/main" xmlns:r="http://schemas.openxmlformats.org/officeDocument/2006/relationships" xmlns:p="http://schemas.openxmlformats.org/presentationml/2006/main">
+  <p:cSld>
+    <p:spTree>
+      <p:nvGrpSpPr>
+        <p:cNvPr id="1" name=""/>
+        <p:cNvGrpSpPr/>
+        <p:nvPr/>
+      </p:nvGrpSpPr>
+      <p:grpSpPr>
+        <a:xfrm>
+          <a:off x="0" y="0"/>
+          <a:ext cx="0" cy="0"/>
+          <a:chOff x="0" y="0"/>
+          <a:chExt cx="0" cy="0"/>
+        </a:xfrm>
+      </p:grpSpPr>
+      <p:sp>
+        <p:nvSpPr>
+          <p:cNvPr id="2" name="Title 1">
+            <a:extLst>
+              <a:ext uri="{FF2B5EF4-FFF2-40B4-BE49-F238E27FC236}">
+                <a16:creationId xmlns:a16="http://schemas.microsoft.com/office/drawing/2014/main" id="{6BD8312F-E2DC-4D9E-93AA-7B564BB211B0}"/>
+              </a:ext>
+            </a:extLst>
+          </p:cNvPr>
+          <p:cNvSpPr>
+            <a:spLocks noGrp="1"/>
+          </p:cNvSpPr>
+          <p:nvPr>
+            <p:ph type="title"/>
+          </p:nvPr>
+        </p:nvSpPr>
+        <p:spPr>
+          <a:xfrm>
+            <a:off x="0" y="-298422"/>
+            <a:ext cx="10515600" cy="1325563"/>
+          </a:xfrm>
+        </p:spPr>
+        <p:txBody>
+          <a:bodyPr/>
+          <a:lstStyle/>
+          <a:p>
+            <a:r>
+              <a:rPr lang="en-US" b="1" dirty="0"/>
+              <a:t>Suppression</a:t>
+            </a:r>
+          </a:p>
+        </p:txBody>
+      </p:sp>
+      <p:sp>
+        <p:nvSpPr>
+          <p:cNvPr id="3" name="Content Placeholder 2">
+            <a:extLst>
+              <a:ext uri="{FF2B5EF4-FFF2-40B4-BE49-F238E27FC236}">
+                <a16:creationId xmlns:a16="http://schemas.microsoft.com/office/drawing/2014/main" id="{547DEB0A-D339-B2E8-D2E9-64EE980C7301}"/>
+              </a:ext>
+            </a:extLst>
+          </p:cNvPr>
+          <p:cNvSpPr>
+            <a:spLocks noGrp="1"/>
+          </p:cNvSpPr>
+          <p:nvPr>
+            <p:ph idx="1"/>
+          </p:nvPr>
+        </p:nvSpPr>
+        <p:spPr>
+          <a:xfrm>
+            <a:off x="514519" y="905761"/>
+            <a:ext cx="10515600" cy="5664972"/>
+          </a:xfrm>
+        </p:spPr>
+        <p:txBody>
+          <a:bodyPr>
+            <a:noAutofit/>
+          </a:bodyPr>
+          <a:lstStyle/>
+          <a:p>
+            <a:pPr>
+              <a:lnSpc>
+                <a:spcPct val="100000"/>
+              </a:lnSpc>
+            </a:pPr>
+            <a:r>
+              <a:rPr lang="en-US" sz="2200" b="1" dirty="0"/>
+              <a:t>Identifying Suppression</a:t>
+            </a:r>
+          </a:p>
+          <a:p>
+            <a:pPr lvl="1">
+              <a:lnSpc>
+                <a:spcPct val="100000"/>
+              </a:lnSpc>
+              <a:buFont typeface="+mj-lt"/>
+              <a:buAutoNum type="arabicPeriod"/>
+            </a:pPr>
+            <a:r>
+              <a:rPr lang="en-US" sz="2200" b="1" dirty="0"/>
+              <a:t>Opposing Signs: </a:t>
+            </a:r>
+            <a:r>
+              <a:rPr lang="en-US" sz="2200" dirty="0"/>
+              <a:t>Indirect effect (+) vs. Direct effect (-).</a:t>
+            </a:r>
+          </a:p>
+          <a:p>
+            <a:pPr lvl="1">
+              <a:lnSpc>
+                <a:spcPct val="100000"/>
+              </a:lnSpc>
+              <a:buFont typeface="+mj-lt"/>
+              <a:buAutoNum type="arabicPeriod"/>
+            </a:pPr>
+            <a:r>
+              <a:rPr lang="en-US" sz="2200" b="1" dirty="0"/>
+              <a:t>Strength of Effects: </a:t>
+            </a:r>
+            <a:r>
+              <a:rPr lang="en-US" sz="2200" dirty="0"/>
+              <a:t>Direct effect is stronger (-) than the total effect.</a:t>
+            </a:r>
+          </a:p>
+          <a:p>
+            <a:pPr>
+              <a:lnSpc>
+                <a:spcPct val="100000"/>
+              </a:lnSpc>
+            </a:pPr>
+            <a:r>
+              <a:rPr lang="en-US" sz="2200" b="1" dirty="0"/>
+              <a:t>When is Suppression Problematic?</a:t>
+            </a:r>
+          </a:p>
+          <a:p>
+            <a:pPr lvl="1">
+              <a:lnSpc>
+                <a:spcPct val="100000"/>
+              </a:lnSpc>
+              <a:buFont typeface="+mj-lt"/>
+              <a:buAutoNum type="arabicPeriod"/>
+            </a:pPr>
+            <a:r>
+              <a:rPr lang="en-US" sz="2200" b="1" dirty="0"/>
+              <a:t>Significance Change</a:t>
+            </a:r>
+            <a:endParaRPr lang="en-US" sz="2200" dirty="0"/>
+          </a:p>
+          <a:p>
+            <a:pPr marL="1200150" lvl="2" indent="-285750">
+              <a:lnSpc>
+                <a:spcPct val="100000"/>
+              </a:lnSpc>
+              <a:buFont typeface="+mj-lt"/>
+              <a:buAutoNum type="arabicPeriod"/>
+            </a:pPr>
+            <a:r>
+              <a:rPr lang="en-US" sz="2200" dirty="0"/>
+              <a:t>If the direct effect is significant without a mediator but becomes non-significant with the mediator, suppression might bias results.</a:t>
+            </a:r>
+          </a:p>
+          <a:p>
+            <a:pPr lvl="1">
+              <a:lnSpc>
+                <a:spcPct val="100000"/>
+              </a:lnSpc>
+              <a:buFont typeface="+mj-lt"/>
+              <a:buAutoNum type="arabicPeriod"/>
+            </a:pPr>
+            <a:r>
+              <a:rPr lang="en-US" sz="2200" b="1" dirty="0"/>
+              <a:t>Multicollinearity Concerns</a:t>
+            </a:r>
+            <a:endParaRPr lang="en-US" sz="2200" dirty="0"/>
+          </a:p>
+          <a:p>
+            <a:pPr marL="1200150" lvl="2" indent="-285750">
+              <a:lnSpc>
+                <a:spcPct val="100000"/>
+              </a:lnSpc>
+              <a:buFont typeface="+mj-lt"/>
+              <a:buAutoNum type="arabicPeriod"/>
+            </a:pPr>
+            <a:r>
+              <a:rPr lang="en-US" sz="2200" dirty="0"/>
+              <a:t>If the predictor and mediator are highly correlated, suppression might be an artifact.</a:t>
+            </a:r>
+          </a:p>
+          <a:p>
+            <a:pPr marL="1200150" lvl="2" indent="-285750">
+              <a:lnSpc>
+                <a:spcPct val="100000"/>
+              </a:lnSpc>
+              <a:buFont typeface="+mj-lt"/>
+              <a:buAutoNum type="arabicPeriod"/>
+            </a:pPr>
+            <a:r>
+              <a:rPr lang="en-US" sz="2200" dirty="0"/>
+              <a:t>Variance Inflation Factor (VIF) can help check this.</a:t>
+            </a:r>
+          </a:p>
+          <a:p>
+            <a:pPr>
+              <a:lnSpc>
+                <a:spcPct val="100000"/>
+              </a:lnSpc>
+            </a:pPr>
+            <a:r>
+              <a:rPr lang="en-US" sz="2200" b="1" dirty="0"/>
+              <a:t>Testing for Problematic Suppression</a:t>
+            </a:r>
+          </a:p>
+          <a:p>
+            <a:pPr lvl="1">
+              <a:lnSpc>
+                <a:spcPct val="100000"/>
+              </a:lnSpc>
+            </a:pPr>
+            <a:r>
+              <a:rPr lang="en-US" sz="2200" dirty="0"/>
+              <a:t>See lines 330-378 of ‘3-Mediation.R’</a:t>
+            </a:r>
+          </a:p>
+        </p:txBody>
+      </p:sp>
+    </p:spTree>
+    <p:extLst>
+      <p:ext uri="{BB962C8B-B14F-4D97-AF65-F5344CB8AC3E}">
+        <p14:creationId xmlns:p14="http://schemas.microsoft.com/office/powerpoint/2010/main" val="2241931546"/>
+      </p:ext>
+    </p:extLst>
+  </p:cSld>
+  <p:clrMapOvr>
+    <a:masterClrMapping/>
+  </p:clrMapOvr>
+  <p:timing>
+    <p:tnLst>
+      <p:par>
+        <p:cTn id="1" dur="indefinite" restart="never" nodeType="tmRoot">
+          <p:childTnLst>
+            <p:seq concurrent="1" nextAc="seek">
+              <p:cTn id="2" dur="indefinite" nodeType="mainSeq">
+                <p:childTnLst>
+                  <p:par>
+                    <p:cTn id="3" fill="hold">
+                      <p:stCondLst>
+                        <p:cond delay="indefinite"/>
+                      </p:stCondLst>
+                      <p:childTnLst>
+                        <p:par>
+                          <p:cTn id="4" fill="hold">
+                            <p:stCondLst>
+                              <p:cond delay="0"/>
+                            </p:stCondLst>
+                            <p:childTnLst>
+                              <p:par>
+                                <p:cTn id="5" presetID="1" presetClass="entr" presetSubtype="0" fill="hold" nodeType="clickEffect">
+                                  <p:stCondLst>
+                                    <p:cond delay="0"/>
+                                  </p:stCondLst>
+                                  <p:childTnLst>
+                                    <p:set>
+                                      <p:cBhvr>
+                                        <p:cTn id="6" dur="1" fill="hold">
+                                          <p:stCondLst>
+                                            <p:cond delay="0"/>
+                                          </p:stCondLst>
+                                        </p:cTn>
+                                        <p:tgtEl>
+                                          <p:spTgt spid="3">
+                                            <p:txEl>
+                                              <p:pRg st="0" end="0"/>
+                                            </p:txEl>
+                                          </p:spTgt>
+                                        </p:tgtEl>
+                                        <p:attrNameLst>
+                                          <p:attrName>style.visibility</p:attrName>
+                                        </p:attrNameLst>
+                                      </p:cBhvr>
+                                      <p:to>
+                                        <p:strVal val="visible"/>
+                                      </p:to>
+                                    </p:set>
+                                  </p:childTnLst>
+                                </p:cTn>
+                              </p:par>
+                              <p:par>
+                                <p:cTn id="7" presetID="1" presetClass="entr" presetSubtype="0" fill="hold" nodeType="withEffect">
+                                  <p:stCondLst>
+                                    <p:cond delay="0"/>
+                                  </p:stCondLst>
+                                  <p:childTnLst>
+                                    <p:set>
+                                      <p:cBhvr>
+                                        <p:cTn id="8" dur="1" fill="hold">
+                                          <p:stCondLst>
+                                            <p:cond delay="0"/>
+                                          </p:stCondLst>
+                                        </p:cTn>
+                                        <p:tgtEl>
+                                          <p:spTgt spid="3">
+                                            <p:txEl>
+                                              <p:pRg st="1" end="1"/>
+                                            </p:txEl>
+                                          </p:spTgt>
+                                        </p:tgtEl>
+                                        <p:attrNameLst>
+                                          <p:attrName>style.visibility</p:attrName>
+                                        </p:attrNameLst>
+                                      </p:cBhvr>
+                                      <p:to>
+                                        <p:strVal val="visible"/>
+                                      </p:to>
+                                    </p:set>
+                                  </p:childTnLst>
+                                </p:cTn>
+                              </p:par>
+                              <p:par>
+                                <p:cTn id="9" presetID="1" presetClass="entr" presetSubtype="0" fill="hold" nodeType="withEffect">
+                                  <p:stCondLst>
+                                    <p:cond delay="0"/>
+                                  </p:stCondLst>
+                                  <p:childTnLst>
+                                    <p:set>
+                                      <p:cBhvr>
+                                        <p:cTn id="10" dur="1" fill="hold">
+                                          <p:stCondLst>
+                                            <p:cond delay="0"/>
+                                          </p:stCondLst>
+                                        </p:cTn>
+                                        <p:tgtEl>
+                                          <p:spTgt spid="3">
+                                            <p:txEl>
+                                              <p:pRg st="2" end="2"/>
+                                            </p:txEl>
+                                          </p:spTgt>
+                                        </p:tgtEl>
+                                        <p:attrNameLst>
+                                          <p:attrName>style.visibility</p:attrName>
+                                        </p:attrNameLst>
+                                      </p:cBhvr>
+                                      <p:to>
+                                        <p:strVal val="visible"/>
+                                      </p:to>
+                                    </p:set>
+                                  </p:childTnLst>
+                                </p:cTn>
+                              </p:par>
+                            </p:childTnLst>
+                          </p:cTn>
+                        </p:par>
+                      </p:childTnLst>
+                    </p:cTn>
+                  </p:par>
+                  <p:par>
+                    <p:cTn id="11" fill="hold">
+                      <p:stCondLst>
+                        <p:cond delay="indefinite"/>
+                      </p:stCondLst>
+                      <p:childTnLst>
+                        <p:par>
+                          <p:cTn id="12" fill="hold">
+                            <p:stCondLst>
+                              <p:cond delay="0"/>
+                            </p:stCondLst>
+                            <p:childTnLst>
+                              <p:par>
+                                <p:cTn id="13" presetID="1" presetClass="entr" presetSubtype="0" fill="hold" nodeType="clickEffect">
+                                  <p:stCondLst>
+                                    <p:cond delay="0"/>
+                                  </p:stCondLst>
+                                  <p:childTnLst>
+                                    <p:set>
+                                      <p:cBhvr>
+                                        <p:cTn id="14" dur="1" fill="hold">
+                                          <p:stCondLst>
+                                            <p:cond delay="0"/>
+                                          </p:stCondLst>
+                                        </p:cTn>
+                                        <p:tgtEl>
+                                          <p:spTgt spid="3">
+                                            <p:txEl>
+                                              <p:pRg st="3" end="3"/>
+                                            </p:txEl>
+                                          </p:spTgt>
+                                        </p:tgtEl>
+                                        <p:attrNameLst>
+                                          <p:attrName>style.visibility</p:attrName>
+                                        </p:attrNameLst>
+                                      </p:cBhvr>
+                                      <p:to>
+                                        <p:strVal val="visible"/>
+                                      </p:to>
+                                    </p:set>
+                                  </p:childTnLst>
+                                </p:cTn>
+                              </p:par>
+                              <p:par>
+                                <p:cTn id="15" presetID="1" presetClass="entr" presetSubtype="0" fill="hold" nodeType="withEffect">
+                                  <p:stCondLst>
+                                    <p:cond delay="0"/>
+                                  </p:stCondLst>
+                                  <p:childTnLst>
+                                    <p:set>
+                                      <p:cBhvr>
+                                        <p:cTn id="16" dur="1" fill="hold">
+                                          <p:stCondLst>
+                                            <p:cond delay="0"/>
+                                          </p:stCondLst>
+                                        </p:cTn>
+                                        <p:tgtEl>
+                                          <p:spTgt spid="3">
+                                            <p:txEl>
+                                              <p:pRg st="4" end="4"/>
+                                            </p:txEl>
+                                          </p:spTgt>
+                                        </p:tgtEl>
+                                        <p:attrNameLst>
+                                          <p:attrName>style.visibility</p:attrName>
+                                        </p:attrNameLst>
+                                      </p:cBhvr>
+                                      <p:to>
+                                        <p:strVal val="visible"/>
+                                      </p:to>
+                                    </p:set>
+                                  </p:childTnLst>
+                                </p:cTn>
+                              </p:par>
+                              <p:par>
+                                <p:cTn id="17" presetID="1" presetClass="entr" presetSubtype="0" fill="hold" nodeType="withEffect">
+                                  <p:stCondLst>
+                                    <p:cond delay="0"/>
+                                  </p:stCondLst>
+                                  <p:childTnLst>
+                                    <p:set>
+                                      <p:cBhvr>
+                                        <p:cTn id="18" dur="1" fill="hold">
+                                          <p:stCondLst>
+                                            <p:cond delay="0"/>
+                                          </p:stCondLst>
+                                        </p:cTn>
+                                        <p:tgtEl>
+                                          <p:spTgt spid="3">
+                                            <p:txEl>
+                                              <p:pRg st="5" end="5"/>
+                                            </p:txEl>
+                                          </p:spTgt>
+                                        </p:tgtEl>
+                                        <p:attrNameLst>
+                                          <p:attrName>style.visibility</p:attrName>
+                                        </p:attrNameLst>
+                                      </p:cBhvr>
+                                      <p:to>
+                                        <p:strVal val="visible"/>
+                                      </p:to>
+                                    </p:set>
+                                  </p:childTnLst>
+                                </p:cTn>
+                              </p:par>
+                            </p:childTnLst>
+                          </p:cTn>
+                        </p:par>
+                      </p:childTnLst>
+                    </p:cTn>
+                  </p:par>
+                  <p:par>
+                    <p:cTn id="19" fill="hold">
+                      <p:stCondLst>
+                        <p:cond delay="indefinite"/>
+                      </p:stCondLst>
+                      <p:childTnLst>
+                        <p:par>
+                          <p:cTn id="20" fill="hold">
+                            <p:stCondLst>
+                              <p:cond delay="0"/>
+                            </p:stCondLst>
+                            <p:childTnLst>
+                              <p:par>
+                                <p:cTn id="21" presetID="1" presetClass="entr" presetSubtype="0" fill="hold" nodeType="clickEffect">
+                                  <p:stCondLst>
+                                    <p:cond delay="0"/>
+                                  </p:stCondLst>
+                                  <p:childTnLst>
+                                    <p:set>
+                                      <p:cBhvr>
+                                        <p:cTn id="22" dur="1" fill="hold">
+                                          <p:stCondLst>
+                                            <p:cond delay="0"/>
+                                          </p:stCondLst>
+                                        </p:cTn>
+                                        <p:tgtEl>
+                                          <p:spTgt spid="3">
+                                            <p:txEl>
+                                              <p:pRg st="6" end="6"/>
+                                            </p:txEl>
+                                          </p:spTgt>
+                                        </p:tgtEl>
+                                        <p:attrNameLst>
+                                          <p:attrName>style.visibility</p:attrName>
+                                        </p:attrNameLst>
+                                      </p:cBhvr>
+                                      <p:to>
+                                        <p:strVal val="visible"/>
+                                      </p:to>
+                                    </p:set>
+                                  </p:childTnLst>
+                                </p:cTn>
+                              </p:par>
+                              <p:par>
+                                <p:cTn id="23" presetID="1" presetClass="entr" presetSubtype="0" fill="hold" nodeType="withEffect">
+                                  <p:stCondLst>
+                                    <p:cond delay="0"/>
+                                  </p:stCondLst>
+                                  <p:childTnLst>
+                                    <p:set>
+                                      <p:cBhvr>
+                                        <p:cTn id="24" dur="1" fill="hold">
+                                          <p:stCondLst>
+                                            <p:cond delay="0"/>
+                                          </p:stCondLst>
+                                        </p:cTn>
+                                        <p:tgtEl>
+                                          <p:spTgt spid="3">
+                                            <p:txEl>
+                                              <p:pRg st="7" end="7"/>
+                                            </p:txEl>
+                                          </p:spTgt>
+                                        </p:tgtEl>
+                                        <p:attrNameLst>
+                                          <p:attrName>style.visibility</p:attrName>
+                                        </p:attrNameLst>
+                                      </p:cBhvr>
+                                      <p:to>
+                                        <p:strVal val="visible"/>
+                                      </p:to>
+                                    </p:set>
+                                  </p:childTnLst>
+                                </p:cTn>
+                              </p:par>
+                              <p:par>
+                                <p:cTn id="25" presetID="1" presetClass="entr" presetSubtype="0" fill="hold" nodeType="withEffect">
+                                  <p:stCondLst>
+                                    <p:cond delay="0"/>
+                                  </p:stCondLst>
+                                  <p:childTnLst>
+                                    <p:set>
+                                      <p:cBhvr>
+                                        <p:cTn id="26" dur="1" fill="hold">
+                                          <p:stCondLst>
+                                            <p:cond delay="0"/>
+                                          </p:stCondLst>
+                                        </p:cTn>
+                                        <p:tgtEl>
+                                          <p:spTgt spid="3">
+                                            <p:txEl>
+                                              <p:pRg st="8" end="8"/>
+                                            </p:txEl>
+                                          </p:spTgt>
+                                        </p:tgtEl>
+                                        <p:attrNameLst>
+                                          <p:attrName>style.visibility</p:attrName>
+                                        </p:attrNameLst>
+                                      </p:cBhvr>
+                                      <p:to>
+                                        <p:strVal val="visible"/>
+                                      </p:to>
+                                    </p:set>
+                                  </p:childTnLst>
+                                </p:cTn>
+                              </p:par>
+                            </p:childTnLst>
+                          </p:cTn>
+                        </p:par>
+                      </p:childTnLst>
+                    </p:cTn>
+                  </p:par>
+                  <p:par>
+                    <p:cTn id="27" fill="hold">
+                      <p:stCondLst>
+                        <p:cond delay="indefinite"/>
+                      </p:stCondLst>
+                      <p:childTnLst>
+                        <p:par>
+                          <p:cTn id="28" fill="hold">
+                            <p:stCondLst>
+                              <p:cond delay="0"/>
+                            </p:stCondLst>
+                            <p:childTnLst>
+                              <p:par>
+                                <p:cTn id="29" presetID="1" presetClass="entr" presetSubtype="0" fill="hold" nodeType="clickEffect">
+                                  <p:stCondLst>
+                                    <p:cond delay="0"/>
+                                  </p:stCondLst>
+                                  <p:childTnLst>
+                                    <p:set>
+                                      <p:cBhvr>
+                                        <p:cTn id="30" dur="1" fill="hold">
+                                          <p:stCondLst>
+                                            <p:cond delay="0"/>
+                                          </p:stCondLst>
+                                        </p:cTn>
+                                        <p:tgtEl>
+                                          <p:spTgt spid="3">
+                                            <p:txEl>
+                                              <p:pRg st="9" end="9"/>
+                                            </p:txEl>
+                                          </p:spTgt>
+                                        </p:tgtEl>
+                                        <p:attrNameLst>
+                                          <p:attrName>style.visibility</p:attrName>
+                                        </p:attrNameLst>
+                                      </p:cBhvr>
+                                      <p:to>
+                                        <p:strVal val="visible"/>
+                                      </p:to>
+                                    </p:set>
+                                  </p:childTnLst>
+                                </p:cTn>
+                              </p:par>
+                              <p:par>
+                                <p:cTn id="31" presetID="1" presetClass="entr" presetSubtype="0" fill="hold" nodeType="withEffect">
+                                  <p:stCondLst>
+                                    <p:cond delay="0"/>
+                                  </p:stCondLst>
+                                  <p:childTnLst>
+                                    <p:set>
+                                      <p:cBhvr>
+                                        <p:cTn id="32" dur="1" fill="hold">
+                                          <p:stCondLst>
+                                            <p:cond delay="0"/>
+                                          </p:stCondLst>
+                                        </p:cTn>
+                                        <p:tgtEl>
+                                          <p:spTgt spid="3">
+                                            <p:txEl>
+                                              <p:pRg st="10" end="10"/>
+                                            </p:txEl>
+                                          </p:spTgt>
+                                        </p:tgtEl>
+                                        <p:attrNameLst>
+                                          <p:attrName>style.visibility</p:attrName>
+                                        </p:attrNameLst>
+                                      </p:cBhvr>
+                                      <p:to>
+                                        <p:strVal val="visible"/>
+                                      </p:to>
+                                    </p:set>
+                                  </p:childTnLst>
+                                </p:cTn>
+                              </p:par>
+                            </p:childTnLst>
+                          </p:cTn>
+                        </p:par>
+                      </p:childTnLst>
+                    </p:cTn>
+                  </p:par>
+                </p:childTnLst>
+              </p:cTn>
+              <p:prevCondLst>
+                <p:cond evt="onPrev" delay="0">
+                  <p:tgtEl>
+                    <p:sldTgt/>
+                  </p:tgtEl>
+                </p:cond>
+              </p:prevCondLst>
+              <p:nextCondLst>
+                <p:cond evt="onNext" delay="0">
+                  <p:tgtEl>
+                    <p:sldTgt/>
+                  </p:tgtEl>
+                </p:cond>
+              </p:nextCondLst>
+            </p:seq>
+          </p:childTnLst>
+        </p:cTn>
+      </p:par>
+    </p:tnLst>
+  </p:timing>
+</p:sld>
+</file>
+
+<file path=ppt/slides/slide23.xml><?xml version="1.0" encoding="utf-8"?>
+<p:sld xmlns:a="http://schemas.openxmlformats.org/drawingml/2006/main" xmlns:r="http://schemas.openxmlformats.org/officeDocument/2006/relationships" xmlns:p="http://schemas.openxmlformats.org/presentationml/2006/main">
+  <p:cSld>
+    <p:spTree>
+      <p:nvGrpSpPr>
         <p:cNvPr id="1" name=""/>
         <p:cNvGrpSpPr/>
         <p:nvPr/>
@@ -25690,8 +27320,8 @@
           </a:p>
         </p:txBody>
       </p:sp>
-      <mc:AlternateContent xmlns:mc="http://schemas.openxmlformats.org/markup-compatibility/2006">
-        <mc:Choice xmlns:a14="http://schemas.microsoft.com/office/drawing/2010/main" Requires="a14">
+      <mc:AlternateContent xmlns:mc="http://schemas.openxmlformats.org/markup-compatibility/2006" xmlns:a14="http://schemas.microsoft.com/office/drawing/2010/main">
+        <mc:Choice Requires="a14">
           <p:sp>
             <p:nvSpPr>
               <p:cNvPr id="3" name="Content Placeholder 2">
@@ -26060,7 +27690,7 @@
             </p:txBody>
           </p:sp>
         </mc:Choice>
-        <mc:Fallback>
+        <mc:Fallback xmlns="">
           <p:sp>
             <p:nvSpPr>
               <p:cNvPr id="3" name="Content Placeholder 2">
@@ -26104,8 +27734,8 @@
           </p:sp>
         </mc:Fallback>
       </mc:AlternateContent>
-      <mc:AlternateContent xmlns:mc="http://schemas.openxmlformats.org/markup-compatibility/2006">
-        <mc:Choice xmlns:a14="http://schemas.microsoft.com/office/drawing/2010/main" Requires="a14">
+      <mc:AlternateContent xmlns:mc="http://schemas.openxmlformats.org/markup-compatibility/2006" xmlns:a14="http://schemas.microsoft.com/office/drawing/2010/main">
+        <mc:Choice Requires="a14">
           <p:sp>
             <p:nvSpPr>
               <p:cNvPr id="4" name="TextBox 3">
@@ -26250,7 +27880,7 @@
             </p:txBody>
           </p:sp>
         </mc:Choice>
-        <mc:Fallback>
+        <mc:Fallback xmlns="">
           <p:sp>
             <p:nvSpPr>
               <p:cNvPr id="4" name="TextBox 3">
@@ -26295,8 +27925,8 @@
           </p:sp>
         </mc:Fallback>
       </mc:AlternateContent>
-      <mc:AlternateContent xmlns:mc="http://schemas.openxmlformats.org/markup-compatibility/2006">
-        <mc:Choice xmlns:a14="http://schemas.microsoft.com/office/drawing/2010/main" Requires="a14">
+      <mc:AlternateContent xmlns:mc="http://schemas.openxmlformats.org/markup-compatibility/2006" xmlns:a14="http://schemas.microsoft.com/office/drawing/2010/main">
+        <mc:Choice Requires="a14">
           <p:sp>
             <p:nvSpPr>
               <p:cNvPr id="5" name="TextBox 4">
@@ -26478,7 +28108,7 @@
             </p:txBody>
           </p:sp>
         </mc:Choice>
-        <mc:Fallback>
+        <mc:Fallback xmlns="">
           <p:sp>
             <p:nvSpPr>
               <p:cNvPr id="5" name="TextBox 4">
@@ -27836,7 +29466,7 @@
 </p:sld>
 </file>
 
-<file path=ppt/slides/slide21.xml><?xml version="1.0" encoding="utf-8"?>
+<file path=ppt/slides/slide24.xml><?xml version="1.0" encoding="utf-8"?>
 <p:sld xmlns:a="http://schemas.openxmlformats.org/drawingml/2006/main" xmlns:r="http://schemas.openxmlformats.org/officeDocument/2006/relationships" xmlns:p="http://schemas.openxmlformats.org/presentationml/2006/main">
   <p:cSld>
     <p:bg>
@@ -34117,7 +35747,7 @@
             </a:r>
             <a:r>
               <a:rPr lang="en-US" sz="1900" dirty="0"/>
-              <a:t>(lines 19-103)</a:t>
+              <a:t>(lines 19-109)</a:t>
             </a:r>
             <a:br>
               <a:rPr lang="en-US" sz="1900" dirty="0"/>
@@ -34131,7 +35761,7 @@
             </a:r>
             <a:r>
               <a:rPr lang="en-US" sz="1900" dirty="0"/>
-              <a:t>(lines 117-176)</a:t>
+              <a:t>(lines 113-184)</a:t>
             </a:r>
           </a:p>
           <a:p>
@@ -34152,7 +35782,7 @@
             </a:r>
             <a:r>
               <a:rPr lang="en-US" sz="1900" dirty="0"/>
-              <a:t>(lines 182-193)</a:t>
+              <a:t>(lines 189-200)</a:t>
             </a:r>
             <a:br>
               <a:rPr lang="en-US" sz="1900" dirty="0"/>
@@ -34169,21 +35799,21 @@
             <a:pPr lvl="1"/>
             <a:r>
               <a:rPr lang="en-US" sz="1900" dirty="0"/>
-              <a:t>Nominal predictor &amp; nominal moderator (lines 200 – 220)</a:t>
+              <a:t>Nominal predictor &amp; nominal moderator (lines 210 – 241)</a:t>
             </a:r>
           </a:p>
           <a:p>
             <a:pPr lvl="1"/>
             <a:r>
               <a:rPr lang="en-US" sz="1900" dirty="0"/>
-              <a:t>Continuous predictor &amp; nominal moderator (lines 225-260)</a:t>
+              <a:t>Continuous predictor &amp; nominal moderator (lines 247-278)</a:t>
             </a:r>
           </a:p>
           <a:p>
             <a:pPr lvl="1"/>
             <a:r>
               <a:rPr lang="en-US" sz="1900" dirty="0"/>
-              <a:t>Continuous predictor &amp; continuous moderator (lines 261-285)</a:t>
+              <a:t>Continuous predictor &amp; continuous moderator (lines 282-310)</a:t>
             </a:r>
           </a:p>
         </p:txBody>

--- a/Data Analysis II - Mediation and Moderation.pptx
+++ b/Data Analysis II - Mediation and Moderation.pptx
@@ -22453,31 +22453,31 @@
           <a:p>
             <a:r>
               <a:rPr lang="en-US" b="1" dirty="0"/>
-              <a:t>Direct Effect </a:t>
+              <a:t>Direct Effect:</a:t>
             </a:r>
             <a:r>
               <a:rPr lang="en-US" dirty="0"/>
-              <a:t>= c’</a:t>
+              <a:t> c’</a:t>
             </a:r>
           </a:p>
           <a:p>
             <a:r>
               <a:rPr lang="en-US" b="1" dirty="0"/>
-              <a:t>Indirect Effect </a:t>
+              <a:t>Indirect Effect:</a:t>
             </a:r>
             <a:r>
               <a:rPr lang="en-US" dirty="0"/>
-              <a:t>= a*b</a:t>
+              <a:t> a*b</a:t>
             </a:r>
           </a:p>
           <a:p>
             <a:r>
               <a:rPr lang="en-US" b="1" dirty="0"/>
-              <a:t>Total Effect </a:t>
+              <a:t>Total Effect:</a:t>
             </a:r>
             <a:r>
               <a:rPr lang="en-US" dirty="0"/>
-              <a:t>= c = (a*b) + c’</a:t>
+              <a:t> c = (a*b) + c’</a:t>
             </a:r>
           </a:p>
         </p:txBody>
@@ -25338,7 +25338,7 @@
         </p:nvSpPr>
         <p:spPr>
           <a:xfrm>
-            <a:off x="224633" y="2324912"/>
+            <a:off x="33842" y="2324912"/>
             <a:ext cx="6102825" cy="3892549"/>
           </a:xfrm>
         </p:spPr>
@@ -25401,14 +25401,7 @@
             </a:r>
             <a:r>
               <a:rPr lang="en-US" sz="2500" dirty="0"/>
-              <a:t>-values to infer</a:t>
-            </a:r>
-            <a:br>
-              <a:rPr lang="en-US" sz="2500" dirty="0"/>
-            </a:br>
-            <a:r>
-              <a:rPr lang="en-US" sz="2500" dirty="0"/>
-              <a:t>statistical significance</a:t>
+              <a:t>-values to infer statistical significance for indirect effect</a:t>
             </a:r>
           </a:p>
         </p:txBody>

--- a/Data Analysis II - Mediation and Moderation.pptx
+++ b/Data Analysis II - Mediation and Moderation.pptx
@@ -28527,7 +28527,7 @@
           <a:p>
             <a:r>
               <a:rPr lang="en-US" dirty="0"/>
-              <a:t>-.458***</a:t>
+              <a:t>.458***</a:t>
             </a:r>
           </a:p>
         </p:txBody>
